--- a/Doku/endpräsentation-ehalth.pptx
+++ b/Doku/endpräsentation-ehalth.pptx
@@ -7,6 +7,11 @@
   <p:sldIdLst>
     <p:sldId id="256" r:id="rId2"/>
     <p:sldId id="257" r:id="rId3"/>
+    <p:sldId id="258" r:id="rId4"/>
+    <p:sldId id="259" r:id="rId5"/>
+    <p:sldId id="260" r:id="rId6"/>
+    <p:sldId id="261" r:id="rId7"/>
+    <p:sldId id="262" r:id="rId8"/>
   </p:sldIdLst>
   <p:sldSz cx="9144000" cy="6858000" type="screen4x3"/>
   <p:notesSz cx="6858000" cy="9144000"/>
@@ -289,7 +294,8 @@
           <a:p>
             <a:fld id="{B12B85DF-5738-486A-B015-0EB08E83C667}" type="datetimeFigureOut">
               <a:rPr lang="de-DE" smtClean="0"/>
-              <a:t>26.06.2019</a:t>
+              <a:pPr/>
+              <a:t>27.06.2019</a:t>
             </a:fld>
             <a:endParaRPr lang="de-DE"/>
           </a:p>
@@ -331,6 +337,7 @@
           <a:p>
             <a:fld id="{76D67895-9CD9-4983-83EC-F60E121908DF}" type="slidenum">
               <a:rPr lang="de-DE" smtClean="0"/>
+              <a:pPr/>
               <a:t>‹#›</a:t>
             </a:fld>
             <a:endParaRPr lang="de-DE"/>
@@ -454,7 +461,8 @@
           <a:p>
             <a:fld id="{B12B85DF-5738-486A-B015-0EB08E83C667}" type="datetimeFigureOut">
               <a:rPr lang="de-DE" smtClean="0"/>
-              <a:t>26.06.2019</a:t>
+              <a:pPr/>
+              <a:t>27.06.2019</a:t>
             </a:fld>
             <a:endParaRPr lang="de-DE"/>
           </a:p>
@@ -496,6 +504,7 @@
           <a:p>
             <a:fld id="{76D67895-9CD9-4983-83EC-F60E121908DF}" type="slidenum">
               <a:rPr lang="de-DE" smtClean="0"/>
+              <a:pPr/>
               <a:t>‹#›</a:t>
             </a:fld>
             <a:endParaRPr lang="de-DE"/>
@@ -629,7 +638,8 @@
           <a:p>
             <a:fld id="{B12B85DF-5738-486A-B015-0EB08E83C667}" type="datetimeFigureOut">
               <a:rPr lang="de-DE" smtClean="0"/>
-              <a:t>26.06.2019</a:t>
+              <a:pPr/>
+              <a:t>27.06.2019</a:t>
             </a:fld>
             <a:endParaRPr lang="de-DE"/>
           </a:p>
@@ -671,6 +681,7 @@
           <a:p>
             <a:fld id="{76D67895-9CD9-4983-83EC-F60E121908DF}" type="slidenum">
               <a:rPr lang="de-DE" smtClean="0"/>
+              <a:pPr/>
               <a:t>‹#›</a:t>
             </a:fld>
             <a:endParaRPr lang="de-DE"/>
@@ -794,7 +805,8 @@
           <a:p>
             <a:fld id="{B12B85DF-5738-486A-B015-0EB08E83C667}" type="datetimeFigureOut">
               <a:rPr lang="de-DE" smtClean="0"/>
-              <a:t>26.06.2019</a:t>
+              <a:pPr/>
+              <a:t>27.06.2019</a:t>
             </a:fld>
             <a:endParaRPr lang="de-DE"/>
           </a:p>
@@ -836,6 +848,7 @@
           <a:p>
             <a:fld id="{76D67895-9CD9-4983-83EC-F60E121908DF}" type="slidenum">
               <a:rPr lang="de-DE" smtClean="0"/>
+              <a:pPr/>
               <a:t>‹#›</a:t>
             </a:fld>
             <a:endParaRPr lang="de-DE"/>
@@ -1035,7 +1048,8 @@
           <a:p>
             <a:fld id="{B12B85DF-5738-486A-B015-0EB08E83C667}" type="datetimeFigureOut">
               <a:rPr lang="de-DE" smtClean="0"/>
-              <a:t>26.06.2019</a:t>
+              <a:pPr/>
+              <a:t>27.06.2019</a:t>
             </a:fld>
             <a:endParaRPr lang="de-DE"/>
           </a:p>
@@ -1077,6 +1091,7 @@
           <a:p>
             <a:fld id="{76D67895-9CD9-4983-83EC-F60E121908DF}" type="slidenum">
               <a:rPr lang="de-DE" smtClean="0"/>
+              <a:pPr/>
               <a:t>‹#›</a:t>
             </a:fld>
             <a:endParaRPr lang="de-DE"/>
@@ -1318,7 +1333,8 @@
           <a:p>
             <a:fld id="{B12B85DF-5738-486A-B015-0EB08E83C667}" type="datetimeFigureOut">
               <a:rPr lang="de-DE" smtClean="0"/>
-              <a:t>26.06.2019</a:t>
+              <a:pPr/>
+              <a:t>27.06.2019</a:t>
             </a:fld>
             <a:endParaRPr lang="de-DE"/>
           </a:p>
@@ -1360,6 +1376,7 @@
           <a:p>
             <a:fld id="{76D67895-9CD9-4983-83EC-F60E121908DF}" type="slidenum">
               <a:rPr lang="de-DE" smtClean="0"/>
+              <a:pPr/>
               <a:t>‹#›</a:t>
             </a:fld>
             <a:endParaRPr lang="de-DE"/>
@@ -1735,7 +1752,8 @@
           <a:p>
             <a:fld id="{B12B85DF-5738-486A-B015-0EB08E83C667}" type="datetimeFigureOut">
               <a:rPr lang="de-DE" smtClean="0"/>
-              <a:t>26.06.2019</a:t>
+              <a:pPr/>
+              <a:t>27.06.2019</a:t>
             </a:fld>
             <a:endParaRPr lang="de-DE"/>
           </a:p>
@@ -1777,6 +1795,7 @@
           <a:p>
             <a:fld id="{76D67895-9CD9-4983-83EC-F60E121908DF}" type="slidenum">
               <a:rPr lang="de-DE" smtClean="0"/>
+              <a:pPr/>
               <a:t>‹#›</a:t>
             </a:fld>
             <a:endParaRPr lang="de-DE"/>
@@ -1848,7 +1867,8 @@
           <a:p>
             <a:fld id="{B12B85DF-5738-486A-B015-0EB08E83C667}" type="datetimeFigureOut">
               <a:rPr lang="de-DE" smtClean="0"/>
-              <a:t>26.06.2019</a:t>
+              <a:pPr/>
+              <a:t>27.06.2019</a:t>
             </a:fld>
             <a:endParaRPr lang="de-DE"/>
           </a:p>
@@ -1890,6 +1910,7 @@
           <a:p>
             <a:fld id="{76D67895-9CD9-4983-83EC-F60E121908DF}" type="slidenum">
               <a:rPr lang="de-DE" smtClean="0"/>
+              <a:pPr/>
               <a:t>‹#›</a:t>
             </a:fld>
             <a:endParaRPr lang="de-DE"/>
@@ -1938,7 +1959,8 @@
           <a:p>
             <a:fld id="{B12B85DF-5738-486A-B015-0EB08E83C667}" type="datetimeFigureOut">
               <a:rPr lang="de-DE" smtClean="0"/>
-              <a:t>26.06.2019</a:t>
+              <a:pPr/>
+              <a:t>27.06.2019</a:t>
             </a:fld>
             <a:endParaRPr lang="de-DE"/>
           </a:p>
@@ -1980,6 +2002,7 @@
           <a:p>
             <a:fld id="{76D67895-9CD9-4983-83EC-F60E121908DF}" type="slidenum">
               <a:rPr lang="de-DE" smtClean="0"/>
+              <a:pPr/>
               <a:t>‹#›</a:t>
             </a:fld>
             <a:endParaRPr lang="de-DE"/>
@@ -2210,7 +2233,8 @@
           <a:p>
             <a:fld id="{B12B85DF-5738-486A-B015-0EB08E83C667}" type="datetimeFigureOut">
               <a:rPr lang="de-DE" smtClean="0"/>
-              <a:t>26.06.2019</a:t>
+              <a:pPr/>
+              <a:t>27.06.2019</a:t>
             </a:fld>
             <a:endParaRPr lang="de-DE"/>
           </a:p>
@@ -2252,6 +2276,7 @@
           <a:p>
             <a:fld id="{76D67895-9CD9-4983-83EC-F60E121908DF}" type="slidenum">
               <a:rPr lang="de-DE" smtClean="0"/>
+              <a:pPr/>
               <a:t>‹#›</a:t>
             </a:fld>
             <a:endParaRPr lang="de-DE"/>
@@ -2458,7 +2483,8 @@
           <a:p>
             <a:fld id="{B12B85DF-5738-486A-B015-0EB08E83C667}" type="datetimeFigureOut">
               <a:rPr lang="de-DE" smtClean="0"/>
-              <a:t>26.06.2019</a:t>
+              <a:pPr/>
+              <a:t>27.06.2019</a:t>
             </a:fld>
             <a:endParaRPr lang="de-DE"/>
           </a:p>
@@ -2500,6 +2526,7 @@
           <a:p>
             <a:fld id="{76D67895-9CD9-4983-83EC-F60E121908DF}" type="slidenum">
               <a:rPr lang="de-DE" smtClean="0"/>
+              <a:pPr/>
               <a:t>‹#›</a:t>
             </a:fld>
             <a:endParaRPr lang="de-DE"/>
@@ -2666,7 +2693,8 @@
           <a:p>
             <a:fld id="{B12B85DF-5738-486A-B015-0EB08E83C667}" type="datetimeFigureOut">
               <a:rPr lang="de-DE" smtClean="0"/>
-              <a:t>26.06.2019</a:t>
+              <a:pPr/>
+              <a:t>27.06.2019</a:t>
             </a:fld>
             <a:endParaRPr lang="de-DE"/>
           </a:p>
@@ -2744,6 +2772,7 @@
           <a:p>
             <a:fld id="{76D67895-9CD9-4983-83EC-F60E121908DF}" type="slidenum">
               <a:rPr lang="de-DE" smtClean="0"/>
+              <a:pPr/>
               <a:t>‹#›</a:t>
             </a:fld>
             <a:endParaRPr lang="de-DE"/>
@@ -3294,7 +3323,11 @@
           <a:bodyPr/>
           <a:lstStyle/>
           <a:p>
-            <a:endParaRPr lang="de-DE"/>
+            <a:r>
+              <a:rPr lang="de-DE" dirty="0" smtClean="0"/>
+              <a:t>Gliederung</a:t>
+            </a:r>
+            <a:endParaRPr lang="de-DE" dirty="0"/>
           </a:p>
         </p:txBody>
       </p:sp>
@@ -3313,10 +3346,552 @@
           <a:bodyPr/>
           <a:lstStyle/>
           <a:p>
-            <a:endParaRPr lang="de-DE"/>
-          </a:p>
-        </p:txBody>
-      </p:sp>
+            <a:r>
+              <a:rPr lang="de-DE" dirty="0" smtClean="0"/>
+              <a:t>Projektidee</a:t>
+            </a:r>
+          </a:p>
+          <a:p>
+            <a:r>
+              <a:rPr lang="de-DE" dirty="0" smtClean="0"/>
+              <a:t>Use Case</a:t>
+            </a:r>
+          </a:p>
+          <a:p>
+            <a:r>
+              <a:rPr lang="de-DE" dirty="0" smtClean="0"/>
+              <a:t>Was wurde realisiert?</a:t>
+            </a:r>
+          </a:p>
+          <a:p>
+            <a:r>
+              <a:rPr lang="de-DE" dirty="0" smtClean="0"/>
+              <a:t>Risiken</a:t>
+            </a:r>
+            <a:endParaRPr lang="de-DE" dirty="0"/>
+          </a:p>
+        </p:txBody>
+      </p:sp>
+    </p:spTree>
+  </p:cSld>
+  <p:clrMapOvr>
+    <a:masterClrMapping/>
+  </p:clrMapOvr>
+</p:sld>
+</file>
+
+<file path=ppt/slides/slide3.xml><?xml version="1.0" encoding="utf-8"?>
+<p:sld xmlns:a="http://schemas.openxmlformats.org/drawingml/2006/main" xmlns:r="http://schemas.openxmlformats.org/officeDocument/2006/relationships" xmlns:p="http://schemas.openxmlformats.org/presentationml/2006/main">
+  <p:cSld>
+    <p:spTree>
+      <p:nvGrpSpPr>
+        <p:cNvPr id="1" name=""/>
+        <p:cNvGrpSpPr/>
+        <p:nvPr/>
+      </p:nvGrpSpPr>
+      <p:grpSpPr>
+        <a:xfrm>
+          <a:off x="0" y="0"/>
+          <a:ext cx="0" cy="0"/>
+          <a:chOff x="0" y="0"/>
+          <a:chExt cx="0" cy="0"/>
+        </a:xfrm>
+      </p:grpSpPr>
+      <p:sp>
+        <p:nvSpPr>
+          <p:cNvPr id="2" name="Title 1"/>
+          <p:cNvSpPr>
+            <a:spLocks noGrp="1"/>
+          </p:cNvSpPr>
+          <p:nvPr>
+            <p:ph type="title"/>
+          </p:nvPr>
+        </p:nvSpPr>
+        <p:spPr/>
+        <p:txBody>
+          <a:bodyPr/>
+          <a:lstStyle/>
+          <a:p>
+            <a:r>
+              <a:rPr lang="de-DE" dirty="0" smtClean="0"/>
+              <a:t>Projektidee</a:t>
+            </a:r>
+            <a:endParaRPr lang="de-DE" dirty="0"/>
+          </a:p>
+        </p:txBody>
+      </p:sp>
+      <p:pic>
+        <p:nvPicPr>
+          <p:cNvPr id="1026" name="Picture 2" descr="D:\Documents\Dropbox\E-Health SS19\Bilder\Mockups\01_Login.png"/>
+          <p:cNvPicPr>
+            <a:picLocks noChangeAspect="1" noChangeArrowheads="1"/>
+          </p:cNvPicPr>
+          <p:nvPr/>
+        </p:nvPicPr>
+        <p:blipFill>
+          <a:blip r:embed="rId2" cstate="print"/>
+          <a:srcRect/>
+          <a:stretch>
+            <a:fillRect/>
+          </a:stretch>
+        </p:blipFill>
+        <p:spPr bwMode="auto">
+          <a:xfrm>
+            <a:off x="428596" y="1857364"/>
+            <a:ext cx="3725702" cy="2786082"/>
+          </a:xfrm>
+          <a:prstGeom prst="rect">
+            <a:avLst/>
+          </a:prstGeom>
+          <a:noFill/>
+        </p:spPr>
+      </p:pic>
+      <p:sp>
+        <p:nvSpPr>
+          <p:cNvPr id="5" name="TextBox 4"/>
+          <p:cNvSpPr txBox="1"/>
+          <p:nvPr/>
+        </p:nvSpPr>
+        <p:spPr>
+          <a:xfrm>
+            <a:off x="1285852" y="4786322"/>
+            <a:ext cx="1565108" cy="369332"/>
+          </a:xfrm>
+          <a:prstGeom prst="rect">
+            <a:avLst/>
+          </a:prstGeom>
+          <a:noFill/>
+        </p:spPr>
+        <p:txBody>
+          <a:bodyPr wrap="none" rtlCol="0">
+            <a:spAutoFit/>
+          </a:bodyPr>
+          <a:lstStyle/>
+          <a:p>
+            <a:r>
+              <a:rPr lang="de-DE" dirty="0" smtClean="0"/>
+              <a:t>Mockup: Login</a:t>
+            </a:r>
+            <a:endParaRPr lang="de-DE" dirty="0"/>
+          </a:p>
+        </p:txBody>
+      </p:sp>
+    </p:spTree>
+  </p:cSld>
+  <p:clrMapOvr>
+    <a:masterClrMapping/>
+  </p:clrMapOvr>
+</p:sld>
+</file>
+
+<file path=ppt/slides/slide4.xml><?xml version="1.0" encoding="utf-8"?>
+<p:sld xmlns:a="http://schemas.openxmlformats.org/drawingml/2006/main" xmlns:r="http://schemas.openxmlformats.org/officeDocument/2006/relationships" xmlns:p="http://schemas.openxmlformats.org/presentationml/2006/main">
+  <p:cSld>
+    <p:spTree>
+      <p:nvGrpSpPr>
+        <p:cNvPr id="1" name=""/>
+        <p:cNvGrpSpPr/>
+        <p:nvPr/>
+      </p:nvGrpSpPr>
+      <p:grpSpPr>
+        <a:xfrm>
+          <a:off x="0" y="0"/>
+          <a:ext cx="0" cy="0"/>
+          <a:chOff x="0" y="0"/>
+          <a:chExt cx="0" cy="0"/>
+        </a:xfrm>
+      </p:grpSpPr>
+      <p:sp>
+        <p:nvSpPr>
+          <p:cNvPr id="2" name="Title 1"/>
+          <p:cNvSpPr>
+            <a:spLocks noGrp="1"/>
+          </p:cNvSpPr>
+          <p:nvPr>
+            <p:ph type="title"/>
+          </p:nvPr>
+        </p:nvSpPr>
+        <p:spPr/>
+        <p:txBody>
+          <a:bodyPr/>
+          <a:lstStyle/>
+          <a:p>
+            <a:r>
+              <a:rPr lang="de-DE" dirty="0" smtClean="0"/>
+              <a:t>Projektidee</a:t>
+            </a:r>
+            <a:endParaRPr lang="de-DE" dirty="0"/>
+          </a:p>
+        </p:txBody>
+      </p:sp>
+      <p:sp>
+        <p:nvSpPr>
+          <p:cNvPr id="5" name="TextBox 4"/>
+          <p:cNvSpPr txBox="1"/>
+          <p:nvPr/>
+        </p:nvSpPr>
+        <p:spPr>
+          <a:xfrm>
+            <a:off x="1285852" y="4786322"/>
+            <a:ext cx="3050772" cy="369332"/>
+          </a:xfrm>
+          <a:prstGeom prst="rect">
+            <a:avLst/>
+          </a:prstGeom>
+          <a:noFill/>
+        </p:spPr>
+        <p:txBody>
+          <a:bodyPr wrap="none" rtlCol="0">
+            <a:spAutoFit/>
+          </a:bodyPr>
+          <a:lstStyle/>
+          <a:p>
+            <a:r>
+              <a:rPr lang="de-DE" dirty="0" smtClean="0"/>
+              <a:t>Mockup: Startseite Psychologe</a:t>
+            </a:r>
+            <a:endParaRPr lang="de-DE" dirty="0"/>
+          </a:p>
+        </p:txBody>
+      </p:sp>
+      <p:pic>
+        <p:nvPicPr>
+          <p:cNvPr id="2050" name="Picture 2" descr="D:\Documents\Dropbox\E-Health SS19\Bilder\Mockups\02_Startseite_Psych.png"/>
+          <p:cNvPicPr>
+            <a:picLocks noChangeAspect="1" noChangeArrowheads="1"/>
+          </p:cNvPicPr>
+          <p:nvPr/>
+        </p:nvPicPr>
+        <p:blipFill>
+          <a:blip r:embed="rId2" cstate="print"/>
+          <a:srcRect/>
+          <a:stretch>
+            <a:fillRect/>
+          </a:stretch>
+        </p:blipFill>
+        <p:spPr bwMode="auto">
+          <a:xfrm>
+            <a:off x="357158" y="1714488"/>
+            <a:ext cx="3714776" cy="2786082"/>
+          </a:xfrm>
+          <a:prstGeom prst="rect">
+            <a:avLst/>
+          </a:prstGeom>
+          <a:noFill/>
+        </p:spPr>
+      </p:pic>
+    </p:spTree>
+  </p:cSld>
+  <p:clrMapOvr>
+    <a:masterClrMapping/>
+  </p:clrMapOvr>
+</p:sld>
+</file>
+
+<file path=ppt/slides/slide5.xml><?xml version="1.0" encoding="utf-8"?>
+<p:sld xmlns:a="http://schemas.openxmlformats.org/drawingml/2006/main" xmlns:r="http://schemas.openxmlformats.org/officeDocument/2006/relationships" xmlns:p="http://schemas.openxmlformats.org/presentationml/2006/main">
+  <p:cSld>
+    <p:spTree>
+      <p:nvGrpSpPr>
+        <p:cNvPr id="1" name=""/>
+        <p:cNvGrpSpPr/>
+        <p:nvPr/>
+      </p:nvGrpSpPr>
+      <p:grpSpPr>
+        <a:xfrm>
+          <a:off x="0" y="0"/>
+          <a:ext cx="0" cy="0"/>
+          <a:chOff x="0" y="0"/>
+          <a:chExt cx="0" cy="0"/>
+        </a:xfrm>
+      </p:grpSpPr>
+      <p:sp>
+        <p:nvSpPr>
+          <p:cNvPr id="2" name="Title 1"/>
+          <p:cNvSpPr>
+            <a:spLocks noGrp="1"/>
+          </p:cNvSpPr>
+          <p:nvPr>
+            <p:ph type="title"/>
+          </p:nvPr>
+        </p:nvSpPr>
+        <p:spPr/>
+        <p:txBody>
+          <a:bodyPr/>
+          <a:lstStyle/>
+          <a:p>
+            <a:r>
+              <a:rPr lang="de-DE" dirty="0" smtClean="0"/>
+              <a:t>Projektidee</a:t>
+            </a:r>
+            <a:endParaRPr lang="de-DE" dirty="0"/>
+          </a:p>
+        </p:txBody>
+      </p:sp>
+      <p:sp>
+        <p:nvSpPr>
+          <p:cNvPr id="5" name="TextBox 4"/>
+          <p:cNvSpPr txBox="1"/>
+          <p:nvPr/>
+        </p:nvSpPr>
+        <p:spPr>
+          <a:xfrm>
+            <a:off x="1071538" y="4643446"/>
+            <a:ext cx="2526589" cy="369332"/>
+          </a:xfrm>
+          <a:prstGeom prst="rect">
+            <a:avLst/>
+          </a:prstGeom>
+          <a:noFill/>
+        </p:spPr>
+        <p:txBody>
+          <a:bodyPr wrap="none" rtlCol="0">
+            <a:spAutoFit/>
+          </a:bodyPr>
+          <a:lstStyle/>
+          <a:p>
+            <a:r>
+              <a:rPr lang="de-DE" dirty="0" smtClean="0"/>
+              <a:t>Mockup: Dropdown links</a:t>
+            </a:r>
+            <a:endParaRPr lang="de-DE" dirty="0"/>
+          </a:p>
+        </p:txBody>
+      </p:sp>
+      <p:pic>
+        <p:nvPicPr>
+          <p:cNvPr id="3074" name="Picture 2" descr="D:\Documents\Dropbox\E-Health SS19\Bilder\Mockups\03_dropdown_psych.png"/>
+          <p:cNvPicPr>
+            <a:picLocks noChangeAspect="1" noChangeArrowheads="1"/>
+          </p:cNvPicPr>
+          <p:nvPr/>
+        </p:nvPicPr>
+        <p:blipFill>
+          <a:blip r:embed="rId2" cstate="print"/>
+          <a:srcRect/>
+          <a:stretch>
+            <a:fillRect/>
+          </a:stretch>
+        </p:blipFill>
+        <p:spPr bwMode="auto">
+          <a:xfrm>
+            <a:off x="642910" y="1785926"/>
+            <a:ext cx="3827504" cy="2857520"/>
+          </a:xfrm>
+          <a:prstGeom prst="rect">
+            <a:avLst/>
+          </a:prstGeom>
+          <a:noFill/>
+        </p:spPr>
+      </p:pic>
+    </p:spTree>
+  </p:cSld>
+  <p:clrMapOvr>
+    <a:masterClrMapping/>
+  </p:clrMapOvr>
+</p:sld>
+</file>
+
+<file path=ppt/slides/slide6.xml><?xml version="1.0" encoding="utf-8"?>
+<p:sld xmlns:a="http://schemas.openxmlformats.org/drawingml/2006/main" xmlns:r="http://schemas.openxmlformats.org/officeDocument/2006/relationships" xmlns:p="http://schemas.openxmlformats.org/presentationml/2006/main">
+  <p:cSld>
+    <p:spTree>
+      <p:nvGrpSpPr>
+        <p:cNvPr id="1" name=""/>
+        <p:cNvGrpSpPr/>
+        <p:nvPr/>
+      </p:nvGrpSpPr>
+      <p:grpSpPr>
+        <a:xfrm>
+          <a:off x="0" y="0"/>
+          <a:ext cx="0" cy="0"/>
+          <a:chOff x="0" y="0"/>
+          <a:chExt cx="0" cy="0"/>
+        </a:xfrm>
+      </p:grpSpPr>
+      <p:sp>
+        <p:nvSpPr>
+          <p:cNvPr id="2" name="Title 1"/>
+          <p:cNvSpPr>
+            <a:spLocks noGrp="1"/>
+          </p:cNvSpPr>
+          <p:nvPr>
+            <p:ph type="title"/>
+          </p:nvPr>
+        </p:nvSpPr>
+        <p:spPr/>
+        <p:txBody>
+          <a:bodyPr/>
+          <a:lstStyle/>
+          <a:p>
+            <a:r>
+              <a:rPr lang="de-DE" dirty="0" smtClean="0"/>
+              <a:t>Projektidee</a:t>
+            </a:r>
+            <a:endParaRPr lang="de-DE" dirty="0"/>
+          </a:p>
+        </p:txBody>
+      </p:sp>
+      <p:sp>
+        <p:nvSpPr>
+          <p:cNvPr id="5" name="TextBox 4"/>
+          <p:cNvSpPr txBox="1"/>
+          <p:nvPr/>
+        </p:nvSpPr>
+        <p:spPr>
+          <a:xfrm>
+            <a:off x="1285852" y="4643446"/>
+            <a:ext cx="2523832" cy="369332"/>
+          </a:xfrm>
+          <a:prstGeom prst="rect">
+            <a:avLst/>
+          </a:prstGeom>
+          <a:noFill/>
+        </p:spPr>
+        <p:txBody>
+          <a:bodyPr wrap="none" rtlCol="0">
+            <a:spAutoFit/>
+          </a:bodyPr>
+          <a:lstStyle/>
+          <a:p>
+            <a:r>
+              <a:rPr lang="de-DE" dirty="0" smtClean="0"/>
+              <a:t>Mockup: Patient anlegen</a:t>
+            </a:r>
+            <a:endParaRPr lang="de-DE" dirty="0"/>
+          </a:p>
+        </p:txBody>
+      </p:sp>
+      <p:pic>
+        <p:nvPicPr>
+          <p:cNvPr id="4098" name="Picture 2" descr="D:\Documents\Dropbox\E-Health SS19\Bilder\Mockups\04_Patient_anlegen.png"/>
+          <p:cNvPicPr>
+            <a:picLocks noChangeAspect="1" noChangeArrowheads="1"/>
+          </p:cNvPicPr>
+          <p:nvPr/>
+        </p:nvPicPr>
+        <p:blipFill>
+          <a:blip r:embed="rId2" cstate="print"/>
+          <a:srcRect/>
+          <a:stretch>
+            <a:fillRect/>
+          </a:stretch>
+        </p:blipFill>
+        <p:spPr bwMode="auto">
+          <a:xfrm>
+            <a:off x="571472" y="1571612"/>
+            <a:ext cx="4094442" cy="3071834"/>
+          </a:xfrm>
+          <a:prstGeom prst="rect">
+            <a:avLst/>
+          </a:prstGeom>
+          <a:noFill/>
+        </p:spPr>
+      </p:pic>
+    </p:spTree>
+  </p:cSld>
+  <p:clrMapOvr>
+    <a:masterClrMapping/>
+  </p:clrMapOvr>
+</p:sld>
+</file>
+
+<file path=ppt/slides/slide7.xml><?xml version="1.0" encoding="utf-8"?>
+<p:sld xmlns:a="http://schemas.openxmlformats.org/drawingml/2006/main" xmlns:r="http://schemas.openxmlformats.org/officeDocument/2006/relationships" xmlns:p="http://schemas.openxmlformats.org/presentationml/2006/main">
+  <p:cSld>
+    <p:spTree>
+      <p:nvGrpSpPr>
+        <p:cNvPr id="1" name=""/>
+        <p:cNvGrpSpPr/>
+        <p:nvPr/>
+      </p:nvGrpSpPr>
+      <p:grpSpPr>
+        <a:xfrm>
+          <a:off x="0" y="0"/>
+          <a:ext cx="0" cy="0"/>
+          <a:chOff x="0" y="0"/>
+          <a:chExt cx="0" cy="0"/>
+        </a:xfrm>
+      </p:grpSpPr>
+      <p:sp>
+        <p:nvSpPr>
+          <p:cNvPr id="2" name="Title 1"/>
+          <p:cNvSpPr>
+            <a:spLocks noGrp="1"/>
+          </p:cNvSpPr>
+          <p:nvPr>
+            <p:ph type="title"/>
+          </p:nvPr>
+        </p:nvSpPr>
+        <p:spPr/>
+        <p:txBody>
+          <a:bodyPr/>
+          <a:lstStyle/>
+          <a:p>
+            <a:r>
+              <a:rPr lang="de-DE" dirty="0" smtClean="0"/>
+              <a:t>Projektidee</a:t>
+            </a:r>
+            <a:endParaRPr lang="de-DE" dirty="0"/>
+          </a:p>
+        </p:txBody>
+      </p:sp>
+      <p:sp>
+        <p:nvSpPr>
+          <p:cNvPr id="5" name="TextBox 4"/>
+          <p:cNvSpPr txBox="1"/>
+          <p:nvPr/>
+        </p:nvSpPr>
+        <p:spPr>
+          <a:xfrm>
+            <a:off x="1285852" y="4643446"/>
+            <a:ext cx="2523832" cy="369332"/>
+          </a:xfrm>
+          <a:prstGeom prst="rect">
+            <a:avLst/>
+          </a:prstGeom>
+          <a:noFill/>
+        </p:spPr>
+        <p:txBody>
+          <a:bodyPr wrap="none" rtlCol="0">
+            <a:spAutoFit/>
+          </a:bodyPr>
+          <a:lstStyle/>
+          <a:p>
+            <a:r>
+              <a:rPr lang="de-DE" dirty="0" smtClean="0"/>
+              <a:t>Mockup: Patient anlegen</a:t>
+            </a:r>
+            <a:endParaRPr lang="de-DE" dirty="0"/>
+          </a:p>
+        </p:txBody>
+      </p:sp>
+      <p:pic>
+        <p:nvPicPr>
+          <p:cNvPr id="5122" name="Picture 2" descr="D:\Documents\Dropbox\E-Health SS19\Bilder\Mockups\05_Patientensuche.png"/>
+          <p:cNvPicPr>
+            <a:picLocks noChangeAspect="1" noChangeArrowheads="1"/>
+          </p:cNvPicPr>
+          <p:nvPr/>
+        </p:nvPicPr>
+        <p:blipFill>
+          <a:blip r:embed="rId2" cstate="print"/>
+          <a:srcRect/>
+          <a:stretch>
+            <a:fillRect/>
+          </a:stretch>
+        </p:blipFill>
+        <p:spPr bwMode="auto">
+          <a:xfrm>
+            <a:off x="714347" y="1714488"/>
+            <a:ext cx="3898913" cy="2928958"/>
+          </a:xfrm>
+          <a:prstGeom prst="rect">
+            <a:avLst/>
+          </a:prstGeom>
+          <a:noFill/>
+        </p:spPr>
+      </p:pic>
     </p:spTree>
   </p:cSld>
   <p:clrMapOvr>

--- a/Doku/endpräsentation-ehalth.pptx
+++ b/Doku/endpräsentation-ehalth.pptx
@@ -7,11 +7,23 @@
   <p:sldIdLst>
     <p:sldId id="256" r:id="rId2"/>
     <p:sldId id="257" r:id="rId3"/>
-    <p:sldId id="258" r:id="rId4"/>
-    <p:sldId id="259" r:id="rId5"/>
-    <p:sldId id="260" r:id="rId6"/>
+    <p:sldId id="275" r:id="rId4"/>
+    <p:sldId id="258" r:id="rId5"/>
+    <p:sldId id="259" r:id="rId6"/>
     <p:sldId id="261" r:id="rId7"/>
     <p:sldId id="262" r:id="rId8"/>
+    <p:sldId id="263" r:id="rId9"/>
+    <p:sldId id="264" r:id="rId10"/>
+    <p:sldId id="265" r:id="rId11"/>
+    <p:sldId id="266" r:id="rId12"/>
+    <p:sldId id="267" r:id="rId13"/>
+    <p:sldId id="268" r:id="rId14"/>
+    <p:sldId id="269" r:id="rId15"/>
+    <p:sldId id="272" r:id="rId16"/>
+    <p:sldId id="273" r:id="rId17"/>
+    <p:sldId id="274" r:id="rId18"/>
+    <p:sldId id="270" r:id="rId19"/>
+    <p:sldId id="276" r:id="rId20"/>
   </p:sldIdLst>
   <p:sldSz cx="9144000" cy="6858000" type="screen4x3"/>
   <p:notesSz cx="6858000" cy="9144000"/>
@@ -295,7 +307,7 @@
             <a:fld id="{B12B85DF-5738-486A-B015-0EB08E83C667}" type="datetimeFigureOut">
               <a:rPr lang="de-DE" smtClean="0"/>
               <a:pPr/>
-              <a:t>27.06.2019</a:t>
+              <a:t>29.06.2019</a:t>
             </a:fld>
             <a:endParaRPr lang="de-DE"/>
           </a:p>
@@ -462,7 +474,7 @@
             <a:fld id="{B12B85DF-5738-486A-B015-0EB08E83C667}" type="datetimeFigureOut">
               <a:rPr lang="de-DE" smtClean="0"/>
               <a:pPr/>
-              <a:t>27.06.2019</a:t>
+              <a:t>29.06.2019</a:t>
             </a:fld>
             <a:endParaRPr lang="de-DE"/>
           </a:p>
@@ -639,7 +651,7 @@
             <a:fld id="{B12B85DF-5738-486A-B015-0EB08E83C667}" type="datetimeFigureOut">
               <a:rPr lang="de-DE" smtClean="0"/>
               <a:pPr/>
-              <a:t>27.06.2019</a:t>
+              <a:t>29.06.2019</a:t>
             </a:fld>
             <a:endParaRPr lang="de-DE"/>
           </a:p>
@@ -806,7 +818,7 @@
             <a:fld id="{B12B85DF-5738-486A-B015-0EB08E83C667}" type="datetimeFigureOut">
               <a:rPr lang="de-DE" smtClean="0"/>
               <a:pPr/>
-              <a:t>27.06.2019</a:t>
+              <a:t>29.06.2019</a:t>
             </a:fld>
             <a:endParaRPr lang="de-DE"/>
           </a:p>
@@ -1049,7 +1061,7 @@
             <a:fld id="{B12B85DF-5738-486A-B015-0EB08E83C667}" type="datetimeFigureOut">
               <a:rPr lang="de-DE" smtClean="0"/>
               <a:pPr/>
-              <a:t>27.06.2019</a:t>
+              <a:t>29.06.2019</a:t>
             </a:fld>
             <a:endParaRPr lang="de-DE"/>
           </a:p>
@@ -1334,7 +1346,7 @@
             <a:fld id="{B12B85DF-5738-486A-B015-0EB08E83C667}" type="datetimeFigureOut">
               <a:rPr lang="de-DE" smtClean="0"/>
               <a:pPr/>
-              <a:t>27.06.2019</a:t>
+              <a:t>29.06.2019</a:t>
             </a:fld>
             <a:endParaRPr lang="de-DE"/>
           </a:p>
@@ -1753,7 +1765,7 @@
             <a:fld id="{B12B85DF-5738-486A-B015-0EB08E83C667}" type="datetimeFigureOut">
               <a:rPr lang="de-DE" smtClean="0"/>
               <a:pPr/>
-              <a:t>27.06.2019</a:t>
+              <a:t>29.06.2019</a:t>
             </a:fld>
             <a:endParaRPr lang="de-DE"/>
           </a:p>
@@ -1868,7 +1880,7 @@
             <a:fld id="{B12B85DF-5738-486A-B015-0EB08E83C667}" type="datetimeFigureOut">
               <a:rPr lang="de-DE" smtClean="0"/>
               <a:pPr/>
-              <a:t>27.06.2019</a:t>
+              <a:t>29.06.2019</a:t>
             </a:fld>
             <a:endParaRPr lang="de-DE"/>
           </a:p>
@@ -1960,7 +1972,7 @@
             <a:fld id="{B12B85DF-5738-486A-B015-0EB08E83C667}" type="datetimeFigureOut">
               <a:rPr lang="de-DE" smtClean="0"/>
               <a:pPr/>
-              <a:t>27.06.2019</a:t>
+              <a:t>29.06.2019</a:t>
             </a:fld>
             <a:endParaRPr lang="de-DE"/>
           </a:p>
@@ -2234,7 +2246,7 @@
             <a:fld id="{B12B85DF-5738-486A-B015-0EB08E83C667}" type="datetimeFigureOut">
               <a:rPr lang="de-DE" smtClean="0"/>
               <a:pPr/>
-              <a:t>27.06.2019</a:t>
+              <a:t>29.06.2019</a:t>
             </a:fld>
             <a:endParaRPr lang="de-DE"/>
           </a:p>
@@ -2484,7 +2496,7 @@
             <a:fld id="{B12B85DF-5738-486A-B015-0EB08E83C667}" type="datetimeFigureOut">
               <a:rPr lang="de-DE" smtClean="0"/>
               <a:pPr/>
-              <a:t>27.06.2019</a:t>
+              <a:t>29.06.2019</a:t>
             </a:fld>
             <a:endParaRPr lang="de-DE"/>
           </a:p>
@@ -2694,7 +2706,7 @@
             <a:fld id="{B12B85DF-5738-486A-B015-0EB08E83C667}" type="datetimeFigureOut">
               <a:rPr lang="de-DE" smtClean="0"/>
               <a:pPr/>
-              <a:t>27.06.2019</a:t>
+              <a:t>29.06.2019</a:t>
             </a:fld>
             <a:endParaRPr lang="de-DE"/>
           </a:p>
@@ -3148,7 +3160,7 @@
         </p:spPr>
         <p:txBody>
           <a:bodyPr vert="horz" lIns="91440" tIns="45720" rIns="91440" bIns="45720" rtlCol="0" anchor="ctr">
-            <a:normAutofit fontScale="97500"/>
+            <a:normAutofit fontScale="90000" lnSpcReduction="10000"/>
           </a:bodyPr>
           <a:lstStyle/>
           <a:p>
@@ -3185,6 +3197,39 @@
                 <a:cs typeface="+mj-cs"/>
               </a:rPr>
               <a:t>Endpräsentation</a:t>
+            </a:r>
+            <a:br>
+              <a:rPr kumimoji="0" lang="de-DE" sz="4600" b="1" i="0" u="none" strike="noStrike" kern="1200" cap="none" spc="0" normalizeH="0" baseline="0" noProof="0" dirty="0" smtClean="0">
+                <a:ln>
+                  <a:noFill/>
+                </a:ln>
+                <a:solidFill>
+                  <a:schemeClr val="bg1"/>
+                </a:solidFill>
+                <a:effectLst/>
+                <a:uLnTx/>
+                <a:uFillTx/>
+                <a:latin typeface="Kozuka Gothic Pro L" pitchFamily="34" charset="-128"/>
+                <a:ea typeface="Kozuka Gothic Pro L" pitchFamily="34" charset="-128"/>
+                <a:cs typeface="+mj-cs"/>
+              </a:rPr>
+            </a:br>
+            <a:r>
+              <a:rPr kumimoji="0" lang="de-DE" sz="4600" b="1" i="0" u="none" strike="noStrike" kern="1200" cap="none" spc="0" normalizeH="0" baseline="0" noProof="0" dirty="0" smtClean="0">
+                <a:ln>
+                  <a:noFill/>
+                </a:ln>
+                <a:solidFill>
+                  <a:schemeClr val="bg1"/>
+                </a:solidFill>
+                <a:effectLst/>
+                <a:uLnTx/>
+                <a:uFillTx/>
+                <a:latin typeface="Kozuka Gothic Pro L" pitchFamily="34" charset="-128"/>
+                <a:ea typeface="Kozuka Gothic Pro L" pitchFamily="34" charset="-128"/>
+                <a:cs typeface="+mj-cs"/>
+              </a:rPr>
+              <a:t>05.07.2019</a:t>
             </a:r>
             <a:endParaRPr kumimoji="0" lang="de-DE" sz="4600" b="1" i="0" u="none" strike="noStrike" kern="1200" cap="none" spc="0" normalizeH="0" baseline="0" noProof="0" dirty="0">
               <a:ln>
@@ -3280,6 +3325,1532 @@
               <a:ea typeface="+mn-ea"/>
               <a:cs typeface="+mn-cs"/>
             </a:endParaRPr>
+          </a:p>
+        </p:txBody>
+      </p:sp>
+    </p:spTree>
+  </p:cSld>
+  <p:clrMapOvr>
+    <a:masterClrMapping/>
+  </p:clrMapOvr>
+</p:sld>
+</file>
+
+<file path=ppt/slides/slide10.xml><?xml version="1.0" encoding="utf-8"?>
+<p:sld xmlns:a="http://schemas.openxmlformats.org/drawingml/2006/main" xmlns:r="http://schemas.openxmlformats.org/officeDocument/2006/relationships" xmlns:p="http://schemas.openxmlformats.org/presentationml/2006/main">
+  <p:cSld>
+    <p:spTree>
+      <p:nvGrpSpPr>
+        <p:cNvPr id="1" name=""/>
+        <p:cNvGrpSpPr/>
+        <p:nvPr/>
+      </p:nvGrpSpPr>
+      <p:grpSpPr>
+        <a:xfrm>
+          <a:off x="0" y="0"/>
+          <a:ext cx="0" cy="0"/>
+          <a:chOff x="0" y="0"/>
+          <a:chExt cx="0" cy="0"/>
+        </a:xfrm>
+      </p:grpSpPr>
+      <p:sp>
+        <p:nvSpPr>
+          <p:cNvPr id="2" name="Title 1"/>
+          <p:cNvSpPr>
+            <a:spLocks noGrp="1"/>
+          </p:cNvSpPr>
+          <p:nvPr>
+            <p:ph type="title"/>
+          </p:nvPr>
+        </p:nvSpPr>
+        <p:spPr/>
+        <p:txBody>
+          <a:bodyPr/>
+          <a:lstStyle/>
+          <a:p>
+            <a:r>
+              <a:rPr lang="de-DE" dirty="0" smtClean="0"/>
+              <a:t>Ergebnisse</a:t>
+            </a:r>
+            <a:endParaRPr lang="de-DE" dirty="0"/>
+          </a:p>
+        </p:txBody>
+      </p:sp>
+      <p:sp>
+        <p:nvSpPr>
+          <p:cNvPr id="5" name="TextBox 4"/>
+          <p:cNvSpPr txBox="1"/>
+          <p:nvPr/>
+        </p:nvSpPr>
+        <p:spPr>
+          <a:xfrm>
+            <a:off x="642910" y="4143380"/>
+            <a:ext cx="2602123" cy="369332"/>
+          </a:xfrm>
+          <a:prstGeom prst="rect">
+            <a:avLst/>
+          </a:prstGeom>
+          <a:noFill/>
+        </p:spPr>
+        <p:txBody>
+          <a:bodyPr wrap="none" rtlCol="0">
+            <a:spAutoFit/>
+          </a:bodyPr>
+          <a:lstStyle/>
+          <a:p>
+            <a:r>
+              <a:rPr lang="de-DE" dirty="0" smtClean="0"/>
+              <a:t>Mockup: Tagebuchmaske </a:t>
+            </a:r>
+            <a:endParaRPr lang="de-DE" dirty="0"/>
+          </a:p>
+        </p:txBody>
+      </p:sp>
+      <p:pic>
+        <p:nvPicPr>
+          <p:cNvPr id="4098" name="Picture 2" descr="D:\Documents\Dropbox\E-Health SS19\Bilder\Mockups\08_Tagebuch_ausfüllen.png"/>
+          <p:cNvPicPr>
+            <a:picLocks noChangeAspect="1" noChangeArrowheads="1"/>
+          </p:cNvPicPr>
+          <p:nvPr/>
+        </p:nvPicPr>
+        <p:blipFill>
+          <a:blip r:embed="rId2" cstate="print"/>
+          <a:srcRect/>
+          <a:stretch>
+            <a:fillRect/>
+          </a:stretch>
+        </p:blipFill>
+        <p:spPr bwMode="auto">
+          <a:xfrm>
+            <a:off x="142844" y="1214422"/>
+            <a:ext cx="3857652" cy="2897962"/>
+          </a:xfrm>
+          <a:prstGeom prst="rect">
+            <a:avLst/>
+          </a:prstGeom>
+          <a:noFill/>
+        </p:spPr>
+      </p:pic>
+      <p:pic>
+        <p:nvPicPr>
+          <p:cNvPr id="6" name="Picture 5" descr="tagebuch.PNG"/>
+          <p:cNvPicPr>
+            <a:picLocks noChangeAspect="1"/>
+          </p:cNvPicPr>
+          <p:nvPr/>
+        </p:nvPicPr>
+        <p:blipFill>
+          <a:blip r:embed="rId3" cstate="print"/>
+          <a:stretch>
+            <a:fillRect/>
+          </a:stretch>
+        </p:blipFill>
+        <p:spPr>
+          <a:xfrm>
+            <a:off x="2071670" y="4572008"/>
+            <a:ext cx="6957020" cy="2143140"/>
+          </a:xfrm>
+          <a:prstGeom prst="rect">
+            <a:avLst/>
+          </a:prstGeom>
+        </p:spPr>
+      </p:pic>
+      <p:sp>
+        <p:nvSpPr>
+          <p:cNvPr id="7" name="TextBox 6"/>
+          <p:cNvSpPr txBox="1"/>
+          <p:nvPr/>
+        </p:nvSpPr>
+        <p:spPr>
+          <a:xfrm>
+            <a:off x="4000496" y="6286520"/>
+            <a:ext cx="2241832" cy="369332"/>
+          </a:xfrm>
+          <a:prstGeom prst="rect">
+            <a:avLst/>
+          </a:prstGeom>
+          <a:noFill/>
+        </p:spPr>
+        <p:txBody>
+          <a:bodyPr wrap="none" rtlCol="0">
+            <a:spAutoFit/>
+          </a:bodyPr>
+          <a:lstStyle/>
+          <a:p>
+            <a:r>
+              <a:rPr lang="de-DE" dirty="0" smtClean="0"/>
+              <a:t>Umgesetztes </a:t>
+            </a:r>
+            <a:r>
+              <a:rPr lang="de-DE" dirty="0" smtClean="0"/>
+              <a:t>Ergebnis</a:t>
+            </a:r>
+            <a:endParaRPr lang="de-DE" dirty="0"/>
+          </a:p>
+        </p:txBody>
+      </p:sp>
+    </p:spTree>
+  </p:cSld>
+  <p:clrMapOvr>
+    <a:masterClrMapping/>
+  </p:clrMapOvr>
+</p:sld>
+</file>
+
+<file path=ppt/slides/slide11.xml><?xml version="1.0" encoding="utf-8"?>
+<p:sld xmlns:a="http://schemas.openxmlformats.org/drawingml/2006/main" xmlns:r="http://schemas.openxmlformats.org/officeDocument/2006/relationships" xmlns:p="http://schemas.openxmlformats.org/presentationml/2006/main">
+  <p:cSld>
+    <p:spTree>
+      <p:nvGrpSpPr>
+        <p:cNvPr id="1" name=""/>
+        <p:cNvGrpSpPr/>
+        <p:nvPr/>
+      </p:nvGrpSpPr>
+      <p:grpSpPr>
+        <a:xfrm>
+          <a:off x="0" y="0"/>
+          <a:ext cx="0" cy="0"/>
+          <a:chOff x="0" y="0"/>
+          <a:chExt cx="0" cy="0"/>
+        </a:xfrm>
+      </p:grpSpPr>
+      <p:sp>
+        <p:nvSpPr>
+          <p:cNvPr id="2" name="Title 1"/>
+          <p:cNvSpPr>
+            <a:spLocks noGrp="1"/>
+          </p:cNvSpPr>
+          <p:nvPr>
+            <p:ph type="title"/>
+          </p:nvPr>
+        </p:nvSpPr>
+        <p:spPr/>
+        <p:txBody>
+          <a:bodyPr/>
+          <a:lstStyle/>
+          <a:p>
+            <a:r>
+              <a:rPr lang="de-DE" dirty="0" smtClean="0"/>
+              <a:t>Ergebnisse</a:t>
+            </a:r>
+            <a:endParaRPr lang="de-DE" dirty="0"/>
+          </a:p>
+        </p:txBody>
+      </p:sp>
+      <p:sp>
+        <p:nvSpPr>
+          <p:cNvPr id="5" name="TextBox 4"/>
+          <p:cNvSpPr txBox="1"/>
+          <p:nvPr/>
+        </p:nvSpPr>
+        <p:spPr>
+          <a:xfrm>
+            <a:off x="1428728" y="4643446"/>
+            <a:ext cx="3201004" cy="369332"/>
+          </a:xfrm>
+          <a:prstGeom prst="rect">
+            <a:avLst/>
+          </a:prstGeom>
+          <a:noFill/>
+        </p:spPr>
+        <p:txBody>
+          <a:bodyPr wrap="none" rtlCol="0">
+            <a:spAutoFit/>
+          </a:bodyPr>
+          <a:lstStyle/>
+          <a:p>
+            <a:r>
+              <a:rPr lang="de-DE" dirty="0" smtClean="0"/>
+              <a:t>Mockup: Ausgefülltes Tagebuch </a:t>
+            </a:r>
+            <a:endParaRPr lang="de-DE" dirty="0"/>
+          </a:p>
+        </p:txBody>
+      </p:sp>
+      <p:pic>
+        <p:nvPicPr>
+          <p:cNvPr id="5122" name="Picture 2" descr="D:\Documents\Dropbox\E-Health SS19\Bilder\Mockups\09_ausgefülltes_Tagebuch.png"/>
+          <p:cNvPicPr>
+            <a:picLocks noChangeAspect="1" noChangeArrowheads="1"/>
+          </p:cNvPicPr>
+          <p:nvPr/>
+        </p:nvPicPr>
+        <p:blipFill>
+          <a:blip r:embed="rId2" cstate="print"/>
+          <a:srcRect/>
+          <a:stretch>
+            <a:fillRect/>
+          </a:stretch>
+        </p:blipFill>
+        <p:spPr bwMode="auto">
+          <a:xfrm>
+            <a:off x="1071537" y="1928802"/>
+            <a:ext cx="3603073" cy="2714644"/>
+          </a:xfrm>
+          <a:prstGeom prst="rect">
+            <a:avLst/>
+          </a:prstGeom>
+          <a:noFill/>
+        </p:spPr>
+      </p:pic>
+    </p:spTree>
+  </p:cSld>
+  <p:clrMapOvr>
+    <a:masterClrMapping/>
+  </p:clrMapOvr>
+</p:sld>
+</file>
+
+<file path=ppt/slides/slide12.xml><?xml version="1.0" encoding="utf-8"?>
+<p:sld xmlns:a="http://schemas.openxmlformats.org/drawingml/2006/main" xmlns:r="http://schemas.openxmlformats.org/officeDocument/2006/relationships" xmlns:p="http://schemas.openxmlformats.org/presentationml/2006/main">
+  <p:cSld>
+    <p:spTree>
+      <p:nvGrpSpPr>
+        <p:cNvPr id="1" name=""/>
+        <p:cNvGrpSpPr/>
+        <p:nvPr/>
+      </p:nvGrpSpPr>
+      <p:grpSpPr>
+        <a:xfrm>
+          <a:off x="0" y="0"/>
+          <a:ext cx="0" cy="0"/>
+          <a:chOff x="0" y="0"/>
+          <a:chExt cx="0" cy="0"/>
+        </a:xfrm>
+      </p:grpSpPr>
+      <p:sp>
+        <p:nvSpPr>
+          <p:cNvPr id="2" name="Title 1"/>
+          <p:cNvSpPr>
+            <a:spLocks noGrp="1"/>
+          </p:cNvSpPr>
+          <p:nvPr>
+            <p:ph type="title"/>
+          </p:nvPr>
+        </p:nvSpPr>
+        <p:spPr/>
+        <p:txBody>
+          <a:bodyPr/>
+          <a:lstStyle/>
+          <a:p>
+            <a:r>
+              <a:rPr lang="de-DE" dirty="0" smtClean="0"/>
+              <a:t>Ergebnisse</a:t>
+            </a:r>
+            <a:endParaRPr lang="de-DE" dirty="0"/>
+          </a:p>
+        </p:txBody>
+      </p:sp>
+      <p:sp>
+        <p:nvSpPr>
+          <p:cNvPr id="5" name="TextBox 4"/>
+          <p:cNvSpPr txBox="1"/>
+          <p:nvPr/>
+        </p:nvSpPr>
+        <p:spPr>
+          <a:xfrm>
+            <a:off x="1428728" y="4643446"/>
+            <a:ext cx="2390654" cy="369332"/>
+          </a:xfrm>
+          <a:prstGeom prst="rect">
+            <a:avLst/>
+          </a:prstGeom>
+          <a:noFill/>
+        </p:spPr>
+        <p:txBody>
+          <a:bodyPr wrap="none" rtlCol="0">
+            <a:spAutoFit/>
+          </a:bodyPr>
+          <a:lstStyle/>
+          <a:p>
+            <a:r>
+              <a:rPr lang="de-DE" dirty="0" smtClean="0"/>
+              <a:t>Mockup: Rückmeldung </a:t>
+            </a:r>
+            <a:endParaRPr lang="de-DE" dirty="0"/>
+          </a:p>
+        </p:txBody>
+      </p:sp>
+      <p:pic>
+        <p:nvPicPr>
+          <p:cNvPr id="6146" name="Picture 2" descr="D:\Documents\Dropbox\E-Health SS19\Bilder\Mockups\10_speichern_ändern.png"/>
+          <p:cNvPicPr>
+            <a:picLocks noChangeAspect="1" noChangeArrowheads="1"/>
+          </p:cNvPicPr>
+          <p:nvPr/>
+        </p:nvPicPr>
+        <p:blipFill>
+          <a:blip r:embed="rId2" cstate="print"/>
+          <a:srcRect/>
+          <a:stretch>
+            <a:fillRect/>
+          </a:stretch>
+        </p:blipFill>
+        <p:spPr bwMode="auto">
+          <a:xfrm>
+            <a:off x="857224" y="2000240"/>
+            <a:ext cx="3617165" cy="2714644"/>
+          </a:xfrm>
+          <a:prstGeom prst="rect">
+            <a:avLst/>
+          </a:prstGeom>
+          <a:noFill/>
+        </p:spPr>
+      </p:pic>
+    </p:spTree>
+  </p:cSld>
+  <p:clrMapOvr>
+    <a:masterClrMapping/>
+  </p:clrMapOvr>
+</p:sld>
+</file>
+
+<file path=ppt/slides/slide13.xml><?xml version="1.0" encoding="utf-8"?>
+<p:sld xmlns:a="http://schemas.openxmlformats.org/drawingml/2006/main" xmlns:r="http://schemas.openxmlformats.org/officeDocument/2006/relationships" xmlns:p="http://schemas.openxmlformats.org/presentationml/2006/main">
+  <p:cSld>
+    <p:spTree>
+      <p:nvGrpSpPr>
+        <p:cNvPr id="1" name=""/>
+        <p:cNvGrpSpPr/>
+        <p:nvPr/>
+      </p:nvGrpSpPr>
+      <p:grpSpPr>
+        <a:xfrm>
+          <a:off x="0" y="0"/>
+          <a:ext cx="0" cy="0"/>
+          <a:chOff x="0" y="0"/>
+          <a:chExt cx="0" cy="0"/>
+        </a:xfrm>
+      </p:grpSpPr>
+      <p:sp>
+        <p:nvSpPr>
+          <p:cNvPr id="2" name="Title 1"/>
+          <p:cNvSpPr>
+            <a:spLocks noGrp="1"/>
+          </p:cNvSpPr>
+          <p:nvPr>
+            <p:ph type="title"/>
+          </p:nvPr>
+        </p:nvSpPr>
+        <p:spPr/>
+        <p:txBody>
+          <a:bodyPr/>
+          <a:lstStyle/>
+          <a:p>
+            <a:r>
+              <a:rPr lang="de-DE" dirty="0" smtClean="0"/>
+              <a:t>Ergebnisse</a:t>
+            </a:r>
+            <a:endParaRPr lang="de-DE" dirty="0"/>
+          </a:p>
+        </p:txBody>
+      </p:sp>
+      <p:sp>
+        <p:nvSpPr>
+          <p:cNvPr id="5" name="TextBox 4"/>
+          <p:cNvSpPr txBox="1"/>
+          <p:nvPr/>
+        </p:nvSpPr>
+        <p:spPr>
+          <a:xfrm>
+            <a:off x="4000496" y="1357298"/>
+            <a:ext cx="2089483" cy="369332"/>
+          </a:xfrm>
+          <a:prstGeom prst="rect">
+            <a:avLst/>
+          </a:prstGeom>
+          <a:noFill/>
+        </p:spPr>
+        <p:txBody>
+          <a:bodyPr wrap="none" rtlCol="0">
+            <a:spAutoFit/>
+          </a:bodyPr>
+          <a:lstStyle/>
+          <a:p>
+            <a:r>
+              <a:rPr lang="de-DE" dirty="0" smtClean="0"/>
+              <a:t>Mockup: Ausloggen </a:t>
+            </a:r>
+            <a:endParaRPr lang="de-DE" dirty="0"/>
+          </a:p>
+        </p:txBody>
+      </p:sp>
+      <p:pic>
+        <p:nvPicPr>
+          <p:cNvPr id="7170" name="Picture 2" descr="D:\Documents\Dropbox\E-Health SS19\Bilder\Mockups\11_ausgeloggt_seite.png"/>
+          <p:cNvPicPr>
+            <a:picLocks noChangeAspect="1" noChangeArrowheads="1"/>
+          </p:cNvPicPr>
+          <p:nvPr/>
+        </p:nvPicPr>
+        <p:blipFill>
+          <a:blip r:embed="rId2" cstate="print"/>
+          <a:srcRect/>
+          <a:stretch>
+            <a:fillRect/>
+          </a:stretch>
+        </p:blipFill>
+        <p:spPr bwMode="auto">
+          <a:xfrm>
+            <a:off x="214282" y="1357298"/>
+            <a:ext cx="3786214" cy="2851760"/>
+          </a:xfrm>
+          <a:prstGeom prst="rect">
+            <a:avLst/>
+          </a:prstGeom>
+          <a:noFill/>
+        </p:spPr>
+      </p:pic>
+      <p:pic>
+        <p:nvPicPr>
+          <p:cNvPr id="6" name="Picture 5" descr="auslog.PNG"/>
+          <p:cNvPicPr>
+            <a:picLocks noChangeAspect="1"/>
+          </p:cNvPicPr>
+          <p:nvPr/>
+        </p:nvPicPr>
+        <p:blipFill>
+          <a:blip r:embed="rId3" cstate="print"/>
+          <a:stretch>
+            <a:fillRect/>
+          </a:stretch>
+        </p:blipFill>
+        <p:spPr>
+          <a:xfrm>
+            <a:off x="3643306" y="4143378"/>
+            <a:ext cx="5507100" cy="2714646"/>
+          </a:xfrm>
+          <a:prstGeom prst="rect">
+            <a:avLst/>
+          </a:prstGeom>
+        </p:spPr>
+      </p:pic>
+      <p:sp>
+        <p:nvSpPr>
+          <p:cNvPr id="7" name="TextBox 6"/>
+          <p:cNvSpPr txBox="1"/>
+          <p:nvPr/>
+        </p:nvSpPr>
+        <p:spPr>
+          <a:xfrm>
+            <a:off x="571472" y="6357958"/>
+            <a:ext cx="2241832" cy="369332"/>
+          </a:xfrm>
+          <a:prstGeom prst="rect">
+            <a:avLst/>
+          </a:prstGeom>
+          <a:noFill/>
+        </p:spPr>
+        <p:txBody>
+          <a:bodyPr wrap="none" rtlCol="0">
+            <a:spAutoFit/>
+          </a:bodyPr>
+          <a:lstStyle/>
+          <a:p>
+            <a:r>
+              <a:rPr lang="de-DE" dirty="0" smtClean="0"/>
+              <a:t>Umgesetztes </a:t>
+            </a:r>
+            <a:r>
+              <a:rPr lang="de-DE" dirty="0" smtClean="0"/>
+              <a:t>Ergebnis</a:t>
+            </a:r>
+            <a:endParaRPr lang="de-DE" dirty="0"/>
+          </a:p>
+        </p:txBody>
+      </p:sp>
+    </p:spTree>
+  </p:cSld>
+  <p:clrMapOvr>
+    <a:masterClrMapping/>
+  </p:clrMapOvr>
+</p:sld>
+</file>
+
+<file path=ppt/slides/slide14.xml><?xml version="1.0" encoding="utf-8"?>
+<p:sld xmlns:a="http://schemas.openxmlformats.org/drawingml/2006/main" xmlns:r="http://schemas.openxmlformats.org/officeDocument/2006/relationships" xmlns:p="http://schemas.openxmlformats.org/presentationml/2006/main">
+  <p:cSld>
+    <p:spTree>
+      <p:nvGrpSpPr>
+        <p:cNvPr id="1" name=""/>
+        <p:cNvGrpSpPr/>
+        <p:nvPr/>
+      </p:nvGrpSpPr>
+      <p:grpSpPr>
+        <a:xfrm>
+          <a:off x="0" y="0"/>
+          <a:ext cx="0" cy="0"/>
+          <a:chOff x="0" y="0"/>
+          <a:chExt cx="0" cy="0"/>
+        </a:xfrm>
+      </p:grpSpPr>
+      <p:sp>
+        <p:nvSpPr>
+          <p:cNvPr id="2" name="Title 1"/>
+          <p:cNvSpPr>
+            <a:spLocks noGrp="1"/>
+          </p:cNvSpPr>
+          <p:nvPr>
+            <p:ph type="title"/>
+          </p:nvPr>
+        </p:nvSpPr>
+        <p:spPr/>
+        <p:txBody>
+          <a:bodyPr/>
+          <a:lstStyle/>
+          <a:p>
+            <a:r>
+              <a:rPr lang="de-DE" dirty="0" smtClean="0"/>
+              <a:t>Use Case</a:t>
+            </a:r>
+            <a:endParaRPr lang="de-DE" dirty="0"/>
+          </a:p>
+        </p:txBody>
+      </p:sp>
+      <p:pic>
+        <p:nvPicPr>
+          <p:cNvPr id="8194" name="Picture 2" descr="D:\Documents\Dropbox\E-Health SS19\Bilder\use_case.jpg"/>
+          <p:cNvPicPr>
+            <a:picLocks noChangeAspect="1" noChangeArrowheads="1"/>
+          </p:cNvPicPr>
+          <p:nvPr/>
+        </p:nvPicPr>
+        <p:blipFill>
+          <a:blip r:embed="rId2" cstate="print"/>
+          <a:srcRect/>
+          <a:stretch>
+            <a:fillRect/>
+          </a:stretch>
+        </p:blipFill>
+        <p:spPr bwMode="auto">
+          <a:xfrm>
+            <a:off x="2285984" y="1357298"/>
+            <a:ext cx="4786346" cy="4786346"/>
+          </a:xfrm>
+          <a:prstGeom prst="rect">
+            <a:avLst/>
+          </a:prstGeom>
+          <a:noFill/>
+        </p:spPr>
+      </p:pic>
+    </p:spTree>
+  </p:cSld>
+  <p:clrMapOvr>
+    <a:masterClrMapping/>
+  </p:clrMapOvr>
+</p:sld>
+</file>
+
+<file path=ppt/slides/slide15.xml><?xml version="1.0" encoding="utf-8"?>
+<p:sld xmlns:a="http://schemas.openxmlformats.org/drawingml/2006/main" xmlns:r="http://schemas.openxmlformats.org/officeDocument/2006/relationships" xmlns:p="http://schemas.openxmlformats.org/presentationml/2006/main">
+  <p:cSld>
+    <p:spTree>
+      <p:nvGrpSpPr>
+        <p:cNvPr id="1" name=""/>
+        <p:cNvGrpSpPr/>
+        <p:nvPr/>
+      </p:nvGrpSpPr>
+      <p:grpSpPr>
+        <a:xfrm>
+          <a:off x="0" y="0"/>
+          <a:ext cx="0" cy="0"/>
+          <a:chOff x="0" y="0"/>
+          <a:chExt cx="0" cy="0"/>
+        </a:xfrm>
+      </p:grpSpPr>
+      <p:sp>
+        <p:nvSpPr>
+          <p:cNvPr id="2" name="Title 1"/>
+          <p:cNvSpPr>
+            <a:spLocks noGrp="1"/>
+          </p:cNvSpPr>
+          <p:nvPr>
+            <p:ph type="title"/>
+          </p:nvPr>
+        </p:nvSpPr>
+        <p:spPr/>
+        <p:txBody>
+          <a:bodyPr>
+            <a:normAutofit fontScale="90000"/>
+          </a:bodyPr>
+          <a:lstStyle/>
+          <a:p>
+            <a:r>
+              <a:rPr lang="de-DE" dirty="0" smtClean="0"/>
+              <a:t>„Wie wurden die Use Cases getestet?“</a:t>
+            </a:r>
+            <a:endParaRPr lang="de-DE" dirty="0"/>
+          </a:p>
+        </p:txBody>
+      </p:sp>
+      <p:sp>
+        <p:nvSpPr>
+          <p:cNvPr id="3" name="Content Placeholder 2"/>
+          <p:cNvSpPr>
+            <a:spLocks noGrp="1"/>
+          </p:cNvSpPr>
+          <p:nvPr>
+            <p:ph idx="1"/>
+          </p:nvPr>
+        </p:nvSpPr>
+        <p:spPr/>
+        <p:txBody>
+          <a:bodyPr/>
+          <a:lstStyle/>
+          <a:p>
+            <a:pPr marL="514350" indent="-514350">
+              <a:buNone/>
+            </a:pPr>
+            <a:r>
+              <a:rPr lang="de-DE" dirty="0" smtClean="0"/>
+              <a:t>Es wurde ein </a:t>
+            </a:r>
+            <a:r>
+              <a:rPr lang="de-DE" b="1" dirty="0" smtClean="0"/>
+              <a:t>Click dummy </a:t>
+            </a:r>
+            <a:r>
+              <a:rPr lang="de-DE" dirty="0" smtClean="0"/>
+              <a:t>(Prototyp was </a:t>
+            </a:r>
+          </a:p>
+          <a:p>
+            <a:pPr marL="514350" indent="-514350">
+              <a:buNone/>
+            </a:pPr>
+            <a:r>
+              <a:rPr lang="de-DE" dirty="0" smtClean="0"/>
+              <a:t>simuliert werden kann) erzeugt.</a:t>
+            </a:r>
+          </a:p>
+          <a:p>
+            <a:pPr marL="514350" indent="-514350">
+              <a:buNone/>
+            </a:pPr>
+            <a:r>
+              <a:rPr lang="de-DE" dirty="0" smtClean="0">
+                <a:sym typeface="Wingdings" pitchFamily="2" charset="2"/>
+              </a:rPr>
+              <a:t> Mit der Software „JustInMind“</a:t>
+            </a:r>
+            <a:endParaRPr lang="de-DE" dirty="0" smtClean="0"/>
+          </a:p>
+        </p:txBody>
+      </p:sp>
+    </p:spTree>
+  </p:cSld>
+  <p:clrMapOvr>
+    <a:masterClrMapping/>
+  </p:clrMapOvr>
+</p:sld>
+</file>
+
+<file path=ppt/slides/slide16.xml><?xml version="1.0" encoding="utf-8"?>
+<p:sld xmlns:a="http://schemas.openxmlformats.org/drawingml/2006/main" xmlns:r="http://schemas.openxmlformats.org/officeDocument/2006/relationships" xmlns:p="http://schemas.openxmlformats.org/presentationml/2006/main">
+  <p:cSld>
+    <p:spTree>
+      <p:nvGrpSpPr>
+        <p:cNvPr id="1" name=""/>
+        <p:cNvGrpSpPr/>
+        <p:nvPr/>
+      </p:nvGrpSpPr>
+      <p:grpSpPr>
+        <a:xfrm>
+          <a:off x="0" y="0"/>
+          <a:ext cx="0" cy="0"/>
+          <a:chOff x="0" y="0"/>
+          <a:chExt cx="0" cy="0"/>
+        </a:xfrm>
+      </p:grpSpPr>
+      <p:sp>
+        <p:nvSpPr>
+          <p:cNvPr id="2" name="Title 1"/>
+          <p:cNvSpPr>
+            <a:spLocks noGrp="1"/>
+          </p:cNvSpPr>
+          <p:nvPr>
+            <p:ph type="title"/>
+          </p:nvPr>
+        </p:nvSpPr>
+        <p:spPr/>
+        <p:txBody>
+          <a:bodyPr>
+            <a:normAutofit fontScale="90000"/>
+          </a:bodyPr>
+          <a:lstStyle/>
+          <a:p>
+            <a:r>
+              <a:rPr lang="de-DE" dirty="0" smtClean="0"/>
+              <a:t>„Wie wurden die Use Cases getestet?“</a:t>
+            </a:r>
+            <a:endParaRPr lang="de-DE" dirty="0"/>
+          </a:p>
+        </p:txBody>
+      </p:sp>
+      <p:sp>
+        <p:nvSpPr>
+          <p:cNvPr id="3" name="Content Placeholder 2"/>
+          <p:cNvSpPr>
+            <a:spLocks noGrp="1"/>
+          </p:cNvSpPr>
+          <p:nvPr>
+            <p:ph idx="1"/>
+          </p:nvPr>
+        </p:nvSpPr>
+        <p:spPr>
+          <a:xfrm>
+            <a:off x="457200" y="1314448"/>
+            <a:ext cx="8229600" cy="614354"/>
+          </a:xfrm>
+        </p:spPr>
+        <p:txBody>
+          <a:bodyPr/>
+          <a:lstStyle/>
+          <a:p>
+            <a:pPr marL="514350" indent="-514350">
+              <a:buNone/>
+            </a:pPr>
+            <a:r>
+              <a:rPr lang="de-DE" dirty="0" smtClean="0"/>
+              <a:t>Es wurden </a:t>
+            </a:r>
+            <a:r>
+              <a:rPr lang="de-DE" b="1" dirty="0" smtClean="0"/>
+              <a:t>Personas</a:t>
+            </a:r>
+            <a:r>
+              <a:rPr lang="de-DE" dirty="0" smtClean="0"/>
+              <a:t> erstellt:</a:t>
+            </a:r>
+          </a:p>
+          <a:p>
+            <a:pPr marL="514350" indent="-514350">
+              <a:buNone/>
+            </a:pPr>
+            <a:endParaRPr lang="de-DE" dirty="0" smtClean="0"/>
+          </a:p>
+        </p:txBody>
+      </p:sp>
+      <p:pic>
+        <p:nvPicPr>
+          <p:cNvPr id="4" name="Picture 3" descr="helmut.PNG"/>
+          <p:cNvPicPr>
+            <a:picLocks noChangeAspect="1"/>
+          </p:cNvPicPr>
+          <p:nvPr/>
+        </p:nvPicPr>
+        <p:blipFill>
+          <a:blip r:embed="rId2" cstate="print"/>
+          <a:stretch>
+            <a:fillRect/>
+          </a:stretch>
+        </p:blipFill>
+        <p:spPr>
+          <a:xfrm>
+            <a:off x="0" y="2285992"/>
+            <a:ext cx="4643470" cy="4071212"/>
+          </a:xfrm>
+          <a:prstGeom prst="rect">
+            <a:avLst/>
+          </a:prstGeom>
+        </p:spPr>
+      </p:pic>
+      <p:pic>
+        <p:nvPicPr>
+          <p:cNvPr id="5" name="Picture 4" descr="kim.PNG"/>
+          <p:cNvPicPr>
+            <a:picLocks noChangeAspect="1"/>
+          </p:cNvPicPr>
+          <p:nvPr/>
+        </p:nvPicPr>
+        <p:blipFill>
+          <a:blip r:embed="rId3" cstate="print"/>
+          <a:stretch>
+            <a:fillRect/>
+          </a:stretch>
+        </p:blipFill>
+        <p:spPr>
+          <a:xfrm>
+            <a:off x="4643438" y="2353992"/>
+            <a:ext cx="4429124" cy="4003966"/>
+          </a:xfrm>
+          <a:prstGeom prst="rect">
+            <a:avLst/>
+          </a:prstGeom>
+        </p:spPr>
+      </p:pic>
+      <p:sp>
+        <p:nvSpPr>
+          <p:cNvPr id="6" name="Rectangle 5"/>
+          <p:cNvSpPr/>
+          <p:nvPr/>
+        </p:nvSpPr>
+        <p:spPr>
+          <a:xfrm>
+            <a:off x="214282" y="2285992"/>
+            <a:ext cx="4429156" cy="4214842"/>
+          </a:xfrm>
+          <a:prstGeom prst="rect">
+            <a:avLst/>
+          </a:prstGeom>
+          <a:noFill/>
+          <a:ln>
+            <a:solidFill>
+              <a:srgbClr val="00B050"/>
+            </a:solidFill>
+          </a:ln>
+        </p:spPr>
+        <p:style>
+          <a:lnRef idx="2">
+            <a:schemeClr val="accent1">
+              <a:shade val="50000"/>
+            </a:schemeClr>
+          </a:lnRef>
+          <a:fillRef idx="1">
+            <a:schemeClr val="accent1"/>
+          </a:fillRef>
+          <a:effectRef idx="0">
+            <a:schemeClr val="accent1"/>
+          </a:effectRef>
+          <a:fontRef idx="minor">
+            <a:schemeClr val="lt1"/>
+          </a:fontRef>
+        </p:style>
+        <p:txBody>
+          <a:bodyPr rtlCol="0" anchor="ctr"/>
+          <a:lstStyle/>
+          <a:p>
+            <a:pPr algn="ctr"/>
+            <a:endParaRPr lang="de-DE"/>
+          </a:p>
+        </p:txBody>
+      </p:sp>
+      <p:sp>
+        <p:nvSpPr>
+          <p:cNvPr id="7" name="Rectangle 6"/>
+          <p:cNvSpPr/>
+          <p:nvPr/>
+        </p:nvSpPr>
+        <p:spPr>
+          <a:xfrm>
+            <a:off x="4714876" y="2285992"/>
+            <a:ext cx="4357718" cy="4214842"/>
+          </a:xfrm>
+          <a:prstGeom prst="rect">
+            <a:avLst/>
+          </a:prstGeom>
+          <a:noFill/>
+          <a:ln>
+            <a:solidFill>
+              <a:srgbClr val="9B159E"/>
+            </a:solidFill>
+          </a:ln>
+        </p:spPr>
+        <p:style>
+          <a:lnRef idx="2">
+            <a:schemeClr val="accent1">
+              <a:shade val="50000"/>
+            </a:schemeClr>
+          </a:lnRef>
+          <a:fillRef idx="1">
+            <a:schemeClr val="accent1"/>
+          </a:fillRef>
+          <a:effectRef idx="0">
+            <a:schemeClr val="accent1"/>
+          </a:effectRef>
+          <a:fontRef idx="minor">
+            <a:schemeClr val="lt1"/>
+          </a:fontRef>
+        </p:style>
+        <p:txBody>
+          <a:bodyPr rtlCol="0" anchor="ctr"/>
+          <a:lstStyle/>
+          <a:p>
+            <a:pPr algn="ctr"/>
+            <a:endParaRPr lang="de-DE"/>
+          </a:p>
+        </p:txBody>
+      </p:sp>
+    </p:spTree>
+  </p:cSld>
+  <p:clrMapOvr>
+    <a:masterClrMapping/>
+  </p:clrMapOvr>
+</p:sld>
+</file>
+
+<file path=ppt/slides/slide17.xml><?xml version="1.0" encoding="utf-8"?>
+<p:sld xmlns:a="http://schemas.openxmlformats.org/drawingml/2006/main" xmlns:r="http://schemas.openxmlformats.org/officeDocument/2006/relationships" xmlns:p="http://schemas.openxmlformats.org/presentationml/2006/main">
+  <p:cSld>
+    <p:spTree>
+      <p:nvGrpSpPr>
+        <p:cNvPr id="1" name=""/>
+        <p:cNvGrpSpPr/>
+        <p:nvPr/>
+      </p:nvGrpSpPr>
+      <p:grpSpPr>
+        <a:xfrm>
+          <a:off x="0" y="0"/>
+          <a:ext cx="0" cy="0"/>
+          <a:chOff x="0" y="0"/>
+          <a:chExt cx="0" cy="0"/>
+        </a:xfrm>
+      </p:grpSpPr>
+      <p:sp>
+        <p:nvSpPr>
+          <p:cNvPr id="2" name="Title 1"/>
+          <p:cNvSpPr>
+            <a:spLocks noGrp="1"/>
+          </p:cNvSpPr>
+          <p:nvPr>
+            <p:ph type="title"/>
+          </p:nvPr>
+        </p:nvSpPr>
+        <p:spPr/>
+        <p:txBody>
+          <a:bodyPr>
+            <a:normAutofit fontScale="90000"/>
+          </a:bodyPr>
+          <a:lstStyle/>
+          <a:p>
+            <a:r>
+              <a:rPr lang="de-DE" dirty="0" smtClean="0"/>
+              <a:t>„Wie wurden die Use Cases getestet?“</a:t>
+            </a:r>
+            <a:endParaRPr lang="de-DE" dirty="0"/>
+          </a:p>
+        </p:txBody>
+      </p:sp>
+      <p:sp>
+        <p:nvSpPr>
+          <p:cNvPr id="3" name="Content Placeholder 2"/>
+          <p:cNvSpPr>
+            <a:spLocks noGrp="1"/>
+          </p:cNvSpPr>
+          <p:nvPr>
+            <p:ph idx="1"/>
+          </p:nvPr>
+        </p:nvSpPr>
+        <p:spPr>
+          <a:xfrm>
+            <a:off x="457200" y="1314448"/>
+            <a:ext cx="8229600" cy="614354"/>
+          </a:xfrm>
+        </p:spPr>
+        <p:txBody>
+          <a:bodyPr/>
+          <a:lstStyle/>
+          <a:p>
+            <a:pPr marL="514350" indent="-514350">
+              <a:buNone/>
+            </a:pPr>
+            <a:r>
+              <a:rPr lang="de-DE" dirty="0" smtClean="0"/>
+              <a:t>Es wurden Personas erstellt:</a:t>
+            </a:r>
+          </a:p>
+          <a:p>
+            <a:pPr marL="514350" indent="-514350">
+              <a:buNone/>
+            </a:pPr>
+            <a:endParaRPr lang="de-DE" dirty="0" smtClean="0"/>
+          </a:p>
+        </p:txBody>
+      </p:sp>
+      <p:pic>
+        <p:nvPicPr>
+          <p:cNvPr id="8" name="Picture 7" descr="annika.PNG"/>
+          <p:cNvPicPr>
+            <a:picLocks noChangeAspect="1"/>
+          </p:cNvPicPr>
+          <p:nvPr/>
+        </p:nvPicPr>
+        <p:blipFill>
+          <a:blip r:embed="rId2" cstate="print"/>
+          <a:stretch>
+            <a:fillRect/>
+          </a:stretch>
+        </p:blipFill>
+        <p:spPr>
+          <a:xfrm>
+            <a:off x="2285984" y="2000216"/>
+            <a:ext cx="4605731" cy="4714932"/>
+          </a:xfrm>
+          <a:prstGeom prst="rect">
+            <a:avLst/>
+          </a:prstGeom>
+        </p:spPr>
+      </p:pic>
+      <p:sp>
+        <p:nvSpPr>
+          <p:cNvPr id="6" name="Rectangle 5"/>
+          <p:cNvSpPr/>
+          <p:nvPr/>
+        </p:nvSpPr>
+        <p:spPr>
+          <a:xfrm>
+            <a:off x="2428860" y="1928802"/>
+            <a:ext cx="4500594" cy="4857784"/>
+          </a:xfrm>
+          <a:prstGeom prst="rect">
+            <a:avLst/>
+          </a:prstGeom>
+          <a:noFill/>
+          <a:ln>
+            <a:solidFill>
+              <a:schemeClr val="accent5">
+                <a:lumMod val="75000"/>
+              </a:schemeClr>
+            </a:solidFill>
+          </a:ln>
+        </p:spPr>
+        <p:style>
+          <a:lnRef idx="2">
+            <a:schemeClr val="accent1">
+              <a:shade val="50000"/>
+            </a:schemeClr>
+          </a:lnRef>
+          <a:fillRef idx="1">
+            <a:schemeClr val="accent1"/>
+          </a:fillRef>
+          <a:effectRef idx="0">
+            <a:schemeClr val="accent1"/>
+          </a:effectRef>
+          <a:fontRef idx="minor">
+            <a:schemeClr val="lt1"/>
+          </a:fontRef>
+        </p:style>
+        <p:txBody>
+          <a:bodyPr rtlCol="0" anchor="ctr"/>
+          <a:lstStyle/>
+          <a:p>
+            <a:pPr algn="ctr"/>
+            <a:endParaRPr lang="de-DE"/>
+          </a:p>
+        </p:txBody>
+      </p:sp>
+    </p:spTree>
+  </p:cSld>
+  <p:clrMapOvr>
+    <a:masterClrMapping/>
+  </p:clrMapOvr>
+</p:sld>
+</file>
+
+<file path=ppt/slides/slide18.xml><?xml version="1.0" encoding="utf-8"?>
+<p:sld xmlns:a="http://schemas.openxmlformats.org/drawingml/2006/main" xmlns:r="http://schemas.openxmlformats.org/officeDocument/2006/relationships" xmlns:p="http://schemas.openxmlformats.org/presentationml/2006/main">
+  <p:cSld>
+    <p:spTree>
+      <p:nvGrpSpPr>
+        <p:cNvPr id="1" name=""/>
+        <p:cNvGrpSpPr/>
+        <p:nvPr/>
+      </p:nvGrpSpPr>
+      <p:grpSpPr>
+        <a:xfrm>
+          <a:off x="0" y="0"/>
+          <a:ext cx="0" cy="0"/>
+          <a:chOff x="0" y="0"/>
+          <a:chExt cx="0" cy="0"/>
+        </a:xfrm>
+      </p:grpSpPr>
+      <p:sp>
+        <p:nvSpPr>
+          <p:cNvPr id="2" name="Title 1"/>
+          <p:cNvSpPr>
+            <a:spLocks noGrp="1"/>
+          </p:cNvSpPr>
+          <p:nvPr>
+            <p:ph type="title"/>
+          </p:nvPr>
+        </p:nvSpPr>
+        <p:spPr/>
+        <p:txBody>
+          <a:bodyPr/>
+          <a:lstStyle/>
+          <a:p>
+            <a:r>
+              <a:rPr lang="de-DE" dirty="0" smtClean="0"/>
+              <a:t>Risiken</a:t>
+            </a:r>
+            <a:endParaRPr lang="de-DE" dirty="0"/>
+          </a:p>
+        </p:txBody>
+      </p:sp>
+      <p:sp>
+        <p:nvSpPr>
+          <p:cNvPr id="4" name="Content Placeholder 2"/>
+          <p:cNvSpPr txBox="1">
+            <a:spLocks/>
+          </p:cNvSpPr>
+          <p:nvPr/>
+        </p:nvSpPr>
+        <p:spPr>
+          <a:xfrm>
+            <a:off x="285720" y="2214554"/>
+            <a:ext cx="8643998" cy="2257428"/>
+          </a:xfrm>
+          <a:prstGeom prst="rect">
+            <a:avLst/>
+          </a:prstGeom>
+        </p:spPr>
+        <p:txBody>
+          <a:bodyPr vert="horz" lIns="91440" tIns="45720" rIns="91440" bIns="45720" rtlCol="0">
+            <a:normAutofit/>
+          </a:bodyPr>
+          <a:lstStyle/>
+          <a:p>
+            <a:pPr marL="342900" marR="0" lvl="0" indent="-342900" algn="l" defTabSz="914400" rtl="0" eaLnBrk="1" fontAlgn="auto" latinLnBrk="0" hangingPunct="1">
+              <a:lnSpc>
+                <a:spcPct val="100000"/>
+              </a:lnSpc>
+              <a:spcBef>
+                <a:spcPct val="20000"/>
+              </a:spcBef>
+              <a:spcAft>
+                <a:spcPts val="0"/>
+              </a:spcAft>
+              <a:buClrTx/>
+              <a:buSzTx/>
+              <a:buFont typeface="Arial" pitchFamily="34" charset="0"/>
+              <a:buNone/>
+              <a:tabLst/>
+              <a:defRPr/>
+            </a:pPr>
+            <a:r>
+              <a:rPr kumimoji="0" lang="de-DE" sz="3200" b="1" i="0" u="none" strike="noStrike" kern="1200" cap="none" spc="0" normalizeH="0" baseline="0" noProof="0" dirty="0" smtClean="0">
+                <a:ln>
+                  <a:noFill/>
+                </a:ln>
+                <a:solidFill>
+                  <a:srgbClr val="C00000"/>
+                </a:solidFill>
+                <a:effectLst/>
+                <a:uLnTx/>
+                <a:uFillTx/>
+                <a:latin typeface="Kozuka Gothic Pro L" pitchFamily="34" charset="-128"/>
+                <a:ea typeface="Kozuka Gothic Pro L" pitchFamily="34" charset="-128"/>
+                <a:cs typeface="+mn-cs"/>
+              </a:rPr>
+              <a:t>Risiko #4 </a:t>
+            </a:r>
+            <a:r>
+              <a:rPr kumimoji="0" lang="de-DE" sz="3200" b="0" i="0" u="none" strike="noStrike" kern="1200" cap="none" spc="0" normalizeH="0" baseline="0" noProof="0" dirty="0" smtClean="0">
+                <a:ln>
+                  <a:noFill/>
+                </a:ln>
+                <a:solidFill>
+                  <a:schemeClr val="tx1"/>
+                </a:solidFill>
+                <a:effectLst/>
+                <a:uLnTx/>
+                <a:uFillTx/>
+                <a:latin typeface="Kozuka Gothic Pro L" pitchFamily="34" charset="-128"/>
+                <a:ea typeface="Kozuka Gothic Pro L" pitchFamily="34" charset="-128"/>
+                <a:cs typeface="+mn-cs"/>
+              </a:rPr>
+              <a:t>ist aufgetreten:</a:t>
+            </a:r>
+          </a:p>
+          <a:p>
+            <a:pPr marL="342900" marR="0" lvl="0" indent="-342900" algn="l" defTabSz="914400" rtl="0" eaLnBrk="1" fontAlgn="auto" latinLnBrk="0" hangingPunct="1">
+              <a:lnSpc>
+                <a:spcPct val="100000"/>
+              </a:lnSpc>
+              <a:spcBef>
+                <a:spcPct val="20000"/>
+              </a:spcBef>
+              <a:spcAft>
+                <a:spcPts val="0"/>
+              </a:spcAft>
+              <a:buClrTx/>
+              <a:buSzTx/>
+              <a:buFont typeface="Arial" pitchFamily="34" charset="0"/>
+              <a:buNone/>
+              <a:tabLst/>
+              <a:defRPr/>
+            </a:pPr>
+            <a:r>
+              <a:rPr kumimoji="0" lang="de-DE" sz="3200" b="0" i="0" u="none" strike="noStrike" kern="1200" cap="none" spc="0" normalizeH="0" baseline="0" noProof="0" dirty="0" smtClean="0">
+                <a:ln>
+                  <a:noFill/>
+                </a:ln>
+                <a:solidFill>
+                  <a:schemeClr val="tx1"/>
+                </a:solidFill>
+                <a:effectLst/>
+                <a:uLnTx/>
+                <a:uFillTx/>
+                <a:latin typeface="Kozuka Gothic Pro L" pitchFamily="34" charset="-128"/>
+                <a:ea typeface="Kozuka Gothic Pro L" pitchFamily="34" charset="-128"/>
+                <a:cs typeface="+mn-cs"/>
+              </a:rPr>
+              <a:t>       </a:t>
+            </a:r>
+            <a:r>
+              <a:rPr kumimoji="0" lang="de-DE" sz="3200" b="1" i="0" u="none" strike="noStrike" kern="1200" cap="none" spc="0" normalizeH="0" baseline="0" noProof="0" dirty="0" smtClean="0">
+                <a:ln>
+                  <a:noFill/>
+                </a:ln>
+                <a:solidFill>
+                  <a:schemeClr val="tx1"/>
+                </a:solidFill>
+                <a:effectLst/>
+                <a:uLnTx/>
+                <a:uFillTx/>
+                <a:latin typeface="Kozuka Gothic Pro L" pitchFamily="34" charset="-128"/>
+                <a:ea typeface="Kozuka Gothic Pro L" pitchFamily="34" charset="-128"/>
+                <a:cs typeface="+mn-cs"/>
+              </a:rPr>
+              <a:t>falsche Zeitplanung</a:t>
+            </a:r>
+          </a:p>
+          <a:p>
+            <a:pPr marL="342900" marR="0" lvl="0" indent="-342900" algn="l" defTabSz="914400" rtl="0" eaLnBrk="1" fontAlgn="auto" latinLnBrk="0" hangingPunct="1">
+              <a:lnSpc>
+                <a:spcPct val="100000"/>
+              </a:lnSpc>
+              <a:spcBef>
+                <a:spcPct val="20000"/>
+              </a:spcBef>
+              <a:spcAft>
+                <a:spcPts val="0"/>
+              </a:spcAft>
+              <a:buClrTx/>
+              <a:buSzTx/>
+              <a:buFont typeface="Arial" pitchFamily="34" charset="0"/>
+              <a:buNone/>
+              <a:tabLst/>
+              <a:defRPr/>
+            </a:pPr>
+            <a:r>
+              <a:rPr kumimoji="0" lang="de-DE" sz="3200" b="0" i="0" u="none" strike="noStrike" kern="1200" cap="none" spc="0" normalizeH="0" baseline="0" noProof="0" dirty="0" smtClean="0">
+                <a:ln>
+                  <a:noFill/>
+                </a:ln>
+                <a:solidFill>
+                  <a:schemeClr val="tx1"/>
+                </a:solidFill>
+                <a:effectLst/>
+                <a:uLnTx/>
+                <a:uFillTx/>
+                <a:latin typeface="Kozuka Gothic Pro L" pitchFamily="34" charset="-128"/>
+                <a:ea typeface="Kozuka Gothic Pro L" pitchFamily="34" charset="-128"/>
+                <a:cs typeface="+mn-cs"/>
+              </a:rPr>
+              <a:t>Wahrscheinlichkeit des Auftretens: </a:t>
+            </a:r>
+            <a:r>
+              <a:rPr kumimoji="0" lang="de-DE" sz="3200" b="1" i="0" u="none" strike="noStrike" kern="1200" cap="none" spc="0" normalizeH="0" baseline="0" noProof="0" dirty="0" smtClean="0">
+                <a:ln>
+                  <a:noFill/>
+                </a:ln>
+                <a:solidFill>
+                  <a:schemeClr val="tx1"/>
+                </a:solidFill>
+                <a:effectLst/>
+                <a:uLnTx/>
+                <a:uFillTx/>
+                <a:latin typeface="Kozuka Gothic Pro L" pitchFamily="34" charset="-128"/>
+                <a:ea typeface="Kozuka Gothic Pro L" pitchFamily="34" charset="-128"/>
+                <a:cs typeface="+mn-cs"/>
+              </a:rPr>
+              <a:t>50%</a:t>
+            </a:r>
+            <a:endParaRPr kumimoji="0" lang="de-DE" sz="3200" b="1" i="0" u="none" strike="noStrike" kern="1200" cap="none" spc="0" normalizeH="0" baseline="0" noProof="0" dirty="0">
+              <a:ln>
+                <a:noFill/>
+              </a:ln>
+              <a:solidFill>
+                <a:schemeClr val="tx1"/>
+              </a:solidFill>
+              <a:effectLst/>
+              <a:uLnTx/>
+              <a:uFillTx/>
+              <a:latin typeface="Kozuka Gothic Pro L" pitchFamily="34" charset="-128"/>
+              <a:ea typeface="Kozuka Gothic Pro L" pitchFamily="34" charset="-128"/>
+              <a:cs typeface="+mn-cs"/>
+            </a:endParaRPr>
+          </a:p>
+        </p:txBody>
+      </p:sp>
+      <p:sp>
+        <p:nvSpPr>
+          <p:cNvPr id="5" name="Right Arrow 4"/>
+          <p:cNvSpPr/>
+          <p:nvPr/>
+        </p:nvSpPr>
+        <p:spPr>
+          <a:xfrm>
+            <a:off x="285720" y="2857496"/>
+            <a:ext cx="642942" cy="436169"/>
+          </a:xfrm>
+          <a:prstGeom prst="rightArrow">
+            <a:avLst/>
+          </a:prstGeom>
+          <a:noFill/>
+          <a:ln w="38100">
+            <a:solidFill>
+              <a:srgbClr val="075E45"/>
+            </a:solidFill>
+          </a:ln>
+        </p:spPr>
+        <p:style>
+          <a:lnRef idx="2">
+            <a:schemeClr val="accent1">
+              <a:shade val="50000"/>
+            </a:schemeClr>
+          </a:lnRef>
+          <a:fillRef idx="1">
+            <a:schemeClr val="accent1"/>
+          </a:fillRef>
+          <a:effectRef idx="0">
+            <a:schemeClr val="accent1"/>
+          </a:effectRef>
+          <a:fontRef idx="minor">
+            <a:schemeClr val="lt1"/>
+          </a:fontRef>
+        </p:style>
+        <p:txBody>
+          <a:bodyPr rtlCol="0" anchor="ctr"/>
+          <a:lstStyle/>
+          <a:p>
+            <a:pPr algn="ctr"/>
+            <a:endParaRPr lang="de-DE"/>
+          </a:p>
+        </p:txBody>
+      </p:sp>
+    </p:spTree>
+  </p:cSld>
+  <p:clrMapOvr>
+    <a:masterClrMapping/>
+  </p:clrMapOvr>
+</p:sld>
+</file>
+
+<file path=ppt/slides/slide19.xml><?xml version="1.0" encoding="utf-8"?>
+<p:sld xmlns:a="http://schemas.openxmlformats.org/drawingml/2006/main" xmlns:r="http://schemas.openxmlformats.org/officeDocument/2006/relationships" xmlns:p="http://schemas.openxmlformats.org/presentationml/2006/main">
+  <p:cSld>
+    <p:spTree>
+      <p:nvGrpSpPr>
+        <p:cNvPr id="1" name=""/>
+        <p:cNvGrpSpPr/>
+        <p:nvPr/>
+      </p:nvGrpSpPr>
+      <p:grpSpPr>
+        <a:xfrm>
+          <a:off x="0" y="0"/>
+          <a:ext cx="0" cy="0"/>
+          <a:chOff x="0" y="0"/>
+          <a:chExt cx="0" cy="0"/>
+        </a:xfrm>
+      </p:grpSpPr>
+      <p:sp>
+        <p:nvSpPr>
+          <p:cNvPr id="2" name="Title 1"/>
+          <p:cNvSpPr>
+            <a:spLocks noGrp="1"/>
+          </p:cNvSpPr>
+          <p:nvPr>
+            <p:ph type="title"/>
+          </p:nvPr>
+        </p:nvSpPr>
+        <p:spPr/>
+        <p:txBody>
+          <a:bodyPr/>
+          <a:lstStyle/>
+          <a:p>
+            <a:r>
+              <a:rPr lang="de-DE" dirty="0" smtClean="0"/>
+              <a:t>Abweichungen</a:t>
+            </a:r>
+            <a:endParaRPr lang="de-DE" dirty="0"/>
+          </a:p>
+        </p:txBody>
+      </p:sp>
+      <p:sp>
+        <p:nvSpPr>
+          <p:cNvPr id="3" name="Content Placeholder 2"/>
+          <p:cNvSpPr>
+            <a:spLocks noGrp="1"/>
+          </p:cNvSpPr>
+          <p:nvPr>
+            <p:ph idx="1"/>
+          </p:nvPr>
+        </p:nvSpPr>
+        <p:spPr/>
+        <p:txBody>
+          <a:bodyPr/>
+          <a:lstStyle/>
+          <a:p>
+            <a:pPr marL="514350" indent="-514350">
+              <a:buFont typeface="+mj-lt"/>
+              <a:buAutoNum type="arabicPeriod"/>
+            </a:pPr>
+            <a:r>
+              <a:rPr lang="de-DE" dirty="0" smtClean="0"/>
+              <a:t>Startseite Psychologe – es werden nur </a:t>
+            </a:r>
+            <a:r>
+              <a:rPr lang="de-DE" b="1" dirty="0" smtClean="0"/>
+              <a:t>aktuelle Notizen angezeigt</a:t>
+            </a:r>
+            <a:r>
+              <a:rPr lang="de-DE" dirty="0" smtClean="0"/>
+              <a:t>, </a:t>
+            </a:r>
+            <a:r>
+              <a:rPr lang="de-DE" b="1" dirty="0" smtClean="0"/>
+              <a:t>keine</a:t>
+            </a:r>
+            <a:r>
+              <a:rPr lang="de-DE" dirty="0" smtClean="0"/>
+              <a:t> </a:t>
+            </a:r>
+            <a:r>
+              <a:rPr lang="de-DE" b="1" dirty="0" smtClean="0"/>
+              <a:t>Tagebucheinträge</a:t>
+            </a:r>
+            <a:r>
+              <a:rPr lang="de-DE" dirty="0" smtClean="0"/>
+              <a:t> und </a:t>
+            </a:r>
+            <a:r>
+              <a:rPr lang="de-DE" b="1" dirty="0" smtClean="0"/>
+              <a:t>Medikamenteneinnahme</a:t>
+            </a:r>
+            <a:r>
+              <a:rPr lang="de-DE" dirty="0" smtClean="0"/>
+              <a:t>.</a:t>
+            </a:r>
+          </a:p>
+          <a:p>
+            <a:pPr marL="514350" indent="-514350">
+              <a:buFont typeface="+mj-lt"/>
+              <a:buAutoNum type="arabicPeriod"/>
+            </a:pPr>
+            <a:r>
+              <a:rPr lang="de-DE" dirty="0" smtClean="0"/>
+              <a:t>Im Tagebuch wird </a:t>
+            </a:r>
+            <a:r>
+              <a:rPr lang="de-DE" b="1" dirty="0" smtClean="0"/>
+              <a:t>kein Datum </a:t>
+            </a:r>
+            <a:r>
+              <a:rPr lang="de-DE" dirty="0" smtClean="0"/>
+              <a:t>und </a:t>
+            </a:r>
+            <a:r>
+              <a:rPr lang="de-DE" b="1" dirty="0" smtClean="0"/>
+              <a:t>keine aktuelle Uhrzeit</a:t>
+            </a:r>
+            <a:r>
+              <a:rPr lang="de-DE" dirty="0" smtClean="0"/>
+              <a:t> angezeigt.</a:t>
+            </a:r>
+            <a:endParaRPr lang="de-DE" dirty="0"/>
           </a:p>
         </p:txBody>
       </p:sp>
@@ -3331,47 +4902,162 @@
           </a:p>
         </p:txBody>
       </p:sp>
-      <p:sp>
-        <p:nvSpPr>
-          <p:cNvPr id="3" name="Content Placeholder 2"/>
-          <p:cNvSpPr>
-            <a:spLocks noGrp="1"/>
-          </p:cNvSpPr>
-          <p:nvPr>
-            <p:ph idx="1"/>
-          </p:nvPr>
-        </p:nvSpPr>
-        <p:spPr/>
-        <p:txBody>
-          <a:bodyPr/>
-          <a:lstStyle/>
-          <a:p>
-            <a:r>
-              <a:rPr lang="de-DE" dirty="0" smtClean="0"/>
-              <a:t>Projektidee</a:t>
-            </a:r>
-          </a:p>
-          <a:p>
-            <a:r>
-              <a:rPr lang="de-DE" dirty="0" smtClean="0"/>
-              <a:t>Use Case</a:t>
-            </a:r>
-          </a:p>
-          <a:p>
-            <a:r>
-              <a:rPr lang="de-DE" dirty="0" smtClean="0"/>
-              <a:t>Was wurde realisiert?</a:t>
-            </a:r>
-          </a:p>
-          <a:p>
-            <a:r>
-              <a:rPr lang="de-DE" dirty="0" smtClean="0"/>
-              <a:t>Risiken</a:t>
-            </a:r>
-            <a:endParaRPr lang="de-DE" dirty="0"/>
-          </a:p>
-        </p:txBody>
-      </p:sp>
+      <p:graphicFrame>
+        <p:nvGraphicFramePr>
+          <p:cNvPr id="4" name="Table 3"/>
+          <p:cNvGraphicFramePr>
+            <a:graphicFrameLocks noGrp="1"/>
+          </p:cNvGraphicFramePr>
+          <p:nvPr/>
+        </p:nvGraphicFramePr>
+        <p:xfrm>
+          <a:off x="857224" y="2428868"/>
+          <a:ext cx="6096000" cy="1854200"/>
+        </p:xfrm>
+        <a:graphic>
+          <a:graphicData uri="http://schemas.openxmlformats.org/drawingml/2006/table">
+            <a:tbl>
+              <a:tblPr firstRow="1" bandRow="1">
+                <a:tableStyleId>{3B4B98B0-60AC-42C2-AFA5-B58CD77FA1E5}</a:tableStyleId>
+              </a:tblPr>
+              <a:tblGrid>
+                <a:gridCol w="3048000"/>
+                <a:gridCol w="3048000"/>
+              </a:tblGrid>
+              <a:tr h="370840">
+                <a:tc>
+                  <a:txBody>
+                    <a:bodyPr/>
+                    <a:lstStyle/>
+                    <a:p>
+                      <a:r>
+                        <a:rPr lang="de-DE" b="0" dirty="0" smtClean="0"/>
+                        <a:t>Projektidee</a:t>
+                      </a:r>
+                      <a:endParaRPr lang="de-DE" b="0" dirty="0"/>
+                    </a:p>
+                  </a:txBody>
+                  <a:tcPr/>
+                </a:tc>
+                <a:tc>
+                  <a:txBody>
+                    <a:bodyPr/>
+                    <a:lstStyle/>
+                    <a:p>
+                      <a:endParaRPr lang="de-DE" b="0" dirty="0"/>
+                    </a:p>
+                  </a:txBody>
+                  <a:tcPr/>
+                </a:tc>
+              </a:tr>
+              <a:tr h="370840">
+                <a:tc>
+                  <a:txBody>
+                    <a:bodyPr/>
+                    <a:lstStyle/>
+                    <a:p>
+                      <a:r>
+                        <a:rPr lang="de-DE" dirty="0" smtClean="0"/>
+                        <a:t>Ergebnisse</a:t>
+                      </a:r>
+                      <a:endParaRPr lang="de-DE" dirty="0"/>
+                    </a:p>
+                  </a:txBody>
+                  <a:tcPr/>
+                </a:tc>
+                <a:tc>
+                  <a:txBody>
+                    <a:bodyPr/>
+                    <a:lstStyle/>
+                    <a:p>
+                      <a:endParaRPr lang="de-DE" dirty="0"/>
+                    </a:p>
+                  </a:txBody>
+                  <a:tcPr/>
+                </a:tc>
+              </a:tr>
+              <a:tr h="370840">
+                <a:tc>
+                  <a:txBody>
+                    <a:bodyPr/>
+                    <a:lstStyle/>
+                    <a:p>
+                      <a:r>
+                        <a:rPr lang="de-DE" dirty="0" smtClean="0"/>
+                        <a:t>Use Cases</a:t>
+                      </a:r>
+                      <a:endParaRPr lang="de-DE" dirty="0"/>
+                    </a:p>
+                  </a:txBody>
+                  <a:tcPr/>
+                </a:tc>
+                <a:tc>
+                  <a:txBody>
+                    <a:bodyPr/>
+                    <a:lstStyle/>
+                    <a:p>
+                      <a:endParaRPr lang="de-DE" dirty="0"/>
+                    </a:p>
+                  </a:txBody>
+                  <a:tcPr/>
+                </a:tc>
+              </a:tr>
+              <a:tr h="370840">
+                <a:tc>
+                  <a:txBody>
+                    <a:bodyPr/>
+                    <a:lstStyle/>
+                    <a:p>
+                      <a:r>
+                        <a:rPr lang="de-DE" dirty="0" smtClean="0"/>
+                        <a:t>Risiken</a:t>
+                      </a:r>
+                      <a:endParaRPr lang="de-DE" dirty="0"/>
+                    </a:p>
+                  </a:txBody>
+                  <a:tcPr/>
+                </a:tc>
+                <a:tc>
+                  <a:txBody>
+                    <a:bodyPr/>
+                    <a:lstStyle/>
+                    <a:p>
+                      <a:endParaRPr lang="de-DE" dirty="0"/>
+                    </a:p>
+                  </a:txBody>
+                  <a:tcPr/>
+                </a:tc>
+              </a:tr>
+              <a:tr h="370840">
+                <a:tc>
+                  <a:txBody>
+                    <a:bodyPr/>
+                    <a:lstStyle/>
+                    <a:p>
+                      <a:r>
+                        <a:rPr lang="de-DE" dirty="0" smtClean="0"/>
+                        <a:t>Abweichungen</a:t>
+                      </a:r>
+                      <a:endParaRPr lang="de-DE" dirty="0"/>
+                    </a:p>
+                  </a:txBody>
+                  <a:tcPr/>
+                </a:tc>
+                <a:tc>
+                  <a:txBody>
+                    <a:bodyPr/>
+                    <a:lstStyle/>
+                    <a:p>
+                      <a:endParaRPr lang="de-DE" dirty="0"/>
+                    </a:p>
+                  </a:txBody>
+                  <a:tcPr/>
+                </a:tc>
+              </a:tr>
+            </a:tbl>
+          </a:graphicData>
+        </a:graphic>
+      </p:graphicFrame>
     </p:spTree>
   </p:cSld>
   <p:clrMapOvr>
@@ -3420,57 +5106,100 @@
           </a:p>
         </p:txBody>
       </p:sp>
-      <p:pic>
-        <p:nvPicPr>
-          <p:cNvPr id="1026" name="Picture 2" descr="D:\Documents\Dropbox\E-Health SS19\Bilder\Mockups\01_Login.png"/>
-          <p:cNvPicPr>
-            <a:picLocks noChangeAspect="1" noChangeArrowheads="1"/>
-          </p:cNvPicPr>
-          <p:nvPr/>
-        </p:nvPicPr>
-        <p:blipFill>
-          <a:blip r:embed="rId2" cstate="print"/>
-          <a:srcRect/>
-          <a:stretch>
-            <a:fillRect/>
-          </a:stretch>
-        </p:blipFill>
-        <p:spPr bwMode="auto">
-          <a:xfrm>
-            <a:off x="428596" y="1857364"/>
-            <a:ext cx="3725702" cy="2786082"/>
-          </a:xfrm>
-          <a:prstGeom prst="rect">
-            <a:avLst/>
-          </a:prstGeom>
-          <a:noFill/>
-        </p:spPr>
-      </p:pic>
-      <p:sp>
-        <p:nvSpPr>
-          <p:cNvPr id="5" name="TextBox 4"/>
-          <p:cNvSpPr txBox="1"/>
-          <p:nvPr/>
+      <p:sp>
+        <p:nvSpPr>
+          <p:cNvPr id="3" name="Content Placeholder 2"/>
+          <p:cNvSpPr>
+            <a:spLocks noGrp="1"/>
+          </p:cNvSpPr>
+          <p:nvPr>
+            <p:ph idx="1"/>
+          </p:nvPr>
         </p:nvSpPr>
         <p:spPr>
           <a:xfrm>
-            <a:off x="1285852" y="4786322"/>
-            <a:ext cx="1565108" cy="369332"/>
-          </a:xfrm>
-          <a:prstGeom prst="rect">
-            <a:avLst/>
-          </a:prstGeom>
-          <a:noFill/>
-        </p:spPr>
-        <p:txBody>
-          <a:bodyPr wrap="none" rtlCol="0">
-            <a:spAutoFit/>
-          </a:bodyPr>
-          <a:lstStyle/>
-          <a:p>
+            <a:off x="457200" y="1600201"/>
+            <a:ext cx="8229600" cy="3114684"/>
+          </a:xfrm>
+        </p:spPr>
+        <p:txBody>
+          <a:bodyPr/>
+          <a:lstStyle/>
+          <a:p>
+            <a:pPr algn="ctr">
+              <a:buNone/>
+            </a:pPr>
             <a:r>
               <a:rPr lang="de-DE" dirty="0" smtClean="0"/>
-              <a:t>Mockup: Login</a:t>
+              <a:t>„Eine </a:t>
+            </a:r>
+            <a:r>
+              <a:rPr lang="de-DE" b="1" dirty="0" smtClean="0"/>
+              <a:t>Webseite</a:t>
+            </a:r>
+            <a:r>
+              <a:rPr lang="de-DE" dirty="0" smtClean="0"/>
+              <a:t> für </a:t>
+            </a:r>
+            <a:r>
+              <a:rPr lang="de-DE" b="1" dirty="0" smtClean="0"/>
+              <a:t>Psychologen</a:t>
+            </a:r>
+            <a:r>
+              <a:rPr lang="de-DE" dirty="0" smtClean="0"/>
+              <a:t> und </a:t>
+            </a:r>
+            <a:r>
+              <a:rPr lang="de-DE" b="1" dirty="0" smtClean="0"/>
+              <a:t>Patienten </a:t>
+            </a:r>
+          </a:p>
+          <a:p>
+            <a:pPr algn="ctr">
+              <a:buNone/>
+            </a:pPr>
+            <a:r>
+              <a:rPr lang="de-DE" dirty="0" smtClean="0"/>
+              <a:t>entwickeln. Mit dem Ziel, dass Patienten ihre </a:t>
+            </a:r>
+          </a:p>
+          <a:p>
+            <a:pPr algn="ctr">
+              <a:buNone/>
+            </a:pPr>
+            <a:r>
+              <a:rPr lang="de-DE" b="1" dirty="0" smtClean="0"/>
+              <a:t>Stimmung</a:t>
+            </a:r>
+            <a:r>
+              <a:rPr lang="de-DE" dirty="0" smtClean="0"/>
+              <a:t> täglich digital aufzeichnen können </a:t>
+            </a:r>
+          </a:p>
+          <a:p>
+            <a:pPr algn="ctr">
+              <a:buNone/>
+            </a:pPr>
+            <a:r>
+              <a:rPr lang="de-DE" dirty="0" smtClean="0"/>
+              <a:t>und der Psychologe die </a:t>
+            </a:r>
+            <a:r>
+              <a:rPr lang="de-DE" b="1" dirty="0" smtClean="0"/>
+              <a:t>Ergbenisse</a:t>
+            </a:r>
+            <a:r>
+              <a:rPr lang="de-DE" dirty="0" smtClean="0"/>
+              <a:t> online </a:t>
+            </a:r>
+          </a:p>
+          <a:p>
+            <a:pPr algn="ctr">
+              <a:buNone/>
+            </a:pPr>
+            <a:r>
+              <a:rPr lang="de-DE" dirty="0" smtClean="0"/>
+              <a:t>einsehen kann.“</a:t>
             </a:r>
             <a:endParaRPr lang="de-DE" dirty="0"/>
           </a:p>
@@ -3518,37 +5247,7 @@
           <a:p>
             <a:r>
               <a:rPr lang="de-DE" dirty="0" smtClean="0"/>
-              <a:t>Projektidee</a:t>
-            </a:r>
-            <a:endParaRPr lang="de-DE" dirty="0"/>
-          </a:p>
-        </p:txBody>
-      </p:sp>
-      <p:sp>
-        <p:nvSpPr>
-          <p:cNvPr id="5" name="TextBox 4"/>
-          <p:cNvSpPr txBox="1"/>
-          <p:nvPr/>
-        </p:nvSpPr>
-        <p:spPr>
-          <a:xfrm>
-            <a:off x="1285852" y="4786322"/>
-            <a:ext cx="3050772" cy="369332"/>
-          </a:xfrm>
-          <a:prstGeom prst="rect">
-            <a:avLst/>
-          </a:prstGeom>
-          <a:noFill/>
-        </p:spPr>
-        <p:txBody>
-          <a:bodyPr wrap="none" rtlCol="0">
-            <a:spAutoFit/>
-          </a:bodyPr>
-          <a:lstStyle/>
-          <a:p>
-            <a:r>
-              <a:rPr lang="de-DE" dirty="0" smtClean="0"/>
-              <a:t>Mockup: Startseite Psychologe</a:t>
+              <a:t>Ergebnisse</a:t>
             </a:r>
             <a:endParaRPr lang="de-DE" dirty="0"/>
           </a:p>
@@ -3556,7 +5255,7 @@
       </p:sp>
       <p:pic>
         <p:nvPicPr>
-          <p:cNvPr id="2050" name="Picture 2" descr="D:\Documents\Dropbox\E-Health SS19\Bilder\Mockups\02_Startseite_Psych.png"/>
+          <p:cNvPr id="1026" name="Picture 2" descr="D:\Documents\Dropbox\E-Health SS19\Bilder\Mockups\01_Login.png"/>
           <p:cNvPicPr>
             <a:picLocks noChangeAspect="1" noChangeArrowheads="1"/>
           </p:cNvPicPr>
@@ -3571,8 +5270,8 @@
         </p:blipFill>
         <p:spPr bwMode="auto">
           <a:xfrm>
-            <a:off x="357158" y="1714488"/>
-            <a:ext cx="3714776" cy="2786082"/>
+            <a:off x="428596" y="1857364"/>
+            <a:ext cx="3725702" cy="2786082"/>
           </a:xfrm>
           <a:prstGeom prst="rect">
             <a:avLst/>
@@ -3580,6 +5279,90 @@
           <a:noFill/>
         </p:spPr>
       </p:pic>
+      <p:sp>
+        <p:nvSpPr>
+          <p:cNvPr id="5" name="TextBox 4"/>
+          <p:cNvSpPr txBox="1"/>
+          <p:nvPr/>
+        </p:nvSpPr>
+        <p:spPr>
+          <a:xfrm>
+            <a:off x="1285852" y="4786322"/>
+            <a:ext cx="1565108" cy="369332"/>
+          </a:xfrm>
+          <a:prstGeom prst="rect">
+            <a:avLst/>
+          </a:prstGeom>
+          <a:noFill/>
+        </p:spPr>
+        <p:txBody>
+          <a:bodyPr wrap="none" rtlCol="0">
+            <a:spAutoFit/>
+          </a:bodyPr>
+          <a:lstStyle/>
+          <a:p>
+            <a:r>
+              <a:rPr lang="de-DE" dirty="0" smtClean="0"/>
+              <a:t>Mockup: Login</a:t>
+            </a:r>
+            <a:endParaRPr lang="de-DE" dirty="0"/>
+          </a:p>
+        </p:txBody>
+      </p:sp>
+      <p:pic>
+        <p:nvPicPr>
+          <p:cNvPr id="6" name="Picture 5" descr="login.PNG"/>
+          <p:cNvPicPr>
+            <a:picLocks noChangeAspect="1"/>
+          </p:cNvPicPr>
+          <p:nvPr/>
+        </p:nvPicPr>
+        <p:blipFill>
+          <a:blip r:embed="rId3" cstate="print"/>
+          <a:stretch>
+            <a:fillRect/>
+          </a:stretch>
+        </p:blipFill>
+        <p:spPr>
+          <a:xfrm>
+            <a:off x="4306048" y="1857364"/>
+            <a:ext cx="4799904" cy="2786082"/>
+          </a:xfrm>
+          <a:prstGeom prst="rect">
+            <a:avLst/>
+          </a:prstGeom>
+        </p:spPr>
+      </p:pic>
+      <p:sp>
+        <p:nvSpPr>
+          <p:cNvPr id="7" name="TextBox 6"/>
+          <p:cNvSpPr txBox="1"/>
+          <p:nvPr/>
+        </p:nvSpPr>
+        <p:spPr>
+          <a:xfrm>
+            <a:off x="5610948" y="4857760"/>
+            <a:ext cx="2241832" cy="369332"/>
+          </a:xfrm>
+          <a:prstGeom prst="rect">
+            <a:avLst/>
+          </a:prstGeom>
+          <a:noFill/>
+        </p:spPr>
+        <p:txBody>
+          <a:bodyPr wrap="none" rtlCol="0">
+            <a:spAutoFit/>
+          </a:bodyPr>
+          <a:lstStyle/>
+          <a:p>
+            <a:r>
+              <a:rPr lang="de-DE" dirty="0" smtClean="0"/>
+              <a:t>Umgesetztes Ergebnis</a:t>
+            </a:r>
+            <a:endParaRPr lang="de-DE" dirty="0"/>
+          </a:p>
+        </p:txBody>
+      </p:sp>
     </p:spTree>
   </p:cSld>
   <p:clrMapOvr>
@@ -3622,7 +5405,7 @@
           <a:p>
             <a:r>
               <a:rPr lang="de-DE" dirty="0" smtClean="0"/>
-              <a:t>Projektidee</a:t>
+              <a:t>Ergebnisse</a:t>
             </a:r>
             <a:endParaRPr lang="de-DE" dirty="0"/>
           </a:p>
@@ -3636,8 +5419,8 @@
         </p:nvSpPr>
         <p:spPr>
           <a:xfrm>
-            <a:off x="1071538" y="4643446"/>
-            <a:ext cx="2526589" cy="369332"/>
+            <a:off x="285720" y="4643446"/>
+            <a:ext cx="3050772" cy="369332"/>
           </a:xfrm>
           <a:prstGeom prst="rect">
             <a:avLst/>
@@ -3652,7 +5435,7 @@
           <a:p>
             <a:r>
               <a:rPr lang="de-DE" dirty="0" smtClean="0"/>
-              <a:t>Mockup: Dropdown links</a:t>
+              <a:t>Mockup: Startseite Psychologe</a:t>
             </a:r>
             <a:endParaRPr lang="de-DE" dirty="0"/>
           </a:p>
@@ -3660,7 +5443,7 @@
       </p:sp>
       <p:pic>
         <p:nvPicPr>
-          <p:cNvPr id="3074" name="Picture 2" descr="D:\Documents\Dropbox\E-Health SS19\Bilder\Mockups\03_dropdown_psych.png"/>
+          <p:cNvPr id="2050" name="Picture 2" descr="D:\Documents\Dropbox\E-Health SS19\Bilder\Mockups\02_Startseite_Psych.png"/>
           <p:cNvPicPr>
             <a:picLocks noChangeAspect="1" noChangeArrowheads="1"/>
           </p:cNvPicPr>
@@ -3675,8 +5458,8 @@
         </p:blipFill>
         <p:spPr bwMode="auto">
           <a:xfrm>
-            <a:off x="642910" y="1785926"/>
-            <a:ext cx="3827504" cy="2857520"/>
+            <a:off x="142844" y="1714488"/>
+            <a:ext cx="3714776" cy="2786082"/>
           </a:xfrm>
           <a:prstGeom prst="rect">
             <a:avLst/>
@@ -3684,6 +5467,64 @@
           <a:noFill/>
         </p:spPr>
       </p:pic>
+      <p:pic>
+        <p:nvPicPr>
+          <p:cNvPr id="6" name="Picture 5" descr="startseite.PNG"/>
+          <p:cNvPicPr>
+            <a:picLocks noChangeAspect="1"/>
+          </p:cNvPicPr>
+          <p:nvPr/>
+        </p:nvPicPr>
+        <p:blipFill>
+          <a:blip r:embed="rId3" cstate="print"/>
+          <a:stretch>
+            <a:fillRect/>
+          </a:stretch>
+        </p:blipFill>
+        <p:spPr>
+          <a:xfrm>
+            <a:off x="4000496" y="1785926"/>
+            <a:ext cx="5282652" cy="1928826"/>
+          </a:xfrm>
+          <a:prstGeom prst="rect">
+            <a:avLst/>
+          </a:prstGeom>
+        </p:spPr>
+      </p:pic>
+      <p:sp>
+        <p:nvSpPr>
+          <p:cNvPr id="7" name="TextBox 6"/>
+          <p:cNvSpPr txBox="1"/>
+          <p:nvPr/>
+        </p:nvSpPr>
+        <p:spPr>
+          <a:xfrm>
+            <a:off x="5279406" y="4714884"/>
+            <a:ext cx="2241832" cy="369332"/>
+          </a:xfrm>
+          <a:prstGeom prst="rect">
+            <a:avLst/>
+          </a:prstGeom>
+          <a:noFill/>
+        </p:spPr>
+        <p:txBody>
+          <a:bodyPr wrap="none" rtlCol="0">
+            <a:spAutoFit/>
+          </a:bodyPr>
+          <a:lstStyle/>
+          <a:p>
+            <a:r>
+              <a:rPr lang="de-DE" dirty="0" smtClean="0"/>
+              <a:t>Umgesetztes </a:t>
+            </a:r>
+            <a:r>
+              <a:rPr lang="de-DE" dirty="0" smtClean="0"/>
+              <a:t>Ergebnis</a:t>
+            </a:r>
+            <a:endParaRPr lang="de-DE" dirty="0"/>
+          </a:p>
+        </p:txBody>
+      </p:sp>
     </p:spTree>
   </p:cSld>
   <p:clrMapOvr>
@@ -3726,7 +5567,7 @@
           <a:p>
             <a:r>
               <a:rPr lang="de-DE" dirty="0" smtClean="0"/>
-              <a:t>Projektidee</a:t>
+              <a:t>Ergebnisse</a:t>
             </a:r>
             <a:endParaRPr lang="de-DE" dirty="0"/>
           </a:p>
@@ -3740,7 +5581,7 @@
         </p:nvSpPr>
         <p:spPr>
           <a:xfrm>
-            <a:off x="1285852" y="4643446"/>
+            <a:off x="3714744" y="1428736"/>
             <a:ext cx="2523832" cy="369332"/>
           </a:xfrm>
           <a:prstGeom prst="rect">
@@ -3779,8 +5620,8 @@
         </p:blipFill>
         <p:spPr bwMode="auto">
           <a:xfrm>
-            <a:off x="571472" y="1571612"/>
-            <a:ext cx="4094442" cy="3071834"/>
+            <a:off x="142844" y="1428736"/>
+            <a:ext cx="3571900" cy="2679800"/>
           </a:xfrm>
           <a:prstGeom prst="rect">
             <a:avLst/>
@@ -3788,6 +5629,64 @@
           <a:noFill/>
         </p:spPr>
       </p:pic>
+      <p:pic>
+        <p:nvPicPr>
+          <p:cNvPr id="6" name="Picture 5" descr="anlegen.PNG"/>
+          <p:cNvPicPr>
+            <a:picLocks noChangeAspect="1"/>
+          </p:cNvPicPr>
+          <p:nvPr/>
+        </p:nvPicPr>
+        <p:blipFill>
+          <a:blip r:embed="rId3" cstate="print"/>
+          <a:stretch>
+            <a:fillRect/>
+          </a:stretch>
+        </p:blipFill>
+        <p:spPr>
+          <a:xfrm>
+            <a:off x="3077451" y="4214818"/>
+            <a:ext cx="5872516" cy="2571768"/>
+          </a:xfrm>
+          <a:prstGeom prst="rect">
+            <a:avLst/>
+          </a:prstGeom>
+        </p:spPr>
+      </p:pic>
+      <p:sp>
+        <p:nvSpPr>
+          <p:cNvPr id="7" name="TextBox 6"/>
+          <p:cNvSpPr txBox="1"/>
+          <p:nvPr/>
+        </p:nvSpPr>
+        <p:spPr>
+          <a:xfrm>
+            <a:off x="142844" y="6357958"/>
+            <a:ext cx="2241832" cy="369332"/>
+          </a:xfrm>
+          <a:prstGeom prst="rect">
+            <a:avLst/>
+          </a:prstGeom>
+          <a:noFill/>
+        </p:spPr>
+        <p:txBody>
+          <a:bodyPr wrap="none" rtlCol="0">
+            <a:spAutoFit/>
+          </a:bodyPr>
+          <a:lstStyle/>
+          <a:p>
+            <a:r>
+              <a:rPr lang="de-DE" dirty="0" smtClean="0"/>
+              <a:t>Umgesetztes </a:t>
+            </a:r>
+            <a:r>
+              <a:rPr lang="de-DE" dirty="0" smtClean="0"/>
+              <a:t>Ergebnis</a:t>
+            </a:r>
+            <a:endParaRPr lang="de-DE" dirty="0"/>
+          </a:p>
+        </p:txBody>
+      </p:sp>
     </p:spTree>
   </p:cSld>
   <p:clrMapOvr>
@@ -3830,7 +5729,7 @@
           <a:p>
             <a:r>
               <a:rPr lang="de-DE" dirty="0" smtClean="0"/>
-              <a:t>Projektidee</a:t>
+              <a:t>Ergebnisse</a:t>
             </a:r>
             <a:endParaRPr lang="de-DE" dirty="0"/>
           </a:p>
@@ -3844,8 +5743,8 @@
         </p:nvSpPr>
         <p:spPr>
           <a:xfrm>
-            <a:off x="1285852" y="4643446"/>
-            <a:ext cx="2523832" cy="369332"/>
+            <a:off x="642910" y="4643446"/>
+            <a:ext cx="2507225" cy="369332"/>
           </a:xfrm>
           <a:prstGeom prst="rect">
             <a:avLst/>
@@ -3860,7 +5759,7 @@
           <a:p>
             <a:r>
               <a:rPr lang="de-DE" dirty="0" smtClean="0"/>
-              <a:t>Mockup: Patient anlegen</a:t>
+              <a:t>Mockup: Patientensuche</a:t>
             </a:r>
             <a:endParaRPr lang="de-DE" dirty="0"/>
           </a:p>
@@ -3868,7 +5767,7 @@
       </p:sp>
       <p:pic>
         <p:nvPicPr>
-          <p:cNvPr id="5122" name="Picture 2" descr="D:\Documents\Dropbox\E-Health SS19\Bilder\Mockups\05_Patientensuche.png"/>
+          <p:cNvPr id="1026" name="Picture 2" descr="D:\Documents\Dropbox\E-Health SS19\Bilder\Mockups\05_Patientensuche.png"/>
           <p:cNvPicPr>
             <a:picLocks noChangeAspect="1" noChangeArrowheads="1"/>
           </p:cNvPicPr>
@@ -3883,8 +5782,8 @@
         </p:blipFill>
         <p:spPr bwMode="auto">
           <a:xfrm>
-            <a:off x="714347" y="1714488"/>
-            <a:ext cx="3898913" cy="2928958"/>
+            <a:off x="214282" y="1714488"/>
+            <a:ext cx="3786182" cy="2844273"/>
           </a:xfrm>
           <a:prstGeom prst="rect">
             <a:avLst/>
@@ -3892,6 +5791,330 @@
           <a:noFill/>
         </p:spPr>
       </p:pic>
+      <p:pic>
+        <p:nvPicPr>
+          <p:cNvPr id="6" name="Picture 5" descr="suche.PNG"/>
+          <p:cNvPicPr>
+            <a:picLocks noChangeAspect="1"/>
+          </p:cNvPicPr>
+          <p:nvPr/>
+        </p:nvPicPr>
+        <p:blipFill>
+          <a:blip r:embed="rId3" cstate="print"/>
+          <a:stretch>
+            <a:fillRect/>
+          </a:stretch>
+        </p:blipFill>
+        <p:spPr>
+          <a:xfrm>
+            <a:off x="4143372" y="1785926"/>
+            <a:ext cx="4849124" cy="2500330"/>
+          </a:xfrm>
+          <a:prstGeom prst="rect">
+            <a:avLst/>
+          </a:prstGeom>
+        </p:spPr>
+      </p:pic>
+      <p:sp>
+        <p:nvSpPr>
+          <p:cNvPr id="7" name="TextBox 6"/>
+          <p:cNvSpPr txBox="1"/>
+          <p:nvPr/>
+        </p:nvSpPr>
+        <p:spPr>
+          <a:xfrm>
+            <a:off x="5286380" y="4572008"/>
+            <a:ext cx="2241832" cy="369332"/>
+          </a:xfrm>
+          <a:prstGeom prst="rect">
+            <a:avLst/>
+          </a:prstGeom>
+          <a:noFill/>
+        </p:spPr>
+        <p:txBody>
+          <a:bodyPr wrap="none" rtlCol="0">
+            <a:spAutoFit/>
+          </a:bodyPr>
+          <a:lstStyle/>
+          <a:p>
+            <a:r>
+              <a:rPr lang="de-DE" dirty="0" smtClean="0"/>
+              <a:t>Umgesetztes </a:t>
+            </a:r>
+            <a:r>
+              <a:rPr lang="de-DE" dirty="0" smtClean="0"/>
+              <a:t>Ergebnis</a:t>
+            </a:r>
+            <a:endParaRPr lang="de-DE" dirty="0"/>
+          </a:p>
+        </p:txBody>
+      </p:sp>
+    </p:spTree>
+  </p:cSld>
+  <p:clrMapOvr>
+    <a:masterClrMapping/>
+  </p:clrMapOvr>
+</p:sld>
+</file>
+
+<file path=ppt/slides/slide8.xml><?xml version="1.0" encoding="utf-8"?>
+<p:sld xmlns:a="http://schemas.openxmlformats.org/drawingml/2006/main" xmlns:r="http://schemas.openxmlformats.org/officeDocument/2006/relationships" xmlns:p="http://schemas.openxmlformats.org/presentationml/2006/main">
+  <p:cSld>
+    <p:spTree>
+      <p:nvGrpSpPr>
+        <p:cNvPr id="1" name=""/>
+        <p:cNvGrpSpPr/>
+        <p:nvPr/>
+      </p:nvGrpSpPr>
+      <p:grpSpPr>
+        <a:xfrm>
+          <a:off x="0" y="0"/>
+          <a:ext cx="0" cy="0"/>
+          <a:chOff x="0" y="0"/>
+          <a:chExt cx="0" cy="0"/>
+        </a:xfrm>
+      </p:grpSpPr>
+      <p:sp>
+        <p:nvSpPr>
+          <p:cNvPr id="2" name="Title 1"/>
+          <p:cNvSpPr>
+            <a:spLocks noGrp="1"/>
+          </p:cNvSpPr>
+          <p:nvPr>
+            <p:ph type="title"/>
+          </p:nvPr>
+        </p:nvSpPr>
+        <p:spPr/>
+        <p:txBody>
+          <a:bodyPr/>
+          <a:lstStyle/>
+          <a:p>
+            <a:r>
+              <a:rPr lang="de-DE" dirty="0" smtClean="0"/>
+              <a:t>Ergebnisse</a:t>
+            </a:r>
+            <a:endParaRPr lang="de-DE" dirty="0"/>
+          </a:p>
+        </p:txBody>
+      </p:sp>
+      <p:sp>
+        <p:nvSpPr>
+          <p:cNvPr id="5" name="TextBox 4"/>
+          <p:cNvSpPr txBox="1"/>
+          <p:nvPr/>
+        </p:nvSpPr>
+        <p:spPr>
+          <a:xfrm>
+            <a:off x="1500166" y="4643446"/>
+            <a:ext cx="2343462" cy="369332"/>
+          </a:xfrm>
+          <a:prstGeom prst="rect">
+            <a:avLst/>
+          </a:prstGeom>
+          <a:noFill/>
+        </p:spPr>
+        <p:txBody>
+          <a:bodyPr wrap="none" rtlCol="0">
+            <a:spAutoFit/>
+          </a:bodyPr>
+          <a:lstStyle/>
+          <a:p>
+            <a:r>
+              <a:rPr lang="de-DE" dirty="0" smtClean="0"/>
+              <a:t>Mockup: Patientenliste</a:t>
+            </a:r>
+            <a:endParaRPr lang="de-DE" dirty="0"/>
+          </a:p>
+        </p:txBody>
+      </p:sp>
+      <p:pic>
+        <p:nvPicPr>
+          <p:cNvPr id="2050" name="Picture 2" descr="D:\Documents\Dropbox\E-Health SS19\Bilder\Mockups\06_Liste_gesuchter_patienten.png"/>
+          <p:cNvPicPr>
+            <a:picLocks noChangeAspect="1" noChangeArrowheads="1"/>
+          </p:cNvPicPr>
+          <p:nvPr/>
+        </p:nvPicPr>
+        <p:blipFill>
+          <a:blip r:embed="rId2" cstate="print"/>
+          <a:srcRect/>
+          <a:stretch>
+            <a:fillRect/>
+          </a:stretch>
+        </p:blipFill>
+        <p:spPr bwMode="auto">
+          <a:xfrm>
+            <a:off x="1000100" y="1857364"/>
+            <a:ext cx="3711134" cy="2786082"/>
+          </a:xfrm>
+          <a:prstGeom prst="rect">
+            <a:avLst/>
+          </a:prstGeom>
+          <a:noFill/>
+        </p:spPr>
+      </p:pic>
+    </p:spTree>
+  </p:cSld>
+  <p:clrMapOvr>
+    <a:masterClrMapping/>
+  </p:clrMapOvr>
+</p:sld>
+</file>
+
+<file path=ppt/slides/slide9.xml><?xml version="1.0" encoding="utf-8"?>
+<p:sld xmlns:a="http://schemas.openxmlformats.org/drawingml/2006/main" xmlns:r="http://schemas.openxmlformats.org/officeDocument/2006/relationships" xmlns:p="http://schemas.openxmlformats.org/presentationml/2006/main">
+  <p:cSld>
+    <p:spTree>
+      <p:nvGrpSpPr>
+        <p:cNvPr id="1" name=""/>
+        <p:cNvGrpSpPr/>
+        <p:nvPr/>
+      </p:nvGrpSpPr>
+      <p:grpSpPr>
+        <a:xfrm>
+          <a:off x="0" y="0"/>
+          <a:ext cx="0" cy="0"/>
+          <a:chOff x="0" y="0"/>
+          <a:chExt cx="0" cy="0"/>
+        </a:xfrm>
+      </p:grpSpPr>
+      <p:sp>
+        <p:nvSpPr>
+          <p:cNvPr id="2" name="Title 1"/>
+          <p:cNvSpPr>
+            <a:spLocks noGrp="1"/>
+          </p:cNvSpPr>
+          <p:nvPr>
+            <p:ph type="title"/>
+          </p:nvPr>
+        </p:nvSpPr>
+        <p:spPr/>
+        <p:txBody>
+          <a:bodyPr/>
+          <a:lstStyle/>
+          <a:p>
+            <a:r>
+              <a:rPr lang="de-DE" dirty="0" smtClean="0"/>
+              <a:t>Ergebnisse</a:t>
+            </a:r>
+            <a:endParaRPr lang="de-DE" dirty="0"/>
+          </a:p>
+        </p:txBody>
+      </p:sp>
+      <p:sp>
+        <p:nvSpPr>
+          <p:cNvPr id="5" name="TextBox 4"/>
+          <p:cNvSpPr txBox="1"/>
+          <p:nvPr/>
+        </p:nvSpPr>
+        <p:spPr>
+          <a:xfrm>
+            <a:off x="3929058" y="1428736"/>
+            <a:ext cx="2868157" cy="369332"/>
+          </a:xfrm>
+          <a:prstGeom prst="rect">
+            <a:avLst/>
+          </a:prstGeom>
+          <a:noFill/>
+        </p:spPr>
+        <p:txBody>
+          <a:bodyPr wrap="none" rtlCol="0">
+            <a:spAutoFit/>
+          </a:bodyPr>
+          <a:lstStyle/>
+          <a:p>
+            <a:r>
+              <a:rPr lang="de-DE" dirty="0" smtClean="0"/>
+              <a:t>Mockup: Statistik Tagebuch </a:t>
+            </a:r>
+            <a:endParaRPr lang="de-DE" dirty="0"/>
+          </a:p>
+        </p:txBody>
+      </p:sp>
+      <p:pic>
+        <p:nvPicPr>
+          <p:cNvPr id="3074" name="Picture 2" descr="D:\Documents\Dropbox\E-Health SS19\Bilder\Mockups\07_Diagramm.png"/>
+          <p:cNvPicPr>
+            <a:picLocks noChangeAspect="1" noChangeArrowheads="1"/>
+          </p:cNvPicPr>
+          <p:nvPr/>
+        </p:nvPicPr>
+        <p:blipFill>
+          <a:blip r:embed="rId2" cstate="print"/>
+          <a:srcRect/>
+          <a:stretch>
+            <a:fillRect/>
+          </a:stretch>
+        </p:blipFill>
+        <p:spPr bwMode="auto">
+          <a:xfrm>
+            <a:off x="142844" y="1428736"/>
+            <a:ext cx="3786213" cy="2831333"/>
+          </a:xfrm>
+          <a:prstGeom prst="rect">
+            <a:avLst/>
+          </a:prstGeom>
+          <a:noFill/>
+        </p:spPr>
+      </p:pic>
+      <p:pic>
+        <p:nvPicPr>
+          <p:cNvPr id="6" name="Picture 5" descr="diagramm.PNG"/>
+          <p:cNvPicPr>
+            <a:picLocks noChangeAspect="1"/>
+          </p:cNvPicPr>
+          <p:nvPr/>
+        </p:nvPicPr>
+        <p:blipFill>
+          <a:blip r:embed="rId3" cstate="print"/>
+          <a:stretch>
+            <a:fillRect/>
+          </a:stretch>
+        </p:blipFill>
+        <p:spPr>
+          <a:xfrm>
+            <a:off x="3487938" y="3857628"/>
+            <a:ext cx="5656062" cy="2921217"/>
+          </a:xfrm>
+          <a:prstGeom prst="rect">
+            <a:avLst/>
+          </a:prstGeom>
+        </p:spPr>
+      </p:pic>
+      <p:sp>
+        <p:nvSpPr>
+          <p:cNvPr id="7" name="TextBox 6"/>
+          <p:cNvSpPr txBox="1"/>
+          <p:nvPr/>
+        </p:nvSpPr>
+        <p:spPr>
+          <a:xfrm>
+            <a:off x="500034" y="6357958"/>
+            <a:ext cx="2241832" cy="369332"/>
+          </a:xfrm>
+          <a:prstGeom prst="rect">
+            <a:avLst/>
+          </a:prstGeom>
+          <a:noFill/>
+        </p:spPr>
+        <p:txBody>
+          <a:bodyPr wrap="none" rtlCol="0">
+            <a:spAutoFit/>
+          </a:bodyPr>
+          <a:lstStyle/>
+          <a:p>
+            <a:r>
+              <a:rPr lang="de-DE" dirty="0" smtClean="0"/>
+              <a:t>Umgesetztes </a:t>
+            </a:r>
+            <a:r>
+              <a:rPr lang="de-DE" dirty="0" smtClean="0"/>
+              <a:t>Ergebnis</a:t>
+            </a:r>
+            <a:endParaRPr lang="de-DE" dirty="0"/>
+          </a:p>
+        </p:txBody>
+      </p:sp>
     </p:spTree>
   </p:cSld>
   <p:clrMapOvr>

--- a/Doku/endpräsentation-ehalth.pptx
+++ b/Doku/endpräsentation-ehalth.pptx
@@ -1,29 +1,37 @@
 
 <file path=ppt/presentation.xml><?xml version="1.0" encoding="utf-8"?>
-<p:presentation xmlns:a="http://schemas.openxmlformats.org/drawingml/2006/main" xmlns:r="http://schemas.openxmlformats.org/officeDocument/2006/relationships" xmlns:p="http://schemas.openxmlformats.org/presentationml/2006/main" saveSubsetFonts="1">
+<p:presentation xmlns:a="http://schemas.openxmlformats.org/drawingml/2006/main" xmlns:r="http://schemas.openxmlformats.org/officeDocument/2006/relationships" xmlns:p="http://schemas.openxmlformats.org/presentationml/2006/main" showSpecialPlsOnTitleSld="0" saveSubsetFonts="1">
   <p:sldMasterIdLst>
     <p:sldMasterId id="2147483648" r:id="rId1"/>
   </p:sldMasterIdLst>
+  <p:notesMasterIdLst>
+    <p:notesMasterId r:id="rId26"/>
+  </p:notesMasterIdLst>
   <p:sldIdLst>
     <p:sldId id="256" r:id="rId2"/>
     <p:sldId id="257" r:id="rId3"/>
     <p:sldId id="275" r:id="rId4"/>
-    <p:sldId id="258" r:id="rId5"/>
-    <p:sldId id="259" r:id="rId6"/>
-    <p:sldId id="261" r:id="rId7"/>
-    <p:sldId id="262" r:id="rId8"/>
-    <p:sldId id="263" r:id="rId9"/>
-    <p:sldId id="264" r:id="rId10"/>
-    <p:sldId id="265" r:id="rId11"/>
-    <p:sldId id="266" r:id="rId12"/>
-    <p:sldId id="267" r:id="rId13"/>
-    <p:sldId id="268" r:id="rId14"/>
-    <p:sldId id="269" r:id="rId15"/>
-    <p:sldId id="272" r:id="rId16"/>
-    <p:sldId id="273" r:id="rId17"/>
-    <p:sldId id="274" r:id="rId18"/>
-    <p:sldId id="270" r:id="rId19"/>
-    <p:sldId id="276" r:id="rId20"/>
+    <p:sldId id="278" r:id="rId5"/>
+    <p:sldId id="279" r:id="rId6"/>
+    <p:sldId id="280" r:id="rId7"/>
+    <p:sldId id="258" r:id="rId8"/>
+    <p:sldId id="259" r:id="rId9"/>
+    <p:sldId id="261" r:id="rId10"/>
+    <p:sldId id="262" r:id="rId11"/>
+    <p:sldId id="263" r:id="rId12"/>
+    <p:sldId id="264" r:id="rId13"/>
+    <p:sldId id="265" r:id="rId14"/>
+    <p:sldId id="267" r:id="rId15"/>
+    <p:sldId id="268" r:id="rId16"/>
+    <p:sldId id="269" r:id="rId17"/>
+    <p:sldId id="272" r:id="rId18"/>
+    <p:sldId id="273" r:id="rId19"/>
+    <p:sldId id="274" r:id="rId20"/>
+    <p:sldId id="270" r:id="rId21"/>
+    <p:sldId id="276" r:id="rId22"/>
+    <p:sldId id="282" r:id="rId23"/>
+    <p:sldId id="277" r:id="rId24"/>
+    <p:sldId id="281" r:id="rId25"/>
   </p:sldIdLst>
   <p:sldSz cx="9144000" cy="6858000" type="screen4x3"/>
   <p:notesSz cx="6858000" cy="9144000"/>
@@ -125,6 +133,353 @@
 </p:presentation>
 </file>
 
+<file path=ppt/notesMasters/notesMaster1.xml><?xml version="1.0" encoding="utf-8"?>
+<p:notesMaster xmlns:a="http://schemas.openxmlformats.org/drawingml/2006/main" xmlns:r="http://schemas.openxmlformats.org/officeDocument/2006/relationships" xmlns:p="http://schemas.openxmlformats.org/presentationml/2006/main">
+  <p:cSld>
+    <p:bg>
+      <p:bgRef idx="1001">
+        <a:schemeClr val="bg1"/>
+      </p:bgRef>
+    </p:bg>
+    <p:spTree>
+      <p:nvGrpSpPr>
+        <p:cNvPr id="1" name=""/>
+        <p:cNvGrpSpPr/>
+        <p:nvPr/>
+      </p:nvGrpSpPr>
+      <p:grpSpPr>
+        <a:xfrm>
+          <a:off x="0" y="0"/>
+          <a:ext cx="0" cy="0"/>
+          <a:chOff x="0" y="0"/>
+          <a:chExt cx="0" cy="0"/>
+        </a:xfrm>
+      </p:grpSpPr>
+      <p:sp>
+        <p:nvSpPr>
+          <p:cNvPr id="2" name="Header Placeholder 1"/>
+          <p:cNvSpPr>
+            <a:spLocks noGrp="1"/>
+          </p:cNvSpPr>
+          <p:nvPr>
+            <p:ph type="hdr" sz="quarter"/>
+          </p:nvPr>
+        </p:nvSpPr>
+        <p:spPr>
+          <a:xfrm>
+            <a:off x="0" y="0"/>
+            <a:ext cx="2971800" cy="457200"/>
+          </a:xfrm>
+          <a:prstGeom prst="rect">
+            <a:avLst/>
+          </a:prstGeom>
+        </p:spPr>
+        <p:txBody>
+          <a:bodyPr vert="horz" lIns="91440" tIns="45720" rIns="91440" bIns="45720" rtlCol="0"/>
+          <a:lstStyle>
+            <a:lvl1pPr algn="l">
+              <a:defRPr sz="1200"/>
+            </a:lvl1pPr>
+          </a:lstStyle>
+          <a:p>
+            <a:endParaRPr lang="de-DE"/>
+          </a:p>
+        </p:txBody>
+      </p:sp>
+      <p:sp>
+        <p:nvSpPr>
+          <p:cNvPr id="3" name="Date Placeholder 2"/>
+          <p:cNvSpPr>
+            <a:spLocks noGrp="1"/>
+          </p:cNvSpPr>
+          <p:nvPr>
+            <p:ph type="dt" idx="1"/>
+          </p:nvPr>
+        </p:nvSpPr>
+        <p:spPr>
+          <a:xfrm>
+            <a:off x="3884613" y="0"/>
+            <a:ext cx="2971800" cy="457200"/>
+          </a:xfrm>
+          <a:prstGeom prst="rect">
+            <a:avLst/>
+          </a:prstGeom>
+        </p:spPr>
+        <p:txBody>
+          <a:bodyPr vert="horz" lIns="91440" tIns="45720" rIns="91440" bIns="45720" rtlCol="0"/>
+          <a:lstStyle>
+            <a:lvl1pPr algn="r">
+              <a:defRPr sz="1200"/>
+            </a:lvl1pPr>
+          </a:lstStyle>
+          <a:p>
+            <a:fld id="{C79F1672-AA5C-4899-B5F3-23EC093F10BE}" type="datetimeFigureOut">
+              <a:rPr lang="de-DE" smtClean="0"/>
+              <a:t>04.07.2019</a:t>
+            </a:fld>
+            <a:endParaRPr lang="de-DE"/>
+          </a:p>
+        </p:txBody>
+      </p:sp>
+      <p:sp>
+        <p:nvSpPr>
+          <p:cNvPr id="4" name="Slide Image Placeholder 3"/>
+          <p:cNvSpPr>
+            <a:spLocks noGrp="1" noRot="1" noChangeAspect="1"/>
+          </p:cNvSpPr>
+          <p:nvPr>
+            <p:ph type="sldImg" idx="2"/>
+          </p:nvPr>
+        </p:nvSpPr>
+        <p:spPr>
+          <a:xfrm>
+            <a:off x="1143000" y="685800"/>
+            <a:ext cx="4572000" cy="3429000"/>
+          </a:xfrm>
+          <a:prstGeom prst="rect">
+            <a:avLst/>
+          </a:prstGeom>
+          <a:noFill/>
+          <a:ln w="12700">
+            <a:solidFill>
+              <a:prstClr val="black"/>
+            </a:solidFill>
+          </a:ln>
+        </p:spPr>
+        <p:txBody>
+          <a:bodyPr vert="horz" lIns="91440" tIns="45720" rIns="91440" bIns="45720" rtlCol="0" anchor="ctr"/>
+          <a:lstStyle/>
+          <a:p>
+            <a:endParaRPr lang="de-DE"/>
+          </a:p>
+        </p:txBody>
+      </p:sp>
+      <p:sp>
+        <p:nvSpPr>
+          <p:cNvPr id="5" name="Notes Placeholder 4"/>
+          <p:cNvSpPr>
+            <a:spLocks noGrp="1"/>
+          </p:cNvSpPr>
+          <p:nvPr>
+            <p:ph type="body" sz="quarter" idx="3"/>
+          </p:nvPr>
+        </p:nvSpPr>
+        <p:spPr>
+          <a:xfrm>
+            <a:off x="685800" y="4343400"/>
+            <a:ext cx="5486400" cy="4114800"/>
+          </a:xfrm>
+          <a:prstGeom prst="rect">
+            <a:avLst/>
+          </a:prstGeom>
+        </p:spPr>
+        <p:txBody>
+          <a:bodyPr vert="horz" lIns="91440" tIns="45720" rIns="91440" bIns="45720" rtlCol="0">
+            <a:normAutofit/>
+          </a:bodyPr>
+          <a:lstStyle/>
+          <a:p>
+            <a:pPr lvl="0"/>
+            <a:r>
+              <a:rPr lang="en-US" smtClean="0"/>
+              <a:t>Click to edit Master text styles</a:t>
+            </a:r>
+          </a:p>
+          <a:p>
+            <a:pPr lvl="1"/>
+            <a:r>
+              <a:rPr lang="en-US" smtClean="0"/>
+              <a:t>Second level</a:t>
+            </a:r>
+          </a:p>
+          <a:p>
+            <a:pPr lvl="2"/>
+            <a:r>
+              <a:rPr lang="en-US" smtClean="0"/>
+              <a:t>Third level</a:t>
+            </a:r>
+          </a:p>
+          <a:p>
+            <a:pPr lvl="3"/>
+            <a:r>
+              <a:rPr lang="en-US" smtClean="0"/>
+              <a:t>Fourth level</a:t>
+            </a:r>
+          </a:p>
+          <a:p>
+            <a:pPr lvl="4"/>
+            <a:r>
+              <a:rPr lang="en-US" smtClean="0"/>
+              <a:t>Fifth level</a:t>
+            </a:r>
+            <a:endParaRPr lang="de-DE"/>
+          </a:p>
+        </p:txBody>
+      </p:sp>
+      <p:sp>
+        <p:nvSpPr>
+          <p:cNvPr id="6" name="Footer Placeholder 5"/>
+          <p:cNvSpPr>
+            <a:spLocks noGrp="1"/>
+          </p:cNvSpPr>
+          <p:nvPr>
+            <p:ph type="ftr" sz="quarter" idx="4"/>
+          </p:nvPr>
+        </p:nvSpPr>
+        <p:spPr>
+          <a:xfrm>
+            <a:off x="0" y="8685213"/>
+            <a:ext cx="2971800" cy="457200"/>
+          </a:xfrm>
+          <a:prstGeom prst="rect">
+            <a:avLst/>
+          </a:prstGeom>
+        </p:spPr>
+        <p:txBody>
+          <a:bodyPr vert="horz" lIns="91440" tIns="45720" rIns="91440" bIns="45720" rtlCol="0" anchor="b"/>
+          <a:lstStyle>
+            <a:lvl1pPr algn="l">
+              <a:defRPr sz="1200"/>
+            </a:lvl1pPr>
+          </a:lstStyle>
+          <a:p>
+            <a:endParaRPr lang="de-DE"/>
+          </a:p>
+        </p:txBody>
+      </p:sp>
+      <p:sp>
+        <p:nvSpPr>
+          <p:cNvPr id="7" name="Slide Number Placeholder 6"/>
+          <p:cNvSpPr>
+            <a:spLocks noGrp="1"/>
+          </p:cNvSpPr>
+          <p:nvPr>
+            <p:ph type="sldNum" sz="quarter" idx="5"/>
+          </p:nvPr>
+        </p:nvSpPr>
+        <p:spPr>
+          <a:xfrm>
+            <a:off x="3884613" y="8685213"/>
+            <a:ext cx="2971800" cy="457200"/>
+          </a:xfrm>
+          <a:prstGeom prst="rect">
+            <a:avLst/>
+          </a:prstGeom>
+        </p:spPr>
+        <p:txBody>
+          <a:bodyPr vert="horz" lIns="91440" tIns="45720" rIns="91440" bIns="45720" rtlCol="0" anchor="b"/>
+          <a:lstStyle>
+            <a:lvl1pPr algn="r">
+              <a:defRPr sz="1200"/>
+            </a:lvl1pPr>
+          </a:lstStyle>
+          <a:p>
+            <a:fld id="{1BBB270D-6DC1-4476-8096-F2E3628A59FC}" type="slidenum">
+              <a:rPr lang="de-DE" smtClean="0"/>
+              <a:t>‹#›</a:t>
+            </a:fld>
+            <a:endParaRPr lang="de-DE"/>
+          </a:p>
+        </p:txBody>
+      </p:sp>
+    </p:spTree>
+  </p:cSld>
+  <p:clrMap bg1="lt1" tx1="dk1" bg2="lt2" tx2="dk2" accent1="accent1" accent2="accent2" accent3="accent3" accent4="accent4" accent5="accent5" accent6="accent6" hlink="hlink" folHlink="folHlink"/>
+  <p:notesStyle>
+    <a:lvl1pPr marL="0" algn="l" defTabSz="914400" rtl="0" eaLnBrk="1" latinLnBrk="0" hangingPunct="1">
+      <a:defRPr sz="1200" kern="1200">
+        <a:solidFill>
+          <a:schemeClr val="tx1"/>
+        </a:solidFill>
+        <a:latin typeface="+mn-lt"/>
+        <a:ea typeface="+mn-ea"/>
+        <a:cs typeface="+mn-cs"/>
+      </a:defRPr>
+    </a:lvl1pPr>
+    <a:lvl2pPr marL="457200" algn="l" defTabSz="914400" rtl="0" eaLnBrk="1" latinLnBrk="0" hangingPunct="1">
+      <a:defRPr sz="1200" kern="1200">
+        <a:solidFill>
+          <a:schemeClr val="tx1"/>
+        </a:solidFill>
+        <a:latin typeface="+mn-lt"/>
+        <a:ea typeface="+mn-ea"/>
+        <a:cs typeface="+mn-cs"/>
+      </a:defRPr>
+    </a:lvl2pPr>
+    <a:lvl3pPr marL="914400" algn="l" defTabSz="914400" rtl="0" eaLnBrk="1" latinLnBrk="0" hangingPunct="1">
+      <a:defRPr sz="1200" kern="1200">
+        <a:solidFill>
+          <a:schemeClr val="tx1"/>
+        </a:solidFill>
+        <a:latin typeface="+mn-lt"/>
+        <a:ea typeface="+mn-ea"/>
+        <a:cs typeface="+mn-cs"/>
+      </a:defRPr>
+    </a:lvl3pPr>
+    <a:lvl4pPr marL="1371600" algn="l" defTabSz="914400" rtl="0" eaLnBrk="1" latinLnBrk="0" hangingPunct="1">
+      <a:defRPr sz="1200" kern="1200">
+        <a:solidFill>
+          <a:schemeClr val="tx1"/>
+        </a:solidFill>
+        <a:latin typeface="+mn-lt"/>
+        <a:ea typeface="+mn-ea"/>
+        <a:cs typeface="+mn-cs"/>
+      </a:defRPr>
+    </a:lvl4pPr>
+    <a:lvl5pPr marL="1828800" algn="l" defTabSz="914400" rtl="0" eaLnBrk="1" latinLnBrk="0" hangingPunct="1">
+      <a:defRPr sz="1200" kern="1200">
+        <a:solidFill>
+          <a:schemeClr val="tx1"/>
+        </a:solidFill>
+        <a:latin typeface="+mn-lt"/>
+        <a:ea typeface="+mn-ea"/>
+        <a:cs typeface="+mn-cs"/>
+      </a:defRPr>
+    </a:lvl5pPr>
+    <a:lvl6pPr marL="2286000" algn="l" defTabSz="914400" rtl="0" eaLnBrk="1" latinLnBrk="0" hangingPunct="1">
+      <a:defRPr sz="1200" kern="1200">
+        <a:solidFill>
+          <a:schemeClr val="tx1"/>
+        </a:solidFill>
+        <a:latin typeface="+mn-lt"/>
+        <a:ea typeface="+mn-ea"/>
+        <a:cs typeface="+mn-cs"/>
+      </a:defRPr>
+    </a:lvl6pPr>
+    <a:lvl7pPr marL="2743200" algn="l" defTabSz="914400" rtl="0" eaLnBrk="1" latinLnBrk="0" hangingPunct="1">
+      <a:defRPr sz="1200" kern="1200">
+        <a:solidFill>
+          <a:schemeClr val="tx1"/>
+        </a:solidFill>
+        <a:latin typeface="+mn-lt"/>
+        <a:ea typeface="+mn-ea"/>
+        <a:cs typeface="+mn-cs"/>
+      </a:defRPr>
+    </a:lvl7pPr>
+    <a:lvl8pPr marL="3200400" algn="l" defTabSz="914400" rtl="0" eaLnBrk="1" latinLnBrk="0" hangingPunct="1">
+      <a:defRPr sz="1200" kern="1200">
+        <a:solidFill>
+          <a:schemeClr val="tx1"/>
+        </a:solidFill>
+        <a:latin typeface="+mn-lt"/>
+        <a:ea typeface="+mn-ea"/>
+        <a:cs typeface="+mn-cs"/>
+      </a:defRPr>
+    </a:lvl8pPr>
+    <a:lvl9pPr marL="3657600" algn="l" defTabSz="914400" rtl="0" eaLnBrk="1" latinLnBrk="0" hangingPunct="1">
+      <a:defRPr sz="1200" kern="1200">
+        <a:solidFill>
+          <a:schemeClr val="tx1"/>
+        </a:solidFill>
+        <a:latin typeface="+mn-lt"/>
+        <a:ea typeface="+mn-ea"/>
+        <a:cs typeface="+mn-cs"/>
+      </a:defRPr>
+    </a:lvl9pPr>
+  </p:notesStyle>
+</p:notesMaster>
+</file>
+
 <file path=ppt/slideLayouts/slideLayout1.xml><?xml version="1.0" encoding="utf-8"?>
 <p:sldLayout xmlns:a="http://schemas.openxmlformats.org/drawingml/2006/main" xmlns:r="http://schemas.openxmlformats.org/officeDocument/2006/relationships" xmlns:p="http://schemas.openxmlformats.org/presentationml/2006/main" type="title" preserve="1">
   <p:cSld name="Title Slide">
@@ -304,10 +659,9 @@
           <a:bodyPr/>
           <a:lstStyle/>
           <a:p>
-            <a:fld id="{B12B85DF-5738-486A-B015-0EB08E83C667}" type="datetimeFigureOut">
-              <a:rPr lang="de-DE" smtClean="0"/>
-              <a:pPr/>
-              <a:t>29.06.2019</a:t>
+            <a:fld id="{F64FC26B-1BCD-4AD4-B7B1-09DB718723A2}" type="datetime1">
+              <a:rPr lang="de-DE" smtClean="0"/>
+              <a:t>04.07.2019</a:t>
             </a:fld>
             <a:endParaRPr lang="de-DE"/>
           </a:p>
@@ -328,6 +682,10 @@
           <a:bodyPr/>
           <a:lstStyle/>
           <a:p>
+            <a:r>
+              <a:rPr lang="de-DE" smtClean="0"/>
+              <a:t>E-Mood-Tracker</a:t>
+            </a:r>
             <a:endParaRPr lang="de-DE"/>
           </a:p>
         </p:txBody>
@@ -471,10 +829,9 @@
           <a:bodyPr/>
           <a:lstStyle/>
           <a:p>
-            <a:fld id="{B12B85DF-5738-486A-B015-0EB08E83C667}" type="datetimeFigureOut">
-              <a:rPr lang="de-DE" smtClean="0"/>
-              <a:pPr/>
-              <a:t>29.06.2019</a:t>
+            <a:fld id="{56EFE3A6-723E-4C16-BA10-CF5920E47336}" type="datetime1">
+              <a:rPr lang="de-DE" smtClean="0"/>
+              <a:t>04.07.2019</a:t>
             </a:fld>
             <a:endParaRPr lang="de-DE"/>
           </a:p>
@@ -495,6 +852,10 @@
           <a:bodyPr/>
           <a:lstStyle/>
           <a:p>
+            <a:r>
+              <a:rPr lang="de-DE" smtClean="0"/>
+              <a:t>E-Mood-Tracker</a:t>
+            </a:r>
             <a:endParaRPr lang="de-DE"/>
           </a:p>
         </p:txBody>
@@ -648,10 +1009,9 @@
           <a:bodyPr/>
           <a:lstStyle/>
           <a:p>
-            <a:fld id="{B12B85DF-5738-486A-B015-0EB08E83C667}" type="datetimeFigureOut">
-              <a:rPr lang="de-DE" smtClean="0"/>
-              <a:pPr/>
-              <a:t>29.06.2019</a:t>
+            <a:fld id="{2AE6A123-46B1-4FFC-935D-75EE8FF63D8A}" type="datetime1">
+              <a:rPr lang="de-DE" smtClean="0"/>
+              <a:t>04.07.2019</a:t>
             </a:fld>
             <a:endParaRPr lang="de-DE"/>
           </a:p>
@@ -672,6 +1032,10 @@
           <a:bodyPr/>
           <a:lstStyle/>
           <a:p>
+            <a:r>
+              <a:rPr lang="de-DE" smtClean="0"/>
+              <a:t>E-Mood-Tracker</a:t>
+            </a:r>
             <a:endParaRPr lang="de-DE"/>
           </a:p>
         </p:txBody>
@@ -815,10 +1179,9 @@
           <a:bodyPr/>
           <a:lstStyle/>
           <a:p>
-            <a:fld id="{B12B85DF-5738-486A-B015-0EB08E83C667}" type="datetimeFigureOut">
-              <a:rPr lang="de-DE" smtClean="0"/>
-              <a:pPr/>
-              <a:t>29.06.2019</a:t>
+            <a:fld id="{8AF30EF5-5647-443A-BF6F-74A98C1573C6}" type="datetime1">
+              <a:rPr lang="de-DE" smtClean="0"/>
+              <a:t>04.07.2019</a:t>
             </a:fld>
             <a:endParaRPr lang="de-DE"/>
           </a:p>
@@ -839,6 +1202,10 @@
           <a:bodyPr/>
           <a:lstStyle/>
           <a:p>
+            <a:r>
+              <a:rPr lang="de-DE" smtClean="0"/>
+              <a:t>E-Mood-Tracker</a:t>
+            </a:r>
             <a:endParaRPr lang="de-DE"/>
           </a:p>
         </p:txBody>
@@ -1058,10 +1425,9 @@
           <a:bodyPr/>
           <a:lstStyle/>
           <a:p>
-            <a:fld id="{B12B85DF-5738-486A-B015-0EB08E83C667}" type="datetimeFigureOut">
-              <a:rPr lang="de-DE" smtClean="0"/>
-              <a:pPr/>
-              <a:t>29.06.2019</a:t>
+            <a:fld id="{4294D992-1E09-4B7F-99FA-757C49437A68}" type="datetime1">
+              <a:rPr lang="de-DE" smtClean="0"/>
+              <a:t>04.07.2019</a:t>
             </a:fld>
             <a:endParaRPr lang="de-DE"/>
           </a:p>
@@ -1082,6 +1448,10 @@
           <a:bodyPr/>
           <a:lstStyle/>
           <a:p>
+            <a:r>
+              <a:rPr lang="de-DE" smtClean="0"/>
+              <a:t>E-Mood-Tracker</a:t>
+            </a:r>
             <a:endParaRPr lang="de-DE"/>
           </a:p>
         </p:txBody>
@@ -1343,10 +1713,9 @@
           <a:bodyPr/>
           <a:lstStyle/>
           <a:p>
-            <a:fld id="{B12B85DF-5738-486A-B015-0EB08E83C667}" type="datetimeFigureOut">
-              <a:rPr lang="de-DE" smtClean="0"/>
-              <a:pPr/>
-              <a:t>29.06.2019</a:t>
+            <a:fld id="{BDBC1E6D-792E-4549-AACC-A8F7BE770F41}" type="datetime1">
+              <a:rPr lang="de-DE" smtClean="0"/>
+              <a:t>04.07.2019</a:t>
             </a:fld>
             <a:endParaRPr lang="de-DE"/>
           </a:p>
@@ -1367,6 +1736,10 @@
           <a:bodyPr/>
           <a:lstStyle/>
           <a:p>
+            <a:r>
+              <a:rPr lang="de-DE" smtClean="0"/>
+              <a:t>E-Mood-Tracker</a:t>
+            </a:r>
             <a:endParaRPr lang="de-DE"/>
           </a:p>
         </p:txBody>
@@ -1762,10 +2135,9 @@
           <a:bodyPr/>
           <a:lstStyle/>
           <a:p>
-            <a:fld id="{B12B85DF-5738-486A-B015-0EB08E83C667}" type="datetimeFigureOut">
-              <a:rPr lang="de-DE" smtClean="0"/>
-              <a:pPr/>
-              <a:t>29.06.2019</a:t>
+            <a:fld id="{4E1C72C6-6909-46CD-83F5-739F44615838}" type="datetime1">
+              <a:rPr lang="de-DE" smtClean="0"/>
+              <a:t>04.07.2019</a:t>
             </a:fld>
             <a:endParaRPr lang="de-DE"/>
           </a:p>
@@ -1786,6 +2158,10 @@
           <a:bodyPr/>
           <a:lstStyle/>
           <a:p>
+            <a:r>
+              <a:rPr lang="de-DE" smtClean="0"/>
+              <a:t>E-Mood-Tracker</a:t>
+            </a:r>
             <a:endParaRPr lang="de-DE"/>
           </a:p>
         </p:txBody>
@@ -1877,10 +2253,9 @@
           <a:bodyPr/>
           <a:lstStyle/>
           <a:p>
-            <a:fld id="{B12B85DF-5738-486A-B015-0EB08E83C667}" type="datetimeFigureOut">
-              <a:rPr lang="de-DE" smtClean="0"/>
-              <a:pPr/>
-              <a:t>29.06.2019</a:t>
+            <a:fld id="{781F76E5-A79D-4B5B-A7A8-4846A09E126D}" type="datetime1">
+              <a:rPr lang="de-DE" smtClean="0"/>
+              <a:t>04.07.2019</a:t>
             </a:fld>
             <a:endParaRPr lang="de-DE"/>
           </a:p>
@@ -1901,6 +2276,10 @@
           <a:bodyPr/>
           <a:lstStyle/>
           <a:p>
+            <a:r>
+              <a:rPr lang="de-DE" smtClean="0"/>
+              <a:t>E-Mood-Tracker</a:t>
+            </a:r>
             <a:endParaRPr lang="de-DE"/>
           </a:p>
         </p:txBody>
@@ -1969,10 +2348,9 @@
           <a:bodyPr/>
           <a:lstStyle/>
           <a:p>
-            <a:fld id="{B12B85DF-5738-486A-B015-0EB08E83C667}" type="datetimeFigureOut">
-              <a:rPr lang="de-DE" smtClean="0"/>
-              <a:pPr/>
-              <a:t>29.06.2019</a:t>
+            <a:fld id="{6433946A-D565-41B6-95A5-36F37B6305B0}" type="datetime1">
+              <a:rPr lang="de-DE" smtClean="0"/>
+              <a:t>04.07.2019</a:t>
             </a:fld>
             <a:endParaRPr lang="de-DE"/>
           </a:p>
@@ -1993,6 +2371,10 @@
           <a:bodyPr/>
           <a:lstStyle/>
           <a:p>
+            <a:r>
+              <a:rPr lang="de-DE" smtClean="0"/>
+              <a:t>E-Mood-Tracker</a:t>
+            </a:r>
             <a:endParaRPr lang="de-DE"/>
           </a:p>
         </p:txBody>
@@ -2243,10 +2625,9 @@
           <a:bodyPr/>
           <a:lstStyle/>
           <a:p>
-            <a:fld id="{B12B85DF-5738-486A-B015-0EB08E83C667}" type="datetimeFigureOut">
-              <a:rPr lang="de-DE" smtClean="0"/>
-              <a:pPr/>
-              <a:t>29.06.2019</a:t>
+            <a:fld id="{DF6FBC2E-07C2-4AE3-8311-1544239AF778}" type="datetime1">
+              <a:rPr lang="de-DE" smtClean="0"/>
+              <a:t>04.07.2019</a:t>
             </a:fld>
             <a:endParaRPr lang="de-DE"/>
           </a:p>
@@ -2267,6 +2648,10 @@
           <a:bodyPr/>
           <a:lstStyle/>
           <a:p>
+            <a:r>
+              <a:rPr lang="de-DE" smtClean="0"/>
+              <a:t>E-Mood-Tracker</a:t>
+            </a:r>
             <a:endParaRPr lang="de-DE"/>
           </a:p>
         </p:txBody>
@@ -2493,10 +2878,9 @@
           <a:bodyPr/>
           <a:lstStyle/>
           <a:p>
-            <a:fld id="{B12B85DF-5738-486A-B015-0EB08E83C667}" type="datetimeFigureOut">
-              <a:rPr lang="de-DE" smtClean="0"/>
-              <a:pPr/>
-              <a:t>29.06.2019</a:t>
+            <a:fld id="{23B9EEEE-1094-4C97-866A-224DBA0C3EC2}" type="datetime1">
+              <a:rPr lang="de-DE" smtClean="0"/>
+              <a:t>04.07.2019</a:t>
             </a:fld>
             <a:endParaRPr lang="de-DE"/>
           </a:p>
@@ -2517,6 +2901,10 @@
           <a:bodyPr/>
           <a:lstStyle/>
           <a:p>
+            <a:r>
+              <a:rPr lang="de-DE" smtClean="0"/>
+              <a:t>E-Mood-Tracker</a:t>
+            </a:r>
             <a:endParaRPr lang="de-DE"/>
           </a:p>
         </p:txBody>
@@ -2557,9 +2945,14 @@
 <p:sldMaster xmlns:a="http://schemas.openxmlformats.org/drawingml/2006/main" xmlns:r="http://schemas.openxmlformats.org/officeDocument/2006/relationships" xmlns:p="http://schemas.openxmlformats.org/presentationml/2006/main">
   <p:cSld>
     <p:bg>
-      <p:bgRef idx="1001">
-        <a:schemeClr val="bg1"/>
-      </p:bgRef>
+      <p:bgPr>
+        <a:solidFill>
+          <a:schemeClr val="bg2">
+            <a:alpha val="33000"/>
+          </a:schemeClr>
+        </a:solidFill>
+        <a:effectLst/>
+      </p:bgPr>
     </p:bg>
     <p:spTree>
       <p:nvGrpSpPr>
@@ -2703,10 +3096,9 @@
             </a:lvl1pPr>
           </a:lstStyle>
           <a:p>
-            <a:fld id="{B12B85DF-5738-486A-B015-0EB08E83C667}" type="datetimeFigureOut">
-              <a:rPr lang="de-DE" smtClean="0"/>
-              <a:pPr/>
-              <a:t>29.06.2019</a:t>
+            <a:fld id="{217D6A1C-5C30-4F2B-91C3-4D5079B06C9A}" type="datetime1">
+              <a:rPr lang="de-DE" smtClean="0"/>
+              <a:t>04.07.2019</a:t>
             </a:fld>
             <a:endParaRPr lang="de-DE"/>
           </a:p>
@@ -2745,6 +3137,10 @@
             </a:lvl1pPr>
           </a:lstStyle>
           <a:p>
+            <a:r>
+              <a:rPr lang="de-DE" smtClean="0"/>
+              <a:t>E-Mood-Tracker</a:t>
+            </a:r>
             <a:endParaRPr lang="de-DE"/>
           </a:p>
         </p:txBody>
@@ -2807,6 +3203,7 @@
     <p:sldLayoutId id="2147483658" r:id="rId10"/>
     <p:sldLayoutId id="2147483659" r:id="rId11"/>
   </p:sldLayoutIdLst>
+  <p:hf hdr="0"/>
   <p:txStyles>
     <p:titleStyle>
       <a:lvl1pPr algn="ctr" defTabSz="914400" rtl="0" eaLnBrk="1" latinLnBrk="0" hangingPunct="1">
@@ -3369,10 +3766,18 @@
           <a:lstStyle/>
           <a:p>
             <a:r>
-              <a:rPr lang="de-DE" dirty="0" smtClean="0"/>
-              <a:t>Ergebnisse</a:t>
-            </a:r>
-            <a:endParaRPr lang="de-DE" dirty="0"/>
+              <a:rPr lang="de-DE" b="1" dirty="0" smtClean="0">
+                <a:solidFill>
+                  <a:srgbClr val="49B9B1"/>
+                </a:solidFill>
+              </a:rPr>
+              <a:t>Design</a:t>
+            </a:r>
+            <a:endParaRPr lang="de-DE" b="1" dirty="0">
+              <a:solidFill>
+                <a:srgbClr val="49B9B1"/>
+              </a:solidFill>
+            </a:endParaRPr>
           </a:p>
         </p:txBody>
       </p:sp>
@@ -3384,8 +3789,8 @@
         </p:nvSpPr>
         <p:spPr>
           <a:xfrm>
-            <a:off x="642910" y="4143380"/>
-            <a:ext cx="2602123" cy="369332"/>
+            <a:off x="3357554" y="5500702"/>
+            <a:ext cx="2507225" cy="369332"/>
           </a:xfrm>
           <a:prstGeom prst="rect">
             <a:avLst/>
@@ -3400,7 +3805,7 @@
           <a:p>
             <a:r>
               <a:rPr lang="de-DE" dirty="0" smtClean="0"/>
-              <a:t>Mockup: Tagebuchmaske </a:t>
+              <a:t>Mockup: Patientensuche</a:t>
             </a:r>
             <a:endParaRPr lang="de-DE" dirty="0"/>
           </a:p>
@@ -3408,7 +3813,7 @@
       </p:sp>
       <p:pic>
         <p:nvPicPr>
-          <p:cNvPr id="4098" name="Picture 2" descr="D:\Documents\Dropbox\E-Health SS19\Bilder\Mockups\08_Tagebuch_ausfüllen.png"/>
+          <p:cNvPr id="1026" name="Picture 2" descr="D:\Documents\Dropbox\E-Health SS19\Bilder\Mockups\05_Patientensuche.png"/>
           <p:cNvPicPr>
             <a:picLocks noChangeAspect="1" noChangeArrowheads="1"/>
           </p:cNvPicPr>
@@ -3423,8 +3828,8 @@
         </p:blipFill>
         <p:spPr bwMode="auto">
           <a:xfrm>
-            <a:off x="142844" y="1214422"/>
-            <a:ext cx="3857652" cy="2897962"/>
+            <a:off x="1928794" y="1338452"/>
+            <a:ext cx="5286412" cy="3971283"/>
           </a:xfrm>
           <a:prstGeom prst="rect">
             <a:avLst/>
@@ -3432,61 +3837,73 @@
           <a:noFill/>
         </p:spPr>
       </p:pic>
-      <p:pic>
-        <p:nvPicPr>
-          <p:cNvPr id="6" name="Picture 5" descr="tagebuch.PNG"/>
-          <p:cNvPicPr>
-            <a:picLocks noChangeAspect="1"/>
-          </p:cNvPicPr>
-          <p:nvPr/>
-        </p:nvPicPr>
-        <p:blipFill>
-          <a:blip r:embed="rId3" cstate="print"/>
-          <a:stretch>
-            <a:fillRect/>
-          </a:stretch>
-        </p:blipFill>
-        <p:spPr>
-          <a:xfrm>
-            <a:off x="2071670" y="4572008"/>
-            <a:ext cx="6957020" cy="2143140"/>
-          </a:xfrm>
-          <a:prstGeom prst="rect">
-            <a:avLst/>
-          </a:prstGeom>
-        </p:spPr>
-      </p:pic>
-      <p:sp>
-        <p:nvSpPr>
-          <p:cNvPr id="7" name="TextBox 6"/>
-          <p:cNvSpPr txBox="1"/>
-          <p:nvPr/>
-        </p:nvSpPr>
-        <p:spPr>
-          <a:xfrm>
-            <a:off x="4000496" y="6286520"/>
-            <a:ext cx="2241832" cy="369332"/>
-          </a:xfrm>
-          <a:prstGeom prst="rect">
-            <a:avLst/>
-          </a:prstGeom>
-          <a:noFill/>
-        </p:spPr>
-        <p:txBody>
-          <a:bodyPr wrap="none" rtlCol="0">
-            <a:spAutoFit/>
-          </a:bodyPr>
-          <a:lstStyle/>
-          <a:p>
-            <a:r>
-              <a:rPr lang="de-DE" dirty="0" smtClean="0"/>
-              <a:t>Umgesetztes </a:t>
-            </a:r>
-            <a:r>
-              <a:rPr lang="de-DE" dirty="0" smtClean="0"/>
-              <a:t>Ergebnis</a:t>
-            </a:r>
-            <a:endParaRPr lang="de-DE" dirty="0"/>
+      <p:sp>
+        <p:nvSpPr>
+          <p:cNvPr id="8" name="Slide Number Placeholder 7"/>
+          <p:cNvSpPr>
+            <a:spLocks noGrp="1"/>
+          </p:cNvSpPr>
+          <p:nvPr>
+            <p:ph type="sldNum" sz="quarter" idx="12"/>
+          </p:nvPr>
+        </p:nvSpPr>
+        <p:spPr/>
+        <p:txBody>
+          <a:bodyPr/>
+          <a:lstStyle/>
+          <a:p>
+            <a:fld id="{76D67895-9CD9-4983-83EC-F60E121908DF}" type="slidenum">
+              <a:rPr lang="de-DE" smtClean="0"/>
+              <a:pPr/>
+              <a:t>10</a:t>
+            </a:fld>
+            <a:endParaRPr lang="de-DE"/>
+          </a:p>
+        </p:txBody>
+      </p:sp>
+      <p:sp>
+        <p:nvSpPr>
+          <p:cNvPr id="9" name="Date Placeholder 8"/>
+          <p:cNvSpPr>
+            <a:spLocks noGrp="1"/>
+          </p:cNvSpPr>
+          <p:nvPr>
+            <p:ph type="dt" sz="half" idx="10"/>
+          </p:nvPr>
+        </p:nvSpPr>
+        <p:spPr/>
+        <p:txBody>
+          <a:bodyPr/>
+          <a:lstStyle/>
+          <a:p>
+            <a:fld id="{1080BE1F-C865-4B70-8F8A-838219A849CF}" type="datetime1">
+              <a:rPr lang="de-DE" smtClean="0"/>
+              <a:t>04.07.2019</a:t>
+            </a:fld>
+            <a:endParaRPr lang="de-DE"/>
+          </a:p>
+        </p:txBody>
+      </p:sp>
+      <p:sp>
+        <p:nvSpPr>
+          <p:cNvPr id="10" name="Footer Placeholder 9"/>
+          <p:cNvSpPr>
+            <a:spLocks noGrp="1"/>
+          </p:cNvSpPr>
+          <p:nvPr>
+            <p:ph type="ftr" sz="quarter" idx="11"/>
+          </p:nvPr>
+        </p:nvSpPr>
+        <p:spPr/>
+        <p:txBody>
+          <a:bodyPr/>
+          <a:lstStyle/>
+          <a:p>
+            <a:r>
+              <a:rPr lang="de-DE" smtClean="0"/>
+              <a:t>E-Mood-Tracker</a:t>
+            </a:r>
+            <a:endParaRPr lang="de-DE"/>
           </a:p>
         </p:txBody>
       </p:sp>
@@ -3531,10 +3948,18 @@
           <a:lstStyle/>
           <a:p>
             <a:r>
-              <a:rPr lang="de-DE" dirty="0" smtClean="0"/>
-              <a:t>Ergebnisse</a:t>
-            </a:r>
-            <a:endParaRPr lang="de-DE" dirty="0"/>
+              <a:rPr lang="de-DE" b="1" dirty="0" smtClean="0">
+                <a:solidFill>
+                  <a:srgbClr val="49B9B1"/>
+                </a:solidFill>
+              </a:rPr>
+              <a:t>Design</a:t>
+            </a:r>
+            <a:endParaRPr lang="de-DE" b="1" dirty="0">
+              <a:solidFill>
+                <a:srgbClr val="49B9B1"/>
+              </a:solidFill>
+            </a:endParaRPr>
           </a:p>
         </p:txBody>
       </p:sp>
@@ -3546,8 +3971,8 @@
         </p:nvSpPr>
         <p:spPr>
           <a:xfrm>
-            <a:off x="1428728" y="4643446"/>
-            <a:ext cx="3201004" cy="369332"/>
+            <a:off x="3286116" y="5429264"/>
+            <a:ext cx="2343462" cy="369332"/>
           </a:xfrm>
           <a:prstGeom prst="rect">
             <a:avLst/>
@@ -3562,7 +3987,7 @@
           <a:p>
             <a:r>
               <a:rPr lang="de-DE" dirty="0" smtClean="0"/>
-              <a:t>Mockup: Ausgefülltes Tagebuch </a:t>
+              <a:t>Mockup: Patientenliste</a:t>
             </a:r>
             <a:endParaRPr lang="de-DE" dirty="0"/>
           </a:p>
@@ -3570,7 +3995,7 @@
       </p:sp>
       <p:pic>
         <p:nvPicPr>
-          <p:cNvPr id="5122" name="Picture 2" descr="D:\Documents\Dropbox\E-Health SS19\Bilder\Mockups\09_ausgefülltes_Tagebuch.png"/>
+          <p:cNvPr id="2050" name="Picture 2" descr="D:\Documents\Dropbox\E-Health SS19\Bilder\Mockups\06_Liste_gesuchter_patienten.png"/>
           <p:cNvPicPr>
             <a:picLocks noChangeAspect="1" noChangeArrowheads="1"/>
           </p:cNvPicPr>
@@ -3585,8 +4010,8 @@
         </p:blipFill>
         <p:spPr bwMode="auto">
           <a:xfrm>
-            <a:off x="1071537" y="1928802"/>
-            <a:ext cx="3603073" cy="2714644"/>
+            <a:off x="1714480" y="1285860"/>
+            <a:ext cx="5572164" cy="4183225"/>
           </a:xfrm>
           <a:prstGeom prst="rect">
             <a:avLst/>
@@ -3594,6 +4019,76 @@
           <a:noFill/>
         </p:spPr>
       </p:pic>
+      <p:sp>
+        <p:nvSpPr>
+          <p:cNvPr id="6" name="Slide Number Placeholder 5"/>
+          <p:cNvSpPr>
+            <a:spLocks noGrp="1"/>
+          </p:cNvSpPr>
+          <p:nvPr>
+            <p:ph type="sldNum" sz="quarter" idx="12"/>
+          </p:nvPr>
+        </p:nvSpPr>
+        <p:spPr/>
+        <p:txBody>
+          <a:bodyPr/>
+          <a:lstStyle/>
+          <a:p>
+            <a:fld id="{76D67895-9CD9-4983-83EC-F60E121908DF}" type="slidenum">
+              <a:rPr lang="de-DE" smtClean="0"/>
+              <a:pPr/>
+              <a:t>11</a:t>
+            </a:fld>
+            <a:endParaRPr lang="de-DE"/>
+          </a:p>
+        </p:txBody>
+      </p:sp>
+      <p:sp>
+        <p:nvSpPr>
+          <p:cNvPr id="7" name="Date Placeholder 6"/>
+          <p:cNvSpPr>
+            <a:spLocks noGrp="1"/>
+          </p:cNvSpPr>
+          <p:nvPr>
+            <p:ph type="dt" sz="half" idx="10"/>
+          </p:nvPr>
+        </p:nvSpPr>
+        <p:spPr/>
+        <p:txBody>
+          <a:bodyPr/>
+          <a:lstStyle/>
+          <a:p>
+            <a:fld id="{57655D7A-52A9-466A-8867-6811E4548AF6}" type="datetime1">
+              <a:rPr lang="de-DE" smtClean="0"/>
+              <a:t>04.07.2019</a:t>
+            </a:fld>
+            <a:endParaRPr lang="de-DE"/>
+          </a:p>
+        </p:txBody>
+      </p:sp>
+      <p:sp>
+        <p:nvSpPr>
+          <p:cNvPr id="8" name="Footer Placeholder 7"/>
+          <p:cNvSpPr>
+            <a:spLocks noGrp="1"/>
+          </p:cNvSpPr>
+          <p:nvPr>
+            <p:ph type="ftr" sz="quarter" idx="11"/>
+          </p:nvPr>
+        </p:nvSpPr>
+        <p:spPr/>
+        <p:txBody>
+          <a:bodyPr/>
+          <a:lstStyle/>
+          <a:p>
+            <a:r>
+              <a:rPr lang="de-DE" smtClean="0"/>
+              <a:t>E-Mood-Tracker</a:t>
+            </a:r>
+            <a:endParaRPr lang="de-DE"/>
+          </a:p>
+        </p:txBody>
+      </p:sp>
     </p:spTree>
   </p:cSld>
   <p:clrMapOvr>
@@ -3635,10 +4130,18 @@
           <a:lstStyle/>
           <a:p>
             <a:r>
-              <a:rPr lang="de-DE" dirty="0" smtClean="0"/>
-              <a:t>Ergebnisse</a:t>
-            </a:r>
-            <a:endParaRPr lang="de-DE" dirty="0"/>
+              <a:rPr lang="de-DE" b="1" dirty="0" smtClean="0">
+                <a:solidFill>
+                  <a:srgbClr val="49B9B1"/>
+                </a:solidFill>
+              </a:rPr>
+              <a:t>Design</a:t>
+            </a:r>
+            <a:endParaRPr lang="de-DE" b="1" dirty="0">
+              <a:solidFill>
+                <a:srgbClr val="49B9B1"/>
+              </a:solidFill>
+            </a:endParaRPr>
           </a:p>
         </p:txBody>
       </p:sp>
@@ -3650,8 +4153,8 @@
         </p:nvSpPr>
         <p:spPr>
           <a:xfrm>
-            <a:off x="1428728" y="4643446"/>
-            <a:ext cx="2390654" cy="369332"/>
+            <a:off x="2928926" y="5500702"/>
+            <a:ext cx="2868157" cy="369332"/>
           </a:xfrm>
           <a:prstGeom prst="rect">
             <a:avLst/>
@@ -3666,15 +4169,85 @@
           <a:p>
             <a:r>
               <a:rPr lang="de-DE" dirty="0" smtClean="0"/>
-              <a:t>Mockup: Rückmeldung </a:t>
+              <a:t>Mockup: Statistik Tagebuch </a:t>
             </a:r>
             <a:endParaRPr lang="de-DE" dirty="0"/>
+          </a:p>
+        </p:txBody>
+      </p:sp>
+      <p:sp>
+        <p:nvSpPr>
+          <p:cNvPr id="8" name="Slide Number Placeholder 7"/>
+          <p:cNvSpPr>
+            <a:spLocks noGrp="1"/>
+          </p:cNvSpPr>
+          <p:nvPr>
+            <p:ph type="sldNum" sz="quarter" idx="12"/>
+          </p:nvPr>
+        </p:nvSpPr>
+        <p:spPr/>
+        <p:txBody>
+          <a:bodyPr/>
+          <a:lstStyle/>
+          <a:p>
+            <a:fld id="{76D67895-9CD9-4983-83EC-F60E121908DF}" type="slidenum">
+              <a:rPr lang="de-DE" smtClean="0"/>
+              <a:pPr/>
+              <a:t>12</a:t>
+            </a:fld>
+            <a:endParaRPr lang="de-DE"/>
+          </a:p>
+        </p:txBody>
+      </p:sp>
+      <p:sp>
+        <p:nvSpPr>
+          <p:cNvPr id="9" name="Date Placeholder 8"/>
+          <p:cNvSpPr>
+            <a:spLocks noGrp="1"/>
+          </p:cNvSpPr>
+          <p:nvPr>
+            <p:ph type="dt" sz="half" idx="10"/>
+          </p:nvPr>
+        </p:nvSpPr>
+        <p:spPr/>
+        <p:txBody>
+          <a:bodyPr/>
+          <a:lstStyle/>
+          <a:p>
+            <a:fld id="{CF2440FC-F25B-48B0-86FA-7898E1EE7984}" type="datetime1">
+              <a:rPr lang="de-DE" smtClean="0"/>
+              <a:t>04.07.2019</a:t>
+            </a:fld>
+            <a:endParaRPr lang="de-DE"/>
+          </a:p>
+        </p:txBody>
+      </p:sp>
+      <p:sp>
+        <p:nvSpPr>
+          <p:cNvPr id="10" name="Footer Placeholder 9"/>
+          <p:cNvSpPr>
+            <a:spLocks noGrp="1"/>
+          </p:cNvSpPr>
+          <p:nvPr>
+            <p:ph type="ftr" sz="quarter" idx="11"/>
+          </p:nvPr>
+        </p:nvSpPr>
+        <p:spPr/>
+        <p:txBody>
+          <a:bodyPr/>
+          <a:lstStyle/>
+          <a:p>
+            <a:r>
+              <a:rPr lang="de-DE" smtClean="0"/>
+              <a:t>E-Mood-Tracker</a:t>
+            </a:r>
+            <a:endParaRPr lang="de-DE"/>
           </a:p>
         </p:txBody>
       </p:sp>
       <p:pic>
         <p:nvPicPr>
-          <p:cNvPr id="6146" name="Picture 2" descr="D:\Documents\Dropbox\E-Health SS19\Bilder\Mockups\10_speichern_ändern.png"/>
+          <p:cNvPr id="3074" name="Picture 2" descr="D:\Documents\Dropbox\E-Health SS19\Bilder\Mockups\07_Diagramm.png"/>
           <p:cNvPicPr>
             <a:picLocks noChangeAspect="1" noChangeArrowheads="1"/>
           </p:cNvPicPr>
@@ -3689,8 +4262,8 @@
         </p:blipFill>
         <p:spPr bwMode="auto">
           <a:xfrm>
-            <a:off x="857224" y="2000240"/>
-            <a:ext cx="3617165" cy="2714644"/>
+            <a:off x="1643042" y="1214422"/>
+            <a:ext cx="5597936" cy="4186141"/>
           </a:xfrm>
           <a:prstGeom prst="rect">
             <a:avLst/>
@@ -3739,10 +4312,18 @@
           <a:lstStyle/>
           <a:p>
             <a:r>
-              <a:rPr lang="de-DE" dirty="0" smtClean="0"/>
-              <a:t>Ergebnisse</a:t>
-            </a:r>
-            <a:endParaRPr lang="de-DE" dirty="0"/>
+              <a:rPr lang="de-DE" b="1" dirty="0" smtClean="0">
+                <a:solidFill>
+                  <a:srgbClr val="49B9B1"/>
+                </a:solidFill>
+              </a:rPr>
+              <a:t>Design</a:t>
+            </a:r>
+            <a:endParaRPr lang="de-DE" b="1" dirty="0">
+              <a:solidFill>
+                <a:srgbClr val="49B9B1"/>
+              </a:solidFill>
+            </a:endParaRPr>
           </a:p>
         </p:txBody>
       </p:sp>
@@ -3754,8 +4335,8 @@
         </p:nvSpPr>
         <p:spPr>
           <a:xfrm>
-            <a:off x="4000496" y="1357298"/>
-            <a:ext cx="2089483" cy="369332"/>
+            <a:off x="3143240" y="5715016"/>
+            <a:ext cx="2602123" cy="369332"/>
           </a:xfrm>
           <a:prstGeom prst="rect">
             <a:avLst/>
@@ -3770,7 +4351,7 @@
           <a:p>
             <a:r>
               <a:rPr lang="de-DE" dirty="0" smtClean="0"/>
-              <a:t>Mockup: Ausloggen </a:t>
+              <a:t>Mockup: Tagebuchmaske </a:t>
             </a:r>
             <a:endParaRPr lang="de-DE" dirty="0"/>
           </a:p>
@@ -3778,7 +4359,7 @@
       </p:sp>
       <p:pic>
         <p:nvPicPr>
-          <p:cNvPr id="7170" name="Picture 2" descr="D:\Documents\Dropbox\E-Health SS19\Bilder\Mockups\11_ausgeloggt_seite.png"/>
+          <p:cNvPr id="4098" name="Picture 2" descr="D:\Documents\Dropbox\E-Health SS19\Bilder\Mockups\08_Tagebuch_ausfüllen.png"/>
           <p:cNvPicPr>
             <a:picLocks noChangeAspect="1" noChangeArrowheads="1"/>
           </p:cNvPicPr>
@@ -3793,8 +4374,8 @@
         </p:blipFill>
         <p:spPr bwMode="auto">
           <a:xfrm>
-            <a:off x="214282" y="1357298"/>
-            <a:ext cx="3786214" cy="2851760"/>
+            <a:off x="1714480" y="1284461"/>
+            <a:ext cx="5786478" cy="4346943"/>
           </a:xfrm>
           <a:prstGeom prst="rect">
             <a:avLst/>
@@ -3802,59 +4383,71 @@
           <a:noFill/>
         </p:spPr>
       </p:pic>
-      <p:pic>
-        <p:nvPicPr>
-          <p:cNvPr id="6" name="Picture 5" descr="auslog.PNG"/>
-          <p:cNvPicPr>
-            <a:picLocks noChangeAspect="1"/>
-          </p:cNvPicPr>
-          <p:nvPr/>
-        </p:nvPicPr>
-        <p:blipFill>
-          <a:blip r:embed="rId3" cstate="print"/>
-          <a:stretch>
-            <a:fillRect/>
-          </a:stretch>
-        </p:blipFill>
-        <p:spPr>
-          <a:xfrm>
-            <a:off x="3643306" y="4143378"/>
-            <a:ext cx="5507100" cy="2714646"/>
-          </a:xfrm>
-          <a:prstGeom prst="rect">
-            <a:avLst/>
-          </a:prstGeom>
-        </p:spPr>
-      </p:pic>
-      <p:sp>
-        <p:nvSpPr>
-          <p:cNvPr id="7" name="TextBox 6"/>
-          <p:cNvSpPr txBox="1"/>
-          <p:nvPr/>
-        </p:nvSpPr>
-        <p:spPr>
-          <a:xfrm>
-            <a:off x="571472" y="6357958"/>
-            <a:ext cx="2241832" cy="369332"/>
-          </a:xfrm>
-          <a:prstGeom prst="rect">
-            <a:avLst/>
-          </a:prstGeom>
-          <a:noFill/>
-        </p:spPr>
-        <p:txBody>
-          <a:bodyPr wrap="none" rtlCol="0">
-            <a:spAutoFit/>
-          </a:bodyPr>
+      <p:sp>
+        <p:nvSpPr>
+          <p:cNvPr id="8" name="Slide Number Placeholder 7"/>
+          <p:cNvSpPr>
+            <a:spLocks noGrp="1"/>
+          </p:cNvSpPr>
+          <p:nvPr>
+            <p:ph type="sldNum" sz="quarter" idx="12"/>
+          </p:nvPr>
+        </p:nvSpPr>
+        <p:spPr/>
+        <p:txBody>
+          <a:bodyPr/>
+          <a:lstStyle/>
+          <a:p>
+            <a:fld id="{76D67895-9CD9-4983-83EC-F60E121908DF}" type="slidenum">
+              <a:rPr lang="de-DE" smtClean="0"/>
+              <a:pPr/>
+              <a:t>13</a:t>
+            </a:fld>
+            <a:endParaRPr lang="de-DE"/>
+          </a:p>
+        </p:txBody>
+      </p:sp>
+      <p:sp>
+        <p:nvSpPr>
+          <p:cNvPr id="9" name="Date Placeholder 8"/>
+          <p:cNvSpPr>
+            <a:spLocks noGrp="1"/>
+          </p:cNvSpPr>
+          <p:nvPr>
+            <p:ph type="dt" sz="half" idx="10"/>
+          </p:nvPr>
+        </p:nvSpPr>
+        <p:spPr/>
+        <p:txBody>
+          <a:bodyPr/>
+          <a:lstStyle/>
+          <a:p>
+            <a:fld id="{C538A489-6D0A-44FD-900D-691E5ADDD30A}" type="datetime1">
+              <a:rPr lang="de-DE" smtClean="0"/>
+              <a:t>04.07.2019</a:t>
+            </a:fld>
+            <a:endParaRPr lang="de-DE"/>
+          </a:p>
+        </p:txBody>
+      </p:sp>
+      <p:sp>
+        <p:nvSpPr>
+          <p:cNvPr id="10" name="Footer Placeholder 9"/>
+          <p:cNvSpPr>
+            <a:spLocks noGrp="1"/>
+          </p:cNvSpPr>
+          <p:nvPr>
+            <p:ph type="ftr" sz="quarter" idx="11"/>
+          </p:nvPr>
+        </p:nvSpPr>
+        <p:spPr/>
+        <p:txBody>
+          <a:bodyPr/>
           <a:lstStyle/>
           <a:p>
             <a:r>
               <a:rPr lang="de-DE" dirty="0" smtClean="0"/>
-              <a:t>Umgesetztes </a:t>
-            </a:r>
-            <a:r>
-              <a:rPr lang="de-DE" dirty="0" smtClean="0"/>
-              <a:t>Ergebnis</a:t>
+              <a:t>E-Mood-Tracker</a:t>
             </a:r>
             <a:endParaRPr lang="de-DE" dirty="0"/>
           </a:p>
@@ -3901,10 +4494,382 @@
           <a:lstStyle/>
           <a:p>
             <a:r>
+              <a:rPr lang="de-DE" b="1" dirty="0" smtClean="0">
+                <a:solidFill>
+                  <a:srgbClr val="49B9B1"/>
+                </a:solidFill>
+              </a:rPr>
+              <a:t>Design</a:t>
+            </a:r>
+            <a:endParaRPr lang="de-DE" b="1" dirty="0">
+              <a:solidFill>
+                <a:srgbClr val="49B9B1"/>
+              </a:solidFill>
+            </a:endParaRPr>
+          </a:p>
+        </p:txBody>
+      </p:sp>
+      <p:sp>
+        <p:nvSpPr>
+          <p:cNvPr id="5" name="TextBox 4"/>
+          <p:cNvSpPr txBox="1"/>
+          <p:nvPr/>
+        </p:nvSpPr>
+        <p:spPr>
+          <a:xfrm>
+            <a:off x="3214678" y="5786454"/>
+            <a:ext cx="2390654" cy="369332"/>
+          </a:xfrm>
+          <a:prstGeom prst="rect">
+            <a:avLst/>
+          </a:prstGeom>
+          <a:noFill/>
+        </p:spPr>
+        <p:txBody>
+          <a:bodyPr wrap="none" rtlCol="0">
+            <a:spAutoFit/>
+          </a:bodyPr>
+          <a:lstStyle/>
+          <a:p>
+            <a:r>
               <a:rPr lang="de-DE" dirty="0" smtClean="0"/>
+              <a:t>Mockup: Rückmeldung </a:t>
+            </a:r>
+            <a:endParaRPr lang="de-DE" dirty="0"/>
+          </a:p>
+        </p:txBody>
+      </p:sp>
+      <p:pic>
+        <p:nvPicPr>
+          <p:cNvPr id="6146" name="Picture 2" descr="D:\Documents\Dropbox\E-Health SS19\Bilder\Mockups\10_speichern_ändern.png"/>
+          <p:cNvPicPr>
+            <a:picLocks noChangeAspect="1" noChangeArrowheads="1"/>
+          </p:cNvPicPr>
+          <p:nvPr/>
+        </p:nvPicPr>
+        <p:blipFill>
+          <a:blip r:embed="rId2" cstate="print"/>
+          <a:srcRect/>
+          <a:stretch>
+            <a:fillRect/>
+          </a:stretch>
+        </p:blipFill>
+        <p:spPr bwMode="auto">
+          <a:xfrm>
+            <a:off x="1714480" y="1357298"/>
+            <a:ext cx="5830998" cy="4376102"/>
+          </a:xfrm>
+          <a:prstGeom prst="rect">
+            <a:avLst/>
+          </a:prstGeom>
+          <a:noFill/>
+        </p:spPr>
+      </p:pic>
+      <p:sp>
+        <p:nvSpPr>
+          <p:cNvPr id="6" name="Slide Number Placeholder 5"/>
+          <p:cNvSpPr>
+            <a:spLocks noGrp="1"/>
+          </p:cNvSpPr>
+          <p:nvPr>
+            <p:ph type="sldNum" sz="quarter" idx="12"/>
+          </p:nvPr>
+        </p:nvSpPr>
+        <p:spPr/>
+        <p:txBody>
+          <a:bodyPr/>
+          <a:lstStyle/>
+          <a:p>
+            <a:fld id="{76D67895-9CD9-4983-83EC-F60E121908DF}" type="slidenum">
+              <a:rPr lang="de-DE" smtClean="0"/>
+              <a:pPr/>
+              <a:t>14</a:t>
+            </a:fld>
+            <a:endParaRPr lang="de-DE"/>
+          </a:p>
+        </p:txBody>
+      </p:sp>
+      <p:sp>
+        <p:nvSpPr>
+          <p:cNvPr id="7" name="Date Placeholder 6"/>
+          <p:cNvSpPr>
+            <a:spLocks noGrp="1"/>
+          </p:cNvSpPr>
+          <p:nvPr>
+            <p:ph type="dt" sz="half" idx="10"/>
+          </p:nvPr>
+        </p:nvSpPr>
+        <p:spPr/>
+        <p:txBody>
+          <a:bodyPr/>
+          <a:lstStyle/>
+          <a:p>
+            <a:fld id="{5499DBFA-18AC-4686-994E-F06BC0A55C3D}" type="datetime1">
+              <a:rPr lang="de-DE" smtClean="0"/>
+              <a:t>04.07.2019</a:t>
+            </a:fld>
+            <a:endParaRPr lang="de-DE"/>
+          </a:p>
+        </p:txBody>
+      </p:sp>
+      <p:sp>
+        <p:nvSpPr>
+          <p:cNvPr id="8" name="Footer Placeholder 7"/>
+          <p:cNvSpPr>
+            <a:spLocks noGrp="1"/>
+          </p:cNvSpPr>
+          <p:nvPr>
+            <p:ph type="ftr" sz="quarter" idx="11"/>
+          </p:nvPr>
+        </p:nvSpPr>
+        <p:spPr/>
+        <p:txBody>
+          <a:bodyPr/>
+          <a:lstStyle/>
+          <a:p>
+            <a:r>
+              <a:rPr lang="de-DE" smtClean="0"/>
+              <a:t>E-Mood-Tracker</a:t>
+            </a:r>
+            <a:endParaRPr lang="de-DE"/>
+          </a:p>
+        </p:txBody>
+      </p:sp>
+    </p:spTree>
+  </p:cSld>
+  <p:clrMapOvr>
+    <a:masterClrMapping/>
+  </p:clrMapOvr>
+</p:sld>
+</file>
+
+<file path=ppt/slides/slide15.xml><?xml version="1.0" encoding="utf-8"?>
+<p:sld xmlns:a="http://schemas.openxmlformats.org/drawingml/2006/main" xmlns:r="http://schemas.openxmlformats.org/officeDocument/2006/relationships" xmlns:p="http://schemas.openxmlformats.org/presentationml/2006/main">
+  <p:cSld>
+    <p:spTree>
+      <p:nvGrpSpPr>
+        <p:cNvPr id="1" name=""/>
+        <p:cNvGrpSpPr/>
+        <p:nvPr/>
+      </p:nvGrpSpPr>
+      <p:grpSpPr>
+        <a:xfrm>
+          <a:off x="0" y="0"/>
+          <a:ext cx="0" cy="0"/>
+          <a:chOff x="0" y="0"/>
+          <a:chExt cx="0" cy="0"/>
+        </a:xfrm>
+      </p:grpSpPr>
+      <p:sp>
+        <p:nvSpPr>
+          <p:cNvPr id="2" name="Title 1"/>
+          <p:cNvSpPr>
+            <a:spLocks noGrp="1"/>
+          </p:cNvSpPr>
+          <p:nvPr>
+            <p:ph type="title"/>
+          </p:nvPr>
+        </p:nvSpPr>
+        <p:spPr/>
+        <p:txBody>
+          <a:bodyPr/>
+          <a:lstStyle/>
+          <a:p>
+            <a:r>
+              <a:rPr lang="de-DE" b="1" dirty="0" smtClean="0">
+                <a:solidFill>
+                  <a:srgbClr val="49B9B1"/>
+                </a:solidFill>
+              </a:rPr>
+              <a:t>Design</a:t>
+            </a:r>
+            <a:endParaRPr lang="de-DE" b="1" dirty="0">
+              <a:solidFill>
+                <a:srgbClr val="49B9B1"/>
+              </a:solidFill>
+            </a:endParaRPr>
+          </a:p>
+        </p:txBody>
+      </p:sp>
+      <p:sp>
+        <p:nvSpPr>
+          <p:cNvPr id="5" name="TextBox 4"/>
+          <p:cNvSpPr txBox="1"/>
+          <p:nvPr/>
+        </p:nvSpPr>
+        <p:spPr>
+          <a:xfrm>
+            <a:off x="3286116" y="5715016"/>
+            <a:ext cx="2089483" cy="369332"/>
+          </a:xfrm>
+          <a:prstGeom prst="rect">
+            <a:avLst/>
+          </a:prstGeom>
+          <a:noFill/>
+        </p:spPr>
+        <p:txBody>
+          <a:bodyPr wrap="none" rtlCol="0">
+            <a:spAutoFit/>
+          </a:bodyPr>
+          <a:lstStyle/>
+          <a:p>
+            <a:r>
+              <a:rPr lang="de-DE" dirty="0" smtClean="0"/>
+              <a:t>Mockup: Ausloggen </a:t>
+            </a:r>
+            <a:endParaRPr lang="de-DE" dirty="0"/>
+          </a:p>
+        </p:txBody>
+      </p:sp>
+      <p:pic>
+        <p:nvPicPr>
+          <p:cNvPr id="7170" name="Picture 2" descr="D:\Documents\Dropbox\E-Health SS19\Bilder\Mockups\11_ausgeloggt_seite.png"/>
+          <p:cNvPicPr>
+            <a:picLocks noChangeAspect="1" noChangeArrowheads="1"/>
+          </p:cNvPicPr>
+          <p:nvPr/>
+        </p:nvPicPr>
+        <p:blipFill>
+          <a:blip r:embed="rId2" cstate="print"/>
+          <a:srcRect/>
+          <a:stretch>
+            <a:fillRect/>
+          </a:stretch>
+        </p:blipFill>
+        <p:spPr bwMode="auto">
+          <a:xfrm>
+            <a:off x="1571604" y="1214422"/>
+            <a:ext cx="5715040" cy="4304543"/>
+          </a:xfrm>
+          <a:prstGeom prst="rect">
+            <a:avLst/>
+          </a:prstGeom>
+          <a:noFill/>
+        </p:spPr>
+      </p:pic>
+      <p:sp>
+        <p:nvSpPr>
+          <p:cNvPr id="8" name="Slide Number Placeholder 7"/>
+          <p:cNvSpPr>
+            <a:spLocks noGrp="1"/>
+          </p:cNvSpPr>
+          <p:nvPr>
+            <p:ph type="sldNum" sz="quarter" idx="12"/>
+          </p:nvPr>
+        </p:nvSpPr>
+        <p:spPr/>
+        <p:txBody>
+          <a:bodyPr/>
+          <a:lstStyle/>
+          <a:p>
+            <a:fld id="{76D67895-9CD9-4983-83EC-F60E121908DF}" type="slidenum">
+              <a:rPr lang="de-DE" smtClean="0"/>
+              <a:pPr/>
+              <a:t>15</a:t>
+            </a:fld>
+            <a:endParaRPr lang="de-DE" dirty="0"/>
+          </a:p>
+        </p:txBody>
+      </p:sp>
+      <p:sp>
+        <p:nvSpPr>
+          <p:cNvPr id="9" name="Date Placeholder 8"/>
+          <p:cNvSpPr>
+            <a:spLocks noGrp="1"/>
+          </p:cNvSpPr>
+          <p:nvPr>
+            <p:ph type="dt" sz="half" idx="10"/>
+          </p:nvPr>
+        </p:nvSpPr>
+        <p:spPr/>
+        <p:txBody>
+          <a:bodyPr/>
+          <a:lstStyle/>
+          <a:p>
+            <a:fld id="{BF3D2631-CFDC-40F1-9969-723CDC103192}" type="datetime1">
+              <a:rPr lang="de-DE" smtClean="0"/>
+              <a:t>04.07.2019</a:t>
+            </a:fld>
+            <a:endParaRPr lang="de-DE" dirty="0"/>
+          </a:p>
+        </p:txBody>
+      </p:sp>
+      <p:sp>
+        <p:nvSpPr>
+          <p:cNvPr id="10" name="Footer Placeholder 9"/>
+          <p:cNvSpPr>
+            <a:spLocks noGrp="1"/>
+          </p:cNvSpPr>
+          <p:nvPr>
+            <p:ph type="ftr" sz="quarter" idx="11"/>
+          </p:nvPr>
+        </p:nvSpPr>
+        <p:spPr/>
+        <p:txBody>
+          <a:bodyPr/>
+          <a:lstStyle/>
+          <a:p>
+            <a:r>
+              <a:rPr lang="de-DE" smtClean="0"/>
+              <a:t>E-Mood-Tracker</a:t>
+            </a:r>
+            <a:endParaRPr lang="de-DE"/>
+          </a:p>
+        </p:txBody>
+      </p:sp>
+    </p:spTree>
+  </p:cSld>
+  <p:clrMapOvr>
+    <a:masterClrMapping/>
+  </p:clrMapOvr>
+</p:sld>
+</file>
+
+<file path=ppt/slides/slide16.xml><?xml version="1.0" encoding="utf-8"?>
+<p:sld xmlns:a="http://schemas.openxmlformats.org/drawingml/2006/main" xmlns:r="http://schemas.openxmlformats.org/officeDocument/2006/relationships" xmlns:p="http://schemas.openxmlformats.org/presentationml/2006/main">
+  <p:cSld>
+    <p:spTree>
+      <p:nvGrpSpPr>
+        <p:cNvPr id="1" name=""/>
+        <p:cNvGrpSpPr/>
+        <p:nvPr/>
+      </p:nvGrpSpPr>
+      <p:grpSpPr>
+        <a:xfrm>
+          <a:off x="0" y="0"/>
+          <a:ext cx="0" cy="0"/>
+          <a:chOff x="0" y="0"/>
+          <a:chExt cx="0" cy="0"/>
+        </a:xfrm>
+      </p:grpSpPr>
+      <p:sp>
+        <p:nvSpPr>
+          <p:cNvPr id="2" name="Title 1"/>
+          <p:cNvSpPr>
+            <a:spLocks noGrp="1"/>
+          </p:cNvSpPr>
+          <p:nvPr>
+            <p:ph type="title"/>
+          </p:nvPr>
+        </p:nvSpPr>
+        <p:spPr/>
+        <p:txBody>
+          <a:bodyPr/>
+          <a:lstStyle/>
+          <a:p>
+            <a:r>
+              <a:rPr lang="de-DE" b="1" dirty="0" smtClean="0">
+                <a:solidFill>
+                  <a:srgbClr val="49B9B1"/>
+                </a:solidFill>
+              </a:rPr>
               <a:t>Use Case</a:t>
             </a:r>
-            <a:endParaRPr lang="de-DE" dirty="0"/>
+            <a:endParaRPr lang="de-DE" b="1" dirty="0">
+              <a:solidFill>
+                <a:srgbClr val="49B9B1"/>
+              </a:solidFill>
+            </a:endParaRPr>
           </a:p>
         </p:txBody>
       </p:sp>
@@ -3934,6 +4899,76 @@
           <a:noFill/>
         </p:spPr>
       </p:pic>
+      <p:sp>
+        <p:nvSpPr>
+          <p:cNvPr id="4" name="Slide Number Placeholder 3"/>
+          <p:cNvSpPr>
+            <a:spLocks noGrp="1"/>
+          </p:cNvSpPr>
+          <p:nvPr>
+            <p:ph type="sldNum" sz="quarter" idx="12"/>
+          </p:nvPr>
+        </p:nvSpPr>
+        <p:spPr/>
+        <p:txBody>
+          <a:bodyPr/>
+          <a:lstStyle/>
+          <a:p>
+            <a:fld id="{76D67895-9CD9-4983-83EC-F60E121908DF}" type="slidenum">
+              <a:rPr lang="de-DE" smtClean="0"/>
+              <a:pPr/>
+              <a:t>16</a:t>
+            </a:fld>
+            <a:endParaRPr lang="de-DE"/>
+          </a:p>
+        </p:txBody>
+      </p:sp>
+      <p:sp>
+        <p:nvSpPr>
+          <p:cNvPr id="5" name="Date Placeholder 4"/>
+          <p:cNvSpPr>
+            <a:spLocks noGrp="1"/>
+          </p:cNvSpPr>
+          <p:nvPr>
+            <p:ph type="dt" sz="half" idx="10"/>
+          </p:nvPr>
+        </p:nvSpPr>
+        <p:spPr/>
+        <p:txBody>
+          <a:bodyPr/>
+          <a:lstStyle/>
+          <a:p>
+            <a:fld id="{48141C4A-2FF9-4B57-B355-3E60F29EADD0}" type="datetime1">
+              <a:rPr lang="de-DE" smtClean="0"/>
+              <a:t>04.07.2019</a:t>
+            </a:fld>
+            <a:endParaRPr lang="de-DE"/>
+          </a:p>
+        </p:txBody>
+      </p:sp>
+      <p:sp>
+        <p:nvSpPr>
+          <p:cNvPr id="6" name="Footer Placeholder 5"/>
+          <p:cNvSpPr>
+            <a:spLocks noGrp="1"/>
+          </p:cNvSpPr>
+          <p:nvPr>
+            <p:ph type="ftr" sz="quarter" idx="11"/>
+          </p:nvPr>
+        </p:nvSpPr>
+        <p:spPr/>
+        <p:txBody>
+          <a:bodyPr/>
+          <a:lstStyle/>
+          <a:p>
+            <a:r>
+              <a:rPr lang="de-DE" smtClean="0"/>
+              <a:t>E-Mood-Tracker</a:t>
+            </a:r>
+            <a:endParaRPr lang="de-DE"/>
+          </a:p>
+        </p:txBody>
+      </p:sp>
     </p:spTree>
   </p:cSld>
   <p:clrMapOvr>
@@ -3942,7 +4977,7 @@
 </p:sld>
 </file>
 
-<file path=ppt/slides/slide15.xml><?xml version="1.0" encoding="utf-8"?>
+<file path=ppt/slides/slide17.xml><?xml version="1.0" encoding="utf-8"?>
 <p:sld xmlns:a="http://schemas.openxmlformats.org/drawingml/2006/main" xmlns:r="http://schemas.openxmlformats.org/officeDocument/2006/relationships" xmlns:p="http://schemas.openxmlformats.org/presentationml/2006/main">
   <p:cSld>
     <p:spTree>
@@ -3977,10 +5012,18 @@
           <a:lstStyle/>
           <a:p>
             <a:r>
-              <a:rPr lang="de-DE" dirty="0" smtClean="0"/>
+              <a:rPr lang="de-DE" b="1" dirty="0" smtClean="0">
+                <a:solidFill>
+                  <a:srgbClr val="49B9B1"/>
+                </a:solidFill>
+              </a:rPr>
               <a:t>„Wie wurden die Use Cases getestet?“</a:t>
             </a:r>
-            <a:endParaRPr lang="de-DE" dirty="0"/>
+            <a:endParaRPr lang="de-DE" b="1" dirty="0">
+              <a:solidFill>
+                <a:srgbClr val="49B9B1"/>
+              </a:solidFill>
+            </a:endParaRPr>
           </a:p>
         </p:txBody>
       </p:sp>
@@ -3994,7 +5037,12 @@
             <p:ph idx="1"/>
           </p:nvPr>
         </p:nvSpPr>
-        <p:spPr/>
+        <p:spPr>
+          <a:xfrm>
+            <a:off x="457200" y="1600201"/>
+            <a:ext cx="8229600" cy="1257296"/>
+          </a:xfrm>
+        </p:spPr>
         <p:txBody>
           <a:bodyPr/>
           <a:lstStyle/>
@@ -4004,37 +5052,131 @@
             </a:pPr>
             <a:r>
               <a:rPr lang="de-DE" dirty="0" smtClean="0"/>
-              <a:t>Es wurde ein </a:t>
-            </a:r>
-            <a:r>
-              <a:rPr lang="de-DE" b="1" dirty="0" smtClean="0"/>
-              <a:t>Click dummy </a:t>
+              <a:t>Es </a:t>
             </a:r>
             <a:r>
               <a:rPr lang="de-DE" dirty="0" smtClean="0"/>
-              <a:t>(Prototyp was </a:t>
-            </a:r>
+              <a:t>wurden Mockups erstellt.</a:t>
+            </a:r>
+            <a:endParaRPr lang="de-DE" dirty="0" smtClean="0"/>
           </a:p>
           <a:p>
             <a:pPr marL="514350" indent="-514350">
               <a:buNone/>
             </a:pPr>
             <a:r>
-              <a:rPr lang="de-DE" dirty="0" smtClean="0"/>
-              <a:t>simuliert werden kann) erzeugt.</a:t>
-            </a:r>
-          </a:p>
-          <a:p>
-            <a:pPr marL="514350" indent="-514350">
-              <a:buNone/>
-            </a:pPr>
-            <a:r>
               <a:rPr lang="de-DE" dirty="0" smtClean="0">
                 <a:sym typeface="Wingdings" pitchFamily="2" charset="2"/>
               </a:rPr>
-              <a:t> Mit der Software „JustInMind“</a:t>
+              <a:t> Mit der Software „</a:t>
+            </a:r>
+            <a:r>
+              <a:rPr lang="de-DE" b="1" dirty="0" smtClean="0">
+                <a:sym typeface="Wingdings" pitchFamily="2" charset="2"/>
+              </a:rPr>
+              <a:t>JustInMind</a:t>
+            </a:r>
+            <a:r>
+              <a:rPr lang="de-DE" dirty="0" smtClean="0">
+                <a:sym typeface="Wingdings" pitchFamily="2" charset="2"/>
+              </a:rPr>
+              <a:t>“</a:t>
             </a:r>
             <a:endParaRPr lang="de-DE" dirty="0" smtClean="0"/>
+          </a:p>
+        </p:txBody>
+      </p:sp>
+      <p:pic>
+        <p:nvPicPr>
+          <p:cNvPr id="4" name="Picture 3" descr="justind.PNG"/>
+          <p:cNvPicPr>
+            <a:picLocks noChangeAspect="1"/>
+          </p:cNvPicPr>
+          <p:nvPr/>
+        </p:nvPicPr>
+        <p:blipFill>
+          <a:blip r:embed="rId2" cstate="print"/>
+          <a:stretch>
+            <a:fillRect/>
+          </a:stretch>
+        </p:blipFill>
+        <p:spPr>
+          <a:xfrm>
+            <a:off x="1214414" y="2928934"/>
+            <a:ext cx="6643734" cy="3423879"/>
+          </a:xfrm>
+          <a:prstGeom prst="rect">
+            <a:avLst/>
+          </a:prstGeom>
+        </p:spPr>
+      </p:pic>
+      <p:sp>
+        <p:nvSpPr>
+          <p:cNvPr id="5" name="Slide Number Placeholder 4"/>
+          <p:cNvSpPr>
+            <a:spLocks noGrp="1"/>
+          </p:cNvSpPr>
+          <p:nvPr>
+            <p:ph type="sldNum" sz="quarter" idx="12"/>
+          </p:nvPr>
+        </p:nvSpPr>
+        <p:spPr/>
+        <p:txBody>
+          <a:bodyPr/>
+          <a:lstStyle/>
+          <a:p>
+            <a:fld id="{76D67895-9CD9-4983-83EC-F60E121908DF}" type="slidenum">
+              <a:rPr lang="de-DE" smtClean="0"/>
+              <a:pPr/>
+              <a:t>17</a:t>
+            </a:fld>
+            <a:endParaRPr lang="de-DE"/>
+          </a:p>
+        </p:txBody>
+      </p:sp>
+      <p:sp>
+        <p:nvSpPr>
+          <p:cNvPr id="6" name="Date Placeholder 5"/>
+          <p:cNvSpPr>
+            <a:spLocks noGrp="1"/>
+          </p:cNvSpPr>
+          <p:nvPr>
+            <p:ph type="dt" sz="half" idx="10"/>
+          </p:nvPr>
+        </p:nvSpPr>
+        <p:spPr/>
+        <p:txBody>
+          <a:bodyPr/>
+          <a:lstStyle/>
+          <a:p>
+            <a:fld id="{75E74C7B-EEC0-4484-869E-EB6577A574D7}" type="datetime1">
+              <a:rPr lang="de-DE" smtClean="0"/>
+              <a:t>04.07.2019</a:t>
+            </a:fld>
+            <a:endParaRPr lang="de-DE"/>
+          </a:p>
+        </p:txBody>
+      </p:sp>
+      <p:sp>
+        <p:nvSpPr>
+          <p:cNvPr id="7" name="Footer Placeholder 6"/>
+          <p:cNvSpPr>
+            <a:spLocks noGrp="1"/>
+          </p:cNvSpPr>
+          <p:nvPr>
+            <p:ph type="ftr" sz="quarter" idx="11"/>
+          </p:nvPr>
+        </p:nvSpPr>
+        <p:spPr/>
+        <p:txBody>
+          <a:bodyPr/>
+          <a:lstStyle/>
+          <a:p>
+            <a:r>
+              <a:rPr lang="de-DE" smtClean="0"/>
+              <a:t>E-Mood-Tracker</a:t>
+            </a:r>
+            <a:endParaRPr lang="de-DE"/>
           </a:p>
         </p:txBody>
       </p:sp>
@@ -4046,7 +5188,7 @@
 </p:sld>
 </file>
 
-<file path=ppt/slides/slide16.xml><?xml version="1.0" encoding="utf-8"?>
+<file path=ppt/slides/slide18.xml><?xml version="1.0" encoding="utf-8"?>
 <p:sld xmlns:a="http://schemas.openxmlformats.org/drawingml/2006/main" xmlns:r="http://schemas.openxmlformats.org/officeDocument/2006/relationships" xmlns:p="http://schemas.openxmlformats.org/presentationml/2006/main">
   <p:cSld>
     <p:spTree>
@@ -4081,10 +5223,18 @@
           <a:lstStyle/>
           <a:p>
             <a:r>
-              <a:rPr lang="de-DE" dirty="0" smtClean="0"/>
+              <a:rPr lang="de-DE" b="1" dirty="0" smtClean="0">
+                <a:solidFill>
+                  <a:srgbClr val="49B9B1"/>
+                </a:solidFill>
+              </a:rPr>
               <a:t>„Wie wurden die Use Cases getestet?“</a:t>
             </a:r>
-            <a:endParaRPr lang="de-DE" dirty="0"/>
+            <a:endParaRPr lang="de-DE" b="1" dirty="0">
+              <a:solidFill>
+                <a:srgbClr val="49B9B1"/>
+              </a:solidFill>
+            </a:endParaRPr>
           </a:p>
         </p:txBody>
       </p:sp>
@@ -4172,8 +5322,8 @@
         </p:blipFill>
         <p:spPr>
           <a:xfrm>
-            <a:off x="4643438" y="2353992"/>
-            <a:ext cx="4429124" cy="4003966"/>
+            <a:off x="4643438" y="2285992"/>
+            <a:ext cx="4429124" cy="4071966"/>
           </a:xfrm>
           <a:prstGeom prst="rect">
             <a:avLst/>
@@ -4188,8 +5338,8 @@
         </p:nvSpPr>
         <p:spPr>
           <a:xfrm>
-            <a:off x="214282" y="2285992"/>
-            <a:ext cx="4429156" cy="4214842"/>
+            <a:off x="0" y="2285992"/>
+            <a:ext cx="4643438" cy="4071966"/>
           </a:xfrm>
           <a:prstGeom prst="rect">
             <a:avLst/>
@@ -4234,8 +5384,8 @@
         </p:nvSpPr>
         <p:spPr>
           <a:xfrm>
-            <a:off x="4714876" y="2285992"/>
-            <a:ext cx="4357718" cy="4214842"/>
+            <a:off x="4643438" y="2285992"/>
+            <a:ext cx="4429156" cy="4071966"/>
           </a:xfrm>
           <a:prstGeom prst="rect">
             <a:avLst/>
@@ -4272,6 +5422,76 @@
           </a:p>
         </p:txBody>
       </p:sp>
+      <p:sp>
+        <p:nvSpPr>
+          <p:cNvPr id="8" name="Slide Number Placeholder 7"/>
+          <p:cNvSpPr>
+            <a:spLocks noGrp="1"/>
+          </p:cNvSpPr>
+          <p:nvPr>
+            <p:ph type="sldNum" sz="quarter" idx="12"/>
+          </p:nvPr>
+        </p:nvSpPr>
+        <p:spPr/>
+        <p:txBody>
+          <a:bodyPr/>
+          <a:lstStyle/>
+          <a:p>
+            <a:fld id="{76D67895-9CD9-4983-83EC-F60E121908DF}" type="slidenum">
+              <a:rPr lang="de-DE" smtClean="0"/>
+              <a:pPr/>
+              <a:t>18</a:t>
+            </a:fld>
+            <a:endParaRPr lang="de-DE"/>
+          </a:p>
+        </p:txBody>
+      </p:sp>
+      <p:sp>
+        <p:nvSpPr>
+          <p:cNvPr id="9" name="Date Placeholder 8"/>
+          <p:cNvSpPr>
+            <a:spLocks noGrp="1"/>
+          </p:cNvSpPr>
+          <p:nvPr>
+            <p:ph type="dt" sz="half" idx="10"/>
+          </p:nvPr>
+        </p:nvSpPr>
+        <p:spPr/>
+        <p:txBody>
+          <a:bodyPr/>
+          <a:lstStyle/>
+          <a:p>
+            <a:fld id="{600DD840-4A88-4784-A023-2708826C6C7A}" type="datetime1">
+              <a:rPr lang="de-DE" smtClean="0"/>
+              <a:t>04.07.2019</a:t>
+            </a:fld>
+            <a:endParaRPr lang="de-DE"/>
+          </a:p>
+        </p:txBody>
+      </p:sp>
+      <p:sp>
+        <p:nvSpPr>
+          <p:cNvPr id="10" name="Footer Placeholder 9"/>
+          <p:cNvSpPr>
+            <a:spLocks noGrp="1"/>
+          </p:cNvSpPr>
+          <p:nvPr>
+            <p:ph type="ftr" sz="quarter" idx="11"/>
+          </p:nvPr>
+        </p:nvSpPr>
+        <p:spPr/>
+        <p:txBody>
+          <a:bodyPr/>
+          <a:lstStyle/>
+          <a:p>
+            <a:r>
+              <a:rPr lang="de-DE" smtClean="0"/>
+              <a:t>E-Mood-Tracker</a:t>
+            </a:r>
+            <a:endParaRPr lang="de-DE"/>
+          </a:p>
+        </p:txBody>
+      </p:sp>
     </p:spTree>
   </p:cSld>
   <p:clrMapOvr>
@@ -4280,7 +5500,7 @@
 </p:sld>
 </file>
 
-<file path=ppt/slides/slide17.xml><?xml version="1.0" encoding="utf-8"?>
+<file path=ppt/slides/slide19.xml><?xml version="1.0" encoding="utf-8"?>
 <p:sld xmlns:a="http://schemas.openxmlformats.org/drawingml/2006/main" xmlns:r="http://schemas.openxmlformats.org/officeDocument/2006/relationships" xmlns:p="http://schemas.openxmlformats.org/presentationml/2006/main">
   <p:cSld>
     <p:spTree>
@@ -4315,10 +5535,18 @@
           <a:lstStyle/>
           <a:p>
             <a:r>
-              <a:rPr lang="de-DE" dirty="0" smtClean="0"/>
+              <a:rPr lang="de-DE" b="1" dirty="0" smtClean="0">
+                <a:solidFill>
+                  <a:srgbClr val="49B9B1"/>
+                </a:solidFill>
+              </a:rPr>
               <a:t>„Wie wurden die Use Cases getestet?“</a:t>
             </a:r>
-            <a:endParaRPr lang="de-DE" dirty="0"/>
+            <a:endParaRPr lang="de-DE" b="1" dirty="0">
+              <a:solidFill>
+                <a:srgbClr val="49B9B1"/>
+              </a:solidFill>
+            </a:endParaRPr>
           </a:p>
         </p:txBody>
       </p:sp>
@@ -4334,7 +5562,7 @@
         </p:nvSpPr>
         <p:spPr>
           <a:xfrm>
-            <a:off x="457200" y="1314448"/>
+            <a:off x="457200" y="1071546"/>
             <a:ext cx="8229600" cy="614354"/>
           </a:xfrm>
         </p:spPr>
@@ -4374,7 +5602,7 @@
         </p:blipFill>
         <p:spPr>
           <a:xfrm>
-            <a:off x="2285984" y="2000216"/>
+            <a:off x="2214546" y="1571588"/>
             <a:ext cx="4605731" cy="4714932"/>
           </a:xfrm>
           <a:prstGeom prst="rect">
@@ -4390,8 +5618,8 @@
         </p:nvSpPr>
         <p:spPr>
           <a:xfrm>
-            <a:off x="2428860" y="1928802"/>
-            <a:ext cx="4500594" cy="4857784"/>
+            <a:off x="2214546" y="1571588"/>
+            <a:ext cx="4572032" cy="4714932"/>
           </a:xfrm>
           <a:prstGeom prst="rect">
             <a:avLst/>
@@ -4430,6 +5658,76 @@
           </a:p>
         </p:txBody>
       </p:sp>
+      <p:sp>
+        <p:nvSpPr>
+          <p:cNvPr id="7" name="Slide Number Placeholder 6"/>
+          <p:cNvSpPr>
+            <a:spLocks noGrp="1"/>
+          </p:cNvSpPr>
+          <p:nvPr>
+            <p:ph type="sldNum" sz="quarter" idx="12"/>
+          </p:nvPr>
+        </p:nvSpPr>
+        <p:spPr/>
+        <p:txBody>
+          <a:bodyPr/>
+          <a:lstStyle/>
+          <a:p>
+            <a:fld id="{76D67895-9CD9-4983-83EC-F60E121908DF}" type="slidenum">
+              <a:rPr lang="de-DE" smtClean="0"/>
+              <a:pPr/>
+              <a:t>19</a:t>
+            </a:fld>
+            <a:endParaRPr lang="de-DE"/>
+          </a:p>
+        </p:txBody>
+      </p:sp>
+      <p:sp>
+        <p:nvSpPr>
+          <p:cNvPr id="9" name="Date Placeholder 8"/>
+          <p:cNvSpPr>
+            <a:spLocks noGrp="1"/>
+          </p:cNvSpPr>
+          <p:nvPr>
+            <p:ph type="dt" sz="half" idx="10"/>
+          </p:nvPr>
+        </p:nvSpPr>
+        <p:spPr/>
+        <p:txBody>
+          <a:bodyPr/>
+          <a:lstStyle/>
+          <a:p>
+            <a:fld id="{0029F045-D0F0-4996-BA96-07AA2E7D8FBC}" type="datetime1">
+              <a:rPr lang="de-DE" smtClean="0"/>
+              <a:t>04.07.2019</a:t>
+            </a:fld>
+            <a:endParaRPr lang="de-DE"/>
+          </a:p>
+        </p:txBody>
+      </p:sp>
+      <p:sp>
+        <p:nvSpPr>
+          <p:cNvPr id="10" name="Footer Placeholder 9"/>
+          <p:cNvSpPr>
+            <a:spLocks noGrp="1"/>
+          </p:cNvSpPr>
+          <p:nvPr>
+            <p:ph type="ftr" sz="quarter" idx="11"/>
+          </p:nvPr>
+        </p:nvSpPr>
+        <p:spPr/>
+        <p:txBody>
+          <a:bodyPr/>
+          <a:lstStyle/>
+          <a:p>
+            <a:r>
+              <a:rPr lang="de-DE" smtClean="0"/>
+              <a:t>E-Mood-Tracker</a:t>
+            </a:r>
+            <a:endParaRPr lang="de-DE"/>
+          </a:p>
+        </p:txBody>
+      </p:sp>
     </p:spTree>
   </p:cSld>
   <p:clrMapOvr>
@@ -4438,7 +5736,7 @@
 </p:sld>
 </file>
 
-<file path=ppt/slides/slide18.xml><?xml version="1.0" encoding="utf-8"?>
+<file path=ppt/slides/slide2.xml><?xml version="1.0" encoding="utf-8"?>
 <p:sld xmlns:a="http://schemas.openxmlformats.org/drawingml/2006/main" xmlns:r="http://schemas.openxmlformats.org/officeDocument/2006/relationships" xmlns:p="http://schemas.openxmlformats.org/presentationml/2006/main">
   <p:cSld>
     <p:spTree>
@@ -4471,10 +5769,422 @@
           <a:lstStyle/>
           <a:p>
             <a:r>
-              <a:rPr lang="de-DE" dirty="0" smtClean="0"/>
+              <a:rPr lang="de-DE" b="1" dirty="0" smtClean="0">
+                <a:solidFill>
+                  <a:srgbClr val="49B9B1"/>
+                </a:solidFill>
+              </a:rPr>
+              <a:t>Gliederung</a:t>
+            </a:r>
+            <a:endParaRPr lang="de-DE" b="1" dirty="0">
+              <a:solidFill>
+                <a:srgbClr val="49B9B1"/>
+              </a:solidFill>
+            </a:endParaRPr>
+          </a:p>
+        </p:txBody>
+      </p:sp>
+      <p:graphicFrame>
+        <p:nvGraphicFramePr>
+          <p:cNvPr id="4" name="Table 3"/>
+          <p:cNvGraphicFramePr>
+            <a:graphicFrameLocks noGrp="1"/>
+          </p:cNvGraphicFramePr>
+          <p:nvPr/>
+        </p:nvGraphicFramePr>
+        <p:xfrm>
+          <a:off x="1214414" y="2000240"/>
+          <a:ext cx="6096000" cy="2966720"/>
+        </p:xfrm>
+        <a:graphic>
+          <a:graphicData uri="http://schemas.openxmlformats.org/drawingml/2006/table">
+            <a:tbl>
+              <a:tblPr firstRow="1" bandRow="1">
+                <a:tableStyleId>{2D5ABB26-0587-4C30-8999-92F81FD0307C}</a:tableStyleId>
+              </a:tblPr>
+              <a:tblGrid>
+                <a:gridCol w="3048000"/>
+                <a:gridCol w="3048000"/>
+              </a:tblGrid>
+              <a:tr h="370840">
+                <a:tc>
+                  <a:txBody>
+                    <a:bodyPr/>
+                    <a:lstStyle/>
+                    <a:p>
+                      <a:r>
+                        <a:rPr lang="de-DE" b="1" dirty="0" smtClean="0"/>
+                        <a:t>Projektidee</a:t>
+                      </a:r>
+                      <a:endParaRPr lang="de-DE" b="1" dirty="0"/>
+                    </a:p>
+                  </a:txBody>
+                  <a:tcPr/>
+                </a:tc>
+                <a:tc>
+                  <a:txBody>
+                    <a:bodyPr/>
+                    <a:lstStyle/>
+                    <a:p>
+                      <a:pPr algn="r"/>
+                      <a:r>
+                        <a:rPr lang="de-DE" b="0" dirty="0" smtClean="0"/>
+                        <a:t>S.3</a:t>
+                      </a:r>
+                      <a:endParaRPr lang="de-DE" b="0" dirty="0"/>
+                    </a:p>
+                  </a:txBody>
+                  <a:tcPr/>
+                </a:tc>
+              </a:tr>
+              <a:tr h="370840">
+                <a:tc>
+                  <a:txBody>
+                    <a:bodyPr/>
+                    <a:lstStyle/>
+                    <a:p>
+                      <a:r>
+                        <a:rPr lang="de-DE" b="1" dirty="0" smtClean="0"/>
+                        <a:t>Anforderungen</a:t>
+                      </a:r>
+                      <a:endParaRPr lang="de-DE" b="1" dirty="0"/>
+                    </a:p>
+                  </a:txBody>
+                  <a:tcPr/>
+                </a:tc>
+                <a:tc>
+                  <a:txBody>
+                    <a:bodyPr/>
+                    <a:lstStyle/>
+                    <a:p>
+                      <a:pPr algn="r"/>
+                      <a:r>
+                        <a:rPr lang="de-DE" b="0" dirty="0" smtClean="0"/>
+                        <a:t>S. 4 - 6</a:t>
+                      </a:r>
+                      <a:endParaRPr lang="de-DE" b="0" dirty="0"/>
+                    </a:p>
+                  </a:txBody>
+                  <a:tcPr/>
+                </a:tc>
+              </a:tr>
+              <a:tr h="370840">
+                <a:tc>
+                  <a:txBody>
+                    <a:bodyPr/>
+                    <a:lstStyle/>
+                    <a:p>
+                      <a:r>
+                        <a:rPr lang="de-DE" b="1" dirty="0" smtClean="0"/>
+                        <a:t>Ergebnisse</a:t>
+                      </a:r>
+                      <a:endParaRPr lang="de-DE" b="1" dirty="0"/>
+                    </a:p>
+                  </a:txBody>
+                  <a:tcPr/>
+                </a:tc>
+                <a:tc>
+                  <a:txBody>
+                    <a:bodyPr/>
+                    <a:lstStyle/>
+                    <a:p>
+                      <a:pPr algn="r"/>
+                      <a:r>
+                        <a:rPr lang="de-DE" dirty="0" smtClean="0"/>
+                        <a:t>S. 7 - 15</a:t>
+                      </a:r>
+                      <a:endParaRPr lang="de-DE" dirty="0"/>
+                    </a:p>
+                  </a:txBody>
+                  <a:tcPr/>
+                </a:tc>
+              </a:tr>
+              <a:tr h="370840">
+                <a:tc>
+                  <a:txBody>
+                    <a:bodyPr/>
+                    <a:lstStyle/>
+                    <a:p>
+                      <a:r>
+                        <a:rPr lang="de-DE" b="1" dirty="0" smtClean="0"/>
+                        <a:t>Use Cases</a:t>
+                      </a:r>
+                      <a:endParaRPr lang="de-DE" b="1" dirty="0"/>
+                    </a:p>
+                  </a:txBody>
+                  <a:tcPr/>
+                </a:tc>
+                <a:tc>
+                  <a:txBody>
+                    <a:bodyPr/>
+                    <a:lstStyle/>
+                    <a:p>
+                      <a:pPr algn="r"/>
+                      <a:r>
+                        <a:rPr lang="de-DE" dirty="0" smtClean="0"/>
+                        <a:t>S.</a:t>
+                      </a:r>
+                      <a:r>
+                        <a:rPr lang="de-DE" baseline="0" dirty="0" smtClean="0"/>
+                        <a:t> 16 - 19</a:t>
+                      </a:r>
+                      <a:endParaRPr lang="de-DE" dirty="0"/>
+                    </a:p>
+                  </a:txBody>
+                  <a:tcPr/>
+                </a:tc>
+              </a:tr>
+              <a:tr h="370840">
+                <a:tc>
+                  <a:txBody>
+                    <a:bodyPr/>
+                    <a:lstStyle/>
+                    <a:p>
+                      <a:r>
+                        <a:rPr lang="de-DE" b="1" dirty="0" smtClean="0"/>
+                        <a:t>Risiken</a:t>
+                      </a:r>
+                      <a:endParaRPr lang="de-DE" b="1" dirty="0"/>
+                    </a:p>
+                  </a:txBody>
+                  <a:tcPr/>
+                </a:tc>
+                <a:tc>
+                  <a:txBody>
+                    <a:bodyPr/>
+                    <a:lstStyle/>
+                    <a:p>
+                      <a:pPr algn="r"/>
+                      <a:r>
+                        <a:rPr lang="de-DE" dirty="0" smtClean="0"/>
+                        <a:t>S. 20</a:t>
+                      </a:r>
+                      <a:endParaRPr lang="de-DE" dirty="0"/>
+                    </a:p>
+                  </a:txBody>
+                  <a:tcPr/>
+                </a:tc>
+              </a:tr>
+              <a:tr h="370840">
+                <a:tc>
+                  <a:txBody>
+                    <a:bodyPr/>
+                    <a:lstStyle/>
+                    <a:p>
+                      <a:r>
+                        <a:rPr lang="de-DE" b="1" dirty="0" smtClean="0"/>
+                        <a:t>Abweichungen</a:t>
+                      </a:r>
+                      <a:endParaRPr lang="de-DE" b="1" dirty="0"/>
+                    </a:p>
+                  </a:txBody>
+                  <a:tcPr/>
+                </a:tc>
+                <a:tc>
+                  <a:txBody>
+                    <a:bodyPr/>
+                    <a:lstStyle/>
+                    <a:p>
+                      <a:pPr algn="r"/>
+                      <a:r>
+                        <a:rPr lang="de-DE" dirty="0" smtClean="0"/>
+                        <a:t>S. 21</a:t>
+                      </a:r>
+                      <a:endParaRPr lang="de-DE" dirty="0"/>
+                    </a:p>
+                  </a:txBody>
+                  <a:tcPr/>
+                </a:tc>
+              </a:tr>
+              <a:tr h="370840">
+                <a:tc>
+                  <a:txBody>
+                    <a:bodyPr/>
+                    <a:lstStyle/>
+                    <a:p>
+                      <a:r>
+                        <a:rPr lang="de-DE" b="1" dirty="0" smtClean="0"/>
+                        <a:t>Softwareprobleme</a:t>
+                      </a:r>
+                      <a:endParaRPr lang="de-DE" b="1" dirty="0"/>
+                    </a:p>
+                  </a:txBody>
+                  <a:tcPr/>
+                </a:tc>
+                <a:tc>
+                  <a:txBody>
+                    <a:bodyPr/>
+                    <a:lstStyle/>
+                    <a:p>
+                      <a:pPr algn="r"/>
+                      <a:r>
+                        <a:rPr lang="de-DE" dirty="0" smtClean="0"/>
+                        <a:t>S.22</a:t>
+                      </a:r>
+                      <a:endParaRPr lang="de-DE" dirty="0"/>
+                    </a:p>
+                  </a:txBody>
+                  <a:tcPr/>
+                </a:tc>
+              </a:tr>
+              <a:tr h="370840">
+                <a:tc>
+                  <a:txBody>
+                    <a:bodyPr/>
+                    <a:lstStyle/>
+                    <a:p>
+                      <a:r>
+                        <a:rPr lang="de-DE" b="1" dirty="0" smtClean="0"/>
+                        <a:t>Zusammenfassung</a:t>
+                      </a:r>
+                      <a:endParaRPr lang="de-DE" b="1" dirty="0"/>
+                    </a:p>
+                  </a:txBody>
+                  <a:tcPr/>
+                </a:tc>
+                <a:tc>
+                  <a:txBody>
+                    <a:bodyPr/>
+                    <a:lstStyle/>
+                    <a:p>
+                      <a:pPr algn="r"/>
+                      <a:r>
+                        <a:rPr lang="de-DE" dirty="0" smtClean="0"/>
+                        <a:t>S. 23</a:t>
+                      </a:r>
+                      <a:endParaRPr lang="de-DE" dirty="0"/>
+                    </a:p>
+                  </a:txBody>
+                  <a:tcPr/>
+                </a:tc>
+              </a:tr>
+            </a:tbl>
+          </a:graphicData>
+        </a:graphic>
+      </p:graphicFrame>
+      <p:sp>
+        <p:nvSpPr>
+          <p:cNvPr id="5" name="Slide Number Placeholder 4"/>
+          <p:cNvSpPr>
+            <a:spLocks noGrp="1"/>
+          </p:cNvSpPr>
+          <p:nvPr>
+            <p:ph type="sldNum" sz="quarter" idx="12"/>
+          </p:nvPr>
+        </p:nvSpPr>
+        <p:spPr/>
+        <p:txBody>
+          <a:bodyPr/>
+          <a:lstStyle/>
+          <a:p>
+            <a:fld id="{76D67895-9CD9-4983-83EC-F60E121908DF}" type="slidenum">
+              <a:rPr lang="de-DE" smtClean="0"/>
+              <a:pPr/>
+              <a:t>2</a:t>
+            </a:fld>
+            <a:endParaRPr lang="de-DE"/>
+          </a:p>
+        </p:txBody>
+      </p:sp>
+      <p:sp>
+        <p:nvSpPr>
+          <p:cNvPr id="6" name="Date Placeholder 5"/>
+          <p:cNvSpPr>
+            <a:spLocks noGrp="1"/>
+          </p:cNvSpPr>
+          <p:nvPr>
+            <p:ph type="dt" sz="half" idx="10"/>
+          </p:nvPr>
+        </p:nvSpPr>
+        <p:spPr/>
+        <p:txBody>
+          <a:bodyPr/>
+          <a:lstStyle/>
+          <a:p>
+            <a:fld id="{EEEDA438-AA47-44CE-94EC-794B8A64AF77}" type="datetime1">
+              <a:rPr lang="de-DE" smtClean="0"/>
+              <a:t>04.07.2019</a:t>
+            </a:fld>
+            <a:endParaRPr lang="de-DE"/>
+          </a:p>
+        </p:txBody>
+      </p:sp>
+      <p:sp>
+        <p:nvSpPr>
+          <p:cNvPr id="7" name="Footer Placeholder 6"/>
+          <p:cNvSpPr>
+            <a:spLocks noGrp="1"/>
+          </p:cNvSpPr>
+          <p:nvPr>
+            <p:ph type="ftr" sz="quarter" idx="11"/>
+          </p:nvPr>
+        </p:nvSpPr>
+        <p:spPr/>
+        <p:txBody>
+          <a:bodyPr/>
+          <a:lstStyle/>
+          <a:p>
+            <a:r>
+              <a:rPr lang="de-DE" smtClean="0"/>
+              <a:t>E-Mood-Tracker</a:t>
+            </a:r>
+            <a:endParaRPr lang="de-DE"/>
+          </a:p>
+        </p:txBody>
+      </p:sp>
+    </p:spTree>
+  </p:cSld>
+  <p:clrMapOvr>
+    <a:masterClrMapping/>
+  </p:clrMapOvr>
+</p:sld>
+</file>
+
+<file path=ppt/slides/slide20.xml><?xml version="1.0" encoding="utf-8"?>
+<p:sld xmlns:a="http://schemas.openxmlformats.org/drawingml/2006/main" xmlns:r="http://schemas.openxmlformats.org/officeDocument/2006/relationships" xmlns:p="http://schemas.openxmlformats.org/presentationml/2006/main">
+  <p:cSld>
+    <p:spTree>
+      <p:nvGrpSpPr>
+        <p:cNvPr id="1" name=""/>
+        <p:cNvGrpSpPr/>
+        <p:nvPr/>
+      </p:nvGrpSpPr>
+      <p:grpSpPr>
+        <a:xfrm>
+          <a:off x="0" y="0"/>
+          <a:ext cx="0" cy="0"/>
+          <a:chOff x="0" y="0"/>
+          <a:chExt cx="0" cy="0"/>
+        </a:xfrm>
+      </p:grpSpPr>
+      <p:sp>
+        <p:nvSpPr>
+          <p:cNvPr id="2" name="Title 1"/>
+          <p:cNvSpPr>
+            <a:spLocks noGrp="1"/>
+          </p:cNvSpPr>
+          <p:nvPr>
+            <p:ph type="title"/>
+          </p:nvPr>
+        </p:nvSpPr>
+        <p:spPr/>
+        <p:txBody>
+          <a:bodyPr/>
+          <a:lstStyle/>
+          <a:p>
+            <a:r>
+              <a:rPr lang="de-DE" b="1" dirty="0" smtClean="0">
+                <a:solidFill>
+                  <a:srgbClr val="49B9B1"/>
+                </a:solidFill>
+              </a:rPr>
               <a:t>Risiken</a:t>
             </a:r>
-            <a:endParaRPr lang="de-DE" dirty="0"/>
+            <a:endParaRPr lang="de-DE" b="1" dirty="0">
+              <a:solidFill>
+                <a:srgbClr val="49B9B1"/>
+              </a:solidFill>
+            </a:endParaRPr>
           </a:p>
         </p:txBody>
       </p:sp>
@@ -4488,7 +6198,7 @@
         </p:nvSpPr>
         <p:spPr>
           <a:xfrm>
-            <a:off x="285720" y="2214554"/>
+            <a:off x="285720" y="1357298"/>
             <a:ext cx="8643998" cy="2257428"/>
           </a:xfrm>
           <a:prstGeom prst="rect">
@@ -4524,12 +6234,12 @@
                   <a:noFill/>
                 </a:ln>
                 <a:solidFill>
-                  <a:srgbClr val="C00000"/>
+                  <a:srgbClr val="002060"/>
                 </a:solidFill>
                 <a:effectLst/>
                 <a:uLnTx/>
                 <a:uFillTx/>
-                <a:latin typeface="Kozuka Gothic Pro L" pitchFamily="34" charset="-128"/>
+                <a:latin typeface="+mj-lt"/>
                 <a:ea typeface="Kozuka Gothic Pro L" pitchFamily="34" charset="-128"/>
                 <a:cs typeface="+mn-cs"/>
               </a:rPr>
@@ -4546,7 +6256,7 @@
                 <a:effectLst/>
                 <a:uLnTx/>
                 <a:uFillTx/>
-                <a:latin typeface="Kozuka Gothic Pro L" pitchFamily="34" charset="-128"/>
+                <a:latin typeface="+mj-lt"/>
                 <a:ea typeface="Kozuka Gothic Pro L" pitchFamily="34" charset="-128"/>
                 <a:cs typeface="+mn-cs"/>
               </a:rPr>
@@ -4582,7 +6292,7 @@
                 <a:effectLst/>
                 <a:uLnTx/>
                 <a:uFillTx/>
-                <a:latin typeface="Kozuka Gothic Pro L" pitchFamily="34" charset="-128"/>
+                <a:latin typeface="+mj-lt"/>
                 <a:ea typeface="Kozuka Gothic Pro L" pitchFamily="34" charset="-128"/>
                 <a:cs typeface="+mn-cs"/>
               </a:rPr>
@@ -4594,12 +6304,12 @@
                   <a:noFill/>
                 </a:ln>
                 <a:solidFill>
-                  <a:schemeClr val="tx1"/>
+                  <a:srgbClr val="EF7B6E"/>
                 </a:solidFill>
                 <a:effectLst/>
                 <a:uLnTx/>
                 <a:uFillTx/>
-                <a:latin typeface="Kozuka Gothic Pro L" pitchFamily="34" charset="-128"/>
+                <a:latin typeface="+mj-lt"/>
                 <a:ea typeface="Kozuka Gothic Pro L" pitchFamily="34" charset="-128"/>
                 <a:cs typeface="+mn-cs"/>
               </a:rPr>
@@ -4635,7 +6345,7 @@
                 <a:effectLst/>
                 <a:uLnTx/>
                 <a:uFillTx/>
-                <a:latin typeface="Kozuka Gothic Pro L" pitchFamily="34" charset="-128"/>
+                <a:latin typeface="+mj-lt"/>
                 <a:ea typeface="Kozuka Gothic Pro L" pitchFamily="34" charset="-128"/>
                 <a:cs typeface="+mn-cs"/>
               </a:rPr>
@@ -4647,12 +6357,12 @@
                   <a:noFill/>
                 </a:ln>
                 <a:solidFill>
-                  <a:schemeClr val="tx1"/>
+                  <a:srgbClr val="EF7B6E"/>
                 </a:solidFill>
                 <a:effectLst/>
                 <a:uLnTx/>
                 <a:uFillTx/>
-                <a:latin typeface="Kozuka Gothic Pro L" pitchFamily="34" charset="-128"/>
+                <a:latin typeface="+mj-lt"/>
                 <a:ea typeface="Kozuka Gothic Pro L" pitchFamily="34" charset="-128"/>
                 <a:cs typeface="+mn-cs"/>
               </a:rPr>
@@ -4663,12 +6373,12 @@
                 <a:noFill/>
               </a:ln>
               <a:solidFill>
-                <a:schemeClr val="tx1"/>
+                <a:srgbClr val="EF7B6E"/>
               </a:solidFill>
               <a:effectLst/>
               <a:uLnTx/>
               <a:uFillTx/>
-              <a:latin typeface="Kozuka Gothic Pro L" pitchFamily="34" charset="-128"/>
+              <a:latin typeface="+mj-lt"/>
               <a:ea typeface="Kozuka Gothic Pro L" pitchFamily="34" charset="-128"/>
               <a:cs typeface="+mn-cs"/>
             </a:endParaRPr>
@@ -4683,7 +6393,7 @@
         </p:nvSpPr>
         <p:spPr>
           <a:xfrm>
-            <a:off x="285720" y="2857496"/>
+            <a:off x="285720" y="2000240"/>
             <a:ext cx="642942" cy="436169"/>
           </a:xfrm>
           <a:prstGeom prst="rightArrow">
@@ -4721,6 +6431,300 @@
           </a:p>
         </p:txBody>
       </p:sp>
+      <p:sp>
+        <p:nvSpPr>
+          <p:cNvPr id="6" name="Content Placeholder 2"/>
+          <p:cNvSpPr txBox="1">
+            <a:spLocks/>
+          </p:cNvSpPr>
+          <p:nvPr/>
+        </p:nvSpPr>
+        <p:spPr>
+          <a:xfrm>
+            <a:off x="214282" y="3643314"/>
+            <a:ext cx="8643998" cy="1857388"/>
+          </a:xfrm>
+          <a:prstGeom prst="rect">
+            <a:avLst/>
+          </a:prstGeom>
+        </p:spPr>
+        <p:txBody>
+          <a:bodyPr vert="horz" lIns="91440" tIns="45720" rIns="91440" bIns="45720" rtlCol="0">
+            <a:normAutofit/>
+          </a:bodyPr>
+          <a:lstStyle/>
+          <a:p>
+            <a:pPr marL="342900" marR="0" lvl="0" indent="-342900" algn="l" defTabSz="914400" rtl="0" eaLnBrk="1" fontAlgn="auto" latinLnBrk="0" hangingPunct="1">
+              <a:lnSpc>
+                <a:spcPct val="100000"/>
+              </a:lnSpc>
+              <a:spcBef>
+                <a:spcPct val="20000"/>
+              </a:spcBef>
+              <a:spcAft>
+                <a:spcPts val="0"/>
+              </a:spcAft>
+              <a:buClrTx/>
+              <a:buSzTx/>
+              <a:buFont typeface="Arial" pitchFamily="34" charset="0"/>
+              <a:buNone/>
+              <a:tabLst/>
+              <a:defRPr/>
+            </a:pPr>
+            <a:r>
+              <a:rPr kumimoji="0" lang="de-DE" sz="3200" i="0" u="none" strike="noStrike" kern="1200" cap="none" spc="0" normalizeH="0" baseline="0" noProof="0" dirty="0" smtClean="0">
+                <a:ln>
+                  <a:noFill/>
+                </a:ln>
+                <a:effectLst/>
+                <a:uLnTx/>
+                <a:uFillTx/>
+                <a:latin typeface="+mj-lt"/>
+                <a:ea typeface="Kozuka Gothic Pro L" pitchFamily="34" charset="-128"/>
+                <a:cs typeface="+mn-cs"/>
+              </a:rPr>
+              <a:t>Die </a:t>
+            </a:r>
+            <a:r>
+              <a:rPr kumimoji="0" lang="de-DE" sz="3200" b="1" i="0" u="none" strike="noStrike" kern="1200" cap="none" spc="0" normalizeH="0" baseline="0" noProof="0" dirty="0" smtClean="0">
+                <a:ln>
+                  <a:noFill/>
+                </a:ln>
+                <a:solidFill>
+                  <a:srgbClr val="EF7B6E"/>
+                </a:solidFill>
+                <a:effectLst/>
+                <a:uLnTx/>
+                <a:uFillTx/>
+                <a:latin typeface="+mj-lt"/>
+                <a:ea typeface="Kozuka Gothic Pro L" pitchFamily="34" charset="-128"/>
+                <a:cs typeface="+mn-cs"/>
+              </a:rPr>
+              <a:t>Aufgabenverteilung</a:t>
+            </a:r>
+            <a:r>
+              <a:rPr kumimoji="0" lang="de-DE" sz="3200" i="0" u="none" strike="noStrike" kern="1200" cap="none" spc="0" normalizeH="0" noProof="0" dirty="0" smtClean="0">
+                <a:ln>
+                  <a:noFill/>
+                </a:ln>
+                <a:effectLst/>
+                <a:uLnTx/>
+                <a:uFillTx/>
+                <a:latin typeface="+mj-lt"/>
+                <a:ea typeface="Kozuka Gothic Pro L" pitchFamily="34" charset="-128"/>
+                <a:cs typeface="+mn-cs"/>
+              </a:rPr>
+              <a:t> der Arbeitspakete </a:t>
+            </a:r>
+          </a:p>
+          <a:p>
+            <a:pPr marL="342900" marR="0" lvl="0" indent="-342900" algn="l" defTabSz="914400" rtl="0" eaLnBrk="1" fontAlgn="auto" latinLnBrk="0" hangingPunct="1">
+              <a:lnSpc>
+                <a:spcPct val="100000"/>
+              </a:lnSpc>
+              <a:spcBef>
+                <a:spcPct val="20000"/>
+              </a:spcBef>
+              <a:spcAft>
+                <a:spcPts val="0"/>
+              </a:spcAft>
+              <a:buClrTx/>
+              <a:buSzTx/>
+              <a:buFont typeface="Arial" pitchFamily="34" charset="0"/>
+              <a:buNone/>
+              <a:tabLst/>
+              <a:defRPr/>
+            </a:pPr>
+            <a:r>
+              <a:rPr kumimoji="0" lang="de-DE" sz="3200" i="0" u="none" strike="noStrike" kern="1200" cap="none" spc="0" normalizeH="0" noProof="0" dirty="0" smtClean="0">
+                <a:ln>
+                  <a:noFill/>
+                </a:ln>
+                <a:effectLst/>
+                <a:uLnTx/>
+                <a:uFillTx/>
+                <a:latin typeface="+mj-lt"/>
+                <a:ea typeface="Kozuka Gothic Pro L" pitchFamily="34" charset="-128"/>
+                <a:cs typeface="+mn-cs"/>
+              </a:rPr>
+              <a:t>wurde </a:t>
+            </a:r>
+            <a:r>
+              <a:rPr kumimoji="0" lang="de-DE" sz="3200" b="1" i="0" u="none" strike="noStrike" kern="1200" cap="none" spc="0" normalizeH="0" noProof="0" dirty="0" smtClean="0">
+                <a:ln>
+                  <a:noFill/>
+                </a:ln>
+                <a:solidFill>
+                  <a:srgbClr val="EF7B6E"/>
+                </a:solidFill>
+                <a:effectLst/>
+                <a:uLnTx/>
+                <a:uFillTx/>
+                <a:latin typeface="+mj-lt"/>
+                <a:ea typeface="Kozuka Gothic Pro L" pitchFamily="34" charset="-128"/>
+                <a:cs typeface="+mn-cs"/>
+              </a:rPr>
+              <a:t>geändert</a:t>
+            </a:r>
+            <a:r>
+              <a:rPr kumimoji="0" lang="de-DE" sz="3200" i="0" u="none" strike="noStrike" kern="1200" cap="none" spc="0" normalizeH="0" noProof="0" dirty="0" smtClean="0">
+                <a:ln>
+                  <a:noFill/>
+                </a:ln>
+                <a:effectLst/>
+                <a:uLnTx/>
+                <a:uFillTx/>
+                <a:latin typeface="+mj-lt"/>
+                <a:ea typeface="Kozuka Gothic Pro L" pitchFamily="34" charset="-128"/>
+                <a:cs typeface="+mn-cs"/>
+              </a:rPr>
+              <a:t>, </a:t>
+            </a:r>
+            <a:r>
+              <a:rPr kumimoji="0" lang="de-DE" sz="3200" i="0" u="none" strike="noStrike" kern="1200" cap="none" spc="0" normalizeH="0" noProof="0" dirty="0" smtClean="0">
+                <a:ln>
+                  <a:noFill/>
+                </a:ln>
+                <a:effectLst/>
+                <a:uLnTx/>
+                <a:uFillTx/>
+                <a:latin typeface="+mj-lt"/>
+                <a:ea typeface="Kozuka Gothic Pro L" pitchFamily="34" charset="-128"/>
+                <a:cs typeface="+mn-cs"/>
+              </a:rPr>
+              <a:t>damit die </a:t>
+            </a:r>
+            <a:r>
+              <a:rPr kumimoji="0" lang="de-DE" sz="3200" i="0" u="none" strike="noStrike" kern="1200" cap="none" spc="0" normalizeH="0" noProof="0" dirty="0" smtClean="0">
+                <a:ln>
+                  <a:noFill/>
+                </a:ln>
+                <a:effectLst/>
+                <a:uLnTx/>
+                <a:uFillTx/>
+                <a:latin typeface="+mj-lt"/>
+                <a:ea typeface="Kozuka Gothic Pro L" pitchFamily="34" charset="-128"/>
+                <a:cs typeface="+mn-cs"/>
+              </a:rPr>
+              <a:t>Last auf einen </a:t>
+            </a:r>
+          </a:p>
+          <a:p>
+            <a:pPr marL="342900" marR="0" lvl="0" indent="-342900" algn="l" defTabSz="914400" rtl="0" eaLnBrk="1" fontAlgn="auto" latinLnBrk="0" hangingPunct="1">
+              <a:lnSpc>
+                <a:spcPct val="100000"/>
+              </a:lnSpc>
+              <a:spcBef>
+                <a:spcPct val="20000"/>
+              </a:spcBef>
+              <a:spcAft>
+                <a:spcPts val="0"/>
+              </a:spcAft>
+              <a:buClrTx/>
+              <a:buSzTx/>
+              <a:buFont typeface="Arial" pitchFamily="34" charset="0"/>
+              <a:buNone/>
+              <a:tabLst/>
+              <a:defRPr/>
+            </a:pPr>
+            <a:r>
+              <a:rPr kumimoji="0" lang="de-DE" sz="3200" i="0" u="none" strike="noStrike" kern="1200" cap="none" spc="0" normalizeH="0" noProof="0" dirty="0" smtClean="0">
+                <a:ln>
+                  <a:noFill/>
+                </a:ln>
+                <a:effectLst/>
+                <a:uLnTx/>
+                <a:uFillTx/>
+                <a:latin typeface="+mj-lt"/>
+                <a:ea typeface="Kozuka Gothic Pro L" pitchFamily="34" charset="-128"/>
+                <a:cs typeface="+mn-cs"/>
+              </a:rPr>
+              <a:t>Entwickler weniger wird.</a:t>
+            </a:r>
+            <a:endParaRPr kumimoji="0" lang="de-DE" sz="3200" i="0" u="none" strike="noStrike" kern="1200" cap="none" spc="0" normalizeH="0" baseline="0" noProof="0" dirty="0">
+              <a:ln>
+                <a:noFill/>
+              </a:ln>
+              <a:effectLst/>
+              <a:uLnTx/>
+              <a:uFillTx/>
+              <a:latin typeface="+mj-lt"/>
+              <a:ea typeface="Kozuka Gothic Pro L" pitchFamily="34" charset="-128"/>
+              <a:cs typeface="+mn-cs"/>
+            </a:endParaRPr>
+          </a:p>
+        </p:txBody>
+      </p:sp>
+      <p:sp>
+        <p:nvSpPr>
+          <p:cNvPr id="7" name="Slide Number Placeholder 6"/>
+          <p:cNvSpPr>
+            <a:spLocks noGrp="1"/>
+          </p:cNvSpPr>
+          <p:nvPr>
+            <p:ph type="sldNum" sz="quarter" idx="12"/>
+          </p:nvPr>
+        </p:nvSpPr>
+        <p:spPr/>
+        <p:txBody>
+          <a:bodyPr/>
+          <a:lstStyle/>
+          <a:p>
+            <a:fld id="{76D67895-9CD9-4983-83EC-F60E121908DF}" type="slidenum">
+              <a:rPr lang="de-DE" smtClean="0"/>
+              <a:pPr/>
+              <a:t>20</a:t>
+            </a:fld>
+            <a:endParaRPr lang="de-DE"/>
+          </a:p>
+        </p:txBody>
+      </p:sp>
+      <p:sp>
+        <p:nvSpPr>
+          <p:cNvPr id="8" name="Date Placeholder 7"/>
+          <p:cNvSpPr>
+            <a:spLocks noGrp="1"/>
+          </p:cNvSpPr>
+          <p:nvPr>
+            <p:ph type="dt" sz="half" idx="10"/>
+          </p:nvPr>
+        </p:nvSpPr>
+        <p:spPr/>
+        <p:txBody>
+          <a:bodyPr/>
+          <a:lstStyle/>
+          <a:p>
+            <a:fld id="{56E919F3-D3E8-48DB-B54A-3AFB3BE863B3}" type="datetime1">
+              <a:rPr lang="de-DE" smtClean="0"/>
+              <a:t>04.07.2019</a:t>
+            </a:fld>
+            <a:endParaRPr lang="de-DE"/>
+          </a:p>
+        </p:txBody>
+      </p:sp>
+      <p:sp>
+        <p:nvSpPr>
+          <p:cNvPr id="9" name="Footer Placeholder 8"/>
+          <p:cNvSpPr>
+            <a:spLocks noGrp="1"/>
+          </p:cNvSpPr>
+          <p:nvPr>
+            <p:ph type="ftr" sz="quarter" idx="11"/>
+          </p:nvPr>
+        </p:nvSpPr>
+        <p:spPr/>
+        <p:txBody>
+          <a:bodyPr/>
+          <a:lstStyle/>
+          <a:p>
+            <a:r>
+              <a:rPr lang="de-DE" smtClean="0"/>
+              <a:t>E-Mood-Tracker</a:t>
+            </a:r>
+            <a:endParaRPr lang="de-DE"/>
+          </a:p>
+        </p:txBody>
+      </p:sp>
     </p:spTree>
   </p:cSld>
   <p:clrMapOvr>
@@ -4729,7 +6733,7 @@
 </p:sld>
 </file>
 
-<file path=ppt/slides/slide19.xml><?xml version="1.0" encoding="utf-8"?>
+<file path=ppt/slides/slide21.xml><?xml version="1.0" encoding="utf-8"?>
 <p:sld xmlns:a="http://schemas.openxmlformats.org/drawingml/2006/main" xmlns:r="http://schemas.openxmlformats.org/officeDocument/2006/relationships" xmlns:p="http://schemas.openxmlformats.org/presentationml/2006/main">
   <p:cSld>
     <p:spTree>
@@ -4762,10 +6766,18 @@
           <a:lstStyle/>
           <a:p>
             <a:r>
-              <a:rPr lang="de-DE" dirty="0" smtClean="0"/>
+              <a:rPr lang="de-DE" b="1" dirty="0" smtClean="0">
+                <a:solidFill>
+                  <a:srgbClr val="49B9B1"/>
+                </a:solidFill>
+              </a:rPr>
               <a:t>Abweichungen</a:t>
             </a:r>
-            <a:endParaRPr lang="de-DE" dirty="0"/>
+            <a:endParaRPr lang="de-DE" b="1" dirty="0">
+              <a:solidFill>
+                <a:srgbClr val="49B9B1"/>
+              </a:solidFill>
+            </a:endParaRPr>
           </a:p>
         </p:txBody>
       </p:sp>
@@ -4813,8 +6825,16 @@
               <a:t>Tagebucheinträge</a:t>
             </a:r>
             <a:r>
+              <a:rPr lang="de-DE" dirty="0" smtClean="0">
+                <a:solidFill>
+                  <a:srgbClr val="EF7B6E"/>
+                </a:solidFill>
+              </a:rPr>
+              <a:t> </a:t>
+            </a:r>
+            <a:r>
               <a:rPr lang="de-DE" dirty="0" smtClean="0"/>
-              <a:t> und </a:t>
+              <a:t>und </a:t>
             </a:r>
             <a:r>
               <a:rPr lang="de-DE" b="1" dirty="0" smtClean="0"/>
@@ -4851,6 +6871,76 @@
               <a:t> angezeigt.</a:t>
             </a:r>
             <a:endParaRPr lang="de-DE" dirty="0"/>
+          </a:p>
+        </p:txBody>
+      </p:sp>
+      <p:sp>
+        <p:nvSpPr>
+          <p:cNvPr id="4" name="Slide Number Placeholder 3"/>
+          <p:cNvSpPr>
+            <a:spLocks noGrp="1"/>
+          </p:cNvSpPr>
+          <p:nvPr>
+            <p:ph type="sldNum" sz="quarter" idx="12"/>
+          </p:nvPr>
+        </p:nvSpPr>
+        <p:spPr/>
+        <p:txBody>
+          <a:bodyPr/>
+          <a:lstStyle/>
+          <a:p>
+            <a:fld id="{76D67895-9CD9-4983-83EC-F60E121908DF}" type="slidenum">
+              <a:rPr lang="de-DE" smtClean="0"/>
+              <a:pPr/>
+              <a:t>21</a:t>
+            </a:fld>
+            <a:endParaRPr lang="de-DE"/>
+          </a:p>
+        </p:txBody>
+      </p:sp>
+      <p:sp>
+        <p:nvSpPr>
+          <p:cNvPr id="5" name="Date Placeholder 4"/>
+          <p:cNvSpPr>
+            <a:spLocks noGrp="1"/>
+          </p:cNvSpPr>
+          <p:nvPr>
+            <p:ph type="dt" sz="half" idx="10"/>
+          </p:nvPr>
+        </p:nvSpPr>
+        <p:spPr/>
+        <p:txBody>
+          <a:bodyPr/>
+          <a:lstStyle/>
+          <a:p>
+            <a:fld id="{AE316D61-8BC8-46ED-89BB-0F5CE7AC1E51}" type="datetime1">
+              <a:rPr lang="de-DE" smtClean="0"/>
+              <a:t>04.07.2019</a:t>
+            </a:fld>
+            <a:endParaRPr lang="de-DE"/>
+          </a:p>
+        </p:txBody>
+      </p:sp>
+      <p:sp>
+        <p:nvSpPr>
+          <p:cNvPr id="6" name="Footer Placeholder 5"/>
+          <p:cNvSpPr>
+            <a:spLocks noGrp="1"/>
+          </p:cNvSpPr>
+          <p:nvPr>
+            <p:ph type="ftr" sz="quarter" idx="11"/>
+          </p:nvPr>
+        </p:nvSpPr>
+        <p:spPr/>
+        <p:txBody>
+          <a:bodyPr/>
+          <a:lstStyle/>
+          <a:p>
+            <a:r>
+              <a:rPr lang="de-DE" smtClean="0"/>
+              <a:t>E-Mood-Tracker</a:t>
+            </a:r>
+            <a:endParaRPr lang="de-DE"/>
           </a:p>
         </p:txBody>
       </p:sp>
@@ -4862,7 +6952,7 @@
 </p:sld>
 </file>
 
-<file path=ppt/slides/slide2.xml><?xml version="1.0" encoding="utf-8"?>
+<file path=ppt/slides/slide22.xml><?xml version="1.0" encoding="utf-8"?>
 <p:sld xmlns:a="http://schemas.openxmlformats.org/drawingml/2006/main" xmlns:r="http://schemas.openxmlformats.org/officeDocument/2006/relationships" xmlns:p="http://schemas.openxmlformats.org/presentationml/2006/main">
   <p:cSld>
     <p:spTree>
@@ -4896,168 +6986,604 @@
           <a:p>
             <a:r>
               <a:rPr lang="de-DE" dirty="0" smtClean="0"/>
-              <a:t>Gliederung</a:t>
+              <a:t>Softwareprobleme</a:t>
             </a:r>
             <a:endParaRPr lang="de-DE" dirty="0"/>
           </a:p>
         </p:txBody>
       </p:sp>
-      <p:graphicFrame>
-        <p:nvGraphicFramePr>
-          <p:cNvPr id="4" name="Table 3"/>
-          <p:cNvGraphicFramePr>
-            <a:graphicFrameLocks noGrp="1"/>
-          </p:cNvGraphicFramePr>
+      <p:sp>
+        <p:nvSpPr>
+          <p:cNvPr id="3" name="Content Placeholder 2"/>
+          <p:cNvSpPr>
+            <a:spLocks noGrp="1"/>
+          </p:cNvSpPr>
+          <p:nvPr>
+            <p:ph idx="1"/>
+          </p:nvPr>
+        </p:nvSpPr>
+        <p:spPr/>
+        <p:txBody>
+          <a:bodyPr/>
+          <a:lstStyle/>
+          <a:p>
+            <a:r>
+              <a:rPr lang="de-DE" dirty="0" smtClean="0"/>
+              <a:t>Seiten müssen erst neu geladen werden, damit sie funktionsfähig sind </a:t>
+            </a:r>
+            <a:r>
+              <a:rPr lang="de-DE" dirty="0" smtClean="0">
+                <a:sym typeface="Wingdings" pitchFamily="2" charset="2"/>
+              </a:rPr>
+              <a:t> jquery Problem.</a:t>
+            </a:r>
+          </a:p>
+          <a:p>
+            <a:r>
+              <a:rPr lang="de-DE" dirty="0" smtClean="0">
+                <a:sym typeface="Wingdings" pitchFamily="2" charset="2"/>
+              </a:rPr>
+              <a:t>Webserverumleitung von HTTP zu </a:t>
+            </a:r>
+            <a:r>
+              <a:rPr lang="de-DE" b="1" dirty="0" smtClean="0">
+                <a:sym typeface="Wingdings" pitchFamily="2" charset="2"/>
+              </a:rPr>
+              <a:t>HTTPS funktioniert nicht</a:t>
+            </a:r>
+            <a:r>
+              <a:rPr lang="de-DE" dirty="0" smtClean="0">
+                <a:sym typeface="Wingdings" pitchFamily="2" charset="2"/>
+              </a:rPr>
+              <a:t>.</a:t>
+            </a:r>
+            <a:endParaRPr lang="de-DE" dirty="0"/>
+          </a:p>
+        </p:txBody>
+      </p:sp>
+      <p:sp>
+        <p:nvSpPr>
+          <p:cNvPr id="4" name="Date Placeholder 3"/>
+          <p:cNvSpPr>
+            <a:spLocks noGrp="1"/>
+          </p:cNvSpPr>
+          <p:nvPr>
+            <p:ph type="dt" sz="half" idx="10"/>
+          </p:nvPr>
+        </p:nvSpPr>
+        <p:spPr/>
+        <p:txBody>
+          <a:bodyPr/>
+          <a:lstStyle/>
+          <a:p>
+            <a:fld id="{8AF30EF5-5647-443A-BF6F-74A98C1573C6}" type="datetime1">
+              <a:rPr lang="de-DE" smtClean="0"/>
+              <a:t>04.07.2019</a:t>
+            </a:fld>
+            <a:endParaRPr lang="de-DE"/>
+          </a:p>
+        </p:txBody>
+      </p:sp>
+      <p:sp>
+        <p:nvSpPr>
+          <p:cNvPr id="5" name="Footer Placeholder 4"/>
+          <p:cNvSpPr>
+            <a:spLocks noGrp="1"/>
+          </p:cNvSpPr>
+          <p:nvPr>
+            <p:ph type="ftr" sz="quarter" idx="11"/>
+          </p:nvPr>
+        </p:nvSpPr>
+        <p:spPr/>
+        <p:txBody>
+          <a:bodyPr/>
+          <a:lstStyle/>
+          <a:p>
+            <a:r>
+              <a:rPr lang="de-DE" smtClean="0"/>
+              <a:t>E-Mood-Tracker</a:t>
+            </a:r>
+            <a:endParaRPr lang="de-DE"/>
+          </a:p>
+        </p:txBody>
+      </p:sp>
+      <p:sp>
+        <p:nvSpPr>
+          <p:cNvPr id="6" name="Slide Number Placeholder 5"/>
+          <p:cNvSpPr>
+            <a:spLocks noGrp="1"/>
+          </p:cNvSpPr>
+          <p:nvPr>
+            <p:ph type="sldNum" sz="quarter" idx="12"/>
+          </p:nvPr>
+        </p:nvSpPr>
+        <p:spPr/>
+        <p:txBody>
+          <a:bodyPr/>
+          <a:lstStyle/>
+          <a:p>
+            <a:fld id="{76D67895-9CD9-4983-83EC-F60E121908DF}" type="slidenum">
+              <a:rPr lang="de-DE" smtClean="0"/>
+              <a:pPr/>
+              <a:t>22</a:t>
+            </a:fld>
+            <a:endParaRPr lang="de-DE"/>
+          </a:p>
+        </p:txBody>
+      </p:sp>
+    </p:spTree>
+  </p:cSld>
+  <p:clrMapOvr>
+    <a:masterClrMapping/>
+  </p:clrMapOvr>
+</p:sld>
+</file>
+
+<file path=ppt/slides/slide23.xml><?xml version="1.0" encoding="utf-8"?>
+<p:sld xmlns:a="http://schemas.openxmlformats.org/drawingml/2006/main" xmlns:r="http://schemas.openxmlformats.org/officeDocument/2006/relationships" xmlns:p="http://schemas.openxmlformats.org/presentationml/2006/main">
+  <p:cSld>
+    <p:spTree>
+      <p:nvGrpSpPr>
+        <p:cNvPr id="1" name=""/>
+        <p:cNvGrpSpPr/>
+        <p:nvPr/>
+      </p:nvGrpSpPr>
+      <p:grpSpPr>
+        <a:xfrm>
+          <a:off x="0" y="0"/>
+          <a:ext cx="0" cy="0"/>
+          <a:chOff x="0" y="0"/>
+          <a:chExt cx="0" cy="0"/>
+        </a:xfrm>
+      </p:grpSpPr>
+      <p:sp>
+        <p:nvSpPr>
+          <p:cNvPr id="2" name="Title 1"/>
+          <p:cNvSpPr>
+            <a:spLocks noGrp="1"/>
+          </p:cNvSpPr>
+          <p:nvPr>
+            <p:ph type="title"/>
+          </p:nvPr>
+        </p:nvSpPr>
+        <p:spPr/>
+        <p:txBody>
+          <a:bodyPr/>
+          <a:lstStyle/>
+          <a:p>
+            <a:r>
+              <a:rPr lang="de-DE" b="1" dirty="0" smtClean="0">
+                <a:solidFill>
+                  <a:srgbClr val="49B9B1"/>
+                </a:solidFill>
+              </a:rPr>
+              <a:t>Zusammenfassung</a:t>
+            </a:r>
+            <a:endParaRPr lang="de-DE" b="1" dirty="0">
+              <a:solidFill>
+                <a:srgbClr val="49B9B1"/>
+              </a:solidFill>
+            </a:endParaRPr>
+          </a:p>
+        </p:txBody>
+      </p:sp>
+      <p:sp>
+        <p:nvSpPr>
+          <p:cNvPr id="3" name="Content Placeholder 2"/>
+          <p:cNvSpPr>
+            <a:spLocks noGrp="1"/>
+          </p:cNvSpPr>
+          <p:nvPr>
+            <p:ph idx="1"/>
+          </p:nvPr>
+        </p:nvSpPr>
+        <p:spPr/>
+        <p:txBody>
+          <a:bodyPr/>
+          <a:lstStyle/>
+          <a:p>
+            <a:r>
+              <a:rPr lang="de-DE" dirty="0" smtClean="0"/>
+              <a:t>Der Kontaktperson </a:t>
+            </a:r>
+            <a:r>
+              <a:rPr lang="de-DE" b="1" dirty="0" smtClean="0">
+                <a:solidFill>
+                  <a:srgbClr val="EF7B6E"/>
+                </a:solidFill>
+              </a:rPr>
+              <a:t>gefällt Projekt </a:t>
+            </a:r>
+            <a:r>
+              <a:rPr lang="de-DE" dirty="0" smtClean="0"/>
+              <a:t>soweit gut.</a:t>
+            </a:r>
+          </a:p>
+          <a:p>
+            <a:r>
+              <a:rPr lang="de-DE" dirty="0" smtClean="0"/>
+              <a:t>Zukünftig soll das Projekt </a:t>
+            </a:r>
+            <a:r>
+              <a:rPr lang="de-DE" b="1" dirty="0" smtClean="0">
+                <a:solidFill>
+                  <a:srgbClr val="EF7B6E"/>
+                </a:solidFill>
+              </a:rPr>
+              <a:t>weiterentwickelt</a:t>
+            </a:r>
+            <a:r>
+              <a:rPr lang="de-DE" dirty="0" smtClean="0">
+                <a:solidFill>
+                  <a:srgbClr val="EF7B6E"/>
+                </a:solidFill>
+              </a:rPr>
+              <a:t> </a:t>
+            </a:r>
+            <a:r>
+              <a:rPr lang="de-DE" dirty="0" smtClean="0"/>
+              <a:t>werden, sodass in der </a:t>
+            </a:r>
+            <a:r>
+              <a:rPr lang="de-DE" b="1" dirty="0" smtClean="0">
+                <a:solidFill>
+                  <a:srgbClr val="EF7B6E"/>
+                </a:solidFill>
+              </a:rPr>
+              <a:t>Zukunft</a:t>
+            </a:r>
+            <a:r>
+              <a:rPr lang="de-DE" dirty="0" smtClean="0"/>
+              <a:t> ein </a:t>
+            </a:r>
+            <a:r>
+              <a:rPr lang="de-DE" b="1" dirty="0" smtClean="0">
+                <a:solidFill>
+                  <a:srgbClr val="EF7B6E"/>
+                </a:solidFill>
+              </a:rPr>
+              <a:t>Testdurchlauf</a:t>
+            </a:r>
+            <a:r>
+              <a:rPr lang="de-DE" dirty="0" smtClean="0"/>
+              <a:t> gestartet werden kann.</a:t>
+            </a:r>
+          </a:p>
+          <a:p>
+            <a:r>
+              <a:rPr lang="de-DE" dirty="0" smtClean="0"/>
+              <a:t>Software soll eventuell um </a:t>
+            </a:r>
+            <a:r>
+              <a:rPr lang="de-DE" b="1" dirty="0" smtClean="0">
+                <a:solidFill>
+                  <a:srgbClr val="EF7B6E"/>
+                </a:solidFill>
+              </a:rPr>
+              <a:t>Funktionen</a:t>
+            </a:r>
+            <a:r>
+              <a:rPr lang="de-DE" dirty="0" smtClean="0"/>
+              <a:t> </a:t>
+            </a:r>
+            <a:r>
+              <a:rPr lang="de-DE" b="1" dirty="0" smtClean="0">
+                <a:solidFill>
+                  <a:srgbClr val="EF7B6E"/>
+                </a:solidFill>
+              </a:rPr>
+              <a:t>erweitert</a:t>
+            </a:r>
+            <a:r>
+              <a:rPr lang="de-DE" dirty="0" smtClean="0"/>
+              <a:t> werden (Absprache mit Kontaktperson).</a:t>
+            </a:r>
+          </a:p>
+        </p:txBody>
+      </p:sp>
+      <p:sp>
+        <p:nvSpPr>
+          <p:cNvPr id="4" name="Slide Number Placeholder 3"/>
+          <p:cNvSpPr>
+            <a:spLocks noGrp="1"/>
+          </p:cNvSpPr>
+          <p:nvPr>
+            <p:ph type="sldNum" sz="quarter" idx="12"/>
+          </p:nvPr>
+        </p:nvSpPr>
+        <p:spPr/>
+        <p:txBody>
+          <a:bodyPr/>
+          <a:lstStyle/>
+          <a:p>
+            <a:fld id="{76D67895-9CD9-4983-83EC-F60E121908DF}" type="slidenum">
+              <a:rPr lang="de-DE" smtClean="0"/>
+              <a:pPr/>
+              <a:t>23</a:t>
+            </a:fld>
+            <a:endParaRPr lang="de-DE"/>
+          </a:p>
+        </p:txBody>
+      </p:sp>
+      <p:sp>
+        <p:nvSpPr>
+          <p:cNvPr id="5" name="Date Placeholder 4"/>
+          <p:cNvSpPr>
+            <a:spLocks noGrp="1"/>
+          </p:cNvSpPr>
+          <p:nvPr>
+            <p:ph type="dt" sz="half" idx="10"/>
+          </p:nvPr>
+        </p:nvSpPr>
+        <p:spPr/>
+        <p:txBody>
+          <a:bodyPr/>
+          <a:lstStyle/>
+          <a:p>
+            <a:fld id="{DFEB9E98-53B3-49E8-81C5-1923AC307733}" type="datetime1">
+              <a:rPr lang="de-DE" smtClean="0"/>
+              <a:t>04.07.2019</a:t>
+            </a:fld>
+            <a:endParaRPr lang="de-DE"/>
+          </a:p>
+        </p:txBody>
+      </p:sp>
+      <p:sp>
+        <p:nvSpPr>
+          <p:cNvPr id="6" name="Footer Placeholder 5"/>
+          <p:cNvSpPr>
+            <a:spLocks noGrp="1"/>
+          </p:cNvSpPr>
+          <p:nvPr>
+            <p:ph type="ftr" sz="quarter" idx="11"/>
+          </p:nvPr>
+        </p:nvSpPr>
+        <p:spPr/>
+        <p:txBody>
+          <a:bodyPr/>
+          <a:lstStyle/>
+          <a:p>
+            <a:r>
+              <a:rPr lang="de-DE" smtClean="0"/>
+              <a:t>E-Mood-Tracker</a:t>
+            </a:r>
+            <a:endParaRPr lang="de-DE"/>
+          </a:p>
+        </p:txBody>
+      </p:sp>
+    </p:spTree>
+  </p:cSld>
+  <p:clrMapOvr>
+    <a:masterClrMapping/>
+  </p:clrMapOvr>
+</p:sld>
+</file>
+
+<file path=ppt/slides/slide24.xml><?xml version="1.0" encoding="utf-8"?>
+<p:sld xmlns:a="http://schemas.openxmlformats.org/drawingml/2006/main" xmlns:r="http://schemas.openxmlformats.org/officeDocument/2006/relationships" xmlns:p="http://schemas.openxmlformats.org/presentationml/2006/main">
+  <p:cSld>
+    <p:spTree>
+      <p:nvGrpSpPr>
+        <p:cNvPr id="1" name=""/>
+        <p:cNvGrpSpPr/>
+        <p:nvPr/>
+      </p:nvGrpSpPr>
+      <p:grpSpPr>
+        <a:xfrm>
+          <a:off x="0" y="0"/>
+          <a:ext cx="0" cy="0"/>
+          <a:chOff x="0" y="0"/>
+          <a:chExt cx="0" cy="0"/>
+        </a:xfrm>
+      </p:grpSpPr>
+      <p:sp>
+        <p:nvSpPr>
+          <p:cNvPr id="2" name="Title 1"/>
+          <p:cNvSpPr>
+            <a:spLocks noGrp="1"/>
+          </p:cNvSpPr>
+          <p:nvPr>
+            <p:ph type="title"/>
+          </p:nvPr>
+        </p:nvSpPr>
+        <p:spPr/>
+        <p:txBody>
+          <a:bodyPr/>
+          <a:lstStyle/>
+          <a:p>
+            <a:endParaRPr lang="de-DE"/>
+          </a:p>
+        </p:txBody>
+      </p:sp>
+      <p:sp>
+        <p:nvSpPr>
+          <p:cNvPr id="3" name="Content Placeholder 2"/>
+          <p:cNvSpPr>
+            <a:spLocks noGrp="1"/>
+          </p:cNvSpPr>
+          <p:nvPr>
+            <p:ph idx="1"/>
+          </p:nvPr>
+        </p:nvSpPr>
+        <p:spPr/>
+        <p:txBody>
+          <a:bodyPr/>
+          <a:lstStyle/>
+          <a:p>
+            <a:endParaRPr lang="de-DE"/>
+          </a:p>
+        </p:txBody>
+      </p:sp>
+      <p:sp>
+        <p:nvSpPr>
+          <p:cNvPr id="4" name="Date Placeholder 3"/>
+          <p:cNvSpPr>
+            <a:spLocks noGrp="1"/>
+          </p:cNvSpPr>
+          <p:nvPr>
+            <p:ph type="dt" sz="half" idx="10"/>
+          </p:nvPr>
+        </p:nvSpPr>
+        <p:spPr/>
+        <p:txBody>
+          <a:bodyPr/>
+          <a:lstStyle/>
+          <a:p>
+            <a:fld id="{8AF30EF5-5647-443A-BF6F-74A98C1573C6}" type="datetime1">
+              <a:rPr lang="de-DE" smtClean="0"/>
+              <a:t>04.07.2019</a:t>
+            </a:fld>
+            <a:endParaRPr lang="de-DE"/>
+          </a:p>
+        </p:txBody>
+      </p:sp>
+      <p:sp>
+        <p:nvSpPr>
+          <p:cNvPr id="5" name="Footer Placeholder 4"/>
+          <p:cNvSpPr>
+            <a:spLocks noGrp="1"/>
+          </p:cNvSpPr>
+          <p:nvPr>
+            <p:ph type="ftr" sz="quarter" idx="11"/>
+          </p:nvPr>
+        </p:nvSpPr>
+        <p:spPr/>
+        <p:txBody>
+          <a:bodyPr/>
+          <a:lstStyle/>
+          <a:p>
+            <a:r>
+              <a:rPr lang="de-DE" smtClean="0"/>
+              <a:t>E-Mood-Tracker</a:t>
+            </a:r>
+            <a:endParaRPr lang="de-DE"/>
+          </a:p>
+        </p:txBody>
+      </p:sp>
+      <p:sp>
+        <p:nvSpPr>
+          <p:cNvPr id="6" name="Slide Number Placeholder 5"/>
+          <p:cNvSpPr>
+            <a:spLocks noGrp="1"/>
+          </p:cNvSpPr>
+          <p:nvPr>
+            <p:ph type="sldNum" sz="quarter" idx="12"/>
+          </p:nvPr>
+        </p:nvSpPr>
+        <p:spPr/>
+        <p:txBody>
+          <a:bodyPr/>
+          <a:lstStyle/>
+          <a:p>
+            <a:fld id="{76D67895-9CD9-4983-83EC-F60E121908DF}" type="slidenum">
+              <a:rPr lang="de-DE" smtClean="0"/>
+              <a:pPr/>
+              <a:t>24</a:t>
+            </a:fld>
+            <a:endParaRPr lang="de-DE"/>
+          </a:p>
+        </p:txBody>
+      </p:sp>
+      <p:pic>
+        <p:nvPicPr>
+          <p:cNvPr id="7" name="Picture 2" descr="D:\Documents\Dropbox\E-Health SS19\Bilder\hintergrund.jpg"/>
+          <p:cNvPicPr>
+            <a:picLocks noChangeAspect="1" noChangeArrowheads="1"/>
+          </p:cNvPicPr>
           <p:nvPr/>
-        </p:nvGraphicFramePr>
-        <p:xfrm>
-          <a:off x="857224" y="2428868"/>
-          <a:ext cx="6096000" cy="1854200"/>
-        </p:xfrm>
-        <a:graphic>
-          <a:graphicData uri="http://schemas.openxmlformats.org/drawingml/2006/table">
-            <a:tbl>
-              <a:tblPr firstRow="1" bandRow="1">
-                <a:tableStyleId>{3B4B98B0-60AC-42C2-AFA5-B58CD77FA1E5}</a:tableStyleId>
-              </a:tblPr>
-              <a:tblGrid>
-                <a:gridCol w="3048000"/>
-                <a:gridCol w="3048000"/>
-              </a:tblGrid>
-              <a:tr h="370840">
-                <a:tc>
-                  <a:txBody>
-                    <a:bodyPr/>
-                    <a:lstStyle/>
-                    <a:p>
-                      <a:r>
-                        <a:rPr lang="de-DE" b="0" dirty="0" smtClean="0"/>
-                        <a:t>Projektidee</a:t>
-                      </a:r>
-                      <a:endParaRPr lang="de-DE" b="0" dirty="0"/>
-                    </a:p>
-                  </a:txBody>
-                  <a:tcPr/>
-                </a:tc>
-                <a:tc>
-                  <a:txBody>
-                    <a:bodyPr/>
-                    <a:lstStyle/>
-                    <a:p>
-                      <a:endParaRPr lang="de-DE" b="0" dirty="0"/>
-                    </a:p>
-                  </a:txBody>
-                  <a:tcPr/>
-                </a:tc>
-              </a:tr>
-              <a:tr h="370840">
-                <a:tc>
-                  <a:txBody>
-                    <a:bodyPr/>
-                    <a:lstStyle/>
-                    <a:p>
-                      <a:r>
-                        <a:rPr lang="de-DE" dirty="0" smtClean="0"/>
-                        <a:t>Ergebnisse</a:t>
-                      </a:r>
-                      <a:endParaRPr lang="de-DE" dirty="0"/>
-                    </a:p>
-                  </a:txBody>
-                  <a:tcPr/>
-                </a:tc>
-                <a:tc>
-                  <a:txBody>
-                    <a:bodyPr/>
-                    <a:lstStyle/>
-                    <a:p>
-                      <a:endParaRPr lang="de-DE" dirty="0"/>
-                    </a:p>
-                  </a:txBody>
-                  <a:tcPr/>
-                </a:tc>
-              </a:tr>
-              <a:tr h="370840">
-                <a:tc>
-                  <a:txBody>
-                    <a:bodyPr/>
-                    <a:lstStyle/>
-                    <a:p>
-                      <a:r>
-                        <a:rPr lang="de-DE" dirty="0" smtClean="0"/>
-                        <a:t>Use Cases</a:t>
-                      </a:r>
-                      <a:endParaRPr lang="de-DE" dirty="0"/>
-                    </a:p>
-                  </a:txBody>
-                  <a:tcPr/>
-                </a:tc>
-                <a:tc>
-                  <a:txBody>
-                    <a:bodyPr/>
-                    <a:lstStyle/>
-                    <a:p>
-                      <a:endParaRPr lang="de-DE" dirty="0"/>
-                    </a:p>
-                  </a:txBody>
-                  <a:tcPr/>
-                </a:tc>
-              </a:tr>
-              <a:tr h="370840">
-                <a:tc>
-                  <a:txBody>
-                    <a:bodyPr/>
-                    <a:lstStyle/>
-                    <a:p>
-                      <a:r>
-                        <a:rPr lang="de-DE" dirty="0" smtClean="0"/>
-                        <a:t>Risiken</a:t>
-                      </a:r>
-                      <a:endParaRPr lang="de-DE" dirty="0"/>
-                    </a:p>
-                  </a:txBody>
-                  <a:tcPr/>
-                </a:tc>
-                <a:tc>
-                  <a:txBody>
-                    <a:bodyPr/>
-                    <a:lstStyle/>
-                    <a:p>
-                      <a:endParaRPr lang="de-DE" dirty="0"/>
-                    </a:p>
-                  </a:txBody>
-                  <a:tcPr/>
-                </a:tc>
-              </a:tr>
-              <a:tr h="370840">
-                <a:tc>
-                  <a:txBody>
-                    <a:bodyPr/>
-                    <a:lstStyle/>
-                    <a:p>
-                      <a:r>
-                        <a:rPr lang="de-DE" dirty="0" smtClean="0"/>
-                        <a:t>Abweichungen</a:t>
-                      </a:r>
-                      <a:endParaRPr lang="de-DE" dirty="0"/>
-                    </a:p>
-                  </a:txBody>
-                  <a:tcPr/>
-                </a:tc>
-                <a:tc>
-                  <a:txBody>
-                    <a:bodyPr/>
-                    <a:lstStyle/>
-                    <a:p>
-                      <a:endParaRPr lang="de-DE" dirty="0"/>
-                    </a:p>
-                  </a:txBody>
-                  <a:tcPr/>
-                </a:tc>
-              </a:tr>
-            </a:tbl>
-          </a:graphicData>
-        </a:graphic>
-      </p:graphicFrame>
+        </p:nvPicPr>
+        <p:blipFill>
+          <a:blip r:embed="rId2" cstate="print"/>
+          <a:srcRect/>
+          <a:stretch>
+            <a:fillRect/>
+          </a:stretch>
+        </p:blipFill>
+        <p:spPr bwMode="auto">
+          <a:xfrm>
+            <a:off x="0" y="0"/>
+            <a:ext cx="9143999" cy="6858000"/>
+          </a:xfrm>
+          <a:prstGeom prst="rect">
+            <a:avLst/>
+          </a:prstGeom>
+          <a:noFill/>
+        </p:spPr>
+      </p:pic>
+      <p:sp>
+        <p:nvSpPr>
+          <p:cNvPr id="8" name="Content Placeholder 2"/>
+          <p:cNvSpPr txBox="1">
+            <a:spLocks/>
+          </p:cNvSpPr>
+          <p:nvPr/>
+        </p:nvSpPr>
+        <p:spPr>
+          <a:xfrm>
+            <a:off x="3071802" y="4000504"/>
+            <a:ext cx="5214974" cy="1357322"/>
+          </a:xfrm>
+          <a:prstGeom prst="rect">
+            <a:avLst/>
+          </a:prstGeom>
+        </p:spPr>
+        <p:txBody>
+          <a:bodyPr vert="horz" lIns="91440" tIns="45720" rIns="91440" bIns="45720" rtlCol="0">
+            <a:noAutofit/>
+          </a:bodyPr>
+          <a:lstStyle/>
+          <a:p>
+            <a:pPr marL="514350" marR="0" lvl="0" indent="-514350" algn="ctr" defTabSz="914400" rtl="0" eaLnBrk="1" fontAlgn="auto" latinLnBrk="0" hangingPunct="1">
+              <a:lnSpc>
+                <a:spcPct val="100000"/>
+              </a:lnSpc>
+              <a:spcBef>
+                <a:spcPct val="20000"/>
+              </a:spcBef>
+              <a:spcAft>
+                <a:spcPts val="0"/>
+              </a:spcAft>
+              <a:buClrTx/>
+              <a:buSzTx/>
+              <a:buFont typeface="Arial" pitchFamily="34" charset="0"/>
+              <a:buNone/>
+              <a:tabLst/>
+              <a:defRPr/>
+            </a:pPr>
+            <a:r>
+              <a:rPr kumimoji="0" lang="de-DE" sz="3200" b="1" i="0" u="none" strike="noStrike" kern="1200" cap="none" spc="0" normalizeH="0" baseline="0" noProof="0" smtClean="0">
+                <a:ln>
+                  <a:noFill/>
+                </a:ln>
+                <a:solidFill>
+                  <a:schemeClr val="bg1"/>
+                </a:solidFill>
+                <a:effectLst/>
+                <a:uLnTx/>
+                <a:uFillTx/>
+                <a:latin typeface="Kozuka Gothic Pro L" pitchFamily="34" charset="-128"/>
+                <a:ea typeface="Kozuka Gothic Pro L" pitchFamily="34" charset="-128"/>
+                <a:cs typeface="+mn-cs"/>
+              </a:rPr>
+              <a:t>Danke Für Eure Aufmerksamkeit!</a:t>
+            </a:r>
+            <a:endParaRPr kumimoji="0" lang="de-DE" sz="3200" b="1" i="0" u="none" strike="noStrike" kern="1200" cap="none" spc="0" normalizeH="0" baseline="0" noProof="0" dirty="0">
+              <a:ln>
+                <a:noFill/>
+              </a:ln>
+              <a:solidFill>
+                <a:schemeClr val="bg1"/>
+              </a:solidFill>
+              <a:effectLst/>
+              <a:uLnTx/>
+              <a:uFillTx/>
+              <a:latin typeface="Kozuka Gothic Pro L" pitchFamily="34" charset="-128"/>
+              <a:ea typeface="Kozuka Gothic Pro L" pitchFamily="34" charset="-128"/>
+              <a:cs typeface="+mn-cs"/>
+            </a:endParaRPr>
+          </a:p>
+        </p:txBody>
+      </p:sp>
     </p:spTree>
   </p:cSld>
   <p:clrMapOvr>
@@ -5099,10 +7625,18 @@
           <a:lstStyle/>
           <a:p>
             <a:r>
-              <a:rPr lang="de-DE" dirty="0" smtClean="0"/>
+              <a:rPr lang="de-DE" b="1" dirty="0" smtClean="0">
+                <a:solidFill>
+                  <a:srgbClr val="49B9B1"/>
+                </a:solidFill>
+              </a:rPr>
               <a:t>Projektidee</a:t>
             </a:r>
-            <a:endParaRPr lang="de-DE" dirty="0"/>
+            <a:endParaRPr lang="de-DE" b="1" dirty="0">
+              <a:solidFill>
+                <a:srgbClr val="49B9B1"/>
+              </a:solidFill>
+            </a:endParaRPr>
           </a:p>
         </p:txBody>
       </p:sp>
@@ -5134,7 +7668,11 @@
               <a:t>„Eine </a:t>
             </a:r>
             <a:r>
-              <a:rPr lang="de-DE" b="1" dirty="0" smtClean="0"/>
+              <a:rPr lang="de-DE" b="1" dirty="0" smtClean="0">
+                <a:solidFill>
+                  <a:srgbClr val="EF7B6E"/>
+                </a:solidFill>
+              </a:rPr>
               <a:t>Webseite</a:t>
             </a:r>
             <a:r>
@@ -5142,7 +7680,11 @@
               <a:t> für </a:t>
             </a:r>
             <a:r>
-              <a:rPr lang="de-DE" b="1" dirty="0" smtClean="0"/>
+              <a:rPr lang="de-DE" b="1" dirty="0" smtClean="0">
+                <a:solidFill>
+                  <a:srgbClr val="EF7B6E"/>
+                </a:solidFill>
+              </a:rPr>
               <a:t>Psychologen</a:t>
             </a:r>
             <a:r>
@@ -5150,7 +7692,11 @@
               <a:t> und </a:t>
             </a:r>
             <a:r>
-              <a:rPr lang="de-DE" b="1" dirty="0" smtClean="0"/>
+              <a:rPr lang="de-DE" b="1" dirty="0" smtClean="0">
+                <a:solidFill>
+                  <a:srgbClr val="EF7B6E"/>
+                </a:solidFill>
+              </a:rPr>
               <a:t>Patienten </a:t>
             </a:r>
           </a:p>
@@ -5168,7 +7714,11 @@
               <a:buNone/>
             </a:pPr>
             <a:r>
-              <a:rPr lang="de-DE" b="1" dirty="0" smtClean="0"/>
+              <a:rPr lang="de-DE" b="1" dirty="0" smtClean="0">
+                <a:solidFill>
+                  <a:srgbClr val="EF7B6E"/>
+                </a:solidFill>
+              </a:rPr>
               <a:t>Stimmung</a:t>
             </a:r>
             <a:r>
@@ -5185,7 +7735,11 @@
               <a:t>und der Psychologe die </a:t>
             </a:r>
             <a:r>
-              <a:rPr lang="de-DE" b="1" dirty="0" smtClean="0"/>
+              <a:rPr lang="de-DE" b="1" dirty="0" smtClean="0">
+                <a:solidFill>
+                  <a:srgbClr val="EF7B6E"/>
+                </a:solidFill>
+              </a:rPr>
               <a:t>Ergbenisse</a:t>
             </a:r>
             <a:r>
@@ -5202,6 +7756,76 @@
               <a:t>einsehen kann.“</a:t>
             </a:r>
             <a:endParaRPr lang="de-DE" dirty="0"/>
+          </a:p>
+        </p:txBody>
+      </p:sp>
+      <p:sp>
+        <p:nvSpPr>
+          <p:cNvPr id="4" name="Slide Number Placeholder 3"/>
+          <p:cNvSpPr>
+            <a:spLocks noGrp="1"/>
+          </p:cNvSpPr>
+          <p:nvPr>
+            <p:ph type="sldNum" sz="quarter" idx="12"/>
+          </p:nvPr>
+        </p:nvSpPr>
+        <p:spPr/>
+        <p:txBody>
+          <a:bodyPr/>
+          <a:lstStyle/>
+          <a:p>
+            <a:fld id="{76D67895-9CD9-4983-83EC-F60E121908DF}" type="slidenum">
+              <a:rPr lang="de-DE" smtClean="0"/>
+              <a:pPr/>
+              <a:t>3</a:t>
+            </a:fld>
+            <a:endParaRPr lang="de-DE"/>
+          </a:p>
+        </p:txBody>
+      </p:sp>
+      <p:sp>
+        <p:nvSpPr>
+          <p:cNvPr id="5" name="Date Placeholder 4"/>
+          <p:cNvSpPr>
+            <a:spLocks noGrp="1"/>
+          </p:cNvSpPr>
+          <p:nvPr>
+            <p:ph type="dt" sz="half" idx="10"/>
+          </p:nvPr>
+        </p:nvSpPr>
+        <p:spPr/>
+        <p:txBody>
+          <a:bodyPr/>
+          <a:lstStyle/>
+          <a:p>
+            <a:fld id="{2FC3C7A9-FC68-4D3B-93D2-03021D803582}" type="datetime1">
+              <a:rPr lang="de-DE" smtClean="0"/>
+              <a:t>04.07.2019</a:t>
+            </a:fld>
+            <a:endParaRPr lang="de-DE"/>
+          </a:p>
+        </p:txBody>
+      </p:sp>
+      <p:sp>
+        <p:nvSpPr>
+          <p:cNvPr id="6" name="Footer Placeholder 5"/>
+          <p:cNvSpPr>
+            <a:spLocks noGrp="1"/>
+          </p:cNvSpPr>
+          <p:nvPr>
+            <p:ph type="ftr" sz="quarter" idx="11"/>
+          </p:nvPr>
+        </p:nvSpPr>
+        <p:spPr/>
+        <p:txBody>
+          <a:bodyPr/>
+          <a:lstStyle/>
+          <a:p>
+            <a:r>
+              <a:rPr lang="de-DE" smtClean="0"/>
+              <a:t>E-Mood-Tracker</a:t>
+            </a:r>
+            <a:endParaRPr lang="de-DE"/>
           </a:p>
         </p:txBody>
       </p:sp>
@@ -5246,120 +7870,169 @@
           <a:lstStyle/>
           <a:p>
             <a:r>
+              <a:rPr lang="de-DE" b="1" dirty="0" smtClean="0">
+                <a:solidFill>
+                  <a:srgbClr val="49B9B1"/>
+                </a:solidFill>
+              </a:rPr>
+              <a:t>Anforderungen</a:t>
+            </a:r>
+            <a:endParaRPr lang="de-DE" b="1" dirty="0">
+              <a:solidFill>
+                <a:srgbClr val="49B9B1"/>
+              </a:solidFill>
+            </a:endParaRPr>
+          </a:p>
+        </p:txBody>
+      </p:sp>
+      <p:sp>
+        <p:nvSpPr>
+          <p:cNvPr id="3" name="Content Placeholder 2"/>
+          <p:cNvSpPr>
+            <a:spLocks noGrp="1"/>
+          </p:cNvSpPr>
+          <p:nvPr>
+            <p:ph idx="1"/>
+          </p:nvPr>
+        </p:nvSpPr>
+        <p:spPr/>
+        <p:txBody>
+          <a:bodyPr>
+            <a:normAutofit fontScale="92500"/>
+          </a:bodyPr>
+          <a:lstStyle/>
+          <a:p>
+            <a:pPr>
+              <a:buNone/>
+            </a:pPr>
+            <a:r>
+              <a:rPr lang="de-DE" b="1" dirty="0" smtClean="0"/>
+              <a:t>Psychologe:</a:t>
+            </a:r>
+          </a:p>
+          <a:p>
+            <a:pPr marL="514350" indent="-514350">
+              <a:buAutoNum type="arabicPeriod"/>
+            </a:pPr>
+            <a:r>
               <a:rPr lang="de-DE" dirty="0" smtClean="0"/>
-              <a:t>Ergebnisse</a:t>
-            </a:r>
-            <a:endParaRPr lang="de-DE" dirty="0"/>
-          </a:p>
-        </p:txBody>
-      </p:sp>
-      <p:pic>
-        <p:nvPicPr>
-          <p:cNvPr id="1026" name="Picture 2" descr="D:\Documents\Dropbox\E-Health SS19\Bilder\Mockups\01_Login.png"/>
-          <p:cNvPicPr>
-            <a:picLocks noChangeAspect="1" noChangeArrowheads="1"/>
-          </p:cNvPicPr>
-          <p:nvPr/>
-        </p:nvPicPr>
-        <p:blipFill>
-          <a:blip r:embed="rId2" cstate="print"/>
-          <a:srcRect/>
-          <a:stretch>
-            <a:fillRect/>
-          </a:stretch>
-        </p:blipFill>
-        <p:spPr bwMode="auto">
-          <a:xfrm>
-            <a:off x="428596" y="1857364"/>
-            <a:ext cx="3725702" cy="2786082"/>
-          </a:xfrm>
-          <a:prstGeom prst="rect">
-            <a:avLst/>
-          </a:prstGeom>
-          <a:noFill/>
-        </p:spPr>
-      </p:pic>
-      <p:sp>
-        <p:nvSpPr>
-          <p:cNvPr id="5" name="TextBox 4"/>
-          <p:cNvSpPr txBox="1"/>
-          <p:nvPr/>
-        </p:nvSpPr>
-        <p:spPr>
-          <a:xfrm>
-            <a:off x="1285852" y="4786322"/>
-            <a:ext cx="1565108" cy="369332"/>
-          </a:xfrm>
-          <a:prstGeom prst="rect">
-            <a:avLst/>
-          </a:prstGeom>
-          <a:noFill/>
-        </p:spPr>
-        <p:txBody>
-          <a:bodyPr wrap="none" rtlCol="0">
-            <a:spAutoFit/>
-          </a:bodyPr>
-          <a:lstStyle/>
-          <a:p>
+              <a:t>Soll Patientenlogins- und Daten anlegen.</a:t>
+            </a:r>
+          </a:p>
+          <a:p>
+            <a:pPr marL="514350" indent="-514350">
+              <a:buAutoNum type="arabicPeriod"/>
+            </a:pPr>
             <a:r>
               <a:rPr lang="de-DE" dirty="0" smtClean="0"/>
-              <a:t>Mockup: Login</a:t>
-            </a:r>
-            <a:endParaRPr lang="de-DE" dirty="0"/>
-          </a:p>
-        </p:txBody>
-      </p:sp>
-      <p:pic>
-        <p:nvPicPr>
-          <p:cNvPr id="6" name="Picture 5" descr="login.PNG"/>
-          <p:cNvPicPr>
-            <a:picLocks noChangeAspect="1"/>
-          </p:cNvPicPr>
-          <p:nvPr/>
-        </p:nvPicPr>
-        <p:blipFill>
-          <a:blip r:embed="rId3" cstate="print"/>
-          <a:stretch>
-            <a:fillRect/>
-          </a:stretch>
-        </p:blipFill>
-        <p:spPr>
-          <a:xfrm>
-            <a:off x="4306048" y="1857364"/>
-            <a:ext cx="4799904" cy="2786082"/>
-          </a:xfrm>
-          <a:prstGeom prst="rect">
-            <a:avLst/>
-          </a:prstGeom>
-        </p:spPr>
-      </p:pic>
-      <p:sp>
-        <p:nvSpPr>
-          <p:cNvPr id="7" name="TextBox 6"/>
-          <p:cNvSpPr txBox="1"/>
-          <p:nvPr/>
-        </p:nvSpPr>
-        <p:spPr>
-          <a:xfrm>
-            <a:off x="5610948" y="4857760"/>
-            <a:ext cx="2241832" cy="369332"/>
-          </a:xfrm>
-          <a:prstGeom prst="rect">
-            <a:avLst/>
-          </a:prstGeom>
-          <a:noFill/>
-        </p:spPr>
-        <p:txBody>
-          <a:bodyPr wrap="none" rtlCol="0">
-            <a:spAutoFit/>
-          </a:bodyPr>
-          <a:lstStyle/>
-          <a:p>
+              <a:t>Kann Stimmungstagebücher abrufen und Notizen hinzufügen.</a:t>
+            </a:r>
+          </a:p>
+          <a:p>
+            <a:pPr marL="514350" indent="-514350">
+              <a:buNone/>
+            </a:pPr>
+            <a:r>
+              <a:rPr lang="de-DE" b="1" dirty="0" smtClean="0"/>
+              <a:t>Patient:</a:t>
+            </a:r>
+          </a:p>
+          <a:p>
+            <a:pPr marL="514350" indent="-514350">
+              <a:buAutoNum type="arabicPeriod"/>
+            </a:pPr>
             <a:r>
               <a:rPr lang="de-DE" dirty="0" smtClean="0"/>
-              <a:t>Umgesetztes Ergebnis</a:t>
-            </a:r>
-            <a:endParaRPr lang="de-DE" dirty="0"/>
+              <a:t>Soll Tagebücher ausfüllen.</a:t>
+            </a:r>
+          </a:p>
+          <a:p>
+            <a:pPr marL="514350" indent="-514350">
+              <a:buAutoNum type="arabicPeriod"/>
+            </a:pPr>
+            <a:r>
+              <a:rPr lang="de-DE" dirty="0" smtClean="0"/>
+              <a:t>Soll Änderung der Medikation einsehen können.</a:t>
+            </a:r>
+          </a:p>
+          <a:p>
+            <a:pPr marL="514350" indent="-514350">
+              <a:buAutoNum type="arabicPeriod"/>
+            </a:pPr>
+            <a:r>
+              <a:rPr lang="de-DE" dirty="0" smtClean="0"/>
+              <a:t>Soll eigene Eingaben einsehen können.</a:t>
+            </a:r>
+          </a:p>
+        </p:txBody>
+      </p:sp>
+      <p:sp>
+        <p:nvSpPr>
+          <p:cNvPr id="4" name="Slide Number Placeholder 3"/>
+          <p:cNvSpPr>
+            <a:spLocks noGrp="1"/>
+          </p:cNvSpPr>
+          <p:nvPr>
+            <p:ph type="sldNum" sz="quarter" idx="12"/>
+          </p:nvPr>
+        </p:nvSpPr>
+        <p:spPr/>
+        <p:txBody>
+          <a:bodyPr/>
+          <a:lstStyle/>
+          <a:p>
+            <a:fld id="{76D67895-9CD9-4983-83EC-F60E121908DF}" type="slidenum">
+              <a:rPr lang="de-DE" smtClean="0"/>
+              <a:pPr/>
+              <a:t>4</a:t>
+            </a:fld>
+            <a:endParaRPr lang="de-DE"/>
+          </a:p>
+        </p:txBody>
+      </p:sp>
+      <p:sp>
+        <p:nvSpPr>
+          <p:cNvPr id="5" name="Date Placeholder 4"/>
+          <p:cNvSpPr>
+            <a:spLocks noGrp="1"/>
+          </p:cNvSpPr>
+          <p:nvPr>
+            <p:ph type="dt" sz="half" idx="10"/>
+          </p:nvPr>
+        </p:nvSpPr>
+        <p:spPr/>
+        <p:txBody>
+          <a:bodyPr/>
+          <a:lstStyle/>
+          <a:p>
+            <a:fld id="{E318E7FA-36D1-4142-9F02-4C14F273D728}" type="datetime1">
+              <a:rPr lang="de-DE" smtClean="0"/>
+              <a:t>04.07.2019</a:t>
+            </a:fld>
+            <a:endParaRPr lang="de-DE"/>
+          </a:p>
+        </p:txBody>
+      </p:sp>
+      <p:sp>
+        <p:nvSpPr>
+          <p:cNvPr id="6" name="Footer Placeholder 5"/>
+          <p:cNvSpPr>
+            <a:spLocks noGrp="1"/>
+          </p:cNvSpPr>
+          <p:nvPr>
+            <p:ph type="ftr" sz="quarter" idx="11"/>
+          </p:nvPr>
+        </p:nvSpPr>
+        <p:spPr/>
+        <p:txBody>
+          <a:bodyPr/>
+          <a:lstStyle/>
+          <a:p>
+            <a:r>
+              <a:rPr lang="de-DE" smtClean="0"/>
+              <a:t>E-Mood-Tracker</a:t>
+            </a:r>
+            <a:endParaRPr lang="de-DE"/>
           </a:p>
         </p:txBody>
       </p:sp>
@@ -5404,124 +8077,175 @@
           <a:lstStyle/>
           <a:p>
             <a:r>
-              <a:rPr lang="de-DE" dirty="0" smtClean="0"/>
-              <a:t>Ergebnisse</a:t>
-            </a:r>
+              <a:rPr lang="de-DE" b="1" dirty="0" smtClean="0">
+                <a:solidFill>
+                  <a:srgbClr val="49B9B1"/>
+                </a:solidFill>
+              </a:rPr>
+              <a:t>Anforderungen</a:t>
+            </a:r>
+            <a:endParaRPr lang="de-DE" b="1" dirty="0">
+              <a:solidFill>
+                <a:srgbClr val="49B9B1"/>
+              </a:solidFill>
+            </a:endParaRPr>
+          </a:p>
+        </p:txBody>
+      </p:sp>
+      <p:sp>
+        <p:nvSpPr>
+          <p:cNvPr id="3" name="Content Placeholder 2"/>
+          <p:cNvSpPr>
+            <a:spLocks noGrp="1"/>
+          </p:cNvSpPr>
+          <p:nvPr>
+            <p:ph idx="1"/>
+          </p:nvPr>
+        </p:nvSpPr>
+        <p:spPr/>
+        <p:txBody>
+          <a:bodyPr>
+            <a:normAutofit fontScale="62500" lnSpcReduction="20000"/>
+          </a:bodyPr>
+          <a:lstStyle/>
+          <a:p>
+            <a:pPr>
+              <a:buNone/>
+            </a:pPr>
+            <a:r>
+              <a:rPr lang="de-DE" sz="4500" b="1" dirty="0" smtClean="0"/>
+              <a:t>Webseite:</a:t>
+            </a:r>
+          </a:p>
+          <a:p>
+            <a:pPr marL="514350" lvl="0" indent="-514350">
+              <a:buFont typeface="+mj-lt"/>
+              <a:buAutoNum type="arabicPeriod"/>
+            </a:pPr>
+            <a:r>
+              <a:rPr lang="de-DE" sz="4500" dirty="0" smtClean="0"/>
+              <a:t>Soll </a:t>
+            </a:r>
+            <a:r>
+              <a:rPr lang="de-DE" sz="4500" dirty="0" smtClean="0"/>
+              <a:t>die Änderungen der Medikation für Patienten und Psychologen im Diagramm anzeigen.</a:t>
+            </a:r>
+          </a:p>
+          <a:p>
+            <a:pPr marL="514350" lvl="0" indent="-514350">
+              <a:buFont typeface="+mj-lt"/>
+              <a:buAutoNum type="arabicPeriod"/>
+            </a:pPr>
+            <a:r>
+              <a:rPr lang="de-DE" sz="4500" dirty="0" smtClean="0"/>
+              <a:t>Die Daten der Fragebögen sollen als Diagramme dargestellt werden.</a:t>
+            </a:r>
+          </a:p>
+          <a:p>
+            <a:pPr marL="514350" lvl="0" indent="-514350">
+              <a:buFont typeface="+mj-lt"/>
+              <a:buAutoNum type="arabicPeriod"/>
+            </a:pPr>
+            <a:r>
+              <a:rPr lang="de-DE" sz="4500" dirty="0" smtClean="0"/>
+              <a:t>Besitzt zwei Rollen: Psychologe und Patient.</a:t>
+            </a:r>
+          </a:p>
+          <a:p>
+            <a:pPr marL="514350" lvl="0" indent="-514350">
+              <a:buFont typeface="+mj-lt"/>
+              <a:buAutoNum type="arabicPeriod"/>
+            </a:pPr>
+            <a:r>
+              <a:rPr lang="de-DE" sz="4500" dirty="0" smtClean="0"/>
+              <a:t>Erlaubt den Rollen durch spezifische Überprüfung der Anmeldedaten die Weiterleitung zur Webseite.</a:t>
+            </a:r>
+          </a:p>
+          <a:p>
+            <a:pPr marL="514350" lvl="0" indent="-514350">
+              <a:buFont typeface="+mj-lt"/>
+              <a:buAutoNum type="arabicPeriod"/>
+            </a:pPr>
+            <a:r>
+              <a:rPr lang="de-DE" sz="4500" dirty="0" smtClean="0"/>
+              <a:t>Soll den Patienten benachrichtigen sobald eine Änderung vom Psychologen vorgenommen wurde.</a:t>
+            </a:r>
+          </a:p>
+          <a:p>
+            <a:pPr>
+              <a:buNone/>
+            </a:pPr>
             <a:endParaRPr lang="de-DE" dirty="0"/>
           </a:p>
         </p:txBody>
       </p:sp>
       <p:sp>
         <p:nvSpPr>
-          <p:cNvPr id="5" name="TextBox 4"/>
-          <p:cNvSpPr txBox="1"/>
-          <p:nvPr/>
-        </p:nvSpPr>
-        <p:spPr>
-          <a:xfrm>
-            <a:off x="285720" y="4643446"/>
-            <a:ext cx="3050772" cy="369332"/>
-          </a:xfrm>
-          <a:prstGeom prst="rect">
-            <a:avLst/>
-          </a:prstGeom>
-          <a:noFill/>
-        </p:spPr>
-        <p:txBody>
-          <a:bodyPr wrap="none" rtlCol="0">
-            <a:spAutoFit/>
-          </a:bodyPr>
-          <a:lstStyle/>
-          <a:p>
-            <a:r>
-              <a:rPr lang="de-DE" dirty="0" smtClean="0"/>
-              <a:t>Mockup: Startseite Psychologe</a:t>
-            </a:r>
-            <a:endParaRPr lang="de-DE" dirty="0"/>
-          </a:p>
-        </p:txBody>
-      </p:sp>
-      <p:pic>
-        <p:nvPicPr>
-          <p:cNvPr id="2050" name="Picture 2" descr="D:\Documents\Dropbox\E-Health SS19\Bilder\Mockups\02_Startseite_Psych.png"/>
-          <p:cNvPicPr>
-            <a:picLocks noChangeAspect="1" noChangeArrowheads="1"/>
-          </p:cNvPicPr>
-          <p:nvPr/>
-        </p:nvPicPr>
-        <p:blipFill>
-          <a:blip r:embed="rId2" cstate="print"/>
-          <a:srcRect/>
-          <a:stretch>
-            <a:fillRect/>
-          </a:stretch>
-        </p:blipFill>
-        <p:spPr bwMode="auto">
-          <a:xfrm>
-            <a:off x="142844" y="1714488"/>
-            <a:ext cx="3714776" cy="2786082"/>
-          </a:xfrm>
-          <a:prstGeom prst="rect">
-            <a:avLst/>
-          </a:prstGeom>
-          <a:noFill/>
-        </p:spPr>
-      </p:pic>
-      <p:pic>
-        <p:nvPicPr>
-          <p:cNvPr id="6" name="Picture 5" descr="startseite.PNG"/>
-          <p:cNvPicPr>
-            <a:picLocks noChangeAspect="1"/>
-          </p:cNvPicPr>
-          <p:nvPr/>
-        </p:nvPicPr>
-        <p:blipFill>
-          <a:blip r:embed="rId3" cstate="print"/>
-          <a:stretch>
-            <a:fillRect/>
-          </a:stretch>
-        </p:blipFill>
-        <p:spPr>
-          <a:xfrm>
-            <a:off x="4000496" y="1785926"/>
-            <a:ext cx="5282652" cy="1928826"/>
-          </a:xfrm>
-          <a:prstGeom prst="rect">
-            <a:avLst/>
-          </a:prstGeom>
-        </p:spPr>
-      </p:pic>
-      <p:sp>
-        <p:nvSpPr>
-          <p:cNvPr id="7" name="TextBox 6"/>
-          <p:cNvSpPr txBox="1"/>
-          <p:nvPr/>
-        </p:nvSpPr>
-        <p:spPr>
-          <a:xfrm>
-            <a:off x="5279406" y="4714884"/>
-            <a:ext cx="2241832" cy="369332"/>
-          </a:xfrm>
-          <a:prstGeom prst="rect">
-            <a:avLst/>
-          </a:prstGeom>
-          <a:noFill/>
-        </p:spPr>
-        <p:txBody>
-          <a:bodyPr wrap="none" rtlCol="0">
-            <a:spAutoFit/>
-          </a:bodyPr>
-          <a:lstStyle/>
-          <a:p>
-            <a:r>
-              <a:rPr lang="de-DE" dirty="0" smtClean="0"/>
-              <a:t>Umgesetztes </a:t>
-            </a:r>
-            <a:r>
-              <a:rPr lang="de-DE" dirty="0" smtClean="0"/>
-              <a:t>Ergebnis</a:t>
-            </a:r>
-            <a:endParaRPr lang="de-DE" dirty="0"/>
+          <p:cNvPr id="4" name="Slide Number Placeholder 3"/>
+          <p:cNvSpPr>
+            <a:spLocks noGrp="1"/>
+          </p:cNvSpPr>
+          <p:nvPr>
+            <p:ph type="sldNum" sz="quarter" idx="12"/>
+          </p:nvPr>
+        </p:nvSpPr>
+        <p:spPr/>
+        <p:txBody>
+          <a:bodyPr/>
+          <a:lstStyle/>
+          <a:p>
+            <a:fld id="{76D67895-9CD9-4983-83EC-F60E121908DF}" type="slidenum">
+              <a:rPr lang="de-DE" smtClean="0"/>
+              <a:pPr/>
+              <a:t>5</a:t>
+            </a:fld>
+            <a:endParaRPr lang="de-DE"/>
+          </a:p>
+        </p:txBody>
+      </p:sp>
+      <p:sp>
+        <p:nvSpPr>
+          <p:cNvPr id="5" name="Date Placeholder 4"/>
+          <p:cNvSpPr>
+            <a:spLocks noGrp="1"/>
+          </p:cNvSpPr>
+          <p:nvPr>
+            <p:ph type="dt" sz="half" idx="10"/>
+          </p:nvPr>
+        </p:nvSpPr>
+        <p:spPr/>
+        <p:txBody>
+          <a:bodyPr/>
+          <a:lstStyle/>
+          <a:p>
+            <a:fld id="{90DA6A1B-D9BF-43F1-9792-3C001F4D6FD6}" type="datetime1">
+              <a:rPr lang="de-DE" smtClean="0"/>
+              <a:t>04.07.2019</a:t>
+            </a:fld>
+            <a:endParaRPr lang="de-DE"/>
+          </a:p>
+        </p:txBody>
+      </p:sp>
+      <p:sp>
+        <p:nvSpPr>
+          <p:cNvPr id="6" name="Footer Placeholder 5"/>
+          <p:cNvSpPr>
+            <a:spLocks noGrp="1"/>
+          </p:cNvSpPr>
+          <p:nvPr>
+            <p:ph type="ftr" sz="quarter" idx="11"/>
+          </p:nvPr>
+        </p:nvSpPr>
+        <p:spPr/>
+        <p:txBody>
+          <a:bodyPr/>
+          <a:lstStyle/>
+          <a:p>
+            <a:r>
+              <a:rPr lang="de-DE" smtClean="0"/>
+              <a:t>E-Mood-Tracker</a:t>
+            </a:r>
+            <a:endParaRPr lang="de-DE"/>
           </a:p>
         </p:txBody>
       </p:sp>
@@ -5566,8 +8290,62 @@
           <a:lstStyle/>
           <a:p>
             <a:r>
+              <a:rPr lang="de-DE" b="1" dirty="0" smtClean="0">
+                <a:solidFill>
+                  <a:srgbClr val="49B9B1"/>
+                </a:solidFill>
+              </a:rPr>
+              <a:t>Anforderungen</a:t>
+            </a:r>
+            <a:endParaRPr lang="de-DE" b="1" dirty="0">
+              <a:solidFill>
+                <a:srgbClr val="49B9B1"/>
+              </a:solidFill>
+            </a:endParaRPr>
+          </a:p>
+        </p:txBody>
+      </p:sp>
+      <p:sp>
+        <p:nvSpPr>
+          <p:cNvPr id="3" name="Content Placeholder 2"/>
+          <p:cNvSpPr>
+            <a:spLocks noGrp="1"/>
+          </p:cNvSpPr>
+          <p:nvPr>
+            <p:ph idx="1"/>
+          </p:nvPr>
+        </p:nvSpPr>
+        <p:spPr/>
+        <p:txBody>
+          <a:bodyPr/>
+          <a:lstStyle/>
+          <a:p>
+            <a:pPr>
+              <a:buNone/>
+            </a:pPr>
+            <a:r>
+              <a:rPr lang="de-DE" b="1" dirty="0" smtClean="0"/>
+              <a:t>Sicherheit der Daten:</a:t>
+            </a:r>
+          </a:p>
+          <a:p>
+            <a:pPr marL="514350" lvl="0" indent="-514350">
+              <a:buFont typeface="+mj-lt"/>
+              <a:buAutoNum type="arabicPeriod"/>
+            </a:pPr>
+            <a:r>
               <a:rPr lang="de-DE" dirty="0" smtClean="0"/>
-              <a:t>Ergebnisse</a:t>
+              <a:t>Die Daten der Patienten sollen  verschlüsselt werden und in einer Datenbank verwaltet werden.</a:t>
+            </a:r>
+          </a:p>
+          <a:p>
+            <a:pPr marL="514350" indent="-514350">
+              <a:buFont typeface="+mj-lt"/>
+              <a:buAutoNum type="arabicPeriod"/>
+            </a:pPr>
+            <a:r>
+              <a:rPr lang="de-DE" dirty="0" smtClean="0"/>
+              <a:t>Nur bestimme Personen dürfen auf bestimmte Daten zugreifen.</a:t>
             </a:r>
             <a:endParaRPr lang="de-DE" dirty="0"/>
           </a:p>
@@ -5575,115 +8353,71 @@
       </p:sp>
       <p:sp>
         <p:nvSpPr>
-          <p:cNvPr id="5" name="TextBox 4"/>
-          <p:cNvSpPr txBox="1"/>
-          <p:nvPr/>
-        </p:nvSpPr>
-        <p:spPr>
-          <a:xfrm>
-            <a:off x="3714744" y="1428736"/>
-            <a:ext cx="2523832" cy="369332"/>
-          </a:xfrm>
-          <a:prstGeom prst="rect">
-            <a:avLst/>
-          </a:prstGeom>
-          <a:noFill/>
-        </p:spPr>
-        <p:txBody>
-          <a:bodyPr wrap="none" rtlCol="0">
-            <a:spAutoFit/>
-          </a:bodyPr>
-          <a:lstStyle/>
-          <a:p>
-            <a:r>
-              <a:rPr lang="de-DE" dirty="0" smtClean="0"/>
-              <a:t>Mockup: Patient anlegen</a:t>
-            </a:r>
-            <a:endParaRPr lang="de-DE" dirty="0"/>
-          </a:p>
-        </p:txBody>
-      </p:sp>
-      <p:pic>
-        <p:nvPicPr>
-          <p:cNvPr id="4098" name="Picture 2" descr="D:\Documents\Dropbox\E-Health SS19\Bilder\Mockups\04_Patient_anlegen.png"/>
-          <p:cNvPicPr>
-            <a:picLocks noChangeAspect="1" noChangeArrowheads="1"/>
-          </p:cNvPicPr>
-          <p:nvPr/>
-        </p:nvPicPr>
-        <p:blipFill>
-          <a:blip r:embed="rId2" cstate="print"/>
-          <a:srcRect/>
-          <a:stretch>
-            <a:fillRect/>
-          </a:stretch>
-        </p:blipFill>
-        <p:spPr bwMode="auto">
-          <a:xfrm>
-            <a:off x="142844" y="1428736"/>
-            <a:ext cx="3571900" cy="2679800"/>
-          </a:xfrm>
-          <a:prstGeom prst="rect">
-            <a:avLst/>
-          </a:prstGeom>
-          <a:noFill/>
-        </p:spPr>
-      </p:pic>
-      <p:pic>
-        <p:nvPicPr>
-          <p:cNvPr id="6" name="Picture 5" descr="anlegen.PNG"/>
-          <p:cNvPicPr>
-            <a:picLocks noChangeAspect="1"/>
-          </p:cNvPicPr>
-          <p:nvPr/>
-        </p:nvPicPr>
-        <p:blipFill>
-          <a:blip r:embed="rId3" cstate="print"/>
-          <a:stretch>
-            <a:fillRect/>
-          </a:stretch>
-        </p:blipFill>
-        <p:spPr>
-          <a:xfrm>
-            <a:off x="3077451" y="4214818"/>
-            <a:ext cx="5872516" cy="2571768"/>
-          </a:xfrm>
-          <a:prstGeom prst="rect">
-            <a:avLst/>
-          </a:prstGeom>
-        </p:spPr>
-      </p:pic>
-      <p:sp>
-        <p:nvSpPr>
-          <p:cNvPr id="7" name="TextBox 6"/>
-          <p:cNvSpPr txBox="1"/>
-          <p:nvPr/>
-        </p:nvSpPr>
-        <p:spPr>
-          <a:xfrm>
-            <a:off x="142844" y="6357958"/>
-            <a:ext cx="2241832" cy="369332"/>
-          </a:xfrm>
-          <a:prstGeom prst="rect">
-            <a:avLst/>
-          </a:prstGeom>
-          <a:noFill/>
-        </p:spPr>
-        <p:txBody>
-          <a:bodyPr wrap="none" rtlCol="0">
-            <a:spAutoFit/>
-          </a:bodyPr>
-          <a:lstStyle/>
-          <a:p>
-            <a:r>
-              <a:rPr lang="de-DE" dirty="0" smtClean="0"/>
-              <a:t>Umgesetztes </a:t>
-            </a:r>
-            <a:r>
-              <a:rPr lang="de-DE" dirty="0" smtClean="0"/>
-              <a:t>Ergebnis</a:t>
-            </a:r>
-            <a:endParaRPr lang="de-DE" dirty="0"/>
+          <p:cNvPr id="4" name="Slide Number Placeholder 3"/>
+          <p:cNvSpPr>
+            <a:spLocks noGrp="1"/>
+          </p:cNvSpPr>
+          <p:nvPr>
+            <p:ph type="sldNum" sz="quarter" idx="12"/>
+          </p:nvPr>
+        </p:nvSpPr>
+        <p:spPr/>
+        <p:txBody>
+          <a:bodyPr/>
+          <a:lstStyle/>
+          <a:p>
+            <a:fld id="{76D67895-9CD9-4983-83EC-F60E121908DF}" type="slidenum">
+              <a:rPr lang="de-DE" smtClean="0"/>
+              <a:pPr/>
+              <a:t>6</a:t>
+            </a:fld>
+            <a:endParaRPr lang="de-DE"/>
+          </a:p>
+        </p:txBody>
+      </p:sp>
+      <p:sp>
+        <p:nvSpPr>
+          <p:cNvPr id="5" name="Date Placeholder 4"/>
+          <p:cNvSpPr>
+            <a:spLocks noGrp="1"/>
+          </p:cNvSpPr>
+          <p:nvPr>
+            <p:ph type="dt" sz="half" idx="10"/>
+          </p:nvPr>
+        </p:nvSpPr>
+        <p:spPr/>
+        <p:txBody>
+          <a:bodyPr/>
+          <a:lstStyle/>
+          <a:p>
+            <a:fld id="{58E10481-2D28-4B40-A527-6D37F033B756}" type="datetime1">
+              <a:rPr lang="de-DE" smtClean="0"/>
+              <a:t>04.07.2019</a:t>
+            </a:fld>
+            <a:endParaRPr lang="de-DE"/>
+          </a:p>
+        </p:txBody>
+      </p:sp>
+      <p:sp>
+        <p:nvSpPr>
+          <p:cNvPr id="6" name="Footer Placeholder 5"/>
+          <p:cNvSpPr>
+            <a:spLocks noGrp="1"/>
+          </p:cNvSpPr>
+          <p:nvPr>
+            <p:ph type="ftr" sz="quarter" idx="11"/>
+          </p:nvPr>
+        </p:nvSpPr>
+        <p:spPr/>
+        <p:txBody>
+          <a:bodyPr/>
+          <a:lstStyle/>
+          <a:p>
+            <a:r>
+              <a:rPr lang="de-DE" smtClean="0"/>
+              <a:t>E-Mood-Tracker</a:t>
+            </a:r>
+            <a:endParaRPr lang="de-DE"/>
           </a:p>
         </p:txBody>
       </p:sp>
@@ -5728,46 +8462,24 @@
           <a:lstStyle/>
           <a:p>
             <a:r>
-              <a:rPr lang="de-DE" dirty="0" smtClean="0"/>
-              <a:t>Ergebnisse</a:t>
-            </a:r>
-            <a:endParaRPr lang="de-DE" dirty="0"/>
-          </a:p>
-        </p:txBody>
-      </p:sp>
-      <p:sp>
-        <p:nvSpPr>
-          <p:cNvPr id="5" name="TextBox 4"/>
-          <p:cNvSpPr txBox="1"/>
-          <p:nvPr/>
-        </p:nvSpPr>
-        <p:spPr>
-          <a:xfrm>
-            <a:off x="642910" y="4643446"/>
-            <a:ext cx="2507225" cy="369332"/>
-          </a:xfrm>
-          <a:prstGeom prst="rect">
-            <a:avLst/>
-          </a:prstGeom>
-          <a:noFill/>
-        </p:spPr>
-        <p:txBody>
-          <a:bodyPr wrap="none" rtlCol="0">
-            <a:spAutoFit/>
-          </a:bodyPr>
-          <a:lstStyle/>
-          <a:p>
-            <a:r>
-              <a:rPr lang="de-DE" dirty="0" smtClean="0"/>
-              <a:t>Mockup: Patientensuche</a:t>
-            </a:r>
-            <a:endParaRPr lang="de-DE" dirty="0"/>
+              <a:rPr lang="de-DE" b="1" dirty="0" smtClean="0">
+                <a:solidFill>
+                  <a:srgbClr val="49B9B1"/>
+                </a:solidFill>
+              </a:rPr>
+              <a:t>Design</a:t>
+            </a:r>
+            <a:endParaRPr lang="de-DE" b="1" dirty="0">
+              <a:solidFill>
+                <a:srgbClr val="49B9B1"/>
+              </a:solidFill>
+            </a:endParaRPr>
           </a:p>
         </p:txBody>
       </p:sp>
       <p:pic>
         <p:nvPicPr>
-          <p:cNvPr id="1026" name="Picture 2" descr="D:\Documents\Dropbox\E-Health SS19\Bilder\Mockups\05_Patientensuche.png"/>
+          <p:cNvPr id="1026" name="Picture 2" descr="D:\Documents\Dropbox\E-Health SS19\Bilder\Mockups\01_Login.png"/>
           <p:cNvPicPr>
             <a:picLocks noChangeAspect="1" noChangeArrowheads="1"/>
           </p:cNvPicPr>
@@ -5782,8 +8494,8 @@
         </p:blipFill>
         <p:spPr bwMode="auto">
           <a:xfrm>
-            <a:off x="214282" y="1714488"/>
-            <a:ext cx="3786182" cy="2844273"/>
+            <a:off x="1714480" y="1500174"/>
+            <a:ext cx="5357850" cy="4006603"/>
           </a:xfrm>
           <a:prstGeom prst="rect">
             <a:avLst/>
@@ -5791,40 +8503,16 @@
           <a:noFill/>
         </p:spPr>
       </p:pic>
-      <p:pic>
-        <p:nvPicPr>
-          <p:cNvPr id="6" name="Picture 5" descr="suche.PNG"/>
-          <p:cNvPicPr>
-            <a:picLocks noChangeAspect="1"/>
-          </p:cNvPicPr>
+      <p:sp>
+        <p:nvSpPr>
+          <p:cNvPr id="5" name="TextBox 4"/>
+          <p:cNvSpPr txBox="1"/>
           <p:nvPr/>
-        </p:nvPicPr>
-        <p:blipFill>
-          <a:blip r:embed="rId3" cstate="print"/>
-          <a:stretch>
-            <a:fillRect/>
-          </a:stretch>
-        </p:blipFill>
+        </p:nvSpPr>
         <p:spPr>
           <a:xfrm>
-            <a:off x="4143372" y="1785926"/>
-            <a:ext cx="4849124" cy="2500330"/>
-          </a:xfrm>
-          <a:prstGeom prst="rect">
-            <a:avLst/>
-          </a:prstGeom>
-        </p:spPr>
-      </p:pic>
-      <p:sp>
-        <p:nvSpPr>
-          <p:cNvPr id="7" name="TextBox 6"/>
-          <p:cNvSpPr txBox="1"/>
-          <p:nvPr/>
-        </p:nvSpPr>
-        <p:spPr>
-          <a:xfrm>
-            <a:off x="5286380" y="4572008"/>
-            <a:ext cx="2241832" cy="369332"/>
+            <a:off x="3929058" y="5572140"/>
+            <a:ext cx="1565108" cy="369332"/>
           </a:xfrm>
           <a:prstGeom prst="rect">
             <a:avLst/>
@@ -5839,13 +8527,79 @@
           <a:p>
             <a:r>
               <a:rPr lang="de-DE" dirty="0" smtClean="0"/>
-              <a:t>Umgesetztes </a:t>
-            </a:r>
-            <a:r>
-              <a:rPr lang="de-DE" dirty="0" smtClean="0"/>
-              <a:t>Ergebnis</a:t>
+              <a:t>Mockup: Login</a:t>
             </a:r>
             <a:endParaRPr lang="de-DE" dirty="0"/>
+          </a:p>
+        </p:txBody>
+      </p:sp>
+      <p:sp>
+        <p:nvSpPr>
+          <p:cNvPr id="8" name="Slide Number Placeholder 7"/>
+          <p:cNvSpPr>
+            <a:spLocks noGrp="1"/>
+          </p:cNvSpPr>
+          <p:nvPr>
+            <p:ph type="sldNum" sz="quarter" idx="12"/>
+          </p:nvPr>
+        </p:nvSpPr>
+        <p:spPr/>
+        <p:txBody>
+          <a:bodyPr/>
+          <a:lstStyle/>
+          <a:p>
+            <a:fld id="{76D67895-9CD9-4983-83EC-F60E121908DF}" type="slidenum">
+              <a:rPr lang="de-DE" smtClean="0"/>
+              <a:pPr/>
+              <a:t>7</a:t>
+            </a:fld>
+            <a:endParaRPr lang="de-DE"/>
+          </a:p>
+        </p:txBody>
+      </p:sp>
+      <p:sp>
+        <p:nvSpPr>
+          <p:cNvPr id="9" name="Date Placeholder 8"/>
+          <p:cNvSpPr>
+            <a:spLocks noGrp="1"/>
+          </p:cNvSpPr>
+          <p:nvPr>
+            <p:ph type="dt" sz="half" idx="10"/>
+          </p:nvPr>
+        </p:nvSpPr>
+        <p:spPr/>
+        <p:txBody>
+          <a:bodyPr/>
+          <a:lstStyle/>
+          <a:p>
+            <a:fld id="{59605A1D-D077-41C5-A206-D927EEB1205B}" type="datetime1">
+              <a:rPr lang="de-DE" smtClean="0"/>
+              <a:t>04.07.2019</a:t>
+            </a:fld>
+            <a:endParaRPr lang="de-DE"/>
+          </a:p>
+        </p:txBody>
+      </p:sp>
+      <p:sp>
+        <p:nvSpPr>
+          <p:cNvPr id="10" name="Footer Placeholder 9"/>
+          <p:cNvSpPr>
+            <a:spLocks noGrp="1"/>
+          </p:cNvSpPr>
+          <p:nvPr>
+            <p:ph type="ftr" sz="quarter" idx="11"/>
+          </p:nvPr>
+        </p:nvSpPr>
+        <p:spPr/>
+        <p:txBody>
+          <a:bodyPr/>
+          <a:lstStyle/>
+          <a:p>
+            <a:r>
+              <a:rPr lang="de-DE" smtClean="0"/>
+              <a:t>E-Mood-Tracker</a:t>
+            </a:r>
+            <a:endParaRPr lang="de-DE"/>
           </a:p>
         </p:txBody>
       </p:sp>
@@ -5890,10 +8644,18 @@
           <a:lstStyle/>
           <a:p>
             <a:r>
-              <a:rPr lang="de-DE" dirty="0" smtClean="0"/>
-              <a:t>Ergebnisse</a:t>
-            </a:r>
-            <a:endParaRPr lang="de-DE" dirty="0"/>
+              <a:rPr lang="de-DE" b="1" dirty="0" smtClean="0">
+                <a:solidFill>
+                  <a:srgbClr val="49B9B1"/>
+                </a:solidFill>
+              </a:rPr>
+              <a:t>Design</a:t>
+            </a:r>
+            <a:endParaRPr lang="de-DE" b="1" dirty="0">
+              <a:solidFill>
+                <a:srgbClr val="49B9B1"/>
+              </a:solidFill>
+            </a:endParaRPr>
           </a:p>
         </p:txBody>
       </p:sp>
@@ -5905,8 +8667,8 @@
         </p:nvSpPr>
         <p:spPr>
           <a:xfrm>
-            <a:off x="1500166" y="4643446"/>
-            <a:ext cx="2343462" cy="369332"/>
+            <a:off x="3071802" y="5500702"/>
+            <a:ext cx="3050772" cy="369332"/>
           </a:xfrm>
           <a:prstGeom prst="rect">
             <a:avLst/>
@@ -5921,7 +8683,7 @@
           <a:p>
             <a:r>
               <a:rPr lang="de-DE" dirty="0" smtClean="0"/>
-              <a:t>Mockup: Patientenliste</a:t>
+              <a:t>Mockup: Startseite Psychologe</a:t>
             </a:r>
             <a:endParaRPr lang="de-DE" dirty="0"/>
           </a:p>
@@ -5929,7 +8691,7 @@
       </p:sp>
       <p:pic>
         <p:nvPicPr>
-          <p:cNvPr id="2050" name="Picture 2" descr="D:\Documents\Dropbox\E-Health SS19\Bilder\Mockups\06_Liste_gesuchter_patienten.png"/>
+          <p:cNvPr id="2050" name="Picture 2" descr="D:\Documents\Dropbox\E-Health SS19\Bilder\Mockups\02_Startseite_Psych.png"/>
           <p:cNvPicPr>
             <a:picLocks noChangeAspect="1" noChangeArrowheads="1"/>
           </p:cNvPicPr>
@@ -5944,8 +8706,8 @@
         </p:blipFill>
         <p:spPr bwMode="auto">
           <a:xfrm>
-            <a:off x="1000100" y="1857364"/>
-            <a:ext cx="3711134" cy="2786082"/>
+            <a:off x="1857356" y="1321577"/>
+            <a:ext cx="5500726" cy="4125546"/>
           </a:xfrm>
           <a:prstGeom prst="rect">
             <a:avLst/>
@@ -5953,6 +8715,76 @@
           <a:noFill/>
         </p:spPr>
       </p:pic>
+      <p:sp>
+        <p:nvSpPr>
+          <p:cNvPr id="8" name="Slide Number Placeholder 7"/>
+          <p:cNvSpPr>
+            <a:spLocks noGrp="1"/>
+          </p:cNvSpPr>
+          <p:nvPr>
+            <p:ph type="sldNum" sz="quarter" idx="12"/>
+          </p:nvPr>
+        </p:nvSpPr>
+        <p:spPr/>
+        <p:txBody>
+          <a:bodyPr/>
+          <a:lstStyle/>
+          <a:p>
+            <a:fld id="{76D67895-9CD9-4983-83EC-F60E121908DF}" type="slidenum">
+              <a:rPr lang="de-DE" smtClean="0"/>
+              <a:pPr/>
+              <a:t>8</a:t>
+            </a:fld>
+            <a:endParaRPr lang="de-DE"/>
+          </a:p>
+        </p:txBody>
+      </p:sp>
+      <p:sp>
+        <p:nvSpPr>
+          <p:cNvPr id="9" name="Date Placeholder 8"/>
+          <p:cNvSpPr>
+            <a:spLocks noGrp="1"/>
+          </p:cNvSpPr>
+          <p:nvPr>
+            <p:ph type="dt" sz="half" idx="10"/>
+          </p:nvPr>
+        </p:nvSpPr>
+        <p:spPr/>
+        <p:txBody>
+          <a:bodyPr/>
+          <a:lstStyle/>
+          <a:p>
+            <a:fld id="{ADCDD2A1-72B0-499B-A2FE-9250EF9EB2A8}" type="datetime1">
+              <a:rPr lang="de-DE" smtClean="0"/>
+              <a:t>04.07.2019</a:t>
+            </a:fld>
+            <a:endParaRPr lang="de-DE"/>
+          </a:p>
+        </p:txBody>
+      </p:sp>
+      <p:sp>
+        <p:nvSpPr>
+          <p:cNvPr id="10" name="Footer Placeholder 9"/>
+          <p:cNvSpPr>
+            <a:spLocks noGrp="1"/>
+          </p:cNvSpPr>
+          <p:nvPr>
+            <p:ph type="ftr" sz="quarter" idx="11"/>
+          </p:nvPr>
+        </p:nvSpPr>
+        <p:spPr/>
+        <p:txBody>
+          <a:bodyPr/>
+          <a:lstStyle/>
+          <a:p>
+            <a:r>
+              <a:rPr lang="de-DE" smtClean="0"/>
+              <a:t>E-Mood-Tracker</a:t>
+            </a:r>
+            <a:endParaRPr lang="de-DE"/>
+          </a:p>
+        </p:txBody>
+      </p:sp>
     </p:spTree>
   </p:cSld>
   <p:clrMapOvr>
@@ -5994,10 +8826,18 @@
           <a:lstStyle/>
           <a:p>
             <a:r>
-              <a:rPr lang="de-DE" dirty="0" smtClean="0"/>
-              <a:t>Ergebnisse</a:t>
-            </a:r>
-            <a:endParaRPr lang="de-DE" dirty="0"/>
+              <a:rPr lang="de-DE" b="1" dirty="0" smtClean="0">
+                <a:solidFill>
+                  <a:srgbClr val="49B9B1"/>
+                </a:solidFill>
+              </a:rPr>
+              <a:t>Design</a:t>
+            </a:r>
+            <a:endParaRPr lang="de-DE" b="1" dirty="0">
+              <a:solidFill>
+                <a:srgbClr val="49B9B1"/>
+              </a:solidFill>
+            </a:endParaRPr>
           </a:p>
         </p:txBody>
       </p:sp>
@@ -6009,8 +8849,8 @@
         </p:nvSpPr>
         <p:spPr>
           <a:xfrm>
-            <a:off x="3929058" y="1428736"/>
-            <a:ext cx="2868157" cy="369332"/>
+            <a:off x="3214678" y="5572140"/>
+            <a:ext cx="2523832" cy="369332"/>
           </a:xfrm>
           <a:prstGeom prst="rect">
             <a:avLst/>
@@ -6025,7 +8865,7 @@
           <a:p>
             <a:r>
               <a:rPr lang="de-DE" dirty="0" smtClean="0"/>
-              <a:t>Mockup: Statistik Tagebuch </a:t>
+              <a:t>Mockup: Patient anlegen</a:t>
             </a:r>
             <a:endParaRPr lang="de-DE" dirty="0"/>
           </a:p>
@@ -6033,7 +8873,7 @@
       </p:sp>
       <p:pic>
         <p:nvPicPr>
-          <p:cNvPr id="3074" name="Picture 2" descr="D:\Documents\Dropbox\E-Health SS19\Bilder\Mockups\07_Diagramm.png"/>
+          <p:cNvPr id="4098" name="Picture 2" descr="D:\Documents\Dropbox\E-Health SS19\Bilder\Mockups\04_Patient_anlegen.png"/>
           <p:cNvPicPr>
             <a:picLocks noChangeAspect="1" noChangeArrowheads="1"/>
           </p:cNvPicPr>
@@ -6048,8 +8888,8 @@
         </p:blipFill>
         <p:spPr bwMode="auto">
           <a:xfrm>
-            <a:off x="142844" y="1428736"/>
-            <a:ext cx="3786213" cy="2831333"/>
+            <a:off x="1643042" y="1357298"/>
+            <a:ext cx="5476570" cy="4108769"/>
           </a:xfrm>
           <a:prstGeom prst="rect">
             <a:avLst/>
@@ -6057,30 +8897,6 @@
           <a:noFill/>
         </p:spPr>
       </p:pic>
-      <p:pic>
-        <p:nvPicPr>
-          <p:cNvPr id="6" name="Picture 5" descr="diagramm.PNG"/>
-          <p:cNvPicPr>
-            <a:picLocks noChangeAspect="1"/>
-          </p:cNvPicPr>
-          <p:nvPr/>
-        </p:nvPicPr>
-        <p:blipFill>
-          <a:blip r:embed="rId3" cstate="print"/>
-          <a:stretch>
-            <a:fillRect/>
-          </a:stretch>
-        </p:blipFill>
-        <p:spPr>
-          <a:xfrm>
-            <a:off x="3487938" y="3857628"/>
-            <a:ext cx="5656062" cy="2921217"/>
-          </a:xfrm>
-          <a:prstGeom prst="rect">
-            <a:avLst/>
-          </a:prstGeom>
-        </p:spPr>
-      </p:pic>
       <p:sp>
         <p:nvSpPr>
           <p:cNvPr id="7" name="TextBox 6"/>
@@ -6089,7 +8905,7 @@
         </p:nvSpPr>
         <p:spPr>
           <a:xfrm>
-            <a:off x="500034" y="6357958"/>
+            <a:off x="142844" y="6357958"/>
             <a:ext cx="2241832" cy="369332"/>
           </a:xfrm>
           <a:prstGeom prst="rect">
@@ -6105,13 +8921,79 @@
           <a:p>
             <a:r>
               <a:rPr lang="de-DE" dirty="0" smtClean="0"/>
-              <a:t>Umgesetztes </a:t>
-            </a:r>
-            <a:r>
-              <a:rPr lang="de-DE" dirty="0" smtClean="0"/>
-              <a:t>Ergebnis</a:t>
+              <a:t>Umgesetztes Ergebnis</a:t>
             </a:r>
             <a:endParaRPr lang="de-DE" dirty="0"/>
+          </a:p>
+        </p:txBody>
+      </p:sp>
+      <p:sp>
+        <p:nvSpPr>
+          <p:cNvPr id="8" name="Slide Number Placeholder 7"/>
+          <p:cNvSpPr>
+            <a:spLocks noGrp="1"/>
+          </p:cNvSpPr>
+          <p:nvPr>
+            <p:ph type="sldNum" sz="quarter" idx="12"/>
+          </p:nvPr>
+        </p:nvSpPr>
+        <p:spPr/>
+        <p:txBody>
+          <a:bodyPr/>
+          <a:lstStyle/>
+          <a:p>
+            <a:fld id="{76D67895-9CD9-4983-83EC-F60E121908DF}" type="slidenum">
+              <a:rPr lang="de-DE" smtClean="0"/>
+              <a:pPr/>
+              <a:t>9</a:t>
+            </a:fld>
+            <a:endParaRPr lang="de-DE"/>
+          </a:p>
+        </p:txBody>
+      </p:sp>
+      <p:sp>
+        <p:nvSpPr>
+          <p:cNvPr id="9" name="Date Placeholder 8"/>
+          <p:cNvSpPr>
+            <a:spLocks noGrp="1"/>
+          </p:cNvSpPr>
+          <p:nvPr>
+            <p:ph type="dt" sz="half" idx="10"/>
+          </p:nvPr>
+        </p:nvSpPr>
+        <p:spPr/>
+        <p:txBody>
+          <a:bodyPr/>
+          <a:lstStyle/>
+          <a:p>
+            <a:fld id="{32E55286-133A-4E97-90FC-8D1A39997293}" type="datetime1">
+              <a:rPr lang="de-DE" smtClean="0"/>
+              <a:t>04.07.2019</a:t>
+            </a:fld>
+            <a:endParaRPr lang="de-DE"/>
+          </a:p>
+        </p:txBody>
+      </p:sp>
+      <p:sp>
+        <p:nvSpPr>
+          <p:cNvPr id="10" name="Footer Placeholder 9"/>
+          <p:cNvSpPr>
+            <a:spLocks noGrp="1"/>
+          </p:cNvSpPr>
+          <p:nvPr>
+            <p:ph type="ftr" sz="quarter" idx="11"/>
+          </p:nvPr>
+        </p:nvSpPr>
+        <p:spPr/>
+        <p:txBody>
+          <a:bodyPr/>
+          <a:lstStyle/>
+          <a:p>
+            <a:r>
+              <a:rPr lang="de-DE" smtClean="0"/>
+              <a:t>E-Mood-Tracker</a:t>
+            </a:r>
+            <a:endParaRPr lang="de-DE"/>
           </a:p>
         </p:txBody>
       </p:sp>
@@ -6404,4 +9286,287 @@
   <a:objectDefaults/>
   <a:extraClrSchemeLst/>
 </a:theme>
+</file>
+
+<file path=ppt/theme/theme2.xml><?xml version="1.0" encoding="utf-8"?>
+<a:theme xmlns:a="http://schemas.openxmlformats.org/drawingml/2006/main" name="Office Theme">
+  <a:themeElements>
+    <a:clrScheme name="Office">
+      <a:dk1>
+        <a:sysClr val="windowText" lastClr="000000"/>
+      </a:dk1>
+      <a:lt1>
+        <a:sysClr val="window" lastClr="FFFFFF"/>
+      </a:lt1>
+      <a:dk2>
+        <a:srgbClr val="1F497D"/>
+      </a:dk2>
+      <a:lt2>
+        <a:srgbClr val="EEECE1"/>
+      </a:lt2>
+      <a:accent1>
+        <a:srgbClr val="4F81BD"/>
+      </a:accent1>
+      <a:accent2>
+        <a:srgbClr val="C0504D"/>
+      </a:accent2>
+      <a:accent3>
+        <a:srgbClr val="9BBB59"/>
+      </a:accent3>
+      <a:accent4>
+        <a:srgbClr val="8064A2"/>
+      </a:accent4>
+      <a:accent5>
+        <a:srgbClr val="4BACC6"/>
+      </a:accent5>
+      <a:accent6>
+        <a:srgbClr val="F79646"/>
+      </a:accent6>
+      <a:hlink>
+        <a:srgbClr val="0000FF"/>
+      </a:hlink>
+      <a:folHlink>
+        <a:srgbClr val="800080"/>
+      </a:folHlink>
+    </a:clrScheme>
+    <a:fontScheme name="Office">
+      <a:majorFont>
+        <a:latin typeface="Calibri"/>
+        <a:ea typeface=""/>
+        <a:cs typeface=""/>
+        <a:font script="Jpan" typeface="ＭＳ Ｐゴシック"/>
+        <a:font script="Hang" typeface="맑은 고딕"/>
+        <a:font script="Hans" typeface="宋体"/>
+        <a:font script="Hant" typeface="新細明體"/>
+        <a:font script="Arab" typeface="Times New Roman"/>
+        <a:font script="Hebr" typeface="Times New Roman"/>
+        <a:font script="Thai" typeface="Angsana New"/>
+        <a:font script="Ethi" typeface="Nyala"/>
+        <a:font script="Beng" typeface="Vrinda"/>
+        <a:font script="Gujr" typeface="Shruti"/>
+        <a:font script="Khmr" typeface="MoolBoran"/>
+        <a:font script="Knda" typeface="Tunga"/>
+        <a:font script="Guru" typeface="Raavi"/>
+        <a:font script="Cans" typeface="Euphemia"/>
+        <a:font script="Cher" typeface="Plantagenet Cherokee"/>
+        <a:font script="Yiii" typeface="Microsoft Yi Baiti"/>
+        <a:font script="Tibt" typeface="Microsoft Himalaya"/>
+        <a:font script="Thaa" typeface="MV Boli"/>
+        <a:font script="Deva" typeface="Mangal"/>
+        <a:font script="Telu" typeface="Gautami"/>
+        <a:font script="Taml" typeface="Latha"/>
+        <a:font script="Syrc" typeface="Estrangelo Edessa"/>
+        <a:font script="Orya" typeface="Kalinga"/>
+        <a:font script="Mlym" typeface="Kartika"/>
+        <a:font script="Laoo" typeface="DokChampa"/>
+        <a:font script="Sinh" typeface="Iskoola Pota"/>
+        <a:font script="Mong" typeface="Mongolian Baiti"/>
+        <a:font script="Viet" typeface="Times New Roman"/>
+        <a:font script="Uigh" typeface="Microsoft Uighur"/>
+      </a:majorFont>
+      <a:minorFont>
+        <a:latin typeface="Calibri"/>
+        <a:ea typeface=""/>
+        <a:cs typeface=""/>
+        <a:font script="Jpan" typeface="ＭＳ Ｐゴシック"/>
+        <a:font script="Hang" typeface="맑은 고딕"/>
+        <a:font script="Hans" typeface="宋体"/>
+        <a:font script="Hant" typeface="新細明體"/>
+        <a:font script="Arab" typeface="Arial"/>
+        <a:font script="Hebr" typeface="Arial"/>
+        <a:font script="Thai" typeface="Cordia New"/>
+        <a:font script="Ethi" typeface="Nyala"/>
+        <a:font script="Beng" typeface="Vrinda"/>
+        <a:font script="Gujr" typeface="Shruti"/>
+        <a:font script="Khmr" typeface="DaunPenh"/>
+        <a:font script="Knda" typeface="Tunga"/>
+        <a:font script="Guru" typeface="Raavi"/>
+        <a:font script="Cans" typeface="Euphemia"/>
+        <a:font script="Cher" typeface="Plantagenet Cherokee"/>
+        <a:font script="Yiii" typeface="Microsoft Yi Baiti"/>
+        <a:font script="Tibt" typeface="Microsoft Himalaya"/>
+        <a:font script="Thaa" typeface="MV Boli"/>
+        <a:font script="Deva" typeface="Mangal"/>
+        <a:font script="Telu" typeface="Gautami"/>
+        <a:font script="Taml" typeface="Latha"/>
+        <a:font script="Syrc" typeface="Estrangelo Edessa"/>
+        <a:font script="Orya" typeface="Kalinga"/>
+        <a:font script="Mlym" typeface="Kartika"/>
+        <a:font script="Laoo" typeface="DokChampa"/>
+        <a:font script="Sinh" typeface="Iskoola Pota"/>
+        <a:font script="Mong" typeface="Mongolian Baiti"/>
+        <a:font script="Viet" typeface="Arial"/>
+        <a:font script="Uigh" typeface="Microsoft Uighur"/>
+      </a:minorFont>
+    </a:fontScheme>
+    <a:fmtScheme name="Office">
+      <a:fillStyleLst>
+        <a:solidFill>
+          <a:schemeClr val="phClr"/>
+        </a:solidFill>
+        <a:gradFill rotWithShape="1">
+          <a:gsLst>
+            <a:gs pos="0">
+              <a:schemeClr val="phClr">
+                <a:tint val="50000"/>
+                <a:satMod val="300000"/>
+              </a:schemeClr>
+            </a:gs>
+            <a:gs pos="35000">
+              <a:schemeClr val="phClr">
+                <a:tint val="37000"/>
+                <a:satMod val="300000"/>
+              </a:schemeClr>
+            </a:gs>
+            <a:gs pos="100000">
+              <a:schemeClr val="phClr">
+                <a:tint val="15000"/>
+                <a:satMod val="350000"/>
+              </a:schemeClr>
+            </a:gs>
+          </a:gsLst>
+          <a:lin ang="16200000" scaled="1"/>
+        </a:gradFill>
+        <a:gradFill rotWithShape="1">
+          <a:gsLst>
+            <a:gs pos="0">
+              <a:schemeClr val="phClr">
+                <a:shade val="51000"/>
+                <a:satMod val="130000"/>
+              </a:schemeClr>
+            </a:gs>
+            <a:gs pos="80000">
+              <a:schemeClr val="phClr">
+                <a:shade val="93000"/>
+                <a:satMod val="130000"/>
+              </a:schemeClr>
+            </a:gs>
+            <a:gs pos="100000">
+              <a:schemeClr val="phClr">
+                <a:shade val="94000"/>
+                <a:satMod val="135000"/>
+              </a:schemeClr>
+            </a:gs>
+          </a:gsLst>
+          <a:lin ang="16200000" scaled="0"/>
+        </a:gradFill>
+      </a:fillStyleLst>
+      <a:lnStyleLst>
+        <a:ln w="9525" cap="flat" cmpd="sng" algn="ctr">
+          <a:solidFill>
+            <a:schemeClr val="phClr">
+              <a:shade val="95000"/>
+              <a:satMod val="105000"/>
+            </a:schemeClr>
+          </a:solidFill>
+          <a:prstDash val="solid"/>
+        </a:ln>
+        <a:ln w="25400" cap="flat" cmpd="sng" algn="ctr">
+          <a:solidFill>
+            <a:schemeClr val="phClr"/>
+          </a:solidFill>
+          <a:prstDash val="solid"/>
+        </a:ln>
+        <a:ln w="38100" cap="flat" cmpd="sng" algn="ctr">
+          <a:solidFill>
+            <a:schemeClr val="phClr"/>
+          </a:solidFill>
+          <a:prstDash val="solid"/>
+        </a:ln>
+      </a:lnStyleLst>
+      <a:effectStyleLst>
+        <a:effectStyle>
+          <a:effectLst>
+            <a:outerShdw blurRad="40000" dist="20000" dir="5400000" rotWithShape="0">
+              <a:srgbClr val="000000">
+                <a:alpha val="38000"/>
+              </a:srgbClr>
+            </a:outerShdw>
+          </a:effectLst>
+        </a:effectStyle>
+        <a:effectStyle>
+          <a:effectLst>
+            <a:outerShdw blurRad="40000" dist="23000" dir="5400000" rotWithShape="0">
+              <a:srgbClr val="000000">
+                <a:alpha val="35000"/>
+              </a:srgbClr>
+            </a:outerShdw>
+          </a:effectLst>
+        </a:effectStyle>
+        <a:effectStyle>
+          <a:effectLst>
+            <a:outerShdw blurRad="40000" dist="23000" dir="5400000" rotWithShape="0">
+              <a:srgbClr val="000000">
+                <a:alpha val="35000"/>
+              </a:srgbClr>
+            </a:outerShdw>
+          </a:effectLst>
+          <a:scene3d>
+            <a:camera prst="orthographicFront">
+              <a:rot lat="0" lon="0" rev="0"/>
+            </a:camera>
+            <a:lightRig rig="threePt" dir="t">
+              <a:rot lat="0" lon="0" rev="1200000"/>
+            </a:lightRig>
+          </a:scene3d>
+          <a:sp3d>
+            <a:bevelT w="63500" h="25400"/>
+          </a:sp3d>
+        </a:effectStyle>
+      </a:effectStyleLst>
+      <a:bgFillStyleLst>
+        <a:solidFill>
+          <a:schemeClr val="phClr"/>
+        </a:solidFill>
+        <a:gradFill rotWithShape="1">
+          <a:gsLst>
+            <a:gs pos="0">
+              <a:schemeClr val="phClr">
+                <a:tint val="40000"/>
+                <a:satMod val="350000"/>
+              </a:schemeClr>
+            </a:gs>
+            <a:gs pos="40000">
+              <a:schemeClr val="phClr">
+                <a:tint val="45000"/>
+                <a:shade val="99000"/>
+                <a:satMod val="350000"/>
+              </a:schemeClr>
+            </a:gs>
+            <a:gs pos="100000">
+              <a:schemeClr val="phClr">
+                <a:shade val="20000"/>
+                <a:satMod val="255000"/>
+              </a:schemeClr>
+            </a:gs>
+          </a:gsLst>
+          <a:path path="circle">
+            <a:fillToRect l="50000" t="-80000" r="50000" b="180000"/>
+          </a:path>
+        </a:gradFill>
+        <a:gradFill rotWithShape="1">
+          <a:gsLst>
+            <a:gs pos="0">
+              <a:schemeClr val="phClr">
+                <a:tint val="80000"/>
+                <a:satMod val="300000"/>
+              </a:schemeClr>
+            </a:gs>
+            <a:gs pos="100000">
+              <a:schemeClr val="phClr">
+                <a:shade val="30000"/>
+                <a:satMod val="200000"/>
+              </a:schemeClr>
+            </a:gs>
+          </a:gsLst>
+          <a:path path="circle">
+            <a:fillToRect l="50000" t="50000" r="50000" b="50000"/>
+          </a:path>
+        </a:gradFill>
+      </a:bgFillStyleLst>
+    </a:fmtScheme>
+  </a:themeElements>
+  <a:objectDefaults/>
+  <a:extraClrSchemeLst/>
+</a:theme>
 </file>
--- a/Doku/endpräsentation-ehalth.pptx
+++ b/Doku/endpräsentation-ehalth.pptx
@@ -130,6 +130,22 @@
       </a:defRPr>
     </a:lvl9pPr>
   </p:defaultTextStyle>
+  <p:extLst>
+    <p:ext uri="{EFAFB233-063F-42B5-8137-9DF3F51BA10A}">
+      <p15:sldGuideLst xmlns:p15="http://schemas.microsoft.com/office/powerpoint/2012/main">
+        <p15:guide id="1" orient="horz" pos="2160">
+          <p15:clr>
+            <a:srgbClr val="A4A3A4"/>
+          </p15:clr>
+        </p15:guide>
+        <p15:guide id="2" pos="2880">
+          <p15:clr>
+            <a:srgbClr val="A4A3A4"/>
+          </p15:clr>
+        </p15:guide>
+      </p15:sldGuideLst>
+    </p:ext>
+  </p:extLst>
 </p:presentation>
 </file>
 
@@ -215,7 +231,7 @@
           <a:p>
             <a:fld id="{C79F1672-AA5C-4899-B5F3-23EC093F10BE}" type="datetimeFigureOut">
               <a:rPr lang="de-DE" smtClean="0"/>
-              <a:t>04.07.2019</a:t>
+              <a:t>05.07.2019</a:t>
             </a:fld>
             <a:endParaRPr lang="de-DE"/>
           </a:p>
@@ -281,35 +297,35 @@
           <a:p>
             <a:pPr lvl="0"/>
             <a:r>
-              <a:rPr lang="en-US" smtClean="0"/>
+              <a:rPr lang="en-US"/>
               <a:t>Click to edit Master text styles</a:t>
             </a:r>
           </a:p>
           <a:p>
             <a:pPr lvl="1"/>
             <a:r>
-              <a:rPr lang="en-US" smtClean="0"/>
+              <a:rPr lang="en-US"/>
               <a:t>Second level</a:t>
             </a:r>
           </a:p>
           <a:p>
             <a:pPr lvl="2"/>
             <a:r>
-              <a:rPr lang="en-US" smtClean="0"/>
+              <a:rPr lang="en-US"/>
               <a:t>Third level</a:t>
             </a:r>
           </a:p>
           <a:p>
             <a:pPr lvl="3"/>
             <a:r>
-              <a:rPr lang="en-US" smtClean="0"/>
+              <a:rPr lang="en-US"/>
               <a:t>Fourth level</a:t>
             </a:r>
           </a:p>
           <a:p>
             <a:pPr lvl="4"/>
             <a:r>
-              <a:rPr lang="en-US" smtClean="0"/>
+              <a:rPr lang="en-US"/>
               <a:t>Fifth level</a:t>
             </a:r>
             <a:endParaRPr lang="de-DE"/>
@@ -376,7 +392,7 @@
           <a:p>
             <a:fld id="{1BBB270D-6DC1-4476-8096-F2E3628A59FC}" type="slidenum">
               <a:rPr lang="de-DE" smtClean="0"/>
-              <a:t>‹#›</a:t>
+              <a:t>‹Nr.›</a:t>
             </a:fld>
             <a:endParaRPr lang="de-DE"/>
           </a:p>
@@ -518,7 +534,7 @@
           <a:lstStyle/>
           <a:p>
             <a:r>
-              <a:rPr lang="en-US" smtClean="0"/>
+              <a:rPr lang="en-US"/>
               <a:t>Click to edit Master title style</a:t>
             </a:r>
             <a:endParaRPr lang="de-DE"/>
@@ -637,7 +653,7 @@
           </a:lstStyle>
           <a:p>
             <a:r>
-              <a:rPr lang="en-US" smtClean="0"/>
+              <a:rPr lang="en-US"/>
               <a:t>Click to edit Master subtitle style</a:t>
             </a:r>
             <a:endParaRPr lang="de-DE"/>
@@ -661,7 +677,7 @@
           <a:p>
             <a:fld id="{F64FC26B-1BCD-4AD4-B7B1-09DB718723A2}" type="datetime1">
               <a:rPr lang="de-DE" smtClean="0"/>
-              <a:t>04.07.2019</a:t>
+              <a:t>05.07.2019</a:t>
             </a:fld>
             <a:endParaRPr lang="de-DE"/>
           </a:p>
@@ -683,10 +699,9 @@
           <a:lstStyle/>
           <a:p>
             <a:r>
-              <a:rPr lang="de-DE" smtClean="0"/>
+              <a:rPr lang="de-DE"/>
               <a:t>E-Mood-Tracker</a:t>
             </a:r>
-            <a:endParaRPr lang="de-DE"/>
           </a:p>
         </p:txBody>
       </p:sp>
@@ -708,7 +723,7 @@
             <a:fld id="{76D67895-9CD9-4983-83EC-F60E121908DF}" type="slidenum">
               <a:rPr lang="de-DE" smtClean="0"/>
               <a:pPr/>
-              <a:t>‹#›</a:t>
+              <a:t>‹Nr.›</a:t>
             </a:fld>
             <a:endParaRPr lang="de-DE"/>
           </a:p>
@@ -755,7 +770,7 @@
           <a:lstStyle/>
           <a:p>
             <a:r>
-              <a:rPr lang="en-US" smtClean="0"/>
+              <a:rPr lang="en-US"/>
               <a:t>Click to edit Master title style</a:t>
             </a:r>
             <a:endParaRPr lang="de-DE"/>
@@ -779,35 +794,35 @@
           <a:p>
             <a:pPr lvl="0"/>
             <a:r>
-              <a:rPr lang="en-US" smtClean="0"/>
+              <a:rPr lang="en-US"/>
               <a:t>Click to edit Master text styles</a:t>
             </a:r>
           </a:p>
           <a:p>
             <a:pPr lvl="1"/>
             <a:r>
-              <a:rPr lang="en-US" smtClean="0"/>
+              <a:rPr lang="en-US"/>
               <a:t>Second level</a:t>
             </a:r>
           </a:p>
           <a:p>
             <a:pPr lvl="2"/>
             <a:r>
-              <a:rPr lang="en-US" smtClean="0"/>
+              <a:rPr lang="en-US"/>
               <a:t>Third level</a:t>
             </a:r>
           </a:p>
           <a:p>
             <a:pPr lvl="3"/>
             <a:r>
-              <a:rPr lang="en-US" smtClean="0"/>
+              <a:rPr lang="en-US"/>
               <a:t>Fourth level</a:t>
             </a:r>
           </a:p>
           <a:p>
             <a:pPr lvl="4"/>
             <a:r>
-              <a:rPr lang="en-US" smtClean="0"/>
+              <a:rPr lang="en-US"/>
               <a:t>Fifth level</a:t>
             </a:r>
             <a:endParaRPr lang="de-DE"/>
@@ -831,7 +846,7 @@
           <a:p>
             <a:fld id="{56EFE3A6-723E-4C16-BA10-CF5920E47336}" type="datetime1">
               <a:rPr lang="de-DE" smtClean="0"/>
-              <a:t>04.07.2019</a:t>
+              <a:t>05.07.2019</a:t>
             </a:fld>
             <a:endParaRPr lang="de-DE"/>
           </a:p>
@@ -853,10 +868,9 @@
           <a:lstStyle/>
           <a:p>
             <a:r>
-              <a:rPr lang="de-DE" smtClean="0"/>
+              <a:rPr lang="de-DE"/>
               <a:t>E-Mood-Tracker</a:t>
             </a:r>
-            <a:endParaRPr lang="de-DE"/>
           </a:p>
         </p:txBody>
       </p:sp>
@@ -878,7 +892,7 @@
             <a:fld id="{76D67895-9CD9-4983-83EC-F60E121908DF}" type="slidenum">
               <a:rPr lang="de-DE" smtClean="0"/>
               <a:pPr/>
-              <a:t>‹#›</a:t>
+              <a:t>‹Nr.›</a:t>
             </a:fld>
             <a:endParaRPr lang="de-DE"/>
           </a:p>
@@ -930,7 +944,7 @@
           <a:lstStyle/>
           <a:p>
             <a:r>
-              <a:rPr lang="en-US" smtClean="0"/>
+              <a:rPr lang="en-US"/>
               <a:t>Click to edit Master title style</a:t>
             </a:r>
             <a:endParaRPr lang="de-DE"/>
@@ -959,35 +973,35 @@
           <a:p>
             <a:pPr lvl="0"/>
             <a:r>
-              <a:rPr lang="en-US" smtClean="0"/>
+              <a:rPr lang="en-US"/>
               <a:t>Click to edit Master text styles</a:t>
             </a:r>
           </a:p>
           <a:p>
             <a:pPr lvl="1"/>
             <a:r>
-              <a:rPr lang="en-US" smtClean="0"/>
+              <a:rPr lang="en-US"/>
               <a:t>Second level</a:t>
             </a:r>
           </a:p>
           <a:p>
             <a:pPr lvl="2"/>
             <a:r>
-              <a:rPr lang="en-US" smtClean="0"/>
+              <a:rPr lang="en-US"/>
               <a:t>Third level</a:t>
             </a:r>
           </a:p>
           <a:p>
             <a:pPr lvl="3"/>
             <a:r>
-              <a:rPr lang="en-US" smtClean="0"/>
+              <a:rPr lang="en-US"/>
               <a:t>Fourth level</a:t>
             </a:r>
           </a:p>
           <a:p>
             <a:pPr lvl="4"/>
             <a:r>
-              <a:rPr lang="en-US" smtClean="0"/>
+              <a:rPr lang="en-US"/>
               <a:t>Fifth level</a:t>
             </a:r>
             <a:endParaRPr lang="de-DE"/>
@@ -1011,7 +1025,7 @@
           <a:p>
             <a:fld id="{2AE6A123-46B1-4FFC-935D-75EE8FF63D8A}" type="datetime1">
               <a:rPr lang="de-DE" smtClean="0"/>
-              <a:t>04.07.2019</a:t>
+              <a:t>05.07.2019</a:t>
             </a:fld>
             <a:endParaRPr lang="de-DE"/>
           </a:p>
@@ -1033,10 +1047,9 @@
           <a:lstStyle/>
           <a:p>
             <a:r>
-              <a:rPr lang="de-DE" smtClean="0"/>
+              <a:rPr lang="de-DE"/>
               <a:t>E-Mood-Tracker</a:t>
             </a:r>
-            <a:endParaRPr lang="de-DE"/>
           </a:p>
         </p:txBody>
       </p:sp>
@@ -1058,7 +1071,7 @@
             <a:fld id="{76D67895-9CD9-4983-83EC-F60E121908DF}" type="slidenum">
               <a:rPr lang="de-DE" smtClean="0"/>
               <a:pPr/>
-              <a:t>‹#›</a:t>
+              <a:t>‹Nr.›</a:t>
             </a:fld>
             <a:endParaRPr lang="de-DE"/>
           </a:p>
@@ -1105,7 +1118,7 @@
           <a:lstStyle/>
           <a:p>
             <a:r>
-              <a:rPr lang="en-US" smtClean="0"/>
+              <a:rPr lang="en-US"/>
               <a:t>Click to edit Master title style</a:t>
             </a:r>
             <a:endParaRPr lang="de-DE"/>
@@ -1129,35 +1142,35 @@
           <a:p>
             <a:pPr lvl="0"/>
             <a:r>
-              <a:rPr lang="en-US" smtClean="0"/>
+              <a:rPr lang="en-US"/>
               <a:t>Click to edit Master text styles</a:t>
             </a:r>
           </a:p>
           <a:p>
             <a:pPr lvl="1"/>
             <a:r>
-              <a:rPr lang="en-US" smtClean="0"/>
+              <a:rPr lang="en-US"/>
               <a:t>Second level</a:t>
             </a:r>
           </a:p>
           <a:p>
             <a:pPr lvl="2"/>
             <a:r>
-              <a:rPr lang="en-US" smtClean="0"/>
+              <a:rPr lang="en-US"/>
               <a:t>Third level</a:t>
             </a:r>
           </a:p>
           <a:p>
             <a:pPr lvl="3"/>
             <a:r>
-              <a:rPr lang="en-US" smtClean="0"/>
+              <a:rPr lang="en-US"/>
               <a:t>Fourth level</a:t>
             </a:r>
           </a:p>
           <a:p>
             <a:pPr lvl="4"/>
             <a:r>
-              <a:rPr lang="en-US" smtClean="0"/>
+              <a:rPr lang="en-US"/>
               <a:t>Fifth level</a:t>
             </a:r>
             <a:endParaRPr lang="de-DE"/>
@@ -1181,7 +1194,7 @@
           <a:p>
             <a:fld id="{8AF30EF5-5647-443A-BF6F-74A98C1573C6}" type="datetime1">
               <a:rPr lang="de-DE" smtClean="0"/>
-              <a:t>04.07.2019</a:t>
+              <a:t>05.07.2019</a:t>
             </a:fld>
             <a:endParaRPr lang="de-DE"/>
           </a:p>
@@ -1203,10 +1216,9 @@
           <a:lstStyle/>
           <a:p>
             <a:r>
-              <a:rPr lang="de-DE" smtClean="0"/>
+              <a:rPr lang="de-DE"/>
               <a:t>E-Mood-Tracker</a:t>
             </a:r>
-            <a:endParaRPr lang="de-DE"/>
           </a:p>
         </p:txBody>
       </p:sp>
@@ -1228,7 +1240,7 @@
             <a:fld id="{76D67895-9CD9-4983-83EC-F60E121908DF}" type="slidenum">
               <a:rPr lang="de-DE" smtClean="0"/>
               <a:pPr/>
-              <a:t>‹#›</a:t>
+              <a:t>‹Nr.›</a:t>
             </a:fld>
             <a:endParaRPr lang="de-DE"/>
           </a:p>
@@ -1284,7 +1296,7 @@
           </a:lstStyle>
           <a:p>
             <a:r>
-              <a:rPr lang="en-US" smtClean="0"/>
+              <a:rPr lang="en-US"/>
               <a:t>Click to edit Master title style</a:t>
             </a:r>
             <a:endParaRPr lang="de-DE"/>
@@ -1404,7 +1416,7 @@
           <a:p>
             <a:pPr lvl="0"/>
             <a:r>
-              <a:rPr lang="en-US" smtClean="0"/>
+              <a:rPr lang="en-US"/>
               <a:t>Click to edit Master text styles</a:t>
             </a:r>
           </a:p>
@@ -1427,7 +1439,7 @@
           <a:p>
             <a:fld id="{4294D992-1E09-4B7F-99FA-757C49437A68}" type="datetime1">
               <a:rPr lang="de-DE" smtClean="0"/>
-              <a:t>04.07.2019</a:t>
+              <a:t>05.07.2019</a:t>
             </a:fld>
             <a:endParaRPr lang="de-DE"/>
           </a:p>
@@ -1449,10 +1461,9 @@
           <a:lstStyle/>
           <a:p>
             <a:r>
-              <a:rPr lang="de-DE" smtClean="0"/>
+              <a:rPr lang="de-DE"/>
               <a:t>E-Mood-Tracker</a:t>
             </a:r>
-            <a:endParaRPr lang="de-DE"/>
           </a:p>
         </p:txBody>
       </p:sp>
@@ -1474,7 +1485,7 @@
             <a:fld id="{76D67895-9CD9-4983-83EC-F60E121908DF}" type="slidenum">
               <a:rPr lang="de-DE" smtClean="0"/>
               <a:pPr/>
-              <a:t>‹#›</a:t>
+              <a:t>‹Nr.›</a:t>
             </a:fld>
             <a:endParaRPr lang="de-DE"/>
           </a:p>
@@ -1521,7 +1532,7 @@
           <a:lstStyle/>
           <a:p>
             <a:r>
-              <a:rPr lang="en-US" smtClean="0"/>
+              <a:rPr lang="en-US"/>
               <a:t>Click to edit Master title style</a:t>
             </a:r>
             <a:endParaRPr lang="de-DE"/>
@@ -1578,35 +1589,35 @@
           <a:p>
             <a:pPr lvl="0"/>
             <a:r>
-              <a:rPr lang="en-US" smtClean="0"/>
+              <a:rPr lang="en-US"/>
               <a:t>Click to edit Master text styles</a:t>
             </a:r>
           </a:p>
           <a:p>
             <a:pPr lvl="1"/>
             <a:r>
-              <a:rPr lang="en-US" smtClean="0"/>
+              <a:rPr lang="en-US"/>
               <a:t>Second level</a:t>
             </a:r>
           </a:p>
           <a:p>
             <a:pPr lvl="2"/>
             <a:r>
-              <a:rPr lang="en-US" smtClean="0"/>
+              <a:rPr lang="en-US"/>
               <a:t>Third level</a:t>
             </a:r>
           </a:p>
           <a:p>
             <a:pPr lvl="3"/>
             <a:r>
-              <a:rPr lang="en-US" smtClean="0"/>
+              <a:rPr lang="en-US"/>
               <a:t>Fourth level</a:t>
             </a:r>
           </a:p>
           <a:p>
             <a:pPr lvl="4"/>
             <a:r>
-              <a:rPr lang="en-US" smtClean="0"/>
+              <a:rPr lang="en-US"/>
               <a:t>Fifth level</a:t>
             </a:r>
             <a:endParaRPr lang="de-DE"/>
@@ -1663,35 +1674,35 @@
           <a:p>
             <a:pPr lvl="0"/>
             <a:r>
-              <a:rPr lang="en-US" smtClean="0"/>
+              <a:rPr lang="en-US"/>
               <a:t>Click to edit Master text styles</a:t>
             </a:r>
           </a:p>
           <a:p>
             <a:pPr lvl="1"/>
             <a:r>
-              <a:rPr lang="en-US" smtClean="0"/>
+              <a:rPr lang="en-US"/>
               <a:t>Second level</a:t>
             </a:r>
           </a:p>
           <a:p>
             <a:pPr lvl="2"/>
             <a:r>
-              <a:rPr lang="en-US" smtClean="0"/>
+              <a:rPr lang="en-US"/>
               <a:t>Third level</a:t>
             </a:r>
           </a:p>
           <a:p>
             <a:pPr lvl="3"/>
             <a:r>
-              <a:rPr lang="en-US" smtClean="0"/>
+              <a:rPr lang="en-US"/>
               <a:t>Fourth level</a:t>
             </a:r>
           </a:p>
           <a:p>
             <a:pPr lvl="4"/>
             <a:r>
-              <a:rPr lang="en-US" smtClean="0"/>
+              <a:rPr lang="en-US"/>
               <a:t>Fifth level</a:t>
             </a:r>
             <a:endParaRPr lang="de-DE"/>
@@ -1715,7 +1726,7 @@
           <a:p>
             <a:fld id="{BDBC1E6D-792E-4549-AACC-A8F7BE770F41}" type="datetime1">
               <a:rPr lang="de-DE" smtClean="0"/>
-              <a:t>04.07.2019</a:t>
+              <a:t>05.07.2019</a:t>
             </a:fld>
             <a:endParaRPr lang="de-DE"/>
           </a:p>
@@ -1737,10 +1748,9 @@
           <a:lstStyle/>
           <a:p>
             <a:r>
-              <a:rPr lang="de-DE" smtClean="0"/>
+              <a:rPr lang="de-DE"/>
               <a:t>E-Mood-Tracker</a:t>
             </a:r>
-            <a:endParaRPr lang="de-DE"/>
           </a:p>
         </p:txBody>
       </p:sp>
@@ -1762,7 +1772,7 @@
             <a:fld id="{76D67895-9CD9-4983-83EC-F60E121908DF}" type="slidenum">
               <a:rPr lang="de-DE" smtClean="0"/>
               <a:pPr/>
-              <a:t>‹#›</a:t>
+              <a:t>‹Nr.›</a:t>
             </a:fld>
             <a:endParaRPr lang="de-DE"/>
           </a:p>
@@ -1813,7 +1823,7 @@
           </a:lstStyle>
           <a:p>
             <a:r>
-              <a:rPr lang="en-US" smtClean="0"/>
+              <a:rPr lang="en-US"/>
               <a:t>Click to edit Master title style</a:t>
             </a:r>
             <a:endParaRPr lang="de-DE"/>
@@ -1879,7 +1889,7 @@
           <a:p>
             <a:pPr lvl="0"/>
             <a:r>
-              <a:rPr lang="en-US" smtClean="0"/>
+              <a:rPr lang="en-US"/>
               <a:t>Click to edit Master text styles</a:t>
             </a:r>
           </a:p>
@@ -1935,35 +1945,35 @@
           <a:p>
             <a:pPr lvl="0"/>
             <a:r>
-              <a:rPr lang="en-US" smtClean="0"/>
+              <a:rPr lang="en-US"/>
               <a:t>Click to edit Master text styles</a:t>
             </a:r>
           </a:p>
           <a:p>
             <a:pPr lvl="1"/>
             <a:r>
-              <a:rPr lang="en-US" smtClean="0"/>
+              <a:rPr lang="en-US"/>
               <a:t>Second level</a:t>
             </a:r>
           </a:p>
           <a:p>
             <a:pPr lvl="2"/>
             <a:r>
-              <a:rPr lang="en-US" smtClean="0"/>
+              <a:rPr lang="en-US"/>
               <a:t>Third level</a:t>
             </a:r>
           </a:p>
           <a:p>
             <a:pPr lvl="3"/>
             <a:r>
-              <a:rPr lang="en-US" smtClean="0"/>
+              <a:rPr lang="en-US"/>
               <a:t>Fourth level</a:t>
             </a:r>
           </a:p>
           <a:p>
             <a:pPr lvl="4"/>
             <a:r>
-              <a:rPr lang="en-US" smtClean="0"/>
+              <a:rPr lang="en-US"/>
               <a:t>Fifth level</a:t>
             </a:r>
             <a:endParaRPr lang="de-DE"/>
@@ -2029,7 +2039,7 @@
           <a:p>
             <a:pPr lvl="0"/>
             <a:r>
-              <a:rPr lang="en-US" smtClean="0"/>
+              <a:rPr lang="en-US"/>
               <a:t>Click to edit Master text styles</a:t>
             </a:r>
           </a:p>
@@ -2085,35 +2095,35 @@
           <a:p>
             <a:pPr lvl="0"/>
             <a:r>
-              <a:rPr lang="en-US" smtClean="0"/>
+              <a:rPr lang="en-US"/>
               <a:t>Click to edit Master text styles</a:t>
             </a:r>
           </a:p>
           <a:p>
             <a:pPr lvl="1"/>
             <a:r>
-              <a:rPr lang="en-US" smtClean="0"/>
+              <a:rPr lang="en-US"/>
               <a:t>Second level</a:t>
             </a:r>
           </a:p>
           <a:p>
             <a:pPr lvl="2"/>
             <a:r>
-              <a:rPr lang="en-US" smtClean="0"/>
+              <a:rPr lang="en-US"/>
               <a:t>Third level</a:t>
             </a:r>
           </a:p>
           <a:p>
             <a:pPr lvl="3"/>
             <a:r>
-              <a:rPr lang="en-US" smtClean="0"/>
+              <a:rPr lang="en-US"/>
               <a:t>Fourth level</a:t>
             </a:r>
           </a:p>
           <a:p>
             <a:pPr lvl="4"/>
             <a:r>
-              <a:rPr lang="en-US" smtClean="0"/>
+              <a:rPr lang="en-US"/>
               <a:t>Fifth level</a:t>
             </a:r>
             <a:endParaRPr lang="de-DE"/>
@@ -2137,7 +2147,7 @@
           <a:p>
             <a:fld id="{4E1C72C6-6909-46CD-83F5-739F44615838}" type="datetime1">
               <a:rPr lang="de-DE" smtClean="0"/>
-              <a:t>04.07.2019</a:t>
+              <a:t>05.07.2019</a:t>
             </a:fld>
             <a:endParaRPr lang="de-DE"/>
           </a:p>
@@ -2159,10 +2169,9 @@
           <a:lstStyle/>
           <a:p>
             <a:r>
-              <a:rPr lang="de-DE" smtClean="0"/>
+              <a:rPr lang="de-DE"/>
               <a:t>E-Mood-Tracker</a:t>
             </a:r>
-            <a:endParaRPr lang="de-DE"/>
           </a:p>
         </p:txBody>
       </p:sp>
@@ -2184,7 +2193,7 @@
             <a:fld id="{76D67895-9CD9-4983-83EC-F60E121908DF}" type="slidenum">
               <a:rPr lang="de-DE" smtClean="0"/>
               <a:pPr/>
-              <a:t>‹#›</a:t>
+              <a:t>‹Nr.›</a:t>
             </a:fld>
             <a:endParaRPr lang="de-DE"/>
           </a:p>
@@ -2231,7 +2240,7 @@
           <a:lstStyle/>
           <a:p>
             <a:r>
-              <a:rPr lang="en-US" smtClean="0"/>
+              <a:rPr lang="en-US"/>
               <a:t>Click to edit Master title style</a:t>
             </a:r>
             <a:endParaRPr lang="de-DE"/>
@@ -2255,7 +2264,7 @@
           <a:p>
             <a:fld id="{781F76E5-A79D-4B5B-A7A8-4846A09E126D}" type="datetime1">
               <a:rPr lang="de-DE" smtClean="0"/>
-              <a:t>04.07.2019</a:t>
+              <a:t>05.07.2019</a:t>
             </a:fld>
             <a:endParaRPr lang="de-DE"/>
           </a:p>
@@ -2277,10 +2286,9 @@
           <a:lstStyle/>
           <a:p>
             <a:r>
-              <a:rPr lang="de-DE" smtClean="0"/>
+              <a:rPr lang="de-DE"/>
               <a:t>E-Mood-Tracker</a:t>
             </a:r>
-            <a:endParaRPr lang="de-DE"/>
           </a:p>
         </p:txBody>
       </p:sp>
@@ -2302,7 +2310,7 @@
             <a:fld id="{76D67895-9CD9-4983-83EC-F60E121908DF}" type="slidenum">
               <a:rPr lang="de-DE" smtClean="0"/>
               <a:pPr/>
-              <a:t>‹#›</a:t>
+              <a:t>‹Nr.›</a:t>
             </a:fld>
             <a:endParaRPr lang="de-DE"/>
           </a:p>
@@ -2350,7 +2358,7 @@
           <a:p>
             <a:fld id="{6433946A-D565-41B6-95A5-36F37B6305B0}" type="datetime1">
               <a:rPr lang="de-DE" smtClean="0"/>
-              <a:t>04.07.2019</a:t>
+              <a:t>05.07.2019</a:t>
             </a:fld>
             <a:endParaRPr lang="de-DE"/>
           </a:p>
@@ -2372,10 +2380,9 @@
           <a:lstStyle/>
           <a:p>
             <a:r>
-              <a:rPr lang="de-DE" smtClean="0"/>
+              <a:rPr lang="de-DE"/>
               <a:t>E-Mood-Tracker</a:t>
             </a:r>
-            <a:endParaRPr lang="de-DE"/>
           </a:p>
         </p:txBody>
       </p:sp>
@@ -2397,7 +2404,7 @@
             <a:fld id="{76D67895-9CD9-4983-83EC-F60E121908DF}" type="slidenum">
               <a:rPr lang="de-DE" smtClean="0"/>
               <a:pPr/>
-              <a:t>‹#›</a:t>
+              <a:t>‹Nr.›</a:t>
             </a:fld>
             <a:endParaRPr lang="de-DE"/>
           </a:p>
@@ -2453,7 +2460,7 @@
           </a:lstStyle>
           <a:p>
             <a:r>
-              <a:rPr lang="en-US" smtClean="0"/>
+              <a:rPr lang="en-US"/>
               <a:t>Click to edit Master title style</a:t>
             </a:r>
             <a:endParaRPr lang="de-DE"/>
@@ -2510,35 +2517,35 @@
           <a:p>
             <a:pPr lvl="0"/>
             <a:r>
-              <a:rPr lang="en-US" smtClean="0"/>
+              <a:rPr lang="en-US"/>
               <a:t>Click to edit Master text styles</a:t>
             </a:r>
           </a:p>
           <a:p>
             <a:pPr lvl="1"/>
             <a:r>
-              <a:rPr lang="en-US" smtClean="0"/>
+              <a:rPr lang="en-US"/>
               <a:t>Second level</a:t>
             </a:r>
           </a:p>
           <a:p>
             <a:pPr lvl="2"/>
             <a:r>
-              <a:rPr lang="en-US" smtClean="0"/>
+              <a:rPr lang="en-US"/>
               <a:t>Third level</a:t>
             </a:r>
           </a:p>
           <a:p>
             <a:pPr lvl="3"/>
             <a:r>
-              <a:rPr lang="en-US" smtClean="0"/>
+              <a:rPr lang="en-US"/>
               <a:t>Fourth level</a:t>
             </a:r>
           </a:p>
           <a:p>
             <a:pPr lvl="4"/>
             <a:r>
-              <a:rPr lang="en-US" smtClean="0"/>
+              <a:rPr lang="en-US"/>
               <a:t>Fifth level</a:t>
             </a:r>
             <a:endParaRPr lang="de-DE"/>
@@ -2604,7 +2611,7 @@
           <a:p>
             <a:pPr lvl="0"/>
             <a:r>
-              <a:rPr lang="en-US" smtClean="0"/>
+              <a:rPr lang="en-US"/>
               <a:t>Click to edit Master text styles</a:t>
             </a:r>
           </a:p>
@@ -2627,7 +2634,7 @@
           <a:p>
             <a:fld id="{DF6FBC2E-07C2-4AE3-8311-1544239AF778}" type="datetime1">
               <a:rPr lang="de-DE" smtClean="0"/>
-              <a:t>04.07.2019</a:t>
+              <a:t>05.07.2019</a:t>
             </a:fld>
             <a:endParaRPr lang="de-DE"/>
           </a:p>
@@ -2649,10 +2656,9 @@
           <a:lstStyle/>
           <a:p>
             <a:r>
-              <a:rPr lang="de-DE" smtClean="0"/>
+              <a:rPr lang="de-DE"/>
               <a:t>E-Mood-Tracker</a:t>
             </a:r>
-            <a:endParaRPr lang="de-DE"/>
           </a:p>
         </p:txBody>
       </p:sp>
@@ -2674,7 +2680,7 @@
             <a:fld id="{76D67895-9CD9-4983-83EC-F60E121908DF}" type="slidenum">
               <a:rPr lang="de-DE" smtClean="0"/>
               <a:pPr/>
-              <a:t>‹#›</a:t>
+              <a:t>‹Nr.›</a:t>
             </a:fld>
             <a:endParaRPr lang="de-DE"/>
           </a:p>
@@ -2730,7 +2736,7 @@
           </a:lstStyle>
           <a:p>
             <a:r>
-              <a:rPr lang="en-US" smtClean="0"/>
+              <a:rPr lang="en-US"/>
               <a:t>Click to edit Master title style</a:t>
             </a:r>
             <a:endParaRPr lang="de-DE"/>
@@ -2857,7 +2863,7 @@
           <a:p>
             <a:pPr lvl="0"/>
             <a:r>
-              <a:rPr lang="en-US" smtClean="0"/>
+              <a:rPr lang="en-US"/>
               <a:t>Click to edit Master text styles</a:t>
             </a:r>
           </a:p>
@@ -2880,7 +2886,7 @@
           <a:p>
             <a:fld id="{23B9EEEE-1094-4C97-866A-224DBA0C3EC2}" type="datetime1">
               <a:rPr lang="de-DE" smtClean="0"/>
-              <a:t>04.07.2019</a:t>
+              <a:t>05.07.2019</a:t>
             </a:fld>
             <a:endParaRPr lang="de-DE"/>
           </a:p>
@@ -2902,10 +2908,9 @@
           <a:lstStyle/>
           <a:p>
             <a:r>
-              <a:rPr lang="de-DE" smtClean="0"/>
+              <a:rPr lang="de-DE"/>
               <a:t>E-Mood-Tracker</a:t>
             </a:r>
-            <a:endParaRPr lang="de-DE"/>
           </a:p>
         </p:txBody>
       </p:sp>
@@ -2927,7 +2932,7 @@
             <a:fld id="{76D67895-9CD9-4983-83EC-F60E121908DF}" type="slidenum">
               <a:rPr lang="de-DE" smtClean="0"/>
               <a:pPr/>
-              <a:t>‹#›</a:t>
+              <a:t>‹Nr.›</a:t>
             </a:fld>
             <a:endParaRPr lang="de-DE"/>
           </a:p>
@@ -2994,7 +2999,7 @@
           <a:lstStyle/>
           <a:p>
             <a:r>
-              <a:rPr lang="en-US" smtClean="0"/>
+              <a:rPr lang="en-US"/>
               <a:t>Click to edit Master title style</a:t>
             </a:r>
             <a:endParaRPr lang="de-DE"/>
@@ -3028,35 +3033,35 @@
           <a:p>
             <a:pPr lvl="0"/>
             <a:r>
-              <a:rPr lang="en-US" smtClean="0"/>
+              <a:rPr lang="en-US"/>
               <a:t>Click to edit Master text styles</a:t>
             </a:r>
           </a:p>
           <a:p>
             <a:pPr lvl="1"/>
             <a:r>
-              <a:rPr lang="en-US" smtClean="0"/>
+              <a:rPr lang="en-US"/>
               <a:t>Second level</a:t>
             </a:r>
           </a:p>
           <a:p>
             <a:pPr lvl="2"/>
             <a:r>
-              <a:rPr lang="en-US" smtClean="0"/>
+              <a:rPr lang="en-US"/>
               <a:t>Third level</a:t>
             </a:r>
           </a:p>
           <a:p>
             <a:pPr lvl="3"/>
             <a:r>
-              <a:rPr lang="en-US" smtClean="0"/>
+              <a:rPr lang="en-US"/>
               <a:t>Fourth level</a:t>
             </a:r>
           </a:p>
           <a:p>
             <a:pPr lvl="4"/>
             <a:r>
-              <a:rPr lang="en-US" smtClean="0"/>
+              <a:rPr lang="en-US"/>
               <a:t>Fifth level</a:t>
             </a:r>
             <a:endParaRPr lang="de-DE"/>
@@ -3098,7 +3103,7 @@
           <a:p>
             <a:fld id="{217D6A1C-5C30-4F2B-91C3-4D5079B06C9A}" type="datetime1">
               <a:rPr lang="de-DE" smtClean="0"/>
-              <a:t>04.07.2019</a:t>
+              <a:t>05.07.2019</a:t>
             </a:fld>
             <a:endParaRPr lang="de-DE"/>
           </a:p>
@@ -3138,10 +3143,9 @@
           </a:lstStyle>
           <a:p>
             <a:r>
-              <a:rPr lang="de-DE" smtClean="0"/>
+              <a:rPr lang="de-DE"/>
               <a:t>E-Mood-Tracker</a:t>
             </a:r>
-            <a:endParaRPr lang="de-DE"/>
           </a:p>
         </p:txBody>
       </p:sp>
@@ -3181,7 +3185,7 @@
             <a:fld id="{76D67895-9CD9-4983-83EC-F60E121908DF}" type="slidenum">
               <a:rPr lang="de-DE" smtClean="0"/>
               <a:pPr/>
-              <a:t>‹#›</a:t>
+              <a:t>‹Nr.›</a:t>
             </a:fld>
             <a:endParaRPr lang="de-DE"/>
           </a:p>
@@ -3579,7 +3583,7 @@
               <a:defRPr/>
             </a:pPr>
             <a:r>
-              <a:rPr kumimoji="0" lang="de-DE" sz="4600" b="1" i="0" u="none" strike="noStrike" kern="1200" cap="none" spc="0" normalizeH="0" baseline="0" noProof="0" dirty="0" smtClean="0">
+              <a:rPr kumimoji="0" lang="de-DE" sz="4600" b="1" i="0" u="none" strike="noStrike" kern="1200" cap="none" spc="0" normalizeH="0" baseline="0" noProof="0" dirty="0">
                 <a:ln>
                   <a:noFill/>
                 </a:ln>
@@ -3596,7 +3600,7 @@
               <a:t>Endpräsentation</a:t>
             </a:r>
             <a:br>
-              <a:rPr kumimoji="0" lang="de-DE" sz="4600" b="1" i="0" u="none" strike="noStrike" kern="1200" cap="none" spc="0" normalizeH="0" baseline="0" noProof="0" dirty="0" smtClean="0">
+              <a:rPr kumimoji="0" lang="de-DE" sz="4600" b="1" i="0" u="none" strike="noStrike" kern="1200" cap="none" spc="0" normalizeH="0" baseline="0" noProof="0" dirty="0">
                 <a:ln>
                   <a:noFill/>
                 </a:ln>
@@ -3612,7 +3616,7 @@
               </a:rPr>
             </a:br>
             <a:r>
-              <a:rPr kumimoji="0" lang="de-DE" sz="4600" b="1" i="0" u="none" strike="noStrike" kern="1200" cap="none" spc="0" normalizeH="0" baseline="0" noProof="0" dirty="0" smtClean="0">
+              <a:rPr kumimoji="0" lang="de-DE" sz="4600" b="1" i="0" u="none" strike="noStrike" kern="1200" cap="none" spc="0" normalizeH="0" baseline="0" noProof="0" dirty="0">
                 <a:ln>
                   <a:noFill/>
                 </a:ln>
@@ -3628,20 +3632,6 @@
               </a:rPr>
               <a:t>05.07.2019</a:t>
             </a:r>
-            <a:endParaRPr kumimoji="0" lang="de-DE" sz="4600" b="1" i="0" u="none" strike="noStrike" kern="1200" cap="none" spc="0" normalizeH="0" baseline="0" noProof="0" dirty="0">
-              <a:ln>
-                <a:noFill/>
-              </a:ln>
-              <a:solidFill>
-                <a:schemeClr val="bg1"/>
-              </a:solidFill>
-              <a:effectLst/>
-              <a:uLnTx/>
-              <a:uFillTx/>
-              <a:latin typeface="Kozuka Gothic Pro L" pitchFamily="34" charset="-128"/>
-              <a:ea typeface="Kozuka Gothic Pro L" pitchFamily="34" charset="-128"/>
-              <a:cs typeface="+mj-cs"/>
-            </a:endParaRPr>
           </a:p>
         </p:txBody>
       </p:sp>
@@ -3686,7 +3676,7 @@
               <a:defRPr/>
             </a:pPr>
             <a:r>
-              <a:rPr kumimoji="0" lang="de-DE" sz="2800" b="0" i="0" u="none" strike="noStrike" kern="1200" cap="none" spc="0" normalizeH="0" baseline="0" noProof="0" smtClean="0">
+              <a:rPr kumimoji="0" lang="de-DE" sz="2800" b="0" i="0" u="none" strike="noStrike" kern="1200" cap="none" spc="0" normalizeH="0" baseline="0" noProof="0">
                 <a:ln>
                   <a:noFill/>
                 </a:ln>
@@ -3766,18 +3756,13 @@
           <a:lstStyle/>
           <a:p>
             <a:r>
-              <a:rPr lang="de-DE" b="1" dirty="0" smtClean="0">
+              <a:rPr lang="de-DE" b="1" dirty="0">
                 <a:solidFill>
                   <a:srgbClr val="49B9B1"/>
                 </a:solidFill>
               </a:rPr>
               <a:t>Design</a:t>
             </a:r>
-            <a:endParaRPr lang="de-DE" b="1" dirty="0">
-              <a:solidFill>
-                <a:srgbClr val="49B9B1"/>
-              </a:solidFill>
-            </a:endParaRPr>
           </a:p>
         </p:txBody>
       </p:sp>
@@ -3804,10 +3789,9 @@
           <a:lstStyle/>
           <a:p>
             <a:r>
-              <a:rPr lang="de-DE" dirty="0" smtClean="0"/>
+              <a:rPr lang="de-DE" dirty="0"/>
               <a:t>Mockup: Patientensuche</a:t>
             </a:r>
-            <a:endParaRPr lang="de-DE" dirty="0"/>
           </a:p>
         </p:txBody>
       </p:sp>
@@ -3878,7 +3862,7 @@
           <a:p>
             <a:fld id="{1080BE1F-C865-4B70-8F8A-838219A849CF}" type="datetime1">
               <a:rPr lang="de-DE" smtClean="0"/>
-              <a:t>04.07.2019</a:t>
+              <a:t>05.07.2019</a:t>
             </a:fld>
             <a:endParaRPr lang="de-DE"/>
           </a:p>
@@ -3900,10 +3884,9 @@
           <a:lstStyle/>
           <a:p>
             <a:r>
-              <a:rPr lang="de-DE" smtClean="0"/>
+              <a:rPr lang="de-DE"/>
               <a:t>E-Mood-Tracker</a:t>
             </a:r>
-            <a:endParaRPr lang="de-DE"/>
           </a:p>
         </p:txBody>
       </p:sp>
@@ -3948,18 +3931,13 @@
           <a:lstStyle/>
           <a:p>
             <a:r>
-              <a:rPr lang="de-DE" b="1" dirty="0" smtClean="0">
+              <a:rPr lang="de-DE" b="1" dirty="0">
                 <a:solidFill>
                   <a:srgbClr val="49B9B1"/>
                 </a:solidFill>
               </a:rPr>
               <a:t>Design</a:t>
             </a:r>
-            <a:endParaRPr lang="de-DE" b="1" dirty="0">
-              <a:solidFill>
-                <a:srgbClr val="49B9B1"/>
-              </a:solidFill>
-            </a:endParaRPr>
           </a:p>
         </p:txBody>
       </p:sp>
@@ -3986,10 +3964,9 @@
           <a:lstStyle/>
           <a:p>
             <a:r>
-              <a:rPr lang="de-DE" dirty="0" smtClean="0"/>
+              <a:rPr lang="de-DE" dirty="0"/>
               <a:t>Mockup: Patientenliste</a:t>
             </a:r>
-            <a:endParaRPr lang="de-DE" dirty="0"/>
           </a:p>
         </p:txBody>
       </p:sp>
@@ -4060,7 +4037,7 @@
           <a:p>
             <a:fld id="{57655D7A-52A9-466A-8867-6811E4548AF6}" type="datetime1">
               <a:rPr lang="de-DE" smtClean="0"/>
-              <a:t>04.07.2019</a:t>
+              <a:t>05.07.2019</a:t>
             </a:fld>
             <a:endParaRPr lang="de-DE"/>
           </a:p>
@@ -4082,10 +4059,9 @@
           <a:lstStyle/>
           <a:p>
             <a:r>
-              <a:rPr lang="de-DE" smtClean="0"/>
+              <a:rPr lang="de-DE"/>
               <a:t>E-Mood-Tracker</a:t>
             </a:r>
-            <a:endParaRPr lang="de-DE"/>
           </a:p>
         </p:txBody>
       </p:sp>
@@ -4130,18 +4106,13 @@
           <a:lstStyle/>
           <a:p>
             <a:r>
-              <a:rPr lang="de-DE" b="1" dirty="0" smtClean="0">
+              <a:rPr lang="de-DE" b="1" dirty="0">
                 <a:solidFill>
                   <a:srgbClr val="49B9B1"/>
                 </a:solidFill>
               </a:rPr>
               <a:t>Design</a:t>
             </a:r>
-            <a:endParaRPr lang="de-DE" b="1" dirty="0">
-              <a:solidFill>
-                <a:srgbClr val="49B9B1"/>
-              </a:solidFill>
-            </a:endParaRPr>
           </a:p>
         </p:txBody>
       </p:sp>
@@ -4168,10 +4139,9 @@
           <a:lstStyle/>
           <a:p>
             <a:r>
-              <a:rPr lang="de-DE" dirty="0" smtClean="0"/>
+              <a:rPr lang="de-DE" dirty="0"/>
               <a:t>Mockup: Statistik Tagebuch </a:t>
             </a:r>
-            <a:endParaRPr lang="de-DE" dirty="0"/>
           </a:p>
         </p:txBody>
       </p:sp>
@@ -4216,7 +4186,7 @@
           <a:p>
             <a:fld id="{CF2440FC-F25B-48B0-86FA-7898E1EE7984}" type="datetime1">
               <a:rPr lang="de-DE" smtClean="0"/>
-              <a:t>04.07.2019</a:t>
+              <a:t>05.07.2019</a:t>
             </a:fld>
             <a:endParaRPr lang="de-DE"/>
           </a:p>
@@ -4238,10 +4208,9 @@
           <a:lstStyle/>
           <a:p>
             <a:r>
-              <a:rPr lang="de-DE" smtClean="0"/>
+              <a:rPr lang="de-DE"/>
               <a:t>E-Mood-Tracker</a:t>
             </a:r>
-            <a:endParaRPr lang="de-DE"/>
           </a:p>
         </p:txBody>
       </p:sp>
@@ -4312,18 +4281,13 @@
           <a:lstStyle/>
           <a:p>
             <a:r>
-              <a:rPr lang="de-DE" b="1" dirty="0" smtClean="0">
+              <a:rPr lang="de-DE" b="1" dirty="0">
                 <a:solidFill>
                   <a:srgbClr val="49B9B1"/>
                 </a:solidFill>
               </a:rPr>
               <a:t>Design</a:t>
             </a:r>
-            <a:endParaRPr lang="de-DE" b="1" dirty="0">
-              <a:solidFill>
-                <a:srgbClr val="49B9B1"/>
-              </a:solidFill>
-            </a:endParaRPr>
           </a:p>
         </p:txBody>
       </p:sp>
@@ -4350,10 +4314,9 @@
           <a:lstStyle/>
           <a:p>
             <a:r>
-              <a:rPr lang="de-DE" dirty="0" smtClean="0"/>
+              <a:rPr lang="de-DE" dirty="0"/>
               <a:t>Mockup: Tagebuchmaske </a:t>
             </a:r>
-            <a:endParaRPr lang="de-DE" dirty="0"/>
           </a:p>
         </p:txBody>
       </p:sp>
@@ -4424,7 +4387,7 @@
           <a:p>
             <a:fld id="{C538A489-6D0A-44FD-900D-691E5ADDD30A}" type="datetime1">
               <a:rPr lang="de-DE" smtClean="0"/>
-              <a:t>04.07.2019</a:t>
+              <a:t>05.07.2019</a:t>
             </a:fld>
             <a:endParaRPr lang="de-DE"/>
           </a:p>
@@ -4446,10 +4409,9 @@
           <a:lstStyle/>
           <a:p>
             <a:r>
-              <a:rPr lang="de-DE" dirty="0" smtClean="0"/>
+              <a:rPr lang="de-DE" dirty="0"/>
               <a:t>E-Mood-Tracker</a:t>
             </a:r>
-            <a:endParaRPr lang="de-DE" dirty="0"/>
           </a:p>
         </p:txBody>
       </p:sp>
@@ -4494,18 +4456,13 @@
           <a:lstStyle/>
           <a:p>
             <a:r>
-              <a:rPr lang="de-DE" b="1" dirty="0" smtClean="0">
+              <a:rPr lang="de-DE" b="1" dirty="0">
                 <a:solidFill>
                   <a:srgbClr val="49B9B1"/>
                 </a:solidFill>
               </a:rPr>
               <a:t>Design</a:t>
             </a:r>
-            <a:endParaRPr lang="de-DE" b="1" dirty="0">
-              <a:solidFill>
-                <a:srgbClr val="49B9B1"/>
-              </a:solidFill>
-            </a:endParaRPr>
           </a:p>
         </p:txBody>
       </p:sp>
@@ -4532,10 +4489,9 @@
           <a:lstStyle/>
           <a:p>
             <a:r>
-              <a:rPr lang="de-DE" dirty="0" smtClean="0"/>
+              <a:rPr lang="de-DE" dirty="0"/>
               <a:t>Mockup: Rückmeldung </a:t>
             </a:r>
-            <a:endParaRPr lang="de-DE" dirty="0"/>
           </a:p>
         </p:txBody>
       </p:sp>
@@ -4606,7 +4562,7 @@
           <a:p>
             <a:fld id="{5499DBFA-18AC-4686-994E-F06BC0A55C3D}" type="datetime1">
               <a:rPr lang="de-DE" smtClean="0"/>
-              <a:t>04.07.2019</a:t>
+              <a:t>05.07.2019</a:t>
             </a:fld>
             <a:endParaRPr lang="de-DE"/>
           </a:p>
@@ -4628,10 +4584,9 @@
           <a:lstStyle/>
           <a:p>
             <a:r>
-              <a:rPr lang="de-DE" smtClean="0"/>
+              <a:rPr lang="de-DE"/>
               <a:t>E-Mood-Tracker</a:t>
             </a:r>
-            <a:endParaRPr lang="de-DE"/>
           </a:p>
         </p:txBody>
       </p:sp>
@@ -4676,18 +4631,13 @@
           <a:lstStyle/>
           <a:p>
             <a:r>
-              <a:rPr lang="de-DE" b="1" dirty="0" smtClean="0">
+              <a:rPr lang="de-DE" b="1" dirty="0">
                 <a:solidFill>
                   <a:srgbClr val="49B9B1"/>
                 </a:solidFill>
               </a:rPr>
               <a:t>Design</a:t>
             </a:r>
-            <a:endParaRPr lang="de-DE" b="1" dirty="0">
-              <a:solidFill>
-                <a:srgbClr val="49B9B1"/>
-              </a:solidFill>
-            </a:endParaRPr>
           </a:p>
         </p:txBody>
       </p:sp>
@@ -4714,10 +4664,9 @@
           <a:lstStyle/>
           <a:p>
             <a:r>
-              <a:rPr lang="de-DE" dirty="0" smtClean="0"/>
+              <a:rPr lang="de-DE" dirty="0"/>
               <a:t>Mockup: Ausloggen </a:t>
             </a:r>
-            <a:endParaRPr lang="de-DE" dirty="0"/>
           </a:p>
         </p:txBody>
       </p:sp>
@@ -4788,7 +4737,7 @@
           <a:p>
             <a:fld id="{BF3D2631-CFDC-40F1-9969-723CDC103192}" type="datetime1">
               <a:rPr lang="de-DE" smtClean="0"/>
-              <a:t>04.07.2019</a:t>
+              <a:t>05.07.2019</a:t>
             </a:fld>
             <a:endParaRPr lang="de-DE" dirty="0"/>
           </a:p>
@@ -4810,10 +4759,9 @@
           <a:lstStyle/>
           <a:p>
             <a:r>
-              <a:rPr lang="de-DE" smtClean="0"/>
+              <a:rPr lang="de-DE"/>
               <a:t>E-Mood-Tracker</a:t>
             </a:r>
-            <a:endParaRPr lang="de-DE"/>
           </a:p>
         </p:txBody>
       </p:sp>
@@ -4858,18 +4806,13 @@
           <a:lstStyle/>
           <a:p>
             <a:r>
-              <a:rPr lang="de-DE" b="1" dirty="0" smtClean="0">
+              <a:rPr lang="de-DE" b="1" dirty="0">
                 <a:solidFill>
                   <a:srgbClr val="49B9B1"/>
                 </a:solidFill>
               </a:rPr>
               <a:t>Use Case</a:t>
             </a:r>
-            <a:endParaRPr lang="de-DE" b="1" dirty="0">
-              <a:solidFill>
-                <a:srgbClr val="49B9B1"/>
-              </a:solidFill>
-            </a:endParaRPr>
           </a:p>
         </p:txBody>
       </p:sp>
@@ -4940,7 +4883,7 @@
           <a:p>
             <a:fld id="{48141C4A-2FF9-4B57-B355-3E60F29EADD0}" type="datetime1">
               <a:rPr lang="de-DE" smtClean="0"/>
-              <a:t>04.07.2019</a:t>
+              <a:t>05.07.2019</a:t>
             </a:fld>
             <a:endParaRPr lang="de-DE"/>
           </a:p>
@@ -4962,10 +4905,9 @@
           <a:lstStyle/>
           <a:p>
             <a:r>
-              <a:rPr lang="de-DE" smtClean="0"/>
+              <a:rPr lang="de-DE"/>
               <a:t>E-Mood-Tracker</a:t>
             </a:r>
-            <a:endParaRPr lang="de-DE"/>
           </a:p>
         </p:txBody>
       </p:sp>
@@ -5012,18 +4954,13 @@
           <a:lstStyle/>
           <a:p>
             <a:r>
-              <a:rPr lang="de-DE" b="1" dirty="0" smtClean="0">
+              <a:rPr lang="de-DE" b="1" dirty="0">
                 <a:solidFill>
                   <a:srgbClr val="49B9B1"/>
                 </a:solidFill>
               </a:rPr>
               <a:t>„Wie wurden die Use Cases getestet?“</a:t>
             </a:r>
-            <a:endParaRPr lang="de-DE" b="1" dirty="0">
-              <a:solidFill>
-                <a:srgbClr val="49B9B1"/>
-              </a:solidFill>
-            </a:endParaRPr>
           </a:p>
         </p:txBody>
       </p:sp>
@@ -5051,38 +4988,33 @@
               <a:buNone/>
             </a:pPr>
             <a:r>
-              <a:rPr lang="de-DE" dirty="0" smtClean="0"/>
-              <a:t>Es </a:t>
-            </a:r>
-            <a:r>
-              <a:rPr lang="de-DE" dirty="0" smtClean="0"/>
-              <a:t>wurden Mockups erstellt.</a:t>
-            </a:r>
-            <a:endParaRPr lang="de-DE" dirty="0" smtClean="0"/>
+              <a:rPr lang="de-DE" dirty="0"/>
+              <a:t>Es wurden Mockups erstellt.</a:t>
+            </a:r>
           </a:p>
           <a:p>
             <a:pPr marL="514350" indent="-514350">
               <a:buNone/>
             </a:pPr>
             <a:r>
-              <a:rPr lang="de-DE" dirty="0" smtClean="0">
+              <a:rPr lang="de-DE" dirty="0">
                 <a:sym typeface="Wingdings" pitchFamily="2" charset="2"/>
               </a:rPr>
               <a:t> Mit der Software „</a:t>
             </a:r>
             <a:r>
-              <a:rPr lang="de-DE" b="1" dirty="0" smtClean="0">
+              <a:rPr lang="de-DE" b="1" dirty="0">
                 <a:sym typeface="Wingdings" pitchFamily="2" charset="2"/>
               </a:rPr>
               <a:t>JustInMind</a:t>
             </a:r>
             <a:r>
-              <a:rPr lang="de-DE" dirty="0" smtClean="0">
+              <a:rPr lang="de-DE" dirty="0">
                 <a:sym typeface="Wingdings" pitchFamily="2" charset="2"/>
               </a:rPr>
               <a:t>“</a:t>
             </a:r>
-            <a:endParaRPr lang="de-DE" dirty="0" smtClean="0"/>
+            <a:endParaRPr lang="de-DE" dirty="0"/>
           </a:p>
         </p:txBody>
       </p:sp>
@@ -5151,7 +5083,7 @@
           <a:p>
             <a:fld id="{75E74C7B-EEC0-4484-869E-EB6577A574D7}" type="datetime1">
               <a:rPr lang="de-DE" smtClean="0"/>
-              <a:t>04.07.2019</a:t>
+              <a:t>05.07.2019</a:t>
             </a:fld>
             <a:endParaRPr lang="de-DE"/>
           </a:p>
@@ -5173,10 +5105,9 @@
           <a:lstStyle/>
           <a:p>
             <a:r>
-              <a:rPr lang="de-DE" smtClean="0"/>
+              <a:rPr lang="de-DE"/>
               <a:t>E-Mood-Tracker</a:t>
             </a:r>
-            <a:endParaRPr lang="de-DE"/>
           </a:p>
         </p:txBody>
       </p:sp>
@@ -5223,18 +5154,13 @@
           <a:lstStyle/>
           <a:p>
             <a:r>
-              <a:rPr lang="de-DE" b="1" dirty="0" smtClean="0">
+              <a:rPr lang="de-DE" b="1" dirty="0">
                 <a:solidFill>
                   <a:srgbClr val="49B9B1"/>
                 </a:solidFill>
               </a:rPr>
               <a:t>„Wie wurden die Use Cases getestet?“</a:t>
             </a:r>
-            <a:endParaRPr lang="de-DE" b="1" dirty="0">
-              <a:solidFill>
-                <a:srgbClr val="49B9B1"/>
-              </a:solidFill>
-            </a:endParaRPr>
           </a:p>
         </p:txBody>
       </p:sp>
@@ -5262,15 +5188,15 @@
               <a:buNone/>
             </a:pPr>
             <a:r>
-              <a:rPr lang="de-DE" dirty="0" smtClean="0"/>
+              <a:rPr lang="de-DE" dirty="0"/>
               <a:t>Es wurden </a:t>
             </a:r>
             <a:r>
-              <a:rPr lang="de-DE" b="1" dirty="0" smtClean="0"/>
+              <a:rPr lang="de-DE" b="1" dirty="0"/>
               <a:t>Personas</a:t>
             </a:r>
             <a:r>
-              <a:rPr lang="de-DE" dirty="0" smtClean="0"/>
+              <a:rPr lang="de-DE" dirty="0"/>
               <a:t> erstellt:</a:t>
             </a:r>
           </a:p>
@@ -5278,7 +5204,7 @@
             <a:pPr marL="514350" indent="-514350">
               <a:buNone/>
             </a:pPr>
-            <a:endParaRPr lang="de-DE" dirty="0" smtClean="0"/>
+            <a:endParaRPr lang="de-DE" dirty="0"/>
           </a:p>
         </p:txBody>
       </p:sp>
@@ -5463,7 +5389,7 @@
           <a:p>
             <a:fld id="{600DD840-4A88-4784-A023-2708826C6C7A}" type="datetime1">
               <a:rPr lang="de-DE" smtClean="0"/>
-              <a:t>04.07.2019</a:t>
+              <a:t>05.07.2019</a:t>
             </a:fld>
             <a:endParaRPr lang="de-DE"/>
           </a:p>
@@ -5485,10 +5411,9 @@
           <a:lstStyle/>
           <a:p>
             <a:r>
-              <a:rPr lang="de-DE" smtClean="0"/>
+              <a:rPr lang="de-DE"/>
               <a:t>E-Mood-Tracker</a:t>
             </a:r>
-            <a:endParaRPr lang="de-DE"/>
           </a:p>
         </p:txBody>
       </p:sp>
@@ -5535,18 +5460,13 @@
           <a:lstStyle/>
           <a:p>
             <a:r>
-              <a:rPr lang="de-DE" b="1" dirty="0" smtClean="0">
+              <a:rPr lang="de-DE" b="1" dirty="0">
                 <a:solidFill>
                   <a:srgbClr val="49B9B1"/>
                 </a:solidFill>
               </a:rPr>
               <a:t>„Wie wurden die Use Cases getestet?“</a:t>
             </a:r>
-            <a:endParaRPr lang="de-DE" b="1" dirty="0">
-              <a:solidFill>
-                <a:srgbClr val="49B9B1"/>
-              </a:solidFill>
-            </a:endParaRPr>
           </a:p>
         </p:txBody>
       </p:sp>
@@ -5574,7 +5494,7 @@
               <a:buNone/>
             </a:pPr>
             <a:r>
-              <a:rPr lang="de-DE" dirty="0" smtClean="0"/>
+              <a:rPr lang="de-DE" dirty="0"/>
               <a:t>Es wurden Personas erstellt:</a:t>
             </a:r>
           </a:p>
@@ -5582,7 +5502,7 @@
             <a:pPr marL="514350" indent="-514350">
               <a:buNone/>
             </a:pPr>
-            <a:endParaRPr lang="de-DE" dirty="0" smtClean="0"/>
+            <a:endParaRPr lang="de-DE" dirty="0"/>
           </a:p>
         </p:txBody>
       </p:sp>
@@ -5699,7 +5619,7 @@
           <a:p>
             <a:fld id="{0029F045-D0F0-4996-BA96-07AA2E7D8FBC}" type="datetime1">
               <a:rPr lang="de-DE" smtClean="0"/>
-              <a:t>04.07.2019</a:t>
+              <a:t>05.07.2019</a:t>
             </a:fld>
             <a:endParaRPr lang="de-DE"/>
           </a:p>
@@ -5721,10 +5641,9 @@
           <a:lstStyle/>
           <a:p>
             <a:r>
-              <a:rPr lang="de-DE" smtClean="0"/>
+              <a:rPr lang="de-DE"/>
               <a:t>E-Mood-Tracker</a:t>
             </a:r>
-            <a:endParaRPr lang="de-DE"/>
           </a:p>
         </p:txBody>
       </p:sp>
@@ -5769,18 +5688,13 @@
           <a:lstStyle/>
           <a:p>
             <a:r>
-              <a:rPr lang="de-DE" b="1" dirty="0" smtClean="0">
+              <a:rPr lang="de-DE" b="1" dirty="0">
                 <a:solidFill>
                   <a:srgbClr val="49B9B1"/>
                 </a:solidFill>
               </a:rPr>
               <a:t>Gliederung</a:t>
             </a:r>
-            <a:endParaRPr lang="de-DE" b="1" dirty="0">
-              <a:solidFill>
-                <a:srgbClr val="49B9B1"/>
-              </a:solidFill>
-            </a:endParaRPr>
           </a:p>
         </p:txBody>
       </p:sp>
@@ -5803,8 +5717,20 @@
                 <a:tableStyleId>{2D5ABB26-0587-4C30-8999-92F81FD0307C}</a:tableStyleId>
               </a:tblPr>
               <a:tblGrid>
-                <a:gridCol w="3048000"/>
-                <a:gridCol w="3048000"/>
+                <a:gridCol w="3048000">
+                  <a:extLst>
+                    <a:ext uri="{9D8B030D-6E8A-4147-A177-3AD203B41FA5}">
+                      <a16:colId xmlns:a16="http://schemas.microsoft.com/office/drawing/2014/main" val="20000"/>
+                    </a:ext>
+                  </a:extLst>
+                </a:gridCol>
+                <a:gridCol w="3048000">
+                  <a:extLst>
+                    <a:ext uri="{9D8B030D-6E8A-4147-A177-3AD203B41FA5}">
+                      <a16:colId xmlns:a16="http://schemas.microsoft.com/office/drawing/2014/main" val="20001"/>
+                    </a:ext>
+                  </a:extLst>
+                </a:gridCol>
               </a:tblGrid>
               <a:tr h="370840">
                 <a:tc>
@@ -5813,10 +5739,9 @@
                     <a:lstStyle/>
                     <a:p>
                       <a:r>
-                        <a:rPr lang="de-DE" b="1" dirty="0" smtClean="0"/>
+                        <a:rPr lang="de-DE" b="1" dirty="0"/>
                         <a:t>Projektidee</a:t>
                       </a:r>
-                      <a:endParaRPr lang="de-DE" b="1" dirty="0"/>
                     </a:p>
                   </a:txBody>
                   <a:tcPr/>
@@ -5828,14 +5753,18 @@
                     <a:p>
                       <a:pPr algn="r"/>
                       <a:r>
-                        <a:rPr lang="de-DE" b="0" dirty="0" smtClean="0"/>
+                        <a:rPr lang="de-DE" b="0" dirty="0"/>
                         <a:t>S.3</a:t>
                       </a:r>
-                      <a:endParaRPr lang="de-DE" b="0" dirty="0"/>
                     </a:p>
                   </a:txBody>
                   <a:tcPr/>
                 </a:tc>
+                <a:extLst>
+                  <a:ext uri="{0D108BD9-81ED-4DB2-BD59-A6C34878D82A}">
+                    <a16:rowId xmlns:a16="http://schemas.microsoft.com/office/drawing/2014/main" val="10000"/>
+                  </a:ext>
+                </a:extLst>
               </a:tr>
               <a:tr h="370840">
                 <a:tc>
@@ -5844,10 +5773,9 @@
                     <a:lstStyle/>
                     <a:p>
                       <a:r>
-                        <a:rPr lang="de-DE" b="1" dirty="0" smtClean="0"/>
+                        <a:rPr lang="de-DE" b="1" dirty="0"/>
                         <a:t>Anforderungen</a:t>
                       </a:r>
-                      <a:endParaRPr lang="de-DE" b="1" dirty="0"/>
                     </a:p>
                   </a:txBody>
                   <a:tcPr/>
@@ -5859,14 +5787,18 @@
                     <a:p>
                       <a:pPr algn="r"/>
                       <a:r>
-                        <a:rPr lang="de-DE" b="0" dirty="0" smtClean="0"/>
+                        <a:rPr lang="de-DE" b="0" dirty="0"/>
                         <a:t>S. 4 - 6</a:t>
                       </a:r>
-                      <a:endParaRPr lang="de-DE" b="0" dirty="0"/>
                     </a:p>
                   </a:txBody>
                   <a:tcPr/>
                 </a:tc>
+                <a:extLst>
+                  <a:ext uri="{0D108BD9-81ED-4DB2-BD59-A6C34878D82A}">
+                    <a16:rowId xmlns:a16="http://schemas.microsoft.com/office/drawing/2014/main" val="10001"/>
+                  </a:ext>
+                </a:extLst>
               </a:tr>
               <a:tr h="370840">
                 <a:tc>
@@ -5875,10 +5807,9 @@
                     <a:lstStyle/>
                     <a:p>
                       <a:r>
-                        <a:rPr lang="de-DE" b="1" dirty="0" smtClean="0"/>
+                        <a:rPr lang="de-DE" b="1" dirty="0"/>
                         <a:t>Ergebnisse</a:t>
                       </a:r>
-                      <a:endParaRPr lang="de-DE" b="1" dirty="0"/>
                     </a:p>
                   </a:txBody>
                   <a:tcPr/>
@@ -5890,14 +5821,18 @@
                     <a:p>
                       <a:pPr algn="r"/>
                       <a:r>
-                        <a:rPr lang="de-DE" dirty="0" smtClean="0"/>
+                        <a:rPr lang="de-DE" dirty="0"/>
                         <a:t>S. 7 - 15</a:t>
                       </a:r>
-                      <a:endParaRPr lang="de-DE" dirty="0"/>
                     </a:p>
                   </a:txBody>
                   <a:tcPr/>
                 </a:tc>
+                <a:extLst>
+                  <a:ext uri="{0D108BD9-81ED-4DB2-BD59-A6C34878D82A}">
+                    <a16:rowId xmlns:a16="http://schemas.microsoft.com/office/drawing/2014/main" val="10002"/>
+                  </a:ext>
+                </a:extLst>
               </a:tr>
               <a:tr h="370840">
                 <a:tc>
@@ -5906,10 +5841,9 @@
                     <a:lstStyle/>
                     <a:p>
                       <a:r>
-                        <a:rPr lang="de-DE" b="1" dirty="0" smtClean="0"/>
+                        <a:rPr lang="de-DE" b="1" dirty="0"/>
                         <a:t>Use Cases</a:t>
                       </a:r>
-                      <a:endParaRPr lang="de-DE" b="1" dirty="0"/>
                     </a:p>
                   </a:txBody>
                   <a:tcPr/>
@@ -5921,11 +5855,11 @@
                     <a:p>
                       <a:pPr algn="r"/>
                       <a:r>
-                        <a:rPr lang="de-DE" dirty="0" smtClean="0"/>
+                        <a:rPr lang="de-DE" dirty="0"/>
                         <a:t>S.</a:t>
                       </a:r>
                       <a:r>
-                        <a:rPr lang="de-DE" baseline="0" dirty="0" smtClean="0"/>
+                        <a:rPr lang="de-DE" baseline="0" dirty="0"/>
                         <a:t> 16 - 19</a:t>
                       </a:r>
                       <a:endParaRPr lang="de-DE" dirty="0"/>
@@ -5933,6 +5867,11 @@
                   </a:txBody>
                   <a:tcPr/>
                 </a:tc>
+                <a:extLst>
+                  <a:ext uri="{0D108BD9-81ED-4DB2-BD59-A6C34878D82A}">
+                    <a16:rowId xmlns:a16="http://schemas.microsoft.com/office/drawing/2014/main" val="10003"/>
+                  </a:ext>
+                </a:extLst>
               </a:tr>
               <a:tr h="370840">
                 <a:tc>
@@ -5941,10 +5880,9 @@
                     <a:lstStyle/>
                     <a:p>
                       <a:r>
-                        <a:rPr lang="de-DE" b="1" dirty="0" smtClean="0"/>
+                        <a:rPr lang="de-DE" b="1" dirty="0"/>
                         <a:t>Risiken</a:t>
                       </a:r>
-                      <a:endParaRPr lang="de-DE" b="1" dirty="0"/>
                     </a:p>
                   </a:txBody>
                   <a:tcPr/>
@@ -5956,14 +5894,18 @@
                     <a:p>
                       <a:pPr algn="r"/>
                       <a:r>
-                        <a:rPr lang="de-DE" dirty="0" smtClean="0"/>
+                        <a:rPr lang="de-DE" dirty="0"/>
                         <a:t>S. 20</a:t>
                       </a:r>
-                      <a:endParaRPr lang="de-DE" dirty="0"/>
                     </a:p>
                   </a:txBody>
                   <a:tcPr/>
                 </a:tc>
+                <a:extLst>
+                  <a:ext uri="{0D108BD9-81ED-4DB2-BD59-A6C34878D82A}">
+                    <a16:rowId xmlns:a16="http://schemas.microsoft.com/office/drawing/2014/main" val="10004"/>
+                  </a:ext>
+                </a:extLst>
               </a:tr>
               <a:tr h="370840">
                 <a:tc>
@@ -5972,10 +5914,9 @@
                     <a:lstStyle/>
                     <a:p>
                       <a:r>
-                        <a:rPr lang="de-DE" b="1" dirty="0" smtClean="0"/>
+                        <a:rPr lang="de-DE" b="1" dirty="0"/>
                         <a:t>Abweichungen</a:t>
                       </a:r>
-                      <a:endParaRPr lang="de-DE" b="1" dirty="0"/>
                     </a:p>
                   </a:txBody>
                   <a:tcPr/>
@@ -5987,14 +5928,18 @@
                     <a:p>
                       <a:pPr algn="r"/>
                       <a:r>
-                        <a:rPr lang="de-DE" dirty="0" smtClean="0"/>
+                        <a:rPr lang="de-DE" dirty="0"/>
                         <a:t>S. 21</a:t>
                       </a:r>
-                      <a:endParaRPr lang="de-DE" dirty="0"/>
                     </a:p>
                   </a:txBody>
                   <a:tcPr/>
                 </a:tc>
+                <a:extLst>
+                  <a:ext uri="{0D108BD9-81ED-4DB2-BD59-A6C34878D82A}">
+                    <a16:rowId xmlns:a16="http://schemas.microsoft.com/office/drawing/2014/main" val="10005"/>
+                  </a:ext>
+                </a:extLst>
               </a:tr>
               <a:tr h="370840">
                 <a:tc>
@@ -6003,10 +5948,9 @@
                     <a:lstStyle/>
                     <a:p>
                       <a:r>
-                        <a:rPr lang="de-DE" b="1" dirty="0" smtClean="0"/>
+                        <a:rPr lang="de-DE" b="1" dirty="0"/>
                         <a:t>Softwareprobleme</a:t>
                       </a:r>
-                      <a:endParaRPr lang="de-DE" b="1" dirty="0"/>
                     </a:p>
                   </a:txBody>
                   <a:tcPr/>
@@ -6018,14 +5962,18 @@
                     <a:p>
                       <a:pPr algn="r"/>
                       <a:r>
-                        <a:rPr lang="de-DE" dirty="0" smtClean="0"/>
+                        <a:rPr lang="de-DE" dirty="0"/>
                         <a:t>S.22</a:t>
                       </a:r>
-                      <a:endParaRPr lang="de-DE" dirty="0"/>
                     </a:p>
                   </a:txBody>
                   <a:tcPr/>
                 </a:tc>
+                <a:extLst>
+                  <a:ext uri="{0D108BD9-81ED-4DB2-BD59-A6C34878D82A}">
+                    <a16:rowId xmlns:a16="http://schemas.microsoft.com/office/drawing/2014/main" val="10006"/>
+                  </a:ext>
+                </a:extLst>
               </a:tr>
               <a:tr h="370840">
                 <a:tc>
@@ -6034,10 +5982,9 @@
                     <a:lstStyle/>
                     <a:p>
                       <a:r>
-                        <a:rPr lang="de-DE" b="1" dirty="0" smtClean="0"/>
+                        <a:rPr lang="de-DE" b="1" dirty="0"/>
                         <a:t>Zusammenfassung</a:t>
                       </a:r>
-                      <a:endParaRPr lang="de-DE" b="1" dirty="0"/>
                     </a:p>
                   </a:txBody>
                   <a:tcPr/>
@@ -6049,14 +5996,18 @@
                     <a:p>
                       <a:pPr algn="r"/>
                       <a:r>
-                        <a:rPr lang="de-DE" dirty="0" smtClean="0"/>
+                        <a:rPr lang="de-DE" dirty="0"/>
                         <a:t>S. 23</a:t>
                       </a:r>
-                      <a:endParaRPr lang="de-DE" dirty="0"/>
                     </a:p>
                   </a:txBody>
                   <a:tcPr/>
                 </a:tc>
+                <a:extLst>
+                  <a:ext uri="{0D108BD9-81ED-4DB2-BD59-A6C34878D82A}">
+                    <a16:rowId xmlns:a16="http://schemas.microsoft.com/office/drawing/2014/main" val="10007"/>
+                  </a:ext>
+                </a:extLst>
               </a:tr>
             </a:tbl>
           </a:graphicData>
@@ -6103,7 +6054,7 @@
           <a:p>
             <a:fld id="{EEEDA438-AA47-44CE-94EC-794B8A64AF77}" type="datetime1">
               <a:rPr lang="de-DE" smtClean="0"/>
-              <a:t>04.07.2019</a:t>
+              <a:t>05.07.2019</a:t>
             </a:fld>
             <a:endParaRPr lang="de-DE"/>
           </a:p>
@@ -6125,10 +6076,9 @@
           <a:lstStyle/>
           <a:p>
             <a:r>
-              <a:rPr lang="de-DE" smtClean="0"/>
+              <a:rPr lang="de-DE"/>
               <a:t>E-Mood-Tracker</a:t>
             </a:r>
-            <a:endParaRPr lang="de-DE"/>
           </a:p>
         </p:txBody>
       </p:sp>
@@ -6173,18 +6123,13 @@
           <a:lstStyle/>
           <a:p>
             <a:r>
-              <a:rPr lang="de-DE" b="1" dirty="0" smtClean="0">
+              <a:rPr lang="de-DE" b="1" dirty="0">
                 <a:solidFill>
                   <a:srgbClr val="49B9B1"/>
                 </a:solidFill>
               </a:rPr>
               <a:t>Risiken</a:t>
             </a:r>
-            <a:endParaRPr lang="de-DE" b="1" dirty="0">
-              <a:solidFill>
-                <a:srgbClr val="49B9B1"/>
-              </a:solidFill>
-            </a:endParaRPr>
           </a:p>
         </p:txBody>
       </p:sp>
@@ -6229,7 +6174,7 @@
               <a:defRPr/>
             </a:pPr>
             <a:r>
-              <a:rPr kumimoji="0" lang="de-DE" sz="3200" b="1" i="0" u="none" strike="noStrike" kern="1200" cap="none" spc="0" normalizeH="0" baseline="0" noProof="0" dirty="0" smtClean="0">
+              <a:rPr kumimoji="0" lang="de-DE" sz="3200" b="1" i="0" u="none" strike="noStrike" kern="1200" cap="none" spc="0" normalizeH="0" baseline="0" noProof="0" dirty="0">
                 <a:ln>
                   <a:noFill/>
                 </a:ln>
@@ -6246,7 +6191,7 @@
               <a:t>Risiko #4 </a:t>
             </a:r>
             <a:r>
-              <a:rPr kumimoji="0" lang="de-DE" sz="3200" b="0" i="0" u="none" strike="noStrike" kern="1200" cap="none" spc="0" normalizeH="0" baseline="0" noProof="0" dirty="0" smtClean="0">
+              <a:rPr kumimoji="0" lang="de-DE" sz="3200" b="0" i="0" u="none" strike="noStrike" kern="1200" cap="none" spc="0" normalizeH="0" baseline="0" noProof="0" dirty="0">
                 <a:ln>
                   <a:noFill/>
                 </a:ln>
@@ -6282,7 +6227,7 @@
               <a:defRPr/>
             </a:pPr>
             <a:r>
-              <a:rPr kumimoji="0" lang="de-DE" sz="3200" b="0" i="0" u="none" strike="noStrike" kern="1200" cap="none" spc="0" normalizeH="0" baseline="0" noProof="0" dirty="0" smtClean="0">
+              <a:rPr kumimoji="0" lang="de-DE" sz="3200" b="0" i="0" u="none" strike="noStrike" kern="1200" cap="none" spc="0" normalizeH="0" baseline="0" noProof="0" dirty="0">
                 <a:ln>
                   <a:noFill/>
                 </a:ln>
@@ -6299,7 +6244,7 @@
               <a:t>       </a:t>
             </a:r>
             <a:r>
-              <a:rPr kumimoji="0" lang="de-DE" sz="3200" b="1" i="0" u="none" strike="noStrike" kern="1200" cap="none" spc="0" normalizeH="0" baseline="0" noProof="0" dirty="0" smtClean="0">
+              <a:rPr kumimoji="0" lang="de-DE" sz="3200" b="1" i="0" u="none" strike="noStrike" kern="1200" cap="none" spc="0" normalizeH="0" baseline="0" noProof="0" dirty="0">
                 <a:ln>
                   <a:noFill/>
                 </a:ln>
@@ -6335,7 +6280,7 @@
               <a:defRPr/>
             </a:pPr>
             <a:r>
-              <a:rPr kumimoji="0" lang="de-DE" sz="3200" b="0" i="0" u="none" strike="noStrike" kern="1200" cap="none" spc="0" normalizeH="0" baseline="0" noProof="0" dirty="0" smtClean="0">
+              <a:rPr kumimoji="0" lang="de-DE" sz="3200" b="0" i="0" u="none" strike="noStrike" kern="1200" cap="none" spc="0" normalizeH="0" baseline="0" noProof="0" dirty="0">
                 <a:ln>
                   <a:noFill/>
                 </a:ln>
@@ -6352,7 +6297,7 @@
               <a:t>Wahrscheinlichkeit des Auftretens: </a:t>
             </a:r>
             <a:r>
-              <a:rPr kumimoji="0" lang="de-DE" sz="3200" b="1" i="0" u="none" strike="noStrike" kern="1200" cap="none" spc="0" normalizeH="0" baseline="0" noProof="0" dirty="0" smtClean="0">
+              <a:rPr kumimoji="0" lang="de-DE" sz="3200" b="1" i="0" u="none" strike="noStrike" kern="1200" cap="none" spc="0" normalizeH="0" baseline="0" noProof="0" dirty="0">
                 <a:ln>
                   <a:noFill/>
                 </a:ln>
@@ -6368,20 +6313,6 @@
               </a:rPr>
               <a:t>50%</a:t>
             </a:r>
-            <a:endParaRPr kumimoji="0" lang="de-DE" sz="3200" b="1" i="0" u="none" strike="noStrike" kern="1200" cap="none" spc="0" normalizeH="0" baseline="0" noProof="0" dirty="0">
-              <a:ln>
-                <a:noFill/>
-              </a:ln>
-              <a:solidFill>
-                <a:srgbClr val="EF7B6E"/>
-              </a:solidFill>
-              <a:effectLst/>
-              <a:uLnTx/>
-              <a:uFillTx/>
-              <a:latin typeface="+mj-lt"/>
-              <a:ea typeface="Kozuka Gothic Pro L" pitchFamily="34" charset="-128"/>
-              <a:cs typeface="+mn-cs"/>
-            </a:endParaRPr>
           </a:p>
         </p:txBody>
       </p:sp>
@@ -6472,7 +6403,7 @@
               <a:defRPr/>
             </a:pPr>
             <a:r>
-              <a:rPr kumimoji="0" lang="de-DE" sz="3200" i="0" u="none" strike="noStrike" kern="1200" cap="none" spc="0" normalizeH="0" baseline="0" noProof="0" dirty="0" smtClean="0">
+              <a:rPr kumimoji="0" lang="de-DE" sz="3200" i="0" u="none" strike="noStrike" kern="1200" cap="none" spc="0" normalizeH="0" baseline="0" noProof="0" dirty="0">
                 <a:ln>
                   <a:noFill/>
                 </a:ln>
@@ -6486,7 +6417,7 @@
               <a:t>Die </a:t>
             </a:r>
             <a:r>
-              <a:rPr kumimoji="0" lang="de-DE" sz="3200" b="1" i="0" u="none" strike="noStrike" kern="1200" cap="none" spc="0" normalizeH="0" baseline="0" noProof="0" dirty="0" smtClean="0">
+              <a:rPr kumimoji="0" lang="de-DE" sz="3200" b="1" i="0" u="none" strike="noStrike" kern="1200" cap="none" spc="0" normalizeH="0" baseline="0" noProof="0" dirty="0">
                 <a:ln>
                   <a:noFill/>
                 </a:ln>
@@ -6503,7 +6434,7 @@
               <a:t>Aufgabenverteilung</a:t>
             </a:r>
             <a:r>
-              <a:rPr kumimoji="0" lang="de-DE" sz="3200" i="0" u="none" strike="noStrike" kern="1200" cap="none" spc="0" normalizeH="0" noProof="0" dirty="0" smtClean="0">
+              <a:rPr kumimoji="0" lang="de-DE" sz="3200" i="0" u="none" strike="noStrike" kern="1200" cap="none" spc="0" normalizeH="0" noProof="0" dirty="0">
                 <a:ln>
                   <a:noFill/>
                 </a:ln>
@@ -6536,7 +6467,7 @@
               <a:defRPr/>
             </a:pPr>
             <a:r>
-              <a:rPr kumimoji="0" lang="de-DE" sz="3200" i="0" u="none" strike="noStrike" kern="1200" cap="none" spc="0" normalizeH="0" noProof="0" dirty="0" smtClean="0">
+              <a:rPr kumimoji="0" lang="de-DE" sz="3200" i="0" u="none" strike="noStrike" kern="1200" cap="none" spc="0" normalizeH="0" noProof="0" dirty="0">
                 <a:ln>
                   <a:noFill/>
                 </a:ln>
@@ -6550,7 +6481,7 @@
               <a:t>wurde </a:t>
             </a:r>
             <a:r>
-              <a:rPr kumimoji="0" lang="de-DE" sz="3200" b="1" i="0" u="none" strike="noStrike" kern="1200" cap="none" spc="0" normalizeH="0" noProof="0" dirty="0" smtClean="0">
+              <a:rPr kumimoji="0" lang="de-DE" sz="3200" b="1" i="0" u="none" strike="noStrike" kern="1200" cap="none" spc="0" normalizeH="0" noProof="0" dirty="0">
                 <a:ln>
                   <a:noFill/>
                 </a:ln>
@@ -6567,7 +6498,7 @@
               <a:t>geändert</a:t>
             </a:r>
             <a:r>
-              <a:rPr kumimoji="0" lang="de-DE" sz="3200" i="0" u="none" strike="noStrike" kern="1200" cap="none" spc="0" normalizeH="0" noProof="0" dirty="0" smtClean="0">
+              <a:rPr kumimoji="0" lang="de-DE" sz="3200" i="0" u="none" strike="noStrike" kern="1200" cap="none" spc="0" normalizeH="0" noProof="0" dirty="0">
                 <a:ln>
                   <a:noFill/>
                 </a:ln>
@@ -6578,35 +6509,7 @@
                 <a:ea typeface="Kozuka Gothic Pro L" pitchFamily="34" charset="-128"/>
                 <a:cs typeface="+mn-cs"/>
               </a:rPr>
-              <a:t>, </a:t>
-            </a:r>
-            <a:r>
-              <a:rPr kumimoji="0" lang="de-DE" sz="3200" i="0" u="none" strike="noStrike" kern="1200" cap="none" spc="0" normalizeH="0" noProof="0" dirty="0" smtClean="0">
-                <a:ln>
-                  <a:noFill/>
-                </a:ln>
-                <a:effectLst/>
-                <a:uLnTx/>
-                <a:uFillTx/>
-                <a:latin typeface="+mj-lt"/>
-                <a:ea typeface="Kozuka Gothic Pro L" pitchFamily="34" charset="-128"/>
-                <a:cs typeface="+mn-cs"/>
-              </a:rPr>
-              <a:t>damit die </a:t>
-            </a:r>
-            <a:r>
-              <a:rPr kumimoji="0" lang="de-DE" sz="3200" i="0" u="none" strike="noStrike" kern="1200" cap="none" spc="0" normalizeH="0" noProof="0" dirty="0" smtClean="0">
-                <a:ln>
-                  <a:noFill/>
-                </a:ln>
-                <a:effectLst/>
-                <a:uLnTx/>
-                <a:uFillTx/>
-                <a:latin typeface="+mj-lt"/>
-                <a:ea typeface="Kozuka Gothic Pro L" pitchFamily="34" charset="-128"/>
-                <a:cs typeface="+mn-cs"/>
-              </a:rPr>
-              <a:t>Last auf einen </a:t>
+              <a:t>, damit die Last auf einen </a:t>
             </a:r>
           </a:p>
           <a:p>
@@ -6628,7 +6531,7 @@
               <a:defRPr/>
             </a:pPr>
             <a:r>
-              <a:rPr kumimoji="0" lang="de-DE" sz="3200" i="0" u="none" strike="noStrike" kern="1200" cap="none" spc="0" normalizeH="0" noProof="0" dirty="0" smtClean="0">
+              <a:rPr kumimoji="0" lang="de-DE" sz="3200" i="0" u="none" strike="noStrike" kern="1200" cap="none" spc="0" normalizeH="0" noProof="0" dirty="0">
                 <a:ln>
                   <a:noFill/>
                 </a:ln>
@@ -6696,7 +6599,7 @@
           <a:p>
             <a:fld id="{56E919F3-D3E8-48DB-B54A-3AFB3BE863B3}" type="datetime1">
               <a:rPr lang="de-DE" smtClean="0"/>
-              <a:t>04.07.2019</a:t>
+              <a:t>05.07.2019</a:t>
             </a:fld>
             <a:endParaRPr lang="de-DE"/>
           </a:p>
@@ -6718,10 +6621,9 @@
           <a:lstStyle/>
           <a:p>
             <a:r>
-              <a:rPr lang="de-DE" smtClean="0"/>
+              <a:rPr lang="de-DE"/>
               <a:t>E-Mood-Tracker</a:t>
             </a:r>
-            <a:endParaRPr lang="de-DE"/>
           </a:p>
         </p:txBody>
       </p:sp>
@@ -6766,18 +6668,13 @@
           <a:lstStyle/>
           <a:p>
             <a:r>
-              <a:rPr lang="de-DE" b="1" dirty="0" smtClean="0">
+              <a:rPr lang="de-DE" b="1" dirty="0">
                 <a:solidFill>
                   <a:srgbClr val="49B9B1"/>
                 </a:solidFill>
               </a:rPr>
               <a:t>Abweichungen</a:t>
             </a:r>
-            <a:endParaRPr lang="de-DE" b="1" dirty="0">
-              <a:solidFill>
-                <a:srgbClr val="49B9B1"/>
-              </a:solidFill>
-            </a:endParaRPr>
           </a:p>
         </p:txBody>
       </p:sp>
@@ -6801,31 +6698,31 @@
               <a:buAutoNum type="arabicPeriod"/>
             </a:pPr>
             <a:r>
-              <a:rPr lang="de-DE" dirty="0" smtClean="0"/>
+              <a:rPr lang="de-DE" dirty="0"/>
               <a:t>Startseite Psychologe – es werden nur </a:t>
             </a:r>
             <a:r>
-              <a:rPr lang="de-DE" b="1" dirty="0" smtClean="0"/>
+              <a:rPr lang="de-DE" b="1" dirty="0"/>
               <a:t>aktuelle Notizen angezeigt</a:t>
             </a:r>
             <a:r>
-              <a:rPr lang="de-DE" dirty="0" smtClean="0"/>
+              <a:rPr lang="de-DE" dirty="0"/>
               <a:t>, </a:t>
             </a:r>
             <a:r>
-              <a:rPr lang="de-DE" b="1" dirty="0" smtClean="0"/>
+              <a:rPr lang="de-DE" b="1" dirty="0"/>
               <a:t>keine</a:t>
             </a:r>
             <a:r>
-              <a:rPr lang="de-DE" dirty="0" smtClean="0"/>
+              <a:rPr lang="de-DE" dirty="0"/>
               <a:t> </a:t>
             </a:r>
             <a:r>
-              <a:rPr lang="de-DE" b="1" dirty="0" smtClean="0"/>
+              <a:rPr lang="de-DE" b="1" dirty="0"/>
               <a:t>Tagebucheinträge</a:t>
             </a:r>
             <a:r>
-              <a:rPr lang="de-DE" dirty="0" smtClean="0">
+              <a:rPr lang="de-DE" dirty="0">
                 <a:solidFill>
                   <a:srgbClr val="EF7B6E"/>
                 </a:solidFill>
@@ -6833,15 +6730,15 @@
               <a:t> </a:t>
             </a:r>
             <a:r>
-              <a:rPr lang="de-DE" dirty="0" smtClean="0"/>
+              <a:rPr lang="de-DE" dirty="0"/>
               <a:t>und </a:t>
             </a:r>
             <a:r>
-              <a:rPr lang="de-DE" b="1" dirty="0" smtClean="0"/>
+              <a:rPr lang="de-DE" b="1" dirty="0"/>
               <a:t>Medikamenteneinnahme</a:t>
             </a:r>
             <a:r>
-              <a:rPr lang="de-DE" dirty="0" smtClean="0"/>
+              <a:rPr lang="de-DE" dirty="0"/>
               <a:t>.</a:t>
             </a:r>
           </a:p>
@@ -6851,26 +6748,25 @@
               <a:buAutoNum type="arabicPeriod"/>
             </a:pPr>
             <a:r>
-              <a:rPr lang="de-DE" dirty="0" smtClean="0"/>
+              <a:rPr lang="de-DE" dirty="0"/>
               <a:t>Im Tagebuch wird </a:t>
             </a:r>
             <a:r>
-              <a:rPr lang="de-DE" b="1" dirty="0" smtClean="0"/>
+              <a:rPr lang="de-DE" b="1" dirty="0"/>
               <a:t>kein Datum </a:t>
             </a:r>
             <a:r>
-              <a:rPr lang="de-DE" dirty="0" smtClean="0"/>
+              <a:rPr lang="de-DE" dirty="0"/>
               <a:t>und </a:t>
             </a:r>
             <a:r>
-              <a:rPr lang="de-DE" b="1" dirty="0" smtClean="0"/>
+              <a:rPr lang="de-DE" b="1" dirty="0"/>
               <a:t>keine aktuelle Uhrzeit</a:t>
             </a:r>
             <a:r>
-              <a:rPr lang="de-DE" dirty="0" smtClean="0"/>
+              <a:rPr lang="de-DE" dirty="0"/>
               <a:t> angezeigt.</a:t>
             </a:r>
-            <a:endParaRPr lang="de-DE" dirty="0"/>
           </a:p>
         </p:txBody>
       </p:sp>
@@ -6915,7 +6811,7 @@
           <a:p>
             <a:fld id="{AE316D61-8BC8-46ED-89BB-0F5CE7AC1E51}" type="datetime1">
               <a:rPr lang="de-DE" smtClean="0"/>
-              <a:t>04.07.2019</a:t>
+              <a:t>05.07.2019</a:t>
             </a:fld>
             <a:endParaRPr lang="de-DE"/>
           </a:p>
@@ -6937,10 +6833,9 @@
           <a:lstStyle/>
           <a:p>
             <a:r>
-              <a:rPr lang="de-DE" smtClean="0"/>
+              <a:rPr lang="de-DE"/>
               <a:t>E-Mood-Tracker</a:t>
             </a:r>
-            <a:endParaRPr lang="de-DE"/>
           </a:p>
         </p:txBody>
       </p:sp>
@@ -6985,10 +6880,9 @@
           <a:lstStyle/>
           <a:p>
             <a:r>
-              <a:rPr lang="de-DE" dirty="0" smtClean="0"/>
+              <a:rPr lang="de-DE" dirty="0"/>
               <a:t>Softwareprobleme</a:t>
             </a:r>
-            <a:endParaRPr lang="de-DE" dirty="0"/>
           </a:p>
         </p:txBody>
       </p:sp>
@@ -7008,11 +6902,11 @@
           <a:lstStyle/>
           <a:p>
             <a:r>
-              <a:rPr lang="de-DE" dirty="0" smtClean="0"/>
-              <a:t>Seiten müssen erst neu geladen werden, damit sie funktionsfähig sind </a:t>
-            </a:r>
-            <a:r>
-              <a:rPr lang="de-DE" dirty="0" smtClean="0">
+              <a:rPr lang="de-DE" dirty="0"/>
+              <a:t>Webseiten Navigation funktioniert nur teilweise</a:t>
+            </a:r>
+            <a:r>
+              <a:rPr lang="de-DE" dirty="0">
                 <a:sym typeface="Wingdings" pitchFamily="2" charset="2"/>
               </a:rPr>
               <a:t> jquery Problem.</a:t>
@@ -7020,23 +6914,31 @@
           </a:p>
           <a:p>
             <a:r>
-              <a:rPr lang="de-DE" dirty="0" smtClean="0">
+              <a:rPr lang="de-DE" dirty="0">
                 <a:sym typeface="Wingdings" pitchFamily="2" charset="2"/>
               </a:rPr>
               <a:t>Webserverumleitung von HTTP zu </a:t>
             </a:r>
             <a:r>
-              <a:rPr lang="de-DE" b="1" dirty="0" smtClean="0">
+              <a:rPr lang="de-DE" b="1" dirty="0">
                 <a:sym typeface="Wingdings" pitchFamily="2" charset="2"/>
               </a:rPr>
               <a:t>HTTPS funktioniert nicht</a:t>
             </a:r>
             <a:r>
-              <a:rPr lang="de-DE" dirty="0" smtClean="0">
+              <a:rPr lang="de-DE" dirty="0">
                 <a:sym typeface="Wingdings" pitchFamily="2" charset="2"/>
               </a:rPr>
               <a:t>.</a:t>
             </a:r>
+          </a:p>
+          <a:p>
+            <a:r>
+              <a:rPr lang="de-DE" dirty="0">
+                <a:sym typeface="Wingdings" pitchFamily="2" charset="2"/>
+              </a:rPr>
+              <a:t>Tagebuch Daten plotten bekommt noch keine Daten von der Datenbank.</a:t>
+            </a:r>
             <a:endParaRPr lang="de-DE" dirty="0"/>
           </a:p>
         </p:txBody>
@@ -7058,7 +6960,7 @@
           <a:p>
             <a:fld id="{8AF30EF5-5647-443A-BF6F-74A98C1573C6}" type="datetime1">
               <a:rPr lang="de-DE" smtClean="0"/>
-              <a:t>04.07.2019</a:t>
+              <a:t>05.07.2019</a:t>
             </a:fld>
             <a:endParaRPr lang="de-DE"/>
           </a:p>
@@ -7080,10 +6982,9 @@
           <a:lstStyle/>
           <a:p>
             <a:r>
-              <a:rPr lang="de-DE" smtClean="0"/>
+              <a:rPr lang="de-DE"/>
               <a:t>E-Mood-Tracker</a:t>
             </a:r>
-            <a:endParaRPr lang="de-DE"/>
           </a:p>
         </p:txBody>
       </p:sp>
@@ -7152,18 +7053,13 @@
           <a:lstStyle/>
           <a:p>
             <a:r>
-              <a:rPr lang="de-DE" b="1" dirty="0" smtClean="0">
+              <a:rPr lang="de-DE" b="1" dirty="0">
                 <a:solidFill>
                   <a:srgbClr val="49B9B1"/>
                 </a:solidFill>
               </a:rPr>
               <a:t>Zusammenfassung</a:t>
             </a:r>
-            <a:endParaRPr lang="de-DE" b="1" dirty="0">
-              <a:solidFill>
-                <a:srgbClr val="49B9B1"/>
-              </a:solidFill>
-            </a:endParaRPr>
           </a:p>
         </p:txBody>
       </p:sp>
@@ -7183,11 +7079,11 @@
           <a:lstStyle/>
           <a:p>
             <a:r>
-              <a:rPr lang="de-DE" dirty="0" smtClean="0"/>
+              <a:rPr lang="de-DE" dirty="0"/>
               <a:t>Der Kontaktperson </a:t>
             </a:r>
             <a:r>
-              <a:rPr lang="de-DE" b="1" dirty="0" smtClean="0">
+              <a:rPr lang="de-DE" b="1" dirty="0">
                 <a:solidFill>
                   <a:srgbClr val="EF7B6E"/>
                 </a:solidFill>
@@ -7195,17 +7091,17 @@
               <a:t>gefällt Projekt </a:t>
             </a:r>
             <a:r>
-              <a:rPr lang="de-DE" dirty="0" smtClean="0"/>
+              <a:rPr lang="de-DE" dirty="0"/>
               <a:t>soweit gut.</a:t>
             </a:r>
           </a:p>
           <a:p>
             <a:r>
-              <a:rPr lang="de-DE" dirty="0" smtClean="0"/>
+              <a:rPr lang="de-DE" dirty="0"/>
               <a:t>Zukünftig soll das Projekt </a:t>
             </a:r>
             <a:r>
-              <a:rPr lang="de-DE" b="1" dirty="0" smtClean="0">
+              <a:rPr lang="de-DE" b="1" dirty="0">
                 <a:solidFill>
                   <a:srgbClr val="EF7B6E"/>
                 </a:solidFill>
@@ -7213,7 +7109,7 @@
               <a:t>weiterentwickelt</a:t>
             </a:r>
             <a:r>
-              <a:rPr lang="de-DE" dirty="0" smtClean="0">
+              <a:rPr lang="de-DE" dirty="0">
                 <a:solidFill>
                   <a:srgbClr val="EF7B6E"/>
                 </a:solidFill>
@@ -7221,11 +7117,11 @@
               <a:t> </a:t>
             </a:r>
             <a:r>
-              <a:rPr lang="de-DE" dirty="0" smtClean="0"/>
+              <a:rPr lang="de-DE" dirty="0"/>
               <a:t>werden, sodass in der </a:t>
             </a:r>
             <a:r>
-              <a:rPr lang="de-DE" b="1" dirty="0" smtClean="0">
+              <a:rPr lang="de-DE" b="1" dirty="0">
                 <a:solidFill>
                   <a:srgbClr val="EF7B6E"/>
                 </a:solidFill>
@@ -7233,11 +7129,11 @@
               <a:t>Zukunft</a:t>
             </a:r>
             <a:r>
-              <a:rPr lang="de-DE" dirty="0" smtClean="0"/>
+              <a:rPr lang="de-DE" dirty="0"/>
               <a:t> ein </a:t>
             </a:r>
             <a:r>
-              <a:rPr lang="de-DE" b="1" dirty="0" smtClean="0">
+              <a:rPr lang="de-DE" b="1" dirty="0">
                 <a:solidFill>
                   <a:srgbClr val="EF7B6E"/>
                 </a:solidFill>
@@ -7245,17 +7141,17 @@
               <a:t>Testdurchlauf</a:t>
             </a:r>
             <a:r>
-              <a:rPr lang="de-DE" dirty="0" smtClean="0"/>
+              <a:rPr lang="de-DE" dirty="0"/>
               <a:t> gestartet werden kann.</a:t>
             </a:r>
           </a:p>
           <a:p>
             <a:r>
-              <a:rPr lang="de-DE" dirty="0" smtClean="0"/>
+              <a:rPr lang="de-DE" dirty="0"/>
               <a:t>Software soll eventuell um </a:t>
             </a:r>
             <a:r>
-              <a:rPr lang="de-DE" b="1" dirty="0" smtClean="0">
+              <a:rPr lang="de-DE" b="1" dirty="0">
                 <a:solidFill>
                   <a:srgbClr val="EF7B6E"/>
                 </a:solidFill>
@@ -7263,11 +7159,11 @@
               <a:t>Funktionen</a:t>
             </a:r>
             <a:r>
-              <a:rPr lang="de-DE" dirty="0" smtClean="0"/>
+              <a:rPr lang="de-DE" dirty="0"/>
               <a:t> </a:t>
             </a:r>
             <a:r>
-              <a:rPr lang="de-DE" b="1" dirty="0" smtClean="0">
+              <a:rPr lang="de-DE" b="1" dirty="0">
                 <a:solidFill>
                   <a:srgbClr val="EF7B6E"/>
                 </a:solidFill>
@@ -7275,7 +7171,7 @@
               <a:t>erweitert</a:t>
             </a:r>
             <a:r>
-              <a:rPr lang="de-DE" dirty="0" smtClean="0"/>
+              <a:rPr lang="de-DE" dirty="0"/>
               <a:t> werden (Absprache mit Kontaktperson).</a:t>
             </a:r>
           </a:p>
@@ -7322,7 +7218,7 @@
           <a:p>
             <a:fld id="{DFEB9E98-53B3-49E8-81C5-1923AC307733}" type="datetime1">
               <a:rPr lang="de-DE" smtClean="0"/>
-              <a:t>04.07.2019</a:t>
+              <a:t>05.07.2019</a:t>
             </a:fld>
             <a:endParaRPr lang="de-DE"/>
           </a:p>
@@ -7344,10 +7240,9 @@
           <a:lstStyle/>
           <a:p>
             <a:r>
-              <a:rPr lang="de-DE" smtClean="0"/>
+              <a:rPr lang="de-DE"/>
               <a:t>E-Mood-Tracker</a:t>
             </a:r>
-            <a:endParaRPr lang="de-DE"/>
           </a:p>
         </p:txBody>
       </p:sp>
@@ -7431,7 +7326,7 @@
           <a:p>
             <a:fld id="{8AF30EF5-5647-443A-BF6F-74A98C1573C6}" type="datetime1">
               <a:rPr lang="de-DE" smtClean="0"/>
-              <a:t>04.07.2019</a:t>
+              <a:t>05.07.2019</a:t>
             </a:fld>
             <a:endParaRPr lang="de-DE"/>
           </a:p>
@@ -7453,10 +7348,9 @@
           <a:lstStyle/>
           <a:p>
             <a:r>
-              <a:rPr lang="de-DE" smtClean="0"/>
+              <a:rPr lang="de-DE"/>
               <a:t>E-Mood-Tracker</a:t>
             </a:r>
-            <a:endParaRPr lang="de-DE"/>
           </a:p>
         </p:txBody>
       </p:sp>
@@ -7551,7 +7445,7 @@
               <a:defRPr/>
             </a:pPr>
             <a:r>
-              <a:rPr kumimoji="0" lang="de-DE" sz="3200" b="1" i="0" u="none" strike="noStrike" kern="1200" cap="none" spc="0" normalizeH="0" baseline="0" noProof="0" smtClean="0">
+              <a:rPr kumimoji="0" lang="de-DE" sz="3200" b="1" i="0" u="none" strike="noStrike" kern="1200" cap="none" spc="0" normalizeH="0" baseline="0" noProof="0">
                 <a:ln>
                   <a:noFill/>
                 </a:ln>
@@ -7625,18 +7519,13 @@
           <a:lstStyle/>
           <a:p>
             <a:r>
-              <a:rPr lang="de-DE" b="1" dirty="0" smtClean="0">
+              <a:rPr lang="de-DE" b="1" dirty="0">
                 <a:solidFill>
                   <a:srgbClr val="49B9B1"/>
                 </a:solidFill>
               </a:rPr>
               <a:t>Projektidee</a:t>
             </a:r>
-            <a:endParaRPr lang="de-DE" b="1" dirty="0">
-              <a:solidFill>
-                <a:srgbClr val="49B9B1"/>
-              </a:solidFill>
-            </a:endParaRPr>
           </a:p>
         </p:txBody>
       </p:sp>
@@ -7664,11 +7553,11 @@
               <a:buNone/>
             </a:pPr>
             <a:r>
-              <a:rPr lang="de-DE" dirty="0" smtClean="0"/>
+              <a:rPr lang="de-DE" dirty="0"/>
               <a:t>„Eine </a:t>
             </a:r>
             <a:r>
-              <a:rPr lang="de-DE" b="1" dirty="0" smtClean="0">
+              <a:rPr lang="de-DE" b="1" dirty="0">
                 <a:solidFill>
                   <a:srgbClr val="EF7B6E"/>
                 </a:solidFill>
@@ -7676,11 +7565,11 @@
               <a:t>Webseite</a:t>
             </a:r>
             <a:r>
-              <a:rPr lang="de-DE" dirty="0" smtClean="0"/>
+              <a:rPr lang="de-DE" dirty="0"/>
               <a:t> für </a:t>
             </a:r>
             <a:r>
-              <a:rPr lang="de-DE" b="1" dirty="0" smtClean="0">
+              <a:rPr lang="de-DE" b="1" dirty="0">
                 <a:solidFill>
                   <a:srgbClr val="EF7B6E"/>
                 </a:solidFill>
@@ -7688,11 +7577,11 @@
               <a:t>Psychologen</a:t>
             </a:r>
             <a:r>
-              <a:rPr lang="de-DE" dirty="0" smtClean="0"/>
+              <a:rPr lang="de-DE" dirty="0"/>
               <a:t> und </a:t>
             </a:r>
             <a:r>
-              <a:rPr lang="de-DE" b="1" dirty="0" smtClean="0">
+              <a:rPr lang="de-DE" b="1" dirty="0">
                 <a:solidFill>
                   <a:srgbClr val="EF7B6E"/>
                 </a:solidFill>
@@ -7705,7 +7594,7 @@
               <a:buNone/>
             </a:pPr>
             <a:r>
-              <a:rPr lang="de-DE" dirty="0" smtClean="0"/>
+              <a:rPr lang="de-DE" dirty="0"/>
               <a:t>entwickeln. Mit dem Ziel, dass Patienten ihre </a:t>
             </a:r>
           </a:p>
@@ -7714,7 +7603,7 @@
               <a:buNone/>
             </a:pPr>
             <a:r>
-              <a:rPr lang="de-DE" b="1" dirty="0" smtClean="0">
+              <a:rPr lang="de-DE" b="1" dirty="0">
                 <a:solidFill>
                   <a:srgbClr val="EF7B6E"/>
                 </a:solidFill>
@@ -7722,7 +7611,7 @@
               <a:t>Stimmung</a:t>
             </a:r>
             <a:r>
-              <a:rPr lang="de-DE" dirty="0" smtClean="0"/>
+              <a:rPr lang="de-DE" dirty="0"/>
               <a:t> täglich digital aufzeichnen können </a:t>
             </a:r>
           </a:p>
@@ -7731,11 +7620,11 @@
               <a:buNone/>
             </a:pPr>
             <a:r>
-              <a:rPr lang="de-DE" dirty="0" smtClean="0"/>
+              <a:rPr lang="de-DE" dirty="0"/>
               <a:t>und der Psychologe die </a:t>
             </a:r>
             <a:r>
-              <a:rPr lang="de-DE" b="1" dirty="0" smtClean="0">
+              <a:rPr lang="de-DE" b="1" dirty="0">
                 <a:solidFill>
                   <a:srgbClr val="EF7B6E"/>
                 </a:solidFill>
@@ -7743,7 +7632,7 @@
               <a:t>Ergbenisse</a:t>
             </a:r>
             <a:r>
-              <a:rPr lang="de-DE" dirty="0" smtClean="0"/>
+              <a:rPr lang="de-DE" dirty="0"/>
               <a:t> online </a:t>
             </a:r>
           </a:p>
@@ -7752,10 +7641,9 @@
               <a:buNone/>
             </a:pPr>
             <a:r>
-              <a:rPr lang="de-DE" dirty="0" smtClean="0"/>
+              <a:rPr lang="de-DE" dirty="0"/>
               <a:t>einsehen kann.“</a:t>
             </a:r>
-            <a:endParaRPr lang="de-DE" dirty="0"/>
           </a:p>
         </p:txBody>
       </p:sp>
@@ -7800,7 +7688,7 @@
           <a:p>
             <a:fld id="{2FC3C7A9-FC68-4D3B-93D2-03021D803582}" type="datetime1">
               <a:rPr lang="de-DE" smtClean="0"/>
-              <a:t>04.07.2019</a:t>
+              <a:t>05.07.2019</a:t>
             </a:fld>
             <a:endParaRPr lang="de-DE"/>
           </a:p>
@@ -7822,10 +7710,9 @@
           <a:lstStyle/>
           <a:p>
             <a:r>
-              <a:rPr lang="de-DE" smtClean="0"/>
+              <a:rPr lang="de-DE"/>
               <a:t>E-Mood-Tracker</a:t>
             </a:r>
-            <a:endParaRPr lang="de-DE"/>
           </a:p>
         </p:txBody>
       </p:sp>
@@ -7870,18 +7757,13 @@
           <a:lstStyle/>
           <a:p>
             <a:r>
-              <a:rPr lang="de-DE" b="1" dirty="0" smtClean="0">
+              <a:rPr lang="de-DE" b="1" dirty="0">
                 <a:solidFill>
                   <a:srgbClr val="49B9B1"/>
                 </a:solidFill>
               </a:rPr>
               <a:t>Anforderungen</a:t>
             </a:r>
-            <a:endParaRPr lang="de-DE" b="1" dirty="0">
-              <a:solidFill>
-                <a:srgbClr val="49B9B1"/>
-              </a:solidFill>
-            </a:endParaRPr>
           </a:p>
         </p:txBody>
       </p:sp>
@@ -7906,7 +7788,7 @@
               <a:buNone/>
             </a:pPr>
             <a:r>
-              <a:rPr lang="de-DE" b="1" dirty="0" smtClean="0"/>
+              <a:rPr lang="de-DE" b="1" dirty="0"/>
               <a:t>Psychologe:</a:t>
             </a:r>
           </a:p>
@@ -7915,7 +7797,7 @@
               <a:buAutoNum type="arabicPeriod"/>
             </a:pPr>
             <a:r>
-              <a:rPr lang="de-DE" dirty="0" smtClean="0"/>
+              <a:rPr lang="de-DE" dirty="0"/>
               <a:t>Soll Patientenlogins- und Daten anlegen.</a:t>
             </a:r>
           </a:p>
@@ -7924,7 +7806,7 @@
               <a:buAutoNum type="arabicPeriod"/>
             </a:pPr>
             <a:r>
-              <a:rPr lang="de-DE" dirty="0" smtClean="0"/>
+              <a:rPr lang="de-DE" dirty="0"/>
               <a:t>Kann Stimmungstagebücher abrufen und Notizen hinzufügen.</a:t>
             </a:r>
           </a:p>
@@ -7933,7 +7815,7 @@
               <a:buNone/>
             </a:pPr>
             <a:r>
-              <a:rPr lang="de-DE" b="1" dirty="0" smtClean="0"/>
+              <a:rPr lang="de-DE" b="1" dirty="0"/>
               <a:t>Patient:</a:t>
             </a:r>
           </a:p>
@@ -7942,7 +7824,7 @@
               <a:buAutoNum type="arabicPeriod"/>
             </a:pPr>
             <a:r>
-              <a:rPr lang="de-DE" dirty="0" smtClean="0"/>
+              <a:rPr lang="de-DE" dirty="0"/>
               <a:t>Soll Tagebücher ausfüllen.</a:t>
             </a:r>
           </a:p>
@@ -7951,7 +7833,7 @@
               <a:buAutoNum type="arabicPeriod"/>
             </a:pPr>
             <a:r>
-              <a:rPr lang="de-DE" dirty="0" smtClean="0"/>
+              <a:rPr lang="de-DE" dirty="0"/>
               <a:t>Soll Änderung der Medikation einsehen können.</a:t>
             </a:r>
           </a:p>
@@ -7960,7 +7842,7 @@
               <a:buAutoNum type="arabicPeriod"/>
             </a:pPr>
             <a:r>
-              <a:rPr lang="de-DE" dirty="0" smtClean="0"/>
+              <a:rPr lang="de-DE" dirty="0"/>
               <a:t>Soll eigene Eingaben einsehen können.</a:t>
             </a:r>
           </a:p>
@@ -8007,7 +7889,7 @@
           <a:p>
             <a:fld id="{E318E7FA-36D1-4142-9F02-4C14F273D728}" type="datetime1">
               <a:rPr lang="de-DE" smtClean="0"/>
-              <a:t>04.07.2019</a:t>
+              <a:t>05.07.2019</a:t>
             </a:fld>
             <a:endParaRPr lang="de-DE"/>
           </a:p>
@@ -8029,10 +7911,9 @@
           <a:lstStyle/>
           <a:p>
             <a:r>
-              <a:rPr lang="de-DE" smtClean="0"/>
+              <a:rPr lang="de-DE"/>
               <a:t>E-Mood-Tracker</a:t>
             </a:r>
-            <a:endParaRPr lang="de-DE"/>
           </a:p>
         </p:txBody>
       </p:sp>
@@ -8077,18 +7958,13 @@
           <a:lstStyle/>
           <a:p>
             <a:r>
-              <a:rPr lang="de-DE" b="1" dirty="0" smtClean="0">
+              <a:rPr lang="de-DE" b="1" dirty="0">
                 <a:solidFill>
                   <a:srgbClr val="49B9B1"/>
                 </a:solidFill>
               </a:rPr>
               <a:t>Anforderungen</a:t>
             </a:r>
-            <a:endParaRPr lang="de-DE" b="1" dirty="0">
-              <a:solidFill>
-                <a:srgbClr val="49B9B1"/>
-              </a:solidFill>
-            </a:endParaRPr>
           </a:p>
         </p:txBody>
       </p:sp>
@@ -8113,7 +7989,7 @@
               <a:buNone/>
             </a:pPr>
             <a:r>
-              <a:rPr lang="de-DE" sz="4500" b="1" dirty="0" smtClean="0"/>
+              <a:rPr lang="de-DE" sz="4500" b="1" dirty="0"/>
               <a:t>Webseite:</a:t>
             </a:r>
           </a:p>
@@ -8123,12 +7999,8 @@
               <a:buAutoNum type="arabicPeriod"/>
             </a:pPr>
             <a:r>
-              <a:rPr lang="de-DE" sz="4500" dirty="0" smtClean="0"/>
-              <a:t>Soll </a:t>
-            </a:r>
-            <a:r>
-              <a:rPr lang="de-DE" sz="4500" dirty="0" smtClean="0"/>
-              <a:t>die Änderungen der Medikation für Patienten und Psychologen im Diagramm anzeigen.</a:t>
+              <a:rPr lang="de-DE" sz="4500" dirty="0"/>
+              <a:t>Soll die Änderungen der Medikation für Patienten und Psychologen im Diagramm anzeigen.</a:t>
             </a:r>
           </a:p>
           <a:p>
@@ -8137,7 +8009,7 @@
               <a:buAutoNum type="arabicPeriod"/>
             </a:pPr>
             <a:r>
-              <a:rPr lang="de-DE" sz="4500" dirty="0" smtClean="0"/>
+              <a:rPr lang="de-DE" sz="4500" dirty="0"/>
               <a:t>Die Daten der Fragebögen sollen als Diagramme dargestellt werden.</a:t>
             </a:r>
           </a:p>
@@ -8147,7 +8019,7 @@
               <a:buAutoNum type="arabicPeriod"/>
             </a:pPr>
             <a:r>
-              <a:rPr lang="de-DE" sz="4500" dirty="0" smtClean="0"/>
+              <a:rPr lang="de-DE" sz="4500" dirty="0"/>
               <a:t>Besitzt zwei Rollen: Psychologe und Patient.</a:t>
             </a:r>
           </a:p>
@@ -8157,7 +8029,7 @@
               <a:buAutoNum type="arabicPeriod"/>
             </a:pPr>
             <a:r>
-              <a:rPr lang="de-DE" sz="4500" dirty="0" smtClean="0"/>
+              <a:rPr lang="de-DE" sz="4500" dirty="0"/>
               <a:t>Erlaubt den Rollen durch spezifische Überprüfung der Anmeldedaten die Weiterleitung zur Webseite.</a:t>
             </a:r>
           </a:p>
@@ -8167,7 +8039,7 @@
               <a:buAutoNum type="arabicPeriod"/>
             </a:pPr>
             <a:r>
-              <a:rPr lang="de-DE" sz="4500" dirty="0" smtClean="0"/>
+              <a:rPr lang="de-DE" sz="4500" dirty="0"/>
               <a:t>Soll den Patienten benachrichtigen sobald eine Änderung vom Psychologen vorgenommen wurde.</a:t>
             </a:r>
           </a:p>
@@ -8220,7 +8092,7 @@
           <a:p>
             <a:fld id="{90DA6A1B-D9BF-43F1-9792-3C001F4D6FD6}" type="datetime1">
               <a:rPr lang="de-DE" smtClean="0"/>
-              <a:t>04.07.2019</a:t>
+              <a:t>05.07.2019</a:t>
             </a:fld>
             <a:endParaRPr lang="de-DE"/>
           </a:p>
@@ -8242,10 +8114,9 @@
           <a:lstStyle/>
           <a:p>
             <a:r>
-              <a:rPr lang="de-DE" smtClean="0"/>
+              <a:rPr lang="de-DE"/>
               <a:t>E-Mood-Tracker</a:t>
             </a:r>
-            <a:endParaRPr lang="de-DE"/>
           </a:p>
         </p:txBody>
       </p:sp>
@@ -8290,18 +8161,13 @@
           <a:lstStyle/>
           <a:p>
             <a:r>
-              <a:rPr lang="de-DE" b="1" dirty="0" smtClean="0">
+              <a:rPr lang="de-DE" b="1" dirty="0">
                 <a:solidFill>
                   <a:srgbClr val="49B9B1"/>
                 </a:solidFill>
               </a:rPr>
               <a:t>Anforderungen</a:t>
             </a:r>
-            <a:endParaRPr lang="de-DE" b="1" dirty="0">
-              <a:solidFill>
-                <a:srgbClr val="49B9B1"/>
-              </a:solidFill>
-            </a:endParaRPr>
           </a:p>
         </p:txBody>
       </p:sp>
@@ -8324,7 +8190,7 @@
               <a:buNone/>
             </a:pPr>
             <a:r>
-              <a:rPr lang="de-DE" b="1" dirty="0" smtClean="0"/>
+              <a:rPr lang="de-DE" b="1" dirty="0"/>
               <a:t>Sicherheit der Daten:</a:t>
             </a:r>
           </a:p>
@@ -8334,7 +8200,7 @@
               <a:buAutoNum type="arabicPeriod"/>
             </a:pPr>
             <a:r>
-              <a:rPr lang="de-DE" dirty="0" smtClean="0"/>
+              <a:rPr lang="de-DE" dirty="0"/>
               <a:t>Die Daten der Patienten sollen  verschlüsselt werden und in einer Datenbank verwaltet werden.</a:t>
             </a:r>
           </a:p>
@@ -8344,10 +8210,9 @@
               <a:buAutoNum type="arabicPeriod"/>
             </a:pPr>
             <a:r>
-              <a:rPr lang="de-DE" dirty="0" smtClean="0"/>
+              <a:rPr lang="de-DE" dirty="0"/>
               <a:t>Nur bestimme Personen dürfen auf bestimmte Daten zugreifen.</a:t>
             </a:r>
-            <a:endParaRPr lang="de-DE" dirty="0"/>
           </a:p>
         </p:txBody>
       </p:sp>
@@ -8392,7 +8257,7 @@
           <a:p>
             <a:fld id="{58E10481-2D28-4B40-A527-6D37F033B756}" type="datetime1">
               <a:rPr lang="de-DE" smtClean="0"/>
-              <a:t>04.07.2019</a:t>
+              <a:t>05.07.2019</a:t>
             </a:fld>
             <a:endParaRPr lang="de-DE"/>
           </a:p>
@@ -8414,10 +8279,9 @@
           <a:lstStyle/>
           <a:p>
             <a:r>
-              <a:rPr lang="de-DE" smtClean="0"/>
+              <a:rPr lang="de-DE"/>
               <a:t>E-Mood-Tracker</a:t>
             </a:r>
-            <a:endParaRPr lang="de-DE"/>
           </a:p>
         </p:txBody>
       </p:sp>
@@ -8462,18 +8326,13 @@
           <a:lstStyle/>
           <a:p>
             <a:r>
-              <a:rPr lang="de-DE" b="1" dirty="0" smtClean="0">
+              <a:rPr lang="de-DE" b="1" dirty="0">
                 <a:solidFill>
                   <a:srgbClr val="49B9B1"/>
                 </a:solidFill>
               </a:rPr>
               <a:t>Design</a:t>
             </a:r>
-            <a:endParaRPr lang="de-DE" b="1" dirty="0">
-              <a:solidFill>
-                <a:srgbClr val="49B9B1"/>
-              </a:solidFill>
-            </a:endParaRPr>
           </a:p>
         </p:txBody>
       </p:sp>
@@ -8526,10 +8385,9 @@
           <a:lstStyle/>
           <a:p>
             <a:r>
-              <a:rPr lang="de-DE" dirty="0" smtClean="0"/>
+              <a:rPr lang="de-DE" dirty="0"/>
               <a:t>Mockup: Login</a:t>
             </a:r>
-            <a:endParaRPr lang="de-DE" dirty="0"/>
           </a:p>
         </p:txBody>
       </p:sp>
@@ -8574,7 +8432,7 @@
           <a:p>
             <a:fld id="{59605A1D-D077-41C5-A206-D927EEB1205B}" type="datetime1">
               <a:rPr lang="de-DE" smtClean="0"/>
-              <a:t>04.07.2019</a:t>
+              <a:t>05.07.2019</a:t>
             </a:fld>
             <a:endParaRPr lang="de-DE"/>
           </a:p>
@@ -8596,10 +8454,9 @@
           <a:lstStyle/>
           <a:p>
             <a:r>
-              <a:rPr lang="de-DE" smtClean="0"/>
+              <a:rPr lang="de-DE"/>
               <a:t>E-Mood-Tracker</a:t>
             </a:r>
-            <a:endParaRPr lang="de-DE"/>
           </a:p>
         </p:txBody>
       </p:sp>
@@ -8644,18 +8501,13 @@
           <a:lstStyle/>
           <a:p>
             <a:r>
-              <a:rPr lang="de-DE" b="1" dirty="0" smtClean="0">
+              <a:rPr lang="de-DE" b="1" dirty="0">
                 <a:solidFill>
                   <a:srgbClr val="49B9B1"/>
                 </a:solidFill>
               </a:rPr>
               <a:t>Design</a:t>
             </a:r>
-            <a:endParaRPr lang="de-DE" b="1" dirty="0">
-              <a:solidFill>
-                <a:srgbClr val="49B9B1"/>
-              </a:solidFill>
-            </a:endParaRPr>
           </a:p>
         </p:txBody>
       </p:sp>
@@ -8682,10 +8534,9 @@
           <a:lstStyle/>
           <a:p>
             <a:r>
-              <a:rPr lang="de-DE" dirty="0" smtClean="0"/>
+              <a:rPr lang="de-DE" dirty="0"/>
               <a:t>Mockup: Startseite Psychologe</a:t>
             </a:r>
-            <a:endParaRPr lang="de-DE" dirty="0"/>
           </a:p>
         </p:txBody>
       </p:sp>
@@ -8756,7 +8607,7 @@
           <a:p>
             <a:fld id="{ADCDD2A1-72B0-499B-A2FE-9250EF9EB2A8}" type="datetime1">
               <a:rPr lang="de-DE" smtClean="0"/>
-              <a:t>04.07.2019</a:t>
+              <a:t>05.07.2019</a:t>
             </a:fld>
             <a:endParaRPr lang="de-DE"/>
           </a:p>
@@ -8778,10 +8629,9 @@
           <a:lstStyle/>
           <a:p>
             <a:r>
-              <a:rPr lang="de-DE" smtClean="0"/>
+              <a:rPr lang="de-DE"/>
               <a:t>E-Mood-Tracker</a:t>
             </a:r>
-            <a:endParaRPr lang="de-DE"/>
           </a:p>
         </p:txBody>
       </p:sp>
@@ -8826,18 +8676,13 @@
           <a:lstStyle/>
           <a:p>
             <a:r>
-              <a:rPr lang="de-DE" b="1" dirty="0" smtClean="0">
+              <a:rPr lang="de-DE" b="1" dirty="0">
                 <a:solidFill>
                   <a:srgbClr val="49B9B1"/>
                 </a:solidFill>
               </a:rPr>
               <a:t>Design</a:t>
             </a:r>
-            <a:endParaRPr lang="de-DE" b="1" dirty="0">
-              <a:solidFill>
-                <a:srgbClr val="49B9B1"/>
-              </a:solidFill>
-            </a:endParaRPr>
           </a:p>
         </p:txBody>
       </p:sp>
@@ -8864,10 +8709,9 @@
           <a:lstStyle/>
           <a:p>
             <a:r>
-              <a:rPr lang="de-DE" dirty="0" smtClean="0"/>
+              <a:rPr lang="de-DE" dirty="0"/>
               <a:t>Mockup: Patient anlegen</a:t>
             </a:r>
-            <a:endParaRPr lang="de-DE" dirty="0"/>
           </a:p>
         </p:txBody>
       </p:sp>
@@ -8920,10 +8764,9 @@
           <a:lstStyle/>
           <a:p>
             <a:r>
-              <a:rPr lang="de-DE" dirty="0" smtClean="0"/>
+              <a:rPr lang="de-DE" dirty="0"/>
               <a:t>Umgesetztes Ergebnis</a:t>
             </a:r>
-            <a:endParaRPr lang="de-DE" dirty="0"/>
           </a:p>
         </p:txBody>
       </p:sp>
@@ -8968,7 +8811,7 @@
           <a:p>
             <a:fld id="{32E55286-133A-4E97-90FC-8D1A39997293}" type="datetime1">
               <a:rPr lang="de-DE" smtClean="0"/>
-              <a:t>04.07.2019</a:t>
+              <a:t>05.07.2019</a:t>
             </a:fld>
             <a:endParaRPr lang="de-DE"/>
           </a:p>
@@ -8990,10 +8833,9 @@
           <a:lstStyle/>
           <a:p>
             <a:r>
-              <a:rPr lang="de-DE" smtClean="0"/>
+              <a:rPr lang="de-DE"/>
               <a:t>E-Mood-Tracker</a:t>
             </a:r>
-            <a:endParaRPr lang="de-DE"/>
           </a:p>
         </p:txBody>
       </p:sp>
